--- a/Teaching The It Pro How to Dev/Teaching the ITPro how to Dev.pptx
+++ b/Teaching The It Pro How to Dev/Teaching the ITPro how to Dev.pptx
@@ -5,24 +5,22 @@
     <p:sldMasterId id="2147483648" r:id="rId1"/>
   </p:sldMasterIdLst>
   <p:notesMasterIdLst>
-    <p:notesMasterId r:id="rId17"/>
+    <p:notesMasterId r:id="rId15"/>
   </p:notesMasterIdLst>
   <p:sldIdLst>
     <p:sldId id="256" r:id="rId2"/>
-    <p:sldId id="305" r:id="rId3"/>
-    <p:sldId id="258" r:id="rId4"/>
-    <p:sldId id="298" r:id="rId5"/>
-    <p:sldId id="259" r:id="rId6"/>
-    <p:sldId id="288" r:id="rId7"/>
-    <p:sldId id="292" r:id="rId8"/>
-    <p:sldId id="302" r:id="rId9"/>
-    <p:sldId id="299" r:id="rId10"/>
-    <p:sldId id="303" r:id="rId11"/>
-    <p:sldId id="301" r:id="rId12"/>
-    <p:sldId id="287" r:id="rId13"/>
-    <p:sldId id="307" r:id="rId14"/>
-    <p:sldId id="283" r:id="rId15"/>
-    <p:sldId id="306" r:id="rId16"/>
+    <p:sldId id="258" r:id="rId3"/>
+    <p:sldId id="298" r:id="rId4"/>
+    <p:sldId id="259" r:id="rId5"/>
+    <p:sldId id="288" r:id="rId6"/>
+    <p:sldId id="292" r:id="rId7"/>
+    <p:sldId id="302" r:id="rId8"/>
+    <p:sldId id="299" r:id="rId9"/>
+    <p:sldId id="303" r:id="rId10"/>
+    <p:sldId id="301" r:id="rId11"/>
+    <p:sldId id="287" r:id="rId12"/>
+    <p:sldId id="307" r:id="rId13"/>
+    <p:sldId id="283" r:id="rId14"/>
   </p:sldIdLst>
   <p:sldSz cx="12192000" cy="6858000"/>
   <p:notesSz cx="6858000" cy="9144000"/>
@@ -211,7 +209,7 @@
           <a:p>
             <a:fld id="{3D7368E2-82AA-4A5C-9CBF-886E427DDC40}" type="datetimeFigureOut">
               <a:rPr lang="en-GB" smtClean="0"/>
-              <a:t>09/07/2016</a:t>
+              <a:t>23/07/2016</a:t>
             </a:fld>
             <a:endParaRPr lang="en-GB"/>
           </a:p>
@@ -563,174 +561,6 @@
 </p:notes>
 </file>
 
-<file path=ppt/notesSlides/notesSlide2.xml><?xml version="1.0" encoding="utf-8"?>
-<p:notes xmlns:a="http://schemas.openxmlformats.org/drawingml/2006/main" xmlns:r="http://schemas.openxmlformats.org/officeDocument/2006/relationships" xmlns:p="http://schemas.openxmlformats.org/presentationml/2006/main">
-  <p:cSld>
-    <p:spTree>
-      <p:nvGrpSpPr>
-        <p:cNvPr id="1" name=""/>
-        <p:cNvGrpSpPr/>
-        <p:nvPr/>
-      </p:nvGrpSpPr>
-      <p:grpSpPr>
-        <a:xfrm>
-          <a:off x="0" y="0"/>
-          <a:ext cx="0" cy="0"/>
-          <a:chOff x="0" y="0"/>
-          <a:chExt cx="0" cy="0"/>
-        </a:xfrm>
-      </p:grpSpPr>
-      <p:sp>
-        <p:nvSpPr>
-          <p:cNvPr id="2" name="Slide Image Placeholder 1"/>
-          <p:cNvSpPr>
-            <a:spLocks noGrp="1" noRot="1" noChangeAspect="1"/>
-          </p:cNvSpPr>
-          <p:nvPr>
-            <p:ph type="sldImg"/>
-          </p:nvPr>
-        </p:nvSpPr>
-        <p:spPr/>
-      </p:sp>
-      <p:sp>
-        <p:nvSpPr>
-          <p:cNvPr id="3" name="Notes Placeholder 2"/>
-          <p:cNvSpPr>
-            <a:spLocks noGrp="1"/>
-          </p:cNvSpPr>
-          <p:nvPr>
-            <p:ph type="body" idx="1"/>
-          </p:nvPr>
-        </p:nvSpPr>
-        <p:spPr/>
-        <p:txBody>
-          <a:bodyPr/>
-          <a:lstStyle/>
-          <a:p>
-            <a:endParaRPr lang="en-GB" dirty="0"/>
-          </a:p>
-        </p:txBody>
-      </p:sp>
-      <p:sp>
-        <p:nvSpPr>
-          <p:cNvPr id="4" name="Slide Number Placeholder 3"/>
-          <p:cNvSpPr>
-            <a:spLocks noGrp="1"/>
-          </p:cNvSpPr>
-          <p:nvPr>
-            <p:ph type="sldNum" sz="quarter" idx="10"/>
-          </p:nvPr>
-        </p:nvSpPr>
-        <p:spPr/>
-        <p:txBody>
-          <a:bodyPr/>
-          <a:lstStyle/>
-          <a:p>
-            <a:fld id="{3D375574-47E6-4262-A62F-628BCD983975}" type="slidenum">
-              <a:rPr lang="en-GB" smtClean="0"/>
-              <a:t>2</a:t>
-            </a:fld>
-            <a:endParaRPr lang="en-GB"/>
-          </a:p>
-        </p:txBody>
-      </p:sp>
-    </p:spTree>
-    <p:extLst>
-      <p:ext uri="{BB962C8B-B14F-4D97-AF65-F5344CB8AC3E}">
-        <p14:creationId xmlns:p14="http://schemas.microsoft.com/office/powerpoint/2010/main" val="1124963889"/>
-      </p:ext>
-    </p:extLst>
-  </p:cSld>
-  <p:clrMapOvr>
-    <a:masterClrMapping/>
-  </p:clrMapOvr>
-</p:notes>
-</file>
-
-<file path=ppt/notesSlides/notesSlide3.xml><?xml version="1.0" encoding="utf-8"?>
-<p:notes xmlns:a="http://schemas.openxmlformats.org/drawingml/2006/main" xmlns:r="http://schemas.openxmlformats.org/officeDocument/2006/relationships" xmlns:p="http://schemas.openxmlformats.org/presentationml/2006/main">
-  <p:cSld>
-    <p:spTree>
-      <p:nvGrpSpPr>
-        <p:cNvPr id="1" name=""/>
-        <p:cNvGrpSpPr/>
-        <p:nvPr/>
-      </p:nvGrpSpPr>
-      <p:grpSpPr>
-        <a:xfrm>
-          <a:off x="0" y="0"/>
-          <a:ext cx="0" cy="0"/>
-          <a:chOff x="0" y="0"/>
-          <a:chExt cx="0" cy="0"/>
-        </a:xfrm>
-      </p:grpSpPr>
-      <p:sp>
-        <p:nvSpPr>
-          <p:cNvPr id="2" name="Slide Image Placeholder 1"/>
-          <p:cNvSpPr>
-            <a:spLocks noGrp="1" noRot="1" noChangeAspect="1"/>
-          </p:cNvSpPr>
-          <p:nvPr>
-            <p:ph type="sldImg"/>
-          </p:nvPr>
-        </p:nvSpPr>
-        <p:spPr/>
-      </p:sp>
-      <p:sp>
-        <p:nvSpPr>
-          <p:cNvPr id="3" name="Notes Placeholder 2"/>
-          <p:cNvSpPr>
-            <a:spLocks noGrp="1"/>
-          </p:cNvSpPr>
-          <p:nvPr>
-            <p:ph type="body" idx="1"/>
-          </p:nvPr>
-        </p:nvSpPr>
-        <p:spPr/>
-        <p:txBody>
-          <a:bodyPr/>
-          <a:lstStyle/>
-          <a:p>
-            <a:endParaRPr lang="en-GB" dirty="0"/>
-          </a:p>
-        </p:txBody>
-      </p:sp>
-      <p:sp>
-        <p:nvSpPr>
-          <p:cNvPr id="4" name="Slide Number Placeholder 3"/>
-          <p:cNvSpPr>
-            <a:spLocks noGrp="1"/>
-          </p:cNvSpPr>
-          <p:nvPr>
-            <p:ph type="sldNum" sz="quarter" idx="10"/>
-          </p:nvPr>
-        </p:nvSpPr>
-        <p:spPr/>
-        <p:txBody>
-          <a:bodyPr/>
-          <a:lstStyle/>
-          <a:p>
-            <a:fld id="{3D375574-47E6-4262-A62F-628BCD983975}" type="slidenum">
-              <a:rPr lang="en-GB" smtClean="0"/>
-              <a:t>15</a:t>
-            </a:fld>
-            <a:endParaRPr lang="en-GB"/>
-          </a:p>
-        </p:txBody>
-      </p:sp>
-    </p:spTree>
-    <p:extLst>
-      <p:ext uri="{BB962C8B-B14F-4D97-AF65-F5344CB8AC3E}">
-        <p14:creationId xmlns:p14="http://schemas.microsoft.com/office/powerpoint/2010/main" val="3210604714"/>
-      </p:ext>
-    </p:extLst>
-  </p:cSld>
-  <p:clrMapOvr>
-    <a:masterClrMapping/>
-  </p:clrMapOvr>
-</p:notes>
-</file>
-
 <file path=ppt/slideLayouts/slideLayout1.xml><?xml version="1.0" encoding="utf-8"?>
 <p:sldLayout xmlns:a="http://schemas.openxmlformats.org/drawingml/2006/main" xmlns:r="http://schemas.openxmlformats.org/officeDocument/2006/relationships" xmlns:p="http://schemas.openxmlformats.org/presentationml/2006/main" type="title" preserve="1">
   <p:cSld name="Title Slide">
@@ -862,7 +692,7 @@
           <a:p>
             <a:fld id="{D8D374B1-36E8-4293-89C8-B45A6D7B3AE1}" type="datetimeFigureOut">
               <a:rPr lang="en-GB" smtClean="0"/>
-              <a:t>09/07/2016</a:t>
+              <a:t>23/07/2016</a:t>
             </a:fld>
             <a:endParaRPr lang="en-GB" dirty="0"/>
           </a:p>
@@ -1032,7 +862,7 @@
           <a:p>
             <a:fld id="{D8D374B1-36E8-4293-89C8-B45A6D7B3AE1}" type="datetimeFigureOut">
               <a:rPr lang="en-GB" smtClean="0"/>
-              <a:t>09/07/2016</a:t>
+              <a:t>23/07/2016</a:t>
             </a:fld>
             <a:endParaRPr lang="en-GB" dirty="0"/>
           </a:p>
@@ -1212,7 +1042,7 @@
           <a:p>
             <a:fld id="{D8D374B1-36E8-4293-89C8-B45A6D7B3AE1}" type="datetimeFigureOut">
               <a:rPr lang="en-GB" smtClean="0"/>
-              <a:t>09/07/2016</a:t>
+              <a:t>23/07/2016</a:t>
             </a:fld>
             <a:endParaRPr lang="en-GB" dirty="0"/>
           </a:p>
@@ -1382,7 +1212,7 @@
           <a:p>
             <a:fld id="{D8D374B1-36E8-4293-89C8-B45A6D7B3AE1}" type="datetimeFigureOut">
               <a:rPr lang="en-GB" smtClean="0"/>
-              <a:t>09/07/2016</a:t>
+              <a:t>23/07/2016</a:t>
             </a:fld>
             <a:endParaRPr lang="en-GB" dirty="0"/>
           </a:p>
@@ -1628,7 +1458,7 @@
           <a:p>
             <a:fld id="{D8D374B1-36E8-4293-89C8-B45A6D7B3AE1}" type="datetimeFigureOut">
               <a:rPr lang="en-GB" smtClean="0"/>
-              <a:t>09/07/2016</a:t>
+              <a:t>23/07/2016</a:t>
             </a:fld>
             <a:endParaRPr lang="en-GB" dirty="0"/>
           </a:p>
@@ -1860,7 +1690,7 @@
           <a:p>
             <a:fld id="{D8D374B1-36E8-4293-89C8-B45A6D7B3AE1}" type="datetimeFigureOut">
               <a:rPr lang="en-GB" smtClean="0"/>
-              <a:t>09/07/2016</a:t>
+              <a:t>23/07/2016</a:t>
             </a:fld>
             <a:endParaRPr lang="en-GB" dirty="0"/>
           </a:p>
@@ -2227,7 +2057,7 @@
           <a:p>
             <a:fld id="{D8D374B1-36E8-4293-89C8-B45A6D7B3AE1}" type="datetimeFigureOut">
               <a:rPr lang="en-GB" smtClean="0"/>
-              <a:t>09/07/2016</a:t>
+              <a:t>23/07/2016</a:t>
             </a:fld>
             <a:endParaRPr lang="en-GB" dirty="0"/>
           </a:p>
@@ -2345,7 +2175,7 @@
           <a:p>
             <a:fld id="{D8D374B1-36E8-4293-89C8-B45A6D7B3AE1}" type="datetimeFigureOut">
               <a:rPr lang="en-GB" smtClean="0"/>
-              <a:t>09/07/2016</a:t>
+              <a:t>23/07/2016</a:t>
             </a:fld>
             <a:endParaRPr lang="en-GB" dirty="0"/>
           </a:p>
@@ -2440,7 +2270,7 @@
           <a:p>
             <a:fld id="{D8D374B1-36E8-4293-89C8-B45A6D7B3AE1}" type="datetimeFigureOut">
               <a:rPr lang="en-GB" smtClean="0"/>
-              <a:t>09/07/2016</a:t>
+              <a:t>23/07/2016</a:t>
             </a:fld>
             <a:endParaRPr lang="en-GB" dirty="0"/>
           </a:p>
@@ -2717,7 +2547,7 @@
           <a:p>
             <a:fld id="{D8D374B1-36E8-4293-89C8-B45A6D7B3AE1}" type="datetimeFigureOut">
               <a:rPr lang="en-GB" smtClean="0"/>
-              <a:t>09/07/2016</a:t>
+              <a:t>23/07/2016</a:t>
             </a:fld>
             <a:endParaRPr lang="en-GB" dirty="0"/>
           </a:p>
@@ -2970,7 +2800,7 @@
           <a:p>
             <a:fld id="{D8D374B1-36E8-4293-89C8-B45A6D7B3AE1}" type="datetimeFigureOut">
               <a:rPr lang="en-GB" smtClean="0"/>
-              <a:t>09/07/2016</a:t>
+              <a:t>23/07/2016</a:t>
             </a:fld>
             <a:endParaRPr lang="en-GB" dirty="0"/>
           </a:p>
@@ -3183,7 +3013,7 @@
           <a:p>
             <a:fld id="{D8D374B1-36E8-4293-89C8-B45A6D7B3AE1}" type="datetimeFigureOut">
               <a:rPr lang="en-GB" smtClean="0"/>
-              <a:t>09/07/2016</a:t>
+              <a:t>23/07/2016</a:t>
             </a:fld>
             <a:endParaRPr lang="en-GB" dirty="0"/>
           </a:p>
@@ -4149,768 +3979,6 @@
         </p:nvSpPr>
         <p:spPr>
           <a:xfrm>
-            <a:off x="0" y="-2"/>
-            <a:ext cx="12192000" cy="6858000"/>
-          </a:xfrm>
-          <a:prstGeom prst="rect">
-            <a:avLst/>
-          </a:prstGeom>
-          <a:solidFill>
-            <a:schemeClr val="accent1">
-              <a:lumMod val="60000"/>
-              <a:lumOff val="40000"/>
-            </a:schemeClr>
-          </a:solidFill>
-        </p:spPr>
-        <p:style>
-          <a:lnRef idx="2">
-            <a:schemeClr val="accent2">
-              <a:shade val="50000"/>
-            </a:schemeClr>
-          </a:lnRef>
-          <a:fillRef idx="1">
-            <a:schemeClr val="accent2"/>
-          </a:fillRef>
-          <a:effectRef idx="0">
-            <a:schemeClr val="accent2"/>
-          </a:effectRef>
-          <a:fontRef idx="minor">
-            <a:schemeClr val="lt1"/>
-          </a:fontRef>
-        </p:style>
-        <p:txBody>
-          <a:bodyPr rtlCol="0" anchor="ctr"/>
-          <a:lstStyle/>
-          <a:p>
-            <a:pPr algn="ctr"/>
-            <a:endParaRPr lang="en-GB" dirty="0"/>
-          </a:p>
-        </p:txBody>
-      </p:sp>
-      <p:sp>
-        <p:nvSpPr>
-          <p:cNvPr id="2" name="Title 1"/>
-          <p:cNvSpPr>
-            <a:spLocks noGrp="1"/>
-          </p:cNvSpPr>
-          <p:nvPr>
-            <p:ph type="ctrTitle"/>
-          </p:nvPr>
-        </p:nvSpPr>
-        <p:spPr>
-          <a:xfrm>
-            <a:off x="103517" y="182084"/>
-            <a:ext cx="11930332" cy="1103252"/>
-          </a:xfrm>
-        </p:spPr>
-        <p:txBody>
-          <a:bodyPr>
-            <a:normAutofit/>
-          </a:bodyPr>
-          <a:lstStyle/>
-          <a:p>
-            <a:r>
-              <a:rPr lang="en-GB" dirty="0"/>
-              <a:t>2 Additional Tools to start Using	</a:t>
-            </a:r>
-          </a:p>
-        </p:txBody>
-      </p:sp>
-      <p:sp>
-        <p:nvSpPr>
-          <p:cNvPr id="6" name="TextBox 5"/>
-          <p:cNvSpPr txBox="1"/>
-          <p:nvPr/>
-        </p:nvSpPr>
-        <p:spPr>
-          <a:xfrm>
-            <a:off x="7025053" y="1258368"/>
-            <a:ext cx="3842825" cy="707886"/>
-          </a:xfrm>
-          <a:prstGeom prst="rect">
-            <a:avLst/>
-          </a:prstGeom>
-          <a:noFill/>
-        </p:spPr>
-        <p:txBody>
-          <a:bodyPr wrap="square" rtlCol="0">
-            <a:spAutoFit/>
-          </a:bodyPr>
-          <a:lstStyle/>
-          <a:p>
-            <a:r>
-              <a:rPr lang="en-GB" sz="4000" dirty="0"/>
-              <a:t>PSScriptAnalyzer</a:t>
-            </a:r>
-          </a:p>
-        </p:txBody>
-      </p:sp>
-      <p:sp>
-        <p:nvSpPr>
-          <p:cNvPr id="8" name="TextBox 7"/>
-          <p:cNvSpPr txBox="1"/>
-          <p:nvPr/>
-        </p:nvSpPr>
-        <p:spPr>
-          <a:xfrm>
-            <a:off x="6770368" y="1999764"/>
-            <a:ext cx="4352193" cy="4801314"/>
-          </a:xfrm>
-          <a:prstGeom prst="rect">
-            <a:avLst/>
-          </a:prstGeom>
-          <a:noFill/>
-        </p:spPr>
-        <p:txBody>
-          <a:bodyPr wrap="square" rtlCol="0">
-            <a:spAutoFit/>
-          </a:bodyPr>
-          <a:lstStyle/>
-          <a:p>
-            <a:pPr marL="285750" indent="-285750">
-              <a:buFont typeface="Arial" panose="020B0604020202020204" pitchFamily="34" charset="0"/>
-              <a:buChar char="•"/>
-            </a:pPr>
-            <a:r>
-              <a:rPr lang="en-GB" dirty="0"/>
-              <a:t>Static Code Analysis of your PowerShell scripts – think SPCAF</a:t>
-            </a:r>
-          </a:p>
-          <a:p>
-            <a:pPr marL="285750" indent="-285750">
-              <a:buFont typeface="Arial" panose="020B0604020202020204" pitchFamily="34" charset="0"/>
-              <a:buChar char="•"/>
-            </a:pPr>
-            <a:endParaRPr lang="en-GB" dirty="0"/>
-          </a:p>
-          <a:p>
-            <a:pPr marL="285750" indent="-285750">
-              <a:buFont typeface="Arial" panose="020B0604020202020204" pitchFamily="34" charset="0"/>
-              <a:buChar char="•"/>
-            </a:pPr>
-            <a:r>
-              <a:rPr lang="en-GB" dirty="0"/>
-              <a:t>Written in C# but can be extended with PowerShell or C# Rules</a:t>
-            </a:r>
-          </a:p>
-          <a:p>
-            <a:pPr marL="285750" indent="-285750">
-              <a:buFont typeface="Arial" panose="020B0604020202020204" pitchFamily="34" charset="0"/>
-              <a:buChar char="•"/>
-            </a:pPr>
-            <a:endParaRPr lang="en-GB" dirty="0"/>
-          </a:p>
-          <a:p>
-            <a:pPr marL="285750" indent="-285750">
-              <a:buFont typeface="Arial" panose="020B0604020202020204" pitchFamily="34" charset="0"/>
-              <a:buChar char="•"/>
-            </a:pPr>
-            <a:r>
-              <a:rPr lang="en-GB" dirty="0"/>
-              <a:t>Continually being worked on</a:t>
-            </a:r>
-          </a:p>
-          <a:p>
-            <a:pPr marL="285750" indent="-285750">
-              <a:buFont typeface="Arial" panose="020B0604020202020204" pitchFamily="34" charset="0"/>
-              <a:buChar char="•"/>
-            </a:pPr>
-            <a:endParaRPr lang="en-GB" dirty="0"/>
-          </a:p>
-          <a:p>
-            <a:pPr marL="285750" indent="-285750">
-              <a:buFont typeface="Arial" panose="020B0604020202020204" pitchFamily="34" charset="0"/>
-              <a:buChar char="•"/>
-            </a:pPr>
-            <a:r>
-              <a:rPr lang="en-GB" dirty="0"/>
-              <a:t>Submits to the PowerShell Gallery get Run through the Script </a:t>
-            </a:r>
-            <a:r>
-              <a:rPr lang="en-GB" dirty="0" err="1"/>
-              <a:t>Analyzer</a:t>
-            </a:r>
-            <a:r>
-              <a:rPr lang="en-GB" dirty="0"/>
-              <a:t> and fails can mean that a submission gets removed</a:t>
-            </a:r>
-          </a:p>
-          <a:p>
-            <a:pPr marL="285750" indent="-285750">
-              <a:buFont typeface="Arial" panose="020B0604020202020204" pitchFamily="34" charset="0"/>
-              <a:buChar char="•"/>
-            </a:pPr>
-            <a:endParaRPr lang="en-GB" dirty="0"/>
-          </a:p>
-          <a:p>
-            <a:pPr marL="285750" indent="-285750">
-              <a:buFont typeface="Arial" panose="020B0604020202020204" pitchFamily="34" charset="0"/>
-              <a:buChar char="•"/>
-            </a:pPr>
-            <a:r>
-              <a:rPr lang="en-GB" dirty="0"/>
-              <a:t>Helps you to write better PowerShell</a:t>
-            </a:r>
-          </a:p>
-          <a:p>
-            <a:pPr marL="285750" indent="-285750">
-              <a:buFont typeface="Arial" panose="020B0604020202020204" pitchFamily="34" charset="0"/>
-              <a:buChar char="•"/>
-            </a:pPr>
-            <a:endParaRPr lang="en-GB" dirty="0"/>
-          </a:p>
-          <a:p>
-            <a:pPr marL="285750" indent="-285750">
-              <a:buFont typeface="Arial" panose="020B0604020202020204" pitchFamily="34" charset="0"/>
-              <a:buChar char="•"/>
-            </a:pPr>
-            <a:r>
-              <a:rPr lang="en-GB" dirty="0"/>
-              <a:t>Based on </a:t>
-            </a:r>
-            <a:r>
-              <a:rPr lang="en-GB" dirty="0" err="1"/>
-              <a:t>StyleCop</a:t>
-            </a:r>
-            <a:r>
-              <a:rPr lang="en-GB" dirty="0"/>
-              <a:t> and other Code Analysis frameworks</a:t>
-            </a:r>
-          </a:p>
-        </p:txBody>
-      </p:sp>
-      <p:pic>
-        <p:nvPicPr>
-          <p:cNvPr id="9" name="Picture 8"/>
-          <p:cNvPicPr>
-            <a:picLocks noChangeAspect="1"/>
-          </p:cNvPicPr>
-          <p:nvPr/>
-        </p:nvPicPr>
-        <p:blipFill>
-          <a:blip r:embed="rId2">
-            <a:extLst>
-              <a:ext uri="{28A0092B-C50C-407E-A947-70E740481C1C}">
-                <a14:useLocalDpi xmlns:a14="http://schemas.microsoft.com/office/drawing/2010/main" val="0"/>
-              </a:ext>
-            </a:extLst>
-          </a:blip>
-          <a:stretch>
-            <a:fillRect/>
-          </a:stretch>
-        </p:blipFill>
-        <p:spPr>
-          <a:xfrm>
-            <a:off x="360485" y="2333203"/>
-            <a:ext cx="6226620" cy="3243503"/>
-          </a:xfrm>
-          <a:prstGeom prst="rect">
-            <a:avLst/>
-          </a:prstGeom>
-        </p:spPr>
-      </p:pic>
-    </p:spTree>
-    <p:extLst>
-      <p:ext uri="{BB962C8B-B14F-4D97-AF65-F5344CB8AC3E}">
-        <p14:creationId xmlns:p14="http://schemas.microsoft.com/office/powerpoint/2010/main" val="3380733063"/>
-      </p:ext>
-    </p:extLst>
-  </p:cSld>
-  <p:clrMapOvr>
-    <a:masterClrMapping/>
-  </p:clrMapOvr>
-  <p:timing>
-    <p:tnLst>
-      <p:par>
-        <p:cTn id="1" dur="indefinite" restart="never" nodeType="tmRoot">
-          <p:childTnLst>
-            <p:seq concurrent="1" nextAc="seek">
-              <p:cTn id="2" dur="indefinite" nodeType="mainSeq">
-                <p:childTnLst>
-                  <p:par>
-                    <p:cTn id="3" fill="hold">
-                      <p:stCondLst>
-                        <p:cond delay="indefinite"/>
-                      </p:stCondLst>
-                      <p:childTnLst>
-                        <p:par>
-                          <p:cTn id="4" fill="hold">
-                            <p:stCondLst>
-                              <p:cond delay="0"/>
-                            </p:stCondLst>
-                            <p:childTnLst>
-                              <p:par>
-                                <p:cTn id="5" presetID="1" presetClass="entr" presetSubtype="0" fill="hold" grpId="0" nodeType="clickEffect">
-                                  <p:stCondLst>
-                                    <p:cond delay="0"/>
-                                  </p:stCondLst>
-                                  <p:childTnLst>
-                                    <p:set>
-                                      <p:cBhvr>
-                                        <p:cTn id="6" dur="1" fill="hold">
-                                          <p:stCondLst>
-                                            <p:cond delay="0"/>
-                                          </p:stCondLst>
-                                        </p:cTn>
-                                        <p:tgtEl>
-                                          <p:spTgt spid="6"/>
-                                        </p:tgtEl>
-                                        <p:attrNameLst>
-                                          <p:attrName>style.visibility</p:attrName>
-                                        </p:attrNameLst>
-                                      </p:cBhvr>
-                                      <p:to>
-                                        <p:strVal val="visible"/>
-                                      </p:to>
-                                    </p:set>
-                                  </p:childTnLst>
-                                </p:cTn>
-                              </p:par>
-                            </p:childTnLst>
-                          </p:cTn>
-                        </p:par>
-                      </p:childTnLst>
-                    </p:cTn>
-                  </p:par>
-                  <p:par>
-                    <p:cTn id="7" fill="hold">
-                      <p:stCondLst>
-                        <p:cond delay="indefinite"/>
-                      </p:stCondLst>
-                      <p:childTnLst>
-                        <p:par>
-                          <p:cTn id="8" fill="hold">
-                            <p:stCondLst>
-                              <p:cond delay="0"/>
-                            </p:stCondLst>
-                            <p:childTnLst>
-                              <p:par>
-                                <p:cTn id="9" presetID="1" presetClass="entr" presetSubtype="0" fill="hold" grpId="0" nodeType="clickEffect">
-                                  <p:stCondLst>
-                                    <p:cond delay="0"/>
-                                  </p:stCondLst>
-                                  <p:childTnLst>
-                                    <p:set>
-                                      <p:cBhvr>
-                                        <p:cTn id="10" dur="1" fill="hold">
-                                          <p:stCondLst>
-                                            <p:cond delay="0"/>
-                                          </p:stCondLst>
-                                        </p:cTn>
-                                        <p:tgtEl>
-                                          <p:spTgt spid="8">
-                                            <p:txEl>
-                                              <p:pRg st="0" end="0"/>
-                                            </p:txEl>
-                                          </p:spTgt>
-                                        </p:tgtEl>
-                                        <p:attrNameLst>
-                                          <p:attrName>style.visibility</p:attrName>
-                                        </p:attrNameLst>
-                                      </p:cBhvr>
-                                      <p:to>
-                                        <p:strVal val="visible"/>
-                                      </p:to>
-                                    </p:set>
-                                  </p:childTnLst>
-                                </p:cTn>
-                              </p:par>
-                            </p:childTnLst>
-                          </p:cTn>
-                        </p:par>
-                      </p:childTnLst>
-                    </p:cTn>
-                  </p:par>
-                  <p:par>
-                    <p:cTn id="11" fill="hold">
-                      <p:stCondLst>
-                        <p:cond delay="indefinite"/>
-                      </p:stCondLst>
-                      <p:childTnLst>
-                        <p:par>
-                          <p:cTn id="12" fill="hold">
-                            <p:stCondLst>
-                              <p:cond delay="0"/>
-                            </p:stCondLst>
-                            <p:childTnLst>
-                              <p:par>
-                                <p:cTn id="13" presetID="1" presetClass="entr" presetSubtype="0" fill="hold" grpId="0" nodeType="clickEffect">
-                                  <p:stCondLst>
-                                    <p:cond delay="0"/>
-                                  </p:stCondLst>
-                                  <p:childTnLst>
-                                    <p:set>
-                                      <p:cBhvr>
-                                        <p:cTn id="14" dur="1" fill="hold">
-                                          <p:stCondLst>
-                                            <p:cond delay="0"/>
-                                          </p:stCondLst>
-                                        </p:cTn>
-                                        <p:tgtEl>
-                                          <p:spTgt spid="8">
-                                            <p:txEl>
-                                              <p:pRg st="2" end="2"/>
-                                            </p:txEl>
-                                          </p:spTgt>
-                                        </p:tgtEl>
-                                        <p:attrNameLst>
-                                          <p:attrName>style.visibility</p:attrName>
-                                        </p:attrNameLst>
-                                      </p:cBhvr>
-                                      <p:to>
-                                        <p:strVal val="visible"/>
-                                      </p:to>
-                                    </p:set>
-                                  </p:childTnLst>
-                                </p:cTn>
-                              </p:par>
-                            </p:childTnLst>
-                          </p:cTn>
-                        </p:par>
-                      </p:childTnLst>
-                    </p:cTn>
-                  </p:par>
-                  <p:par>
-                    <p:cTn id="15" fill="hold">
-                      <p:stCondLst>
-                        <p:cond delay="indefinite"/>
-                      </p:stCondLst>
-                      <p:childTnLst>
-                        <p:par>
-                          <p:cTn id="16" fill="hold">
-                            <p:stCondLst>
-                              <p:cond delay="0"/>
-                            </p:stCondLst>
-                            <p:childTnLst>
-                              <p:par>
-                                <p:cTn id="17" presetID="1" presetClass="entr" presetSubtype="0" fill="hold" grpId="0" nodeType="clickEffect">
-                                  <p:stCondLst>
-                                    <p:cond delay="0"/>
-                                  </p:stCondLst>
-                                  <p:childTnLst>
-                                    <p:set>
-                                      <p:cBhvr>
-                                        <p:cTn id="18" dur="1" fill="hold">
-                                          <p:stCondLst>
-                                            <p:cond delay="0"/>
-                                          </p:stCondLst>
-                                        </p:cTn>
-                                        <p:tgtEl>
-                                          <p:spTgt spid="8">
-                                            <p:txEl>
-                                              <p:pRg st="4" end="4"/>
-                                            </p:txEl>
-                                          </p:spTgt>
-                                        </p:tgtEl>
-                                        <p:attrNameLst>
-                                          <p:attrName>style.visibility</p:attrName>
-                                        </p:attrNameLst>
-                                      </p:cBhvr>
-                                      <p:to>
-                                        <p:strVal val="visible"/>
-                                      </p:to>
-                                    </p:set>
-                                  </p:childTnLst>
-                                </p:cTn>
-                              </p:par>
-                            </p:childTnLst>
-                          </p:cTn>
-                        </p:par>
-                      </p:childTnLst>
-                    </p:cTn>
-                  </p:par>
-                  <p:par>
-                    <p:cTn id="19" fill="hold">
-                      <p:stCondLst>
-                        <p:cond delay="indefinite"/>
-                      </p:stCondLst>
-                      <p:childTnLst>
-                        <p:par>
-                          <p:cTn id="20" fill="hold">
-                            <p:stCondLst>
-                              <p:cond delay="0"/>
-                            </p:stCondLst>
-                            <p:childTnLst>
-                              <p:par>
-                                <p:cTn id="21" presetID="1" presetClass="entr" presetSubtype="0" fill="hold" grpId="0" nodeType="clickEffect">
-                                  <p:stCondLst>
-                                    <p:cond delay="0"/>
-                                  </p:stCondLst>
-                                  <p:childTnLst>
-                                    <p:set>
-                                      <p:cBhvr>
-                                        <p:cTn id="22" dur="1" fill="hold">
-                                          <p:stCondLst>
-                                            <p:cond delay="0"/>
-                                          </p:stCondLst>
-                                        </p:cTn>
-                                        <p:tgtEl>
-                                          <p:spTgt spid="8">
-                                            <p:txEl>
-                                              <p:pRg st="6" end="6"/>
-                                            </p:txEl>
-                                          </p:spTgt>
-                                        </p:tgtEl>
-                                        <p:attrNameLst>
-                                          <p:attrName>style.visibility</p:attrName>
-                                        </p:attrNameLst>
-                                      </p:cBhvr>
-                                      <p:to>
-                                        <p:strVal val="visible"/>
-                                      </p:to>
-                                    </p:set>
-                                  </p:childTnLst>
-                                </p:cTn>
-                              </p:par>
-                            </p:childTnLst>
-                          </p:cTn>
-                        </p:par>
-                      </p:childTnLst>
-                    </p:cTn>
-                  </p:par>
-                  <p:par>
-                    <p:cTn id="23" fill="hold">
-                      <p:stCondLst>
-                        <p:cond delay="indefinite"/>
-                      </p:stCondLst>
-                      <p:childTnLst>
-                        <p:par>
-                          <p:cTn id="24" fill="hold">
-                            <p:stCondLst>
-                              <p:cond delay="0"/>
-                            </p:stCondLst>
-                            <p:childTnLst>
-                              <p:par>
-                                <p:cTn id="25" presetID="1" presetClass="entr" presetSubtype="0" fill="hold" grpId="0" nodeType="clickEffect">
-                                  <p:stCondLst>
-                                    <p:cond delay="0"/>
-                                  </p:stCondLst>
-                                  <p:childTnLst>
-                                    <p:set>
-                                      <p:cBhvr>
-                                        <p:cTn id="26" dur="1" fill="hold">
-                                          <p:stCondLst>
-                                            <p:cond delay="0"/>
-                                          </p:stCondLst>
-                                        </p:cTn>
-                                        <p:tgtEl>
-                                          <p:spTgt spid="8">
-                                            <p:txEl>
-                                              <p:pRg st="8" end="8"/>
-                                            </p:txEl>
-                                          </p:spTgt>
-                                        </p:tgtEl>
-                                        <p:attrNameLst>
-                                          <p:attrName>style.visibility</p:attrName>
-                                        </p:attrNameLst>
-                                      </p:cBhvr>
-                                      <p:to>
-                                        <p:strVal val="visible"/>
-                                      </p:to>
-                                    </p:set>
-                                  </p:childTnLst>
-                                </p:cTn>
-                              </p:par>
-                            </p:childTnLst>
-                          </p:cTn>
-                        </p:par>
-                      </p:childTnLst>
-                    </p:cTn>
-                  </p:par>
-                  <p:par>
-                    <p:cTn id="27" fill="hold">
-                      <p:stCondLst>
-                        <p:cond delay="indefinite"/>
-                      </p:stCondLst>
-                      <p:childTnLst>
-                        <p:par>
-                          <p:cTn id="28" fill="hold">
-                            <p:stCondLst>
-                              <p:cond delay="0"/>
-                            </p:stCondLst>
-                            <p:childTnLst>
-                              <p:par>
-                                <p:cTn id="29" presetID="1" presetClass="entr" presetSubtype="0" fill="hold" grpId="0" nodeType="clickEffect">
-                                  <p:stCondLst>
-                                    <p:cond delay="0"/>
-                                  </p:stCondLst>
-                                  <p:childTnLst>
-                                    <p:set>
-                                      <p:cBhvr>
-                                        <p:cTn id="30" dur="1" fill="hold">
-                                          <p:stCondLst>
-                                            <p:cond delay="0"/>
-                                          </p:stCondLst>
-                                        </p:cTn>
-                                        <p:tgtEl>
-                                          <p:spTgt spid="8">
-                                            <p:txEl>
-                                              <p:pRg st="10" end="10"/>
-                                            </p:txEl>
-                                          </p:spTgt>
-                                        </p:tgtEl>
-                                        <p:attrNameLst>
-                                          <p:attrName>style.visibility</p:attrName>
-                                        </p:attrNameLst>
-                                      </p:cBhvr>
-                                      <p:to>
-                                        <p:strVal val="visible"/>
-                                      </p:to>
-                                    </p:set>
-                                  </p:childTnLst>
-                                </p:cTn>
-                              </p:par>
-                            </p:childTnLst>
-                          </p:cTn>
-                        </p:par>
-                      </p:childTnLst>
-                    </p:cTn>
-                  </p:par>
-                  <p:par>
-                    <p:cTn id="31" fill="hold">
-                      <p:stCondLst>
-                        <p:cond delay="indefinite"/>
-                      </p:stCondLst>
-                      <p:childTnLst>
-                        <p:par>
-                          <p:cTn id="32" fill="hold">
-                            <p:stCondLst>
-                              <p:cond delay="0"/>
-                            </p:stCondLst>
-                            <p:childTnLst>
-                              <p:par>
-                                <p:cTn id="33" presetID="2" presetClass="entr" presetSubtype="4" fill="hold" nodeType="clickEffect">
-                                  <p:stCondLst>
-                                    <p:cond delay="0"/>
-                                  </p:stCondLst>
-                                  <p:childTnLst>
-                                    <p:set>
-                                      <p:cBhvr>
-                                        <p:cTn id="34" dur="1" fill="hold">
-                                          <p:stCondLst>
-                                            <p:cond delay="0"/>
-                                          </p:stCondLst>
-                                        </p:cTn>
-                                        <p:tgtEl>
-                                          <p:spTgt spid="9"/>
-                                        </p:tgtEl>
-                                        <p:attrNameLst>
-                                          <p:attrName>style.visibility</p:attrName>
-                                        </p:attrNameLst>
-                                      </p:cBhvr>
-                                      <p:to>
-                                        <p:strVal val="visible"/>
-                                      </p:to>
-                                    </p:set>
-                                    <p:anim calcmode="lin" valueType="num">
-                                      <p:cBhvr additive="base">
-                                        <p:cTn id="35" dur="500" fill="hold"/>
-                                        <p:tgtEl>
-                                          <p:spTgt spid="9"/>
-                                        </p:tgtEl>
-                                        <p:attrNameLst>
-                                          <p:attrName>ppt_x</p:attrName>
-                                        </p:attrNameLst>
-                                      </p:cBhvr>
-                                      <p:tavLst>
-                                        <p:tav tm="0">
-                                          <p:val>
-                                            <p:strVal val="#ppt_x"/>
-                                          </p:val>
-                                        </p:tav>
-                                        <p:tav tm="100000">
-                                          <p:val>
-                                            <p:strVal val="#ppt_x"/>
-                                          </p:val>
-                                        </p:tav>
-                                      </p:tavLst>
-                                    </p:anim>
-                                    <p:anim calcmode="lin" valueType="num">
-                                      <p:cBhvr additive="base">
-                                        <p:cTn id="36" dur="500" fill="hold"/>
-                                        <p:tgtEl>
-                                          <p:spTgt spid="9"/>
-                                        </p:tgtEl>
-                                        <p:attrNameLst>
-                                          <p:attrName>ppt_y</p:attrName>
-                                        </p:attrNameLst>
-                                      </p:cBhvr>
-                                      <p:tavLst>
-                                        <p:tav tm="0">
-                                          <p:val>
-                                            <p:strVal val="1+#ppt_h/2"/>
-                                          </p:val>
-                                        </p:tav>
-                                        <p:tav tm="100000">
-                                          <p:val>
-                                            <p:strVal val="#ppt_y"/>
-                                          </p:val>
-                                        </p:tav>
-                                      </p:tavLst>
-                                    </p:anim>
-                                  </p:childTnLst>
-                                </p:cTn>
-                              </p:par>
-                            </p:childTnLst>
-                          </p:cTn>
-                        </p:par>
-                      </p:childTnLst>
-                    </p:cTn>
-                  </p:par>
-                </p:childTnLst>
-              </p:cTn>
-              <p:prevCondLst>
-                <p:cond evt="onPrev" delay="0">
-                  <p:tgtEl>
-                    <p:sldTgt/>
-                  </p:tgtEl>
-                </p:cond>
-              </p:prevCondLst>
-              <p:nextCondLst>
-                <p:cond evt="onNext" delay="0">
-                  <p:tgtEl>
-                    <p:sldTgt/>
-                  </p:tgtEl>
-                </p:cond>
-              </p:nextCondLst>
-            </p:seq>
-          </p:childTnLst>
-        </p:cTn>
-      </p:par>
-    </p:tnLst>
-    <p:bldLst>
-      <p:bldP spid="6" grpId="0"/>
-      <p:bldP spid="8" grpId="0" build="p"/>
-    </p:bldLst>
-  </p:timing>
-</p:sld>
-</file>
-
-<file path=ppt/slides/slide11.xml><?xml version="1.0" encoding="utf-8"?>
-<p:sld xmlns:a="http://schemas.openxmlformats.org/drawingml/2006/main" xmlns:r="http://schemas.openxmlformats.org/officeDocument/2006/relationships" xmlns:p="http://schemas.openxmlformats.org/presentationml/2006/main">
-  <p:cSld>
-    <p:spTree>
-      <p:nvGrpSpPr>
-        <p:cNvPr id="1" name=""/>
-        <p:cNvGrpSpPr/>
-        <p:nvPr/>
-      </p:nvGrpSpPr>
-      <p:grpSpPr>
-        <a:xfrm>
-          <a:off x="0" y="0"/>
-          <a:ext cx="0" cy="0"/>
-          <a:chOff x="0" y="0"/>
-          <a:chExt cx="0" cy="0"/>
-        </a:xfrm>
-      </p:grpSpPr>
-      <p:sp>
-        <p:nvSpPr>
-          <p:cNvPr id="4" name="Rectangle 3"/>
-          <p:cNvSpPr/>
-          <p:nvPr/>
-        </p:nvSpPr>
-        <p:spPr>
-          <a:xfrm>
             <a:off x="0" y="-8794"/>
             <a:ext cx="12192000" cy="6858000"/>
           </a:xfrm>
@@ -5011,6 +4079,111 @@
     <p:extLst>
       <p:ext uri="{BB962C8B-B14F-4D97-AF65-F5344CB8AC3E}">
         <p14:creationId xmlns:p14="http://schemas.microsoft.com/office/powerpoint/2010/main" val="2436101142"/>
+      </p:ext>
+    </p:extLst>
+  </p:cSld>
+  <p:clrMapOvr>
+    <a:masterClrMapping/>
+  </p:clrMapOvr>
+</p:sld>
+</file>
+
+<file path=ppt/slides/slide11.xml><?xml version="1.0" encoding="utf-8"?>
+<p:sld xmlns:a="http://schemas.openxmlformats.org/drawingml/2006/main" xmlns:r="http://schemas.openxmlformats.org/officeDocument/2006/relationships" xmlns:p="http://schemas.openxmlformats.org/presentationml/2006/main">
+  <p:cSld>
+    <p:spTree>
+      <p:nvGrpSpPr>
+        <p:cNvPr id="1" name=""/>
+        <p:cNvGrpSpPr/>
+        <p:nvPr/>
+      </p:nvGrpSpPr>
+      <p:grpSpPr>
+        <a:xfrm>
+          <a:off x="0" y="0"/>
+          <a:ext cx="0" cy="0"/>
+          <a:chOff x="0" y="0"/>
+          <a:chExt cx="0" cy="0"/>
+        </a:xfrm>
+      </p:grpSpPr>
+      <p:sp>
+        <p:nvSpPr>
+          <p:cNvPr id="4" name="Rectangle 3"/>
+          <p:cNvSpPr/>
+          <p:nvPr/>
+        </p:nvSpPr>
+        <p:spPr>
+          <a:xfrm>
+            <a:off x="1539" y="-15240"/>
+            <a:ext cx="12192000" cy="6858000"/>
+          </a:xfrm>
+          <a:prstGeom prst="rect">
+            <a:avLst/>
+          </a:prstGeom>
+          <a:solidFill>
+            <a:schemeClr val="accent1">
+              <a:lumMod val="60000"/>
+              <a:lumOff val="40000"/>
+            </a:schemeClr>
+          </a:solidFill>
+        </p:spPr>
+        <p:style>
+          <a:lnRef idx="2">
+            <a:schemeClr val="accent2">
+              <a:shade val="50000"/>
+            </a:schemeClr>
+          </a:lnRef>
+          <a:fillRef idx="1">
+            <a:schemeClr val="accent2"/>
+          </a:fillRef>
+          <a:effectRef idx="0">
+            <a:schemeClr val="accent2"/>
+          </a:effectRef>
+          <a:fontRef idx="minor">
+            <a:schemeClr val="lt1"/>
+          </a:fontRef>
+        </p:style>
+        <p:txBody>
+          <a:bodyPr rtlCol="0" anchor="ctr"/>
+          <a:lstStyle/>
+          <a:p>
+            <a:pPr algn="ctr"/>
+            <a:endParaRPr lang="en-GB" dirty="0"/>
+          </a:p>
+        </p:txBody>
+      </p:sp>
+      <p:sp>
+        <p:nvSpPr>
+          <p:cNvPr id="2" name="Title 1"/>
+          <p:cNvSpPr>
+            <a:spLocks noGrp="1"/>
+          </p:cNvSpPr>
+          <p:nvPr>
+            <p:ph type="ctrTitle"/>
+          </p:nvPr>
+        </p:nvSpPr>
+        <p:spPr>
+          <a:xfrm>
+            <a:off x="103517" y="2477228"/>
+            <a:ext cx="11930332" cy="1103252"/>
+          </a:xfrm>
+        </p:spPr>
+        <p:txBody>
+          <a:bodyPr>
+            <a:normAutofit/>
+          </a:bodyPr>
+          <a:lstStyle/>
+          <a:p>
+            <a:r>
+              <a:rPr lang="en-GB" dirty="0"/>
+              <a:t>Any Questions??</a:t>
+            </a:r>
+          </a:p>
+        </p:txBody>
+      </p:sp>
+    </p:spTree>
+    <p:extLst>
+      <p:ext uri="{BB962C8B-B14F-4D97-AF65-F5344CB8AC3E}">
+        <p14:creationId xmlns:p14="http://schemas.microsoft.com/office/powerpoint/2010/main" val="3247846072"/>
       </p:ext>
     </p:extLst>
   </p:cSld>
@@ -5095,111 +4268,6 @@
         </p:nvSpPr>
         <p:spPr>
           <a:xfrm>
-            <a:off x="103517" y="2477228"/>
-            <a:ext cx="11930332" cy="1103252"/>
-          </a:xfrm>
-        </p:spPr>
-        <p:txBody>
-          <a:bodyPr>
-            <a:normAutofit/>
-          </a:bodyPr>
-          <a:lstStyle/>
-          <a:p>
-            <a:r>
-              <a:rPr lang="en-GB" dirty="0"/>
-              <a:t>Any Questions??</a:t>
-            </a:r>
-          </a:p>
-        </p:txBody>
-      </p:sp>
-    </p:spTree>
-    <p:extLst>
-      <p:ext uri="{BB962C8B-B14F-4D97-AF65-F5344CB8AC3E}">
-        <p14:creationId xmlns:p14="http://schemas.microsoft.com/office/powerpoint/2010/main" val="3247846072"/>
-      </p:ext>
-    </p:extLst>
-  </p:cSld>
-  <p:clrMapOvr>
-    <a:masterClrMapping/>
-  </p:clrMapOvr>
-</p:sld>
-</file>
-
-<file path=ppt/slides/slide13.xml><?xml version="1.0" encoding="utf-8"?>
-<p:sld xmlns:a="http://schemas.openxmlformats.org/drawingml/2006/main" xmlns:r="http://schemas.openxmlformats.org/officeDocument/2006/relationships" xmlns:p="http://schemas.openxmlformats.org/presentationml/2006/main">
-  <p:cSld>
-    <p:spTree>
-      <p:nvGrpSpPr>
-        <p:cNvPr id="1" name=""/>
-        <p:cNvGrpSpPr/>
-        <p:nvPr/>
-      </p:nvGrpSpPr>
-      <p:grpSpPr>
-        <a:xfrm>
-          <a:off x="0" y="0"/>
-          <a:ext cx="0" cy="0"/>
-          <a:chOff x="0" y="0"/>
-          <a:chExt cx="0" cy="0"/>
-        </a:xfrm>
-      </p:grpSpPr>
-      <p:sp>
-        <p:nvSpPr>
-          <p:cNvPr id="4" name="Rectangle 3"/>
-          <p:cNvSpPr/>
-          <p:nvPr/>
-        </p:nvSpPr>
-        <p:spPr>
-          <a:xfrm>
-            <a:off x="1539" y="-15240"/>
-            <a:ext cx="12192000" cy="6858000"/>
-          </a:xfrm>
-          <a:prstGeom prst="rect">
-            <a:avLst/>
-          </a:prstGeom>
-          <a:solidFill>
-            <a:schemeClr val="accent1">
-              <a:lumMod val="60000"/>
-              <a:lumOff val="40000"/>
-            </a:schemeClr>
-          </a:solidFill>
-        </p:spPr>
-        <p:style>
-          <a:lnRef idx="2">
-            <a:schemeClr val="accent2">
-              <a:shade val="50000"/>
-            </a:schemeClr>
-          </a:lnRef>
-          <a:fillRef idx="1">
-            <a:schemeClr val="accent2"/>
-          </a:fillRef>
-          <a:effectRef idx="0">
-            <a:schemeClr val="accent2"/>
-          </a:effectRef>
-          <a:fontRef idx="minor">
-            <a:schemeClr val="lt1"/>
-          </a:fontRef>
-        </p:style>
-        <p:txBody>
-          <a:bodyPr rtlCol="0" anchor="ctr"/>
-          <a:lstStyle/>
-          <a:p>
-            <a:pPr algn="ctr"/>
-            <a:endParaRPr lang="en-GB" dirty="0"/>
-          </a:p>
-        </p:txBody>
-      </p:sp>
-      <p:sp>
-        <p:nvSpPr>
-          <p:cNvPr id="2" name="Title 1"/>
-          <p:cNvSpPr>
-            <a:spLocks noGrp="1"/>
-          </p:cNvSpPr>
-          <p:nvPr>
-            <p:ph type="ctrTitle"/>
-          </p:nvPr>
-        </p:nvSpPr>
-        <p:spPr>
-          <a:xfrm>
             <a:off x="132373" y="226398"/>
             <a:ext cx="11930332" cy="1103252"/>
           </a:xfrm>
@@ -5444,7 +4512,7 @@
 </p:sld>
 </file>
 
-<file path=ppt/slides/slide14.xml><?xml version="1.0" encoding="utf-8"?>
+<file path=ppt/slides/slide13.xml><?xml version="1.0" encoding="utf-8"?>
 <p:sld xmlns:a="http://schemas.openxmlformats.org/drawingml/2006/main" xmlns:r="http://schemas.openxmlformats.org/officeDocument/2006/relationships" xmlns:p="http://schemas.openxmlformats.org/presentationml/2006/main">
   <p:cSld>
     <p:spTree>
@@ -5693,1003 +4761,7 @@
 </p:sld>
 </file>
 
-<file path=ppt/slides/slide15.xml><?xml version="1.0" encoding="utf-8"?>
-<p:sld xmlns:a="http://schemas.openxmlformats.org/drawingml/2006/main" xmlns:r="http://schemas.openxmlformats.org/officeDocument/2006/relationships" xmlns:p="http://schemas.openxmlformats.org/presentationml/2006/main">
-  <p:cSld>
-    <p:spTree>
-      <p:nvGrpSpPr>
-        <p:cNvPr id="1" name=""/>
-        <p:cNvGrpSpPr/>
-        <p:nvPr/>
-      </p:nvGrpSpPr>
-      <p:grpSpPr>
-        <a:xfrm>
-          <a:off x="0" y="0"/>
-          <a:ext cx="0" cy="0"/>
-          <a:chOff x="0" y="0"/>
-          <a:chExt cx="0" cy="0"/>
-        </a:xfrm>
-      </p:grpSpPr>
-      <p:sp>
-        <p:nvSpPr>
-          <p:cNvPr id="4" name="Rectangle 3"/>
-          <p:cNvSpPr/>
-          <p:nvPr/>
-        </p:nvSpPr>
-        <p:spPr>
-          <a:xfrm>
-            <a:off x="0" y="0"/>
-            <a:ext cx="12192000" cy="6858000"/>
-          </a:xfrm>
-          <a:prstGeom prst="rect">
-            <a:avLst/>
-          </a:prstGeom>
-          <a:solidFill>
-            <a:schemeClr val="accent1">
-              <a:lumMod val="60000"/>
-              <a:lumOff val="40000"/>
-            </a:schemeClr>
-          </a:solidFill>
-        </p:spPr>
-        <p:style>
-          <a:lnRef idx="2">
-            <a:schemeClr val="accent2">
-              <a:shade val="50000"/>
-            </a:schemeClr>
-          </a:lnRef>
-          <a:fillRef idx="1">
-            <a:schemeClr val="accent2"/>
-          </a:fillRef>
-          <a:effectRef idx="0">
-            <a:schemeClr val="accent2"/>
-          </a:effectRef>
-          <a:fontRef idx="minor">
-            <a:schemeClr val="lt1"/>
-          </a:fontRef>
-        </p:style>
-        <p:txBody>
-          <a:bodyPr rtlCol="0" anchor="ctr"/>
-          <a:lstStyle/>
-          <a:p>
-            <a:pPr algn="ctr"/>
-            <a:r>
-              <a:rPr lang="en-GB" dirty="0"/>
-              <a:t> </a:t>
-            </a:r>
-          </a:p>
-        </p:txBody>
-      </p:sp>
-      <p:pic>
-        <p:nvPicPr>
-          <p:cNvPr id="10" name="Picture 9" descr="C:\Users\Peter\AppData\Local\Microsoft\Windows\INetCache\Content.Word\SponsorLogo_5_Rectangle.jpg"/>
-          <p:cNvPicPr/>
-          <p:nvPr/>
-        </p:nvPicPr>
-        <p:blipFill>
-          <a:blip r:embed="rId3" cstate="print">
-            <a:extLst>
-              <a:ext uri="{28A0092B-C50C-407E-A947-70E740481C1C}">
-                <a14:useLocalDpi xmlns:a14="http://schemas.microsoft.com/office/drawing/2010/main" val="0"/>
-              </a:ext>
-            </a:extLst>
-          </a:blip>
-          <a:srcRect/>
-          <a:stretch>
-            <a:fillRect/>
-          </a:stretch>
-        </p:blipFill>
-        <p:spPr bwMode="auto">
-          <a:xfrm>
-            <a:off x="8270446" y="1412960"/>
-            <a:ext cx="2732722" cy="1365500"/>
-          </a:xfrm>
-          <a:prstGeom prst="rect">
-            <a:avLst/>
-          </a:prstGeom>
-          <a:noFill/>
-          <a:ln>
-            <a:noFill/>
-          </a:ln>
-        </p:spPr>
-      </p:pic>
-      <p:pic>
-        <p:nvPicPr>
-          <p:cNvPr id="11" name="Picture 10" descr="C:\Users\Peter\AppData\Local\Microsoft\Windows\INetCache\Content.Word\SponsorLogo_14_Rectangle.jpg"/>
-          <p:cNvPicPr/>
-          <p:nvPr/>
-        </p:nvPicPr>
-        <p:blipFill>
-          <a:blip r:embed="rId4">
-            <a:extLst>
-              <a:ext uri="{28A0092B-C50C-407E-A947-70E740481C1C}">
-                <a14:useLocalDpi xmlns:a14="http://schemas.microsoft.com/office/drawing/2010/main" val="0"/>
-              </a:ext>
-            </a:extLst>
-          </a:blip>
-          <a:srcRect/>
-          <a:stretch>
-            <a:fillRect/>
-          </a:stretch>
-        </p:blipFill>
-        <p:spPr bwMode="auto">
-          <a:xfrm>
-            <a:off x="1044222" y="1360936"/>
-            <a:ext cx="2704797" cy="1448694"/>
-          </a:xfrm>
-          <a:prstGeom prst="rect">
-            <a:avLst/>
-          </a:prstGeom>
-          <a:noFill/>
-          <a:ln>
-            <a:noFill/>
-          </a:ln>
-        </p:spPr>
-      </p:pic>
-      <p:pic>
-        <p:nvPicPr>
-          <p:cNvPr id="12" name="Picture 11" descr="C:\Users\Peter\AppData\Local\Microsoft\Windows\INetCache\Content.Word\SponsorLogo_9_Rectangle.png"/>
-          <p:cNvPicPr/>
-          <p:nvPr/>
-        </p:nvPicPr>
-        <p:blipFill>
-          <a:blip r:embed="rId5">
-            <a:extLst>
-              <a:ext uri="{28A0092B-C50C-407E-A947-70E740481C1C}">
-                <a14:useLocalDpi xmlns:a14="http://schemas.microsoft.com/office/drawing/2010/main" val="0"/>
-              </a:ext>
-            </a:extLst>
-          </a:blip>
-          <a:srcRect/>
-          <a:stretch>
-            <a:fillRect/>
-          </a:stretch>
-        </p:blipFill>
-        <p:spPr bwMode="auto">
-          <a:xfrm>
-            <a:off x="2663699" y="3022647"/>
-            <a:ext cx="2617629" cy="1364070"/>
-          </a:xfrm>
-          <a:prstGeom prst="rect">
-            <a:avLst/>
-          </a:prstGeom>
-          <a:noFill/>
-          <a:ln>
-            <a:noFill/>
-          </a:ln>
-        </p:spPr>
-      </p:pic>
-      <p:pic>
-        <p:nvPicPr>
-          <p:cNvPr id="13" name="Picture 12" descr="C:\Users\Peter\AppData\Local\Microsoft\Windows\INetCache\Content.Word\SponsorLogo_8_Rectangle.jpg"/>
-          <p:cNvPicPr/>
-          <p:nvPr/>
-        </p:nvPicPr>
-        <p:blipFill>
-          <a:blip r:embed="rId6" cstate="print">
-            <a:extLst>
-              <a:ext uri="{28A0092B-C50C-407E-A947-70E740481C1C}">
-                <a14:useLocalDpi xmlns:a14="http://schemas.microsoft.com/office/drawing/2010/main" val="0"/>
-              </a:ext>
-            </a:extLst>
-          </a:blip>
-          <a:srcRect/>
-          <a:stretch>
-            <a:fillRect/>
-          </a:stretch>
-        </p:blipFill>
-        <p:spPr bwMode="auto">
-          <a:xfrm>
-            <a:off x="6954067" y="3064205"/>
-            <a:ext cx="2609764" cy="1304060"/>
-          </a:xfrm>
-          <a:prstGeom prst="rect">
-            <a:avLst/>
-          </a:prstGeom>
-          <a:noFill/>
-          <a:ln>
-            <a:noFill/>
-          </a:ln>
-        </p:spPr>
-      </p:pic>
-      <p:grpSp>
-        <p:nvGrpSpPr>
-          <p:cNvPr id="14" name="Group 13"/>
-          <p:cNvGrpSpPr/>
-          <p:nvPr/>
-        </p:nvGrpSpPr>
-        <p:grpSpPr>
-          <a:xfrm>
-            <a:off x="4881893" y="4645556"/>
-            <a:ext cx="2139938" cy="2145517"/>
-            <a:chOff x="4333245" y="4313756"/>
-            <a:chExt cx="2139938" cy="2145517"/>
-          </a:xfrm>
-        </p:grpSpPr>
-        <p:pic>
-          <p:nvPicPr>
-            <p:cNvPr id="22" name="Picture 21" descr="C:\Users\Peter\AppData\Local\Microsoft\Windows\INetCache\Content.Word\SponsorLogo_7_Rectangle.png"/>
-            <p:cNvPicPr/>
-            <p:nvPr/>
-          </p:nvPicPr>
-          <p:blipFill>
-            <a:blip r:embed="rId7" cstate="print">
-              <a:extLst>
-                <a:ext uri="{28A0092B-C50C-407E-A947-70E740481C1C}">
-                  <a14:useLocalDpi xmlns:a14="http://schemas.microsoft.com/office/drawing/2010/main" val="0"/>
-                </a:ext>
-              </a:extLst>
-            </a:blip>
-            <a:srcRect/>
-            <a:stretch>
-              <a:fillRect/>
-            </a:stretch>
-          </p:blipFill>
-          <p:spPr bwMode="auto">
-            <a:xfrm>
-              <a:off x="4472745" y="4313756"/>
-              <a:ext cx="1860938" cy="929883"/>
-            </a:xfrm>
-            <a:prstGeom prst="rect">
-              <a:avLst/>
-            </a:prstGeom>
-            <a:noFill/>
-            <a:ln>
-              <a:noFill/>
-            </a:ln>
-          </p:spPr>
-        </p:pic>
-        <p:pic>
-          <p:nvPicPr>
-            <p:cNvPr id="23" name="Picture 22" descr="C:\Users\Peter\AppData\Local\Microsoft\Windows\INetCache\Content.Word\SponsorLogo_6_Rectangle.jpg"/>
-            <p:cNvPicPr/>
-            <p:nvPr/>
-          </p:nvPicPr>
-          <p:blipFill>
-            <a:blip r:embed="rId8" cstate="print">
-              <a:extLst>
-                <a:ext uri="{28A0092B-C50C-407E-A947-70E740481C1C}">
-                  <a14:useLocalDpi xmlns:a14="http://schemas.microsoft.com/office/drawing/2010/main" val="0"/>
-                </a:ext>
-              </a:extLst>
-            </a:blip>
-            <a:srcRect/>
-            <a:stretch>
-              <a:fillRect/>
-            </a:stretch>
-          </p:blipFill>
-          <p:spPr bwMode="auto">
-            <a:xfrm>
-              <a:off x="4333245" y="5389978"/>
-              <a:ext cx="2139938" cy="1069295"/>
-            </a:xfrm>
-            <a:prstGeom prst="rect">
-              <a:avLst/>
-            </a:prstGeom>
-            <a:noFill/>
-            <a:ln>
-              <a:noFill/>
-            </a:ln>
-          </p:spPr>
-        </p:pic>
-      </p:grpSp>
-      <p:grpSp>
-        <p:nvGrpSpPr>
-          <p:cNvPr id="15" name="Group 14"/>
-          <p:cNvGrpSpPr/>
-          <p:nvPr/>
-        </p:nvGrpSpPr>
-        <p:grpSpPr>
-          <a:xfrm>
-            <a:off x="9339358" y="4481752"/>
-            <a:ext cx="2377853" cy="2001875"/>
-            <a:chOff x="7500174" y="4176329"/>
-            <a:chExt cx="2377853" cy="2001875"/>
-          </a:xfrm>
-        </p:grpSpPr>
-        <p:pic>
-          <p:nvPicPr>
-            <p:cNvPr id="20" name="Picture 19" descr="C:\Users\Peter\AppData\Local\Microsoft\Windows\INetCache\Content.Word\SponsorLogo_1_Square.png"/>
-            <p:cNvPicPr/>
-            <p:nvPr/>
-          </p:nvPicPr>
-          <p:blipFill>
-            <a:blip r:embed="rId9">
-              <a:extLst>
-                <a:ext uri="{28A0092B-C50C-407E-A947-70E740481C1C}">
-                  <a14:useLocalDpi xmlns:a14="http://schemas.microsoft.com/office/drawing/2010/main" val="0"/>
-                </a:ext>
-              </a:extLst>
-            </a:blip>
-            <a:srcRect/>
-            <a:stretch>
-              <a:fillRect/>
-            </a:stretch>
-          </p:blipFill>
-          <p:spPr bwMode="auto">
-            <a:xfrm>
-              <a:off x="7500174" y="4176329"/>
-              <a:ext cx="2377853" cy="1213649"/>
-            </a:xfrm>
-            <a:prstGeom prst="rect">
-              <a:avLst/>
-            </a:prstGeom>
-            <a:noFill/>
-            <a:ln>
-              <a:noFill/>
-            </a:ln>
-          </p:spPr>
-        </p:pic>
-        <p:pic>
-          <p:nvPicPr>
-            <p:cNvPr id="21" name="Picture 20" descr="C:\Users\Peter\AppData\Local\Microsoft\Windows\INetCache\Content.Word\SponsorLogo_3_Rectangle.png"/>
-            <p:cNvPicPr/>
-            <p:nvPr/>
-          </p:nvPicPr>
-          <p:blipFill>
-            <a:blip r:embed="rId10" cstate="print">
-              <a:extLst>
-                <a:ext uri="{28A0092B-C50C-407E-A947-70E740481C1C}">
-                  <a14:useLocalDpi xmlns:a14="http://schemas.microsoft.com/office/drawing/2010/main" val="0"/>
-                </a:ext>
-              </a:extLst>
-            </a:blip>
-            <a:srcRect/>
-            <a:stretch>
-              <a:fillRect/>
-            </a:stretch>
-          </p:blipFill>
-          <p:spPr bwMode="auto">
-            <a:xfrm>
-              <a:off x="7581875" y="5671046"/>
-              <a:ext cx="2214451" cy="507158"/>
-            </a:xfrm>
-            <a:prstGeom prst="rect">
-              <a:avLst/>
-            </a:prstGeom>
-            <a:noFill/>
-            <a:ln>
-              <a:noFill/>
-            </a:ln>
-          </p:spPr>
-        </p:pic>
-      </p:grpSp>
-      <p:grpSp>
-        <p:nvGrpSpPr>
-          <p:cNvPr id="16" name="Group 15"/>
-          <p:cNvGrpSpPr/>
-          <p:nvPr/>
-        </p:nvGrpSpPr>
-        <p:grpSpPr>
-          <a:xfrm>
-            <a:off x="403142" y="4460918"/>
-            <a:ext cx="2046923" cy="2217693"/>
-            <a:chOff x="964258" y="4313756"/>
-            <a:chExt cx="2046923" cy="2217693"/>
-          </a:xfrm>
-        </p:grpSpPr>
-        <p:pic>
-          <p:nvPicPr>
-            <p:cNvPr id="18" name="Picture 17"/>
-            <p:cNvPicPr/>
-            <p:nvPr/>
-          </p:nvPicPr>
-          <p:blipFill>
-            <a:blip r:embed="rId11" cstate="print">
-              <a:extLst>
-                <a:ext uri="{28A0092B-C50C-407E-A947-70E740481C1C}">
-                  <a14:useLocalDpi xmlns:a14="http://schemas.microsoft.com/office/drawing/2010/main" val="0"/>
-                </a:ext>
-              </a:extLst>
-            </a:blip>
-            <a:stretch>
-              <a:fillRect/>
-            </a:stretch>
-          </p:blipFill>
-          <p:spPr>
-            <a:xfrm>
-              <a:off x="964258" y="5500894"/>
-              <a:ext cx="2046923" cy="1030555"/>
-            </a:xfrm>
-            <a:prstGeom prst="rect">
-              <a:avLst/>
-            </a:prstGeom>
-          </p:spPr>
-        </p:pic>
-        <p:pic>
-          <p:nvPicPr>
-            <p:cNvPr id="19" name="Picture 18" descr="C:\Users\Peter\AppData\Local\Microsoft\Windows\INetCache\Content.Word\SponsorLogo_15_Rectangle.jpg"/>
-            <p:cNvPicPr/>
-            <p:nvPr/>
-          </p:nvPicPr>
-          <p:blipFill>
-            <a:blip r:embed="rId12" cstate="print">
-              <a:extLst>
-                <a:ext uri="{28A0092B-C50C-407E-A947-70E740481C1C}">
-                  <a14:useLocalDpi xmlns:a14="http://schemas.microsoft.com/office/drawing/2010/main" val="0"/>
-                </a:ext>
-              </a:extLst>
-            </a:blip>
-            <a:srcRect/>
-            <a:stretch>
-              <a:fillRect/>
-            </a:stretch>
-          </p:blipFill>
-          <p:spPr bwMode="auto">
-            <a:xfrm>
-              <a:off x="1117518" y="4313756"/>
-              <a:ext cx="1740403" cy="869653"/>
-            </a:xfrm>
-            <a:prstGeom prst="rect">
-              <a:avLst/>
-            </a:prstGeom>
-            <a:noFill/>
-            <a:ln>
-              <a:noFill/>
-            </a:ln>
-          </p:spPr>
-        </p:pic>
-      </p:grpSp>
-      <p:sp>
-        <p:nvSpPr>
-          <p:cNvPr id="17" name="Title 18"/>
-          <p:cNvSpPr>
-            <a:spLocks noGrp="1"/>
-          </p:cNvSpPr>
-          <p:nvPr/>
-        </p:nvSpPr>
-        <p:spPr>
-          <a:xfrm>
-            <a:off x="838200" y="21129"/>
-            <a:ext cx="10515600" cy="1325563"/>
-          </a:xfrm>
-          <a:prstGeom prst="rect">
-            <a:avLst/>
-          </a:prstGeom>
-        </p:spPr>
-        <p:txBody>
-          <a:bodyPr vert="horz" lIns="91440" tIns="45720" rIns="91440" bIns="45720" rtlCol="0" anchor="ctr">
-            <a:normAutofit/>
-          </a:bodyPr>
-          <a:lstStyle>
-            <a:lvl1pPr algn="l" defTabSz="914400" rtl="0" eaLnBrk="1" latinLnBrk="0" hangingPunct="1">
-              <a:lnSpc>
-                <a:spcPct val="90000"/>
-              </a:lnSpc>
-              <a:spcBef>
-                <a:spcPct val="0"/>
-              </a:spcBef>
-              <a:buNone/>
-              <a:defRPr sz="4400" kern="1200">
-                <a:solidFill>
-                  <a:schemeClr val="tx1"/>
-                </a:solidFill>
-                <a:latin typeface="+mj-lt"/>
-                <a:ea typeface="+mj-ea"/>
-                <a:cs typeface="+mj-cs"/>
-              </a:defRPr>
-            </a:lvl1pPr>
-          </a:lstStyle>
-          <a:p>
-            <a:pPr algn="ctr"/>
-            <a:r>
-              <a:rPr lang="en-US" dirty="0"/>
-              <a:t>Thanks to the Sponsors!</a:t>
-            </a:r>
-          </a:p>
-        </p:txBody>
-      </p:sp>
-    </p:spTree>
-    <p:extLst>
-      <p:ext uri="{BB962C8B-B14F-4D97-AF65-F5344CB8AC3E}">
-        <p14:creationId xmlns:p14="http://schemas.microsoft.com/office/powerpoint/2010/main" val="196814983"/>
-      </p:ext>
-    </p:extLst>
-  </p:cSld>
-  <p:clrMapOvr>
-    <a:masterClrMapping/>
-  </p:clrMapOvr>
-</p:sld>
-</file>
-
 <file path=ppt/slides/slide2.xml><?xml version="1.0" encoding="utf-8"?>
-<p:sld xmlns:a="http://schemas.openxmlformats.org/drawingml/2006/main" xmlns:r="http://schemas.openxmlformats.org/officeDocument/2006/relationships" xmlns:p="http://schemas.openxmlformats.org/presentationml/2006/main">
-  <p:cSld>
-    <p:spTree>
-      <p:nvGrpSpPr>
-        <p:cNvPr id="1" name=""/>
-        <p:cNvGrpSpPr/>
-        <p:nvPr/>
-      </p:nvGrpSpPr>
-      <p:grpSpPr>
-        <a:xfrm>
-          <a:off x="0" y="0"/>
-          <a:ext cx="0" cy="0"/>
-          <a:chOff x="0" y="0"/>
-          <a:chExt cx="0" cy="0"/>
-        </a:xfrm>
-      </p:grpSpPr>
-      <p:sp>
-        <p:nvSpPr>
-          <p:cNvPr id="4" name="Rectangle 3"/>
-          <p:cNvSpPr/>
-          <p:nvPr/>
-        </p:nvSpPr>
-        <p:spPr>
-          <a:xfrm>
-            <a:off x="0" y="0"/>
-            <a:ext cx="12192000" cy="6858000"/>
-          </a:xfrm>
-          <a:prstGeom prst="rect">
-            <a:avLst/>
-          </a:prstGeom>
-          <a:solidFill>
-            <a:schemeClr val="accent1">
-              <a:lumMod val="60000"/>
-              <a:lumOff val="40000"/>
-            </a:schemeClr>
-          </a:solidFill>
-        </p:spPr>
-        <p:style>
-          <a:lnRef idx="2">
-            <a:schemeClr val="accent2">
-              <a:shade val="50000"/>
-            </a:schemeClr>
-          </a:lnRef>
-          <a:fillRef idx="1">
-            <a:schemeClr val="accent2"/>
-          </a:fillRef>
-          <a:effectRef idx="0">
-            <a:schemeClr val="accent2"/>
-          </a:effectRef>
-          <a:fontRef idx="minor">
-            <a:schemeClr val="lt1"/>
-          </a:fontRef>
-        </p:style>
-        <p:txBody>
-          <a:bodyPr rtlCol="0" anchor="ctr"/>
-          <a:lstStyle/>
-          <a:p>
-            <a:pPr algn="ctr"/>
-            <a:r>
-              <a:rPr lang="en-GB" dirty="0"/>
-              <a:t> </a:t>
-            </a:r>
-          </a:p>
-        </p:txBody>
-      </p:sp>
-      <p:pic>
-        <p:nvPicPr>
-          <p:cNvPr id="10" name="Picture 9" descr="C:\Users\Peter\AppData\Local\Microsoft\Windows\INetCache\Content.Word\SponsorLogo_5_Rectangle.jpg"/>
-          <p:cNvPicPr/>
-          <p:nvPr/>
-        </p:nvPicPr>
-        <p:blipFill>
-          <a:blip r:embed="rId3" cstate="print">
-            <a:extLst>
-              <a:ext uri="{28A0092B-C50C-407E-A947-70E740481C1C}">
-                <a14:useLocalDpi xmlns:a14="http://schemas.microsoft.com/office/drawing/2010/main" val="0"/>
-              </a:ext>
-            </a:extLst>
-          </a:blip>
-          <a:srcRect/>
-          <a:stretch>
-            <a:fillRect/>
-          </a:stretch>
-        </p:blipFill>
-        <p:spPr bwMode="auto">
-          <a:xfrm>
-            <a:off x="8270446" y="1412960"/>
-            <a:ext cx="2732722" cy="1365500"/>
-          </a:xfrm>
-          <a:prstGeom prst="rect">
-            <a:avLst/>
-          </a:prstGeom>
-          <a:noFill/>
-          <a:ln>
-            <a:noFill/>
-          </a:ln>
-        </p:spPr>
-      </p:pic>
-      <p:pic>
-        <p:nvPicPr>
-          <p:cNvPr id="11" name="Picture 10" descr="C:\Users\Peter\AppData\Local\Microsoft\Windows\INetCache\Content.Word\SponsorLogo_14_Rectangle.jpg"/>
-          <p:cNvPicPr/>
-          <p:nvPr/>
-        </p:nvPicPr>
-        <p:blipFill>
-          <a:blip r:embed="rId4">
-            <a:extLst>
-              <a:ext uri="{28A0092B-C50C-407E-A947-70E740481C1C}">
-                <a14:useLocalDpi xmlns:a14="http://schemas.microsoft.com/office/drawing/2010/main" val="0"/>
-              </a:ext>
-            </a:extLst>
-          </a:blip>
-          <a:srcRect/>
-          <a:stretch>
-            <a:fillRect/>
-          </a:stretch>
-        </p:blipFill>
-        <p:spPr bwMode="auto">
-          <a:xfrm>
-            <a:off x="1044222" y="1360936"/>
-            <a:ext cx="2704797" cy="1448694"/>
-          </a:xfrm>
-          <a:prstGeom prst="rect">
-            <a:avLst/>
-          </a:prstGeom>
-          <a:noFill/>
-          <a:ln>
-            <a:noFill/>
-          </a:ln>
-        </p:spPr>
-      </p:pic>
-      <p:pic>
-        <p:nvPicPr>
-          <p:cNvPr id="12" name="Picture 11" descr="C:\Users\Peter\AppData\Local\Microsoft\Windows\INetCache\Content.Word\SponsorLogo_9_Rectangle.png"/>
-          <p:cNvPicPr/>
-          <p:nvPr/>
-        </p:nvPicPr>
-        <p:blipFill>
-          <a:blip r:embed="rId5">
-            <a:extLst>
-              <a:ext uri="{28A0092B-C50C-407E-A947-70E740481C1C}">
-                <a14:useLocalDpi xmlns:a14="http://schemas.microsoft.com/office/drawing/2010/main" val="0"/>
-              </a:ext>
-            </a:extLst>
-          </a:blip>
-          <a:srcRect/>
-          <a:stretch>
-            <a:fillRect/>
-          </a:stretch>
-        </p:blipFill>
-        <p:spPr bwMode="auto">
-          <a:xfrm>
-            <a:off x="2663699" y="3022647"/>
-            <a:ext cx="2617629" cy="1364070"/>
-          </a:xfrm>
-          <a:prstGeom prst="rect">
-            <a:avLst/>
-          </a:prstGeom>
-          <a:noFill/>
-          <a:ln>
-            <a:noFill/>
-          </a:ln>
-        </p:spPr>
-      </p:pic>
-      <p:pic>
-        <p:nvPicPr>
-          <p:cNvPr id="13" name="Picture 12" descr="C:\Users\Peter\AppData\Local\Microsoft\Windows\INetCache\Content.Word\SponsorLogo_8_Rectangle.jpg"/>
-          <p:cNvPicPr/>
-          <p:nvPr/>
-        </p:nvPicPr>
-        <p:blipFill>
-          <a:blip r:embed="rId6" cstate="print">
-            <a:extLst>
-              <a:ext uri="{28A0092B-C50C-407E-A947-70E740481C1C}">
-                <a14:useLocalDpi xmlns:a14="http://schemas.microsoft.com/office/drawing/2010/main" val="0"/>
-              </a:ext>
-            </a:extLst>
-          </a:blip>
-          <a:srcRect/>
-          <a:stretch>
-            <a:fillRect/>
-          </a:stretch>
-        </p:blipFill>
-        <p:spPr bwMode="auto">
-          <a:xfrm>
-            <a:off x="6954067" y="3064205"/>
-            <a:ext cx="2609764" cy="1304060"/>
-          </a:xfrm>
-          <a:prstGeom prst="rect">
-            <a:avLst/>
-          </a:prstGeom>
-          <a:noFill/>
-          <a:ln>
-            <a:noFill/>
-          </a:ln>
-        </p:spPr>
-      </p:pic>
-      <p:grpSp>
-        <p:nvGrpSpPr>
-          <p:cNvPr id="14" name="Group 13"/>
-          <p:cNvGrpSpPr/>
-          <p:nvPr/>
-        </p:nvGrpSpPr>
-        <p:grpSpPr>
-          <a:xfrm>
-            <a:off x="4881893" y="4645556"/>
-            <a:ext cx="2139938" cy="2145517"/>
-            <a:chOff x="4333245" y="4313756"/>
-            <a:chExt cx="2139938" cy="2145517"/>
-          </a:xfrm>
-        </p:grpSpPr>
-        <p:pic>
-          <p:nvPicPr>
-            <p:cNvPr id="22" name="Picture 21" descr="C:\Users\Peter\AppData\Local\Microsoft\Windows\INetCache\Content.Word\SponsorLogo_7_Rectangle.png"/>
-            <p:cNvPicPr/>
-            <p:nvPr/>
-          </p:nvPicPr>
-          <p:blipFill>
-            <a:blip r:embed="rId7" cstate="print">
-              <a:extLst>
-                <a:ext uri="{28A0092B-C50C-407E-A947-70E740481C1C}">
-                  <a14:useLocalDpi xmlns:a14="http://schemas.microsoft.com/office/drawing/2010/main" val="0"/>
-                </a:ext>
-              </a:extLst>
-            </a:blip>
-            <a:srcRect/>
-            <a:stretch>
-              <a:fillRect/>
-            </a:stretch>
-          </p:blipFill>
-          <p:spPr bwMode="auto">
-            <a:xfrm>
-              <a:off x="4472745" y="4313756"/>
-              <a:ext cx="1860938" cy="929883"/>
-            </a:xfrm>
-            <a:prstGeom prst="rect">
-              <a:avLst/>
-            </a:prstGeom>
-            <a:noFill/>
-            <a:ln>
-              <a:noFill/>
-            </a:ln>
-          </p:spPr>
-        </p:pic>
-        <p:pic>
-          <p:nvPicPr>
-            <p:cNvPr id="23" name="Picture 22" descr="C:\Users\Peter\AppData\Local\Microsoft\Windows\INetCache\Content.Word\SponsorLogo_6_Rectangle.jpg"/>
-            <p:cNvPicPr/>
-            <p:nvPr/>
-          </p:nvPicPr>
-          <p:blipFill>
-            <a:blip r:embed="rId8" cstate="print">
-              <a:extLst>
-                <a:ext uri="{28A0092B-C50C-407E-A947-70E740481C1C}">
-                  <a14:useLocalDpi xmlns:a14="http://schemas.microsoft.com/office/drawing/2010/main" val="0"/>
-                </a:ext>
-              </a:extLst>
-            </a:blip>
-            <a:srcRect/>
-            <a:stretch>
-              <a:fillRect/>
-            </a:stretch>
-          </p:blipFill>
-          <p:spPr bwMode="auto">
-            <a:xfrm>
-              <a:off x="4333245" y="5389978"/>
-              <a:ext cx="2139938" cy="1069295"/>
-            </a:xfrm>
-            <a:prstGeom prst="rect">
-              <a:avLst/>
-            </a:prstGeom>
-            <a:noFill/>
-            <a:ln>
-              <a:noFill/>
-            </a:ln>
-          </p:spPr>
-        </p:pic>
-      </p:grpSp>
-      <p:grpSp>
-        <p:nvGrpSpPr>
-          <p:cNvPr id="15" name="Group 14"/>
-          <p:cNvGrpSpPr/>
-          <p:nvPr/>
-        </p:nvGrpSpPr>
-        <p:grpSpPr>
-          <a:xfrm>
-            <a:off x="9339358" y="4481752"/>
-            <a:ext cx="2377853" cy="2001875"/>
-            <a:chOff x="7500174" y="4176329"/>
-            <a:chExt cx="2377853" cy="2001875"/>
-          </a:xfrm>
-        </p:grpSpPr>
-        <p:pic>
-          <p:nvPicPr>
-            <p:cNvPr id="20" name="Picture 19" descr="C:\Users\Peter\AppData\Local\Microsoft\Windows\INetCache\Content.Word\SponsorLogo_1_Square.png"/>
-            <p:cNvPicPr/>
-            <p:nvPr/>
-          </p:nvPicPr>
-          <p:blipFill>
-            <a:blip r:embed="rId9">
-              <a:extLst>
-                <a:ext uri="{28A0092B-C50C-407E-A947-70E740481C1C}">
-                  <a14:useLocalDpi xmlns:a14="http://schemas.microsoft.com/office/drawing/2010/main" val="0"/>
-                </a:ext>
-              </a:extLst>
-            </a:blip>
-            <a:srcRect/>
-            <a:stretch>
-              <a:fillRect/>
-            </a:stretch>
-          </p:blipFill>
-          <p:spPr bwMode="auto">
-            <a:xfrm>
-              <a:off x="7500174" y="4176329"/>
-              <a:ext cx="2377853" cy="1213649"/>
-            </a:xfrm>
-            <a:prstGeom prst="rect">
-              <a:avLst/>
-            </a:prstGeom>
-            <a:noFill/>
-            <a:ln>
-              <a:noFill/>
-            </a:ln>
-          </p:spPr>
-        </p:pic>
-        <p:pic>
-          <p:nvPicPr>
-            <p:cNvPr id="21" name="Picture 20" descr="C:\Users\Peter\AppData\Local\Microsoft\Windows\INetCache\Content.Word\SponsorLogo_3_Rectangle.png"/>
-            <p:cNvPicPr/>
-            <p:nvPr/>
-          </p:nvPicPr>
-          <p:blipFill>
-            <a:blip r:embed="rId10" cstate="print">
-              <a:extLst>
-                <a:ext uri="{28A0092B-C50C-407E-A947-70E740481C1C}">
-                  <a14:useLocalDpi xmlns:a14="http://schemas.microsoft.com/office/drawing/2010/main" val="0"/>
-                </a:ext>
-              </a:extLst>
-            </a:blip>
-            <a:srcRect/>
-            <a:stretch>
-              <a:fillRect/>
-            </a:stretch>
-          </p:blipFill>
-          <p:spPr bwMode="auto">
-            <a:xfrm>
-              <a:off x="7581875" y="5671046"/>
-              <a:ext cx="2214451" cy="507158"/>
-            </a:xfrm>
-            <a:prstGeom prst="rect">
-              <a:avLst/>
-            </a:prstGeom>
-            <a:noFill/>
-            <a:ln>
-              <a:noFill/>
-            </a:ln>
-          </p:spPr>
-        </p:pic>
-      </p:grpSp>
-      <p:grpSp>
-        <p:nvGrpSpPr>
-          <p:cNvPr id="16" name="Group 15"/>
-          <p:cNvGrpSpPr/>
-          <p:nvPr/>
-        </p:nvGrpSpPr>
-        <p:grpSpPr>
-          <a:xfrm>
-            <a:off x="403142" y="4460918"/>
-            <a:ext cx="2046923" cy="2217693"/>
-            <a:chOff x="964258" y="4313756"/>
-            <a:chExt cx="2046923" cy="2217693"/>
-          </a:xfrm>
-        </p:grpSpPr>
-        <p:pic>
-          <p:nvPicPr>
-            <p:cNvPr id="18" name="Picture 17"/>
-            <p:cNvPicPr/>
-            <p:nvPr/>
-          </p:nvPicPr>
-          <p:blipFill>
-            <a:blip r:embed="rId11" cstate="print">
-              <a:extLst>
-                <a:ext uri="{28A0092B-C50C-407E-A947-70E740481C1C}">
-                  <a14:useLocalDpi xmlns:a14="http://schemas.microsoft.com/office/drawing/2010/main" val="0"/>
-                </a:ext>
-              </a:extLst>
-            </a:blip>
-            <a:stretch>
-              <a:fillRect/>
-            </a:stretch>
-          </p:blipFill>
-          <p:spPr>
-            <a:xfrm>
-              <a:off x="964258" y="5500894"/>
-              <a:ext cx="2046923" cy="1030555"/>
-            </a:xfrm>
-            <a:prstGeom prst="rect">
-              <a:avLst/>
-            </a:prstGeom>
-          </p:spPr>
-        </p:pic>
-        <p:pic>
-          <p:nvPicPr>
-            <p:cNvPr id="19" name="Picture 18" descr="C:\Users\Peter\AppData\Local\Microsoft\Windows\INetCache\Content.Word\SponsorLogo_15_Rectangle.jpg"/>
-            <p:cNvPicPr/>
-            <p:nvPr/>
-          </p:nvPicPr>
-          <p:blipFill>
-            <a:blip r:embed="rId12" cstate="print">
-              <a:extLst>
-                <a:ext uri="{28A0092B-C50C-407E-A947-70E740481C1C}">
-                  <a14:useLocalDpi xmlns:a14="http://schemas.microsoft.com/office/drawing/2010/main" val="0"/>
-                </a:ext>
-              </a:extLst>
-            </a:blip>
-            <a:srcRect/>
-            <a:stretch>
-              <a:fillRect/>
-            </a:stretch>
-          </p:blipFill>
-          <p:spPr bwMode="auto">
-            <a:xfrm>
-              <a:off x="1117518" y="4313756"/>
-              <a:ext cx="1740403" cy="869653"/>
-            </a:xfrm>
-            <a:prstGeom prst="rect">
-              <a:avLst/>
-            </a:prstGeom>
-            <a:noFill/>
-            <a:ln>
-              <a:noFill/>
-            </a:ln>
-          </p:spPr>
-        </p:pic>
-      </p:grpSp>
-      <p:sp>
-        <p:nvSpPr>
-          <p:cNvPr id="17" name="Title 18"/>
-          <p:cNvSpPr>
-            <a:spLocks noGrp="1"/>
-          </p:cNvSpPr>
-          <p:nvPr/>
-        </p:nvSpPr>
-        <p:spPr>
-          <a:xfrm>
-            <a:off x="838200" y="21129"/>
-            <a:ext cx="10515600" cy="1325563"/>
-          </a:xfrm>
-          <a:prstGeom prst="rect">
-            <a:avLst/>
-          </a:prstGeom>
-        </p:spPr>
-        <p:txBody>
-          <a:bodyPr vert="horz" lIns="91440" tIns="45720" rIns="91440" bIns="45720" rtlCol="0" anchor="ctr">
-            <a:normAutofit/>
-          </a:bodyPr>
-          <a:lstStyle>
-            <a:lvl1pPr algn="l" defTabSz="914400" rtl="0" eaLnBrk="1" latinLnBrk="0" hangingPunct="1">
-              <a:lnSpc>
-                <a:spcPct val="90000"/>
-              </a:lnSpc>
-              <a:spcBef>
-                <a:spcPct val="0"/>
-              </a:spcBef>
-              <a:buNone/>
-              <a:defRPr sz="4400" kern="1200">
-                <a:solidFill>
-                  <a:schemeClr val="tx1"/>
-                </a:solidFill>
-                <a:latin typeface="+mj-lt"/>
-                <a:ea typeface="+mj-ea"/>
-                <a:cs typeface="+mj-cs"/>
-              </a:defRPr>
-            </a:lvl1pPr>
-          </a:lstStyle>
-          <a:p>
-            <a:pPr algn="ctr"/>
-            <a:r>
-              <a:rPr lang="en-US" dirty="0"/>
-              <a:t>Thanks to the Sponsors!</a:t>
-            </a:r>
-          </a:p>
-        </p:txBody>
-      </p:sp>
-    </p:spTree>
-    <p:extLst>
-      <p:ext uri="{BB962C8B-B14F-4D97-AF65-F5344CB8AC3E}">
-        <p14:creationId xmlns:p14="http://schemas.microsoft.com/office/powerpoint/2010/main" val="3172384381"/>
-      </p:ext>
-    </p:extLst>
-  </p:cSld>
-  <p:clrMapOvr>
-    <a:masterClrMapping/>
-  </p:clrMapOvr>
-</p:sld>
-</file>
-
-<file path=ppt/slides/slide3.xml><?xml version="1.0" encoding="utf-8"?>
 <p:sld xmlns:a="http://schemas.openxmlformats.org/drawingml/2006/main" xmlns:r="http://schemas.openxmlformats.org/officeDocument/2006/relationships" xmlns:p="http://schemas.openxmlformats.org/presentationml/2006/main">
   <p:cSld>
     <p:spTree>
@@ -7190,6 +5262,464 @@
                                           <p:spTgt spid="7">
                                             <p:txEl>
                                               <p:pRg st="9" end="9"/>
+                                            </p:txEl>
+                                          </p:spTgt>
+                                        </p:tgtEl>
+                                        <p:attrNameLst>
+                                          <p:attrName>style.visibility</p:attrName>
+                                        </p:attrNameLst>
+                                      </p:cBhvr>
+                                      <p:to>
+                                        <p:strVal val="visible"/>
+                                      </p:to>
+                                    </p:set>
+                                  </p:childTnLst>
+                                </p:cTn>
+                              </p:par>
+                            </p:childTnLst>
+                          </p:cTn>
+                        </p:par>
+                      </p:childTnLst>
+                    </p:cTn>
+                  </p:par>
+                </p:childTnLst>
+              </p:cTn>
+              <p:prevCondLst>
+                <p:cond evt="onPrev" delay="0">
+                  <p:tgtEl>
+                    <p:sldTgt/>
+                  </p:tgtEl>
+                </p:cond>
+              </p:prevCondLst>
+              <p:nextCondLst>
+                <p:cond evt="onNext" delay="0">
+                  <p:tgtEl>
+                    <p:sldTgt/>
+                  </p:tgtEl>
+                </p:cond>
+              </p:nextCondLst>
+            </p:seq>
+          </p:childTnLst>
+        </p:cTn>
+      </p:par>
+    </p:tnLst>
+    <p:bldLst>
+      <p:bldP spid="7" grpId="0" uiExpand="1" build="p"/>
+    </p:bldLst>
+  </p:timing>
+</p:sld>
+</file>
+
+<file path=ppt/slides/slide3.xml><?xml version="1.0" encoding="utf-8"?>
+<p:sld xmlns:a="http://schemas.openxmlformats.org/drawingml/2006/main" xmlns:r="http://schemas.openxmlformats.org/officeDocument/2006/relationships" xmlns:p="http://schemas.openxmlformats.org/presentationml/2006/main">
+  <p:cSld>
+    <p:spTree>
+      <p:nvGrpSpPr>
+        <p:cNvPr id="1" name=""/>
+        <p:cNvGrpSpPr/>
+        <p:nvPr/>
+      </p:nvGrpSpPr>
+      <p:grpSpPr>
+        <a:xfrm>
+          <a:off x="0" y="0"/>
+          <a:ext cx="0" cy="0"/>
+          <a:chOff x="0" y="0"/>
+          <a:chExt cx="0" cy="0"/>
+        </a:xfrm>
+      </p:grpSpPr>
+      <p:sp>
+        <p:nvSpPr>
+          <p:cNvPr id="4" name="Rectangle 3"/>
+          <p:cNvSpPr/>
+          <p:nvPr/>
+        </p:nvSpPr>
+        <p:spPr>
+          <a:xfrm>
+            <a:off x="0" y="0"/>
+            <a:ext cx="12192000" cy="6858000"/>
+          </a:xfrm>
+          <a:prstGeom prst="rect">
+            <a:avLst/>
+          </a:prstGeom>
+          <a:solidFill>
+            <a:schemeClr val="accent1">
+              <a:lumMod val="60000"/>
+              <a:lumOff val="40000"/>
+            </a:schemeClr>
+          </a:solidFill>
+        </p:spPr>
+        <p:style>
+          <a:lnRef idx="2">
+            <a:schemeClr val="accent2">
+              <a:shade val="50000"/>
+            </a:schemeClr>
+          </a:lnRef>
+          <a:fillRef idx="1">
+            <a:schemeClr val="accent2"/>
+          </a:fillRef>
+          <a:effectRef idx="0">
+            <a:schemeClr val="accent2"/>
+          </a:effectRef>
+          <a:fontRef idx="minor">
+            <a:schemeClr val="lt1"/>
+          </a:fontRef>
+        </p:style>
+        <p:txBody>
+          <a:bodyPr rtlCol="0" anchor="ctr"/>
+          <a:lstStyle/>
+          <a:p>
+            <a:pPr algn="ctr"/>
+            <a:endParaRPr lang="en-GB" dirty="0"/>
+          </a:p>
+        </p:txBody>
+      </p:sp>
+      <p:sp>
+        <p:nvSpPr>
+          <p:cNvPr id="2" name="Title 1"/>
+          <p:cNvSpPr>
+            <a:spLocks noGrp="1"/>
+          </p:cNvSpPr>
+          <p:nvPr>
+            <p:ph type="ctrTitle"/>
+          </p:nvPr>
+        </p:nvSpPr>
+        <p:spPr>
+          <a:xfrm>
+            <a:off x="103517" y="182084"/>
+            <a:ext cx="11930332" cy="1103252"/>
+          </a:xfrm>
+        </p:spPr>
+        <p:txBody>
+          <a:bodyPr>
+            <a:normAutofit/>
+          </a:bodyPr>
+          <a:lstStyle/>
+          <a:p>
+            <a:r>
+              <a:rPr lang="en-GB" dirty="0"/>
+              <a:t>Get-PSUGUK ??</a:t>
+            </a:r>
+          </a:p>
+        </p:txBody>
+      </p:sp>
+      <p:sp>
+        <p:nvSpPr>
+          <p:cNvPr id="7" name="TextBox 6"/>
+          <p:cNvSpPr txBox="1"/>
+          <p:nvPr/>
+        </p:nvSpPr>
+        <p:spPr>
+          <a:xfrm>
+            <a:off x="2146463" y="1572012"/>
+            <a:ext cx="7899074" cy="4893647"/>
+          </a:xfrm>
+          <a:prstGeom prst="rect">
+            <a:avLst/>
+          </a:prstGeom>
+          <a:noFill/>
+        </p:spPr>
+        <p:txBody>
+          <a:bodyPr wrap="square" rtlCol="0">
+            <a:spAutoFit/>
+          </a:bodyPr>
+          <a:lstStyle/>
+          <a:p>
+            <a:r>
+              <a:rPr lang="en-GB" sz="2400" dirty="0"/>
+              <a:t>A User Group Dedicated to Windows PowerShell – Language and Implementation practices</a:t>
+            </a:r>
+          </a:p>
+          <a:p>
+            <a:endParaRPr lang="en-GB" sz="2400" dirty="0"/>
+          </a:p>
+          <a:p>
+            <a:r>
+              <a:rPr lang="en-GB" sz="2400" dirty="0"/>
+              <a:t>Currently in London &amp; Manchester </a:t>
+            </a:r>
+          </a:p>
+          <a:p>
+            <a:endParaRPr lang="en-GB" sz="2400" dirty="0"/>
+          </a:p>
+          <a:p>
+            <a:r>
+              <a:rPr lang="en-GB" sz="2400" dirty="0"/>
+              <a:t>Will be expanding to other Cities in the UK over 2016 – Exeter, Derby/Nottingham &amp; Glasgow/Edinburgh are currently being planned</a:t>
+            </a:r>
+          </a:p>
+          <a:p>
+            <a:endParaRPr lang="en-GB" sz="2400" dirty="0"/>
+          </a:p>
+          <a:p>
+            <a:r>
+              <a:rPr lang="en-GB" sz="2400" dirty="0"/>
+              <a:t>Meetups are currently being planned for London &amp; Manchester this month.</a:t>
+            </a:r>
+          </a:p>
+          <a:p>
+            <a:endParaRPr lang="en-GB" sz="2400" dirty="0"/>
+          </a:p>
+          <a:p>
+            <a:r>
+              <a:rPr lang="en-GB" sz="2400" dirty="0"/>
+              <a:t>Further details &amp; Slack Signup at </a:t>
+            </a:r>
+            <a:r>
+              <a:rPr lang="en-GB" sz="2400" dirty="0">
+                <a:hlinkClick r:id="rId2"/>
+              </a:rPr>
+              <a:t>www.get-psuguk.org</a:t>
+            </a:r>
+            <a:r>
+              <a:rPr lang="en-GB" sz="2400" dirty="0"/>
+              <a:t> </a:t>
+            </a:r>
+          </a:p>
+        </p:txBody>
+      </p:sp>
+    </p:spTree>
+    <p:extLst>
+      <p:ext uri="{BB962C8B-B14F-4D97-AF65-F5344CB8AC3E}">
+        <p14:creationId xmlns:p14="http://schemas.microsoft.com/office/powerpoint/2010/main" val="2857948190"/>
+      </p:ext>
+    </p:extLst>
+  </p:cSld>
+  <p:clrMapOvr>
+    <a:masterClrMapping/>
+  </p:clrMapOvr>
+  <p:timing>
+    <p:tnLst>
+      <p:par>
+        <p:cTn id="1" dur="indefinite" restart="never" nodeType="tmRoot">
+          <p:childTnLst>
+            <p:seq concurrent="1" nextAc="seek">
+              <p:cTn id="2" dur="indefinite" nodeType="mainSeq">
+                <p:childTnLst>
+                  <p:par>
+                    <p:cTn id="3" fill="hold">
+                      <p:stCondLst>
+                        <p:cond delay="indefinite"/>
+                      </p:stCondLst>
+                      <p:childTnLst>
+                        <p:par>
+                          <p:cTn id="4" fill="hold">
+                            <p:stCondLst>
+                              <p:cond delay="0"/>
+                            </p:stCondLst>
+                            <p:childTnLst>
+                              <p:par>
+                                <p:cTn id="5" presetID="1" presetClass="entr" presetSubtype="0" fill="hold" grpId="0" nodeType="clickEffect">
+                                  <p:stCondLst>
+                                    <p:cond delay="0"/>
+                                  </p:stCondLst>
+                                  <p:childTnLst>
+                                    <p:set>
+                                      <p:cBhvr>
+                                        <p:cTn id="6" dur="1" fill="hold">
+                                          <p:stCondLst>
+                                            <p:cond delay="9"/>
+                                          </p:stCondLst>
+                                        </p:cTn>
+                                        <p:tgtEl>
+                                          <p:spTgt spid="7">
+                                            <p:txEl>
+                                              <p:pRg st="0" end="0"/>
+                                            </p:txEl>
+                                          </p:spTgt>
+                                        </p:tgtEl>
+                                        <p:attrNameLst>
+                                          <p:attrName>style.visibility</p:attrName>
+                                        </p:attrNameLst>
+                                      </p:cBhvr>
+                                      <p:to>
+                                        <p:strVal val="visible"/>
+                                      </p:to>
+                                    </p:set>
+                                  </p:childTnLst>
+                                </p:cTn>
+                              </p:par>
+                            </p:childTnLst>
+                          </p:cTn>
+                        </p:par>
+                      </p:childTnLst>
+                    </p:cTn>
+                  </p:par>
+                  <p:par>
+                    <p:cTn id="7" fill="hold">
+                      <p:stCondLst>
+                        <p:cond delay="indefinite"/>
+                      </p:stCondLst>
+                      <p:childTnLst>
+                        <p:par>
+                          <p:cTn id="8" fill="hold">
+                            <p:stCondLst>
+                              <p:cond delay="0"/>
+                            </p:stCondLst>
+                            <p:childTnLst>
+                              <p:par>
+                                <p:cTn id="9" presetID="1" presetClass="entr" presetSubtype="0" fill="hold" grpId="0" nodeType="clickEffect">
+                                  <p:stCondLst>
+                                    <p:cond delay="0"/>
+                                  </p:stCondLst>
+                                  <p:childTnLst>
+                                    <p:set>
+                                      <p:cBhvr>
+                                        <p:cTn id="10" dur="1" fill="hold">
+                                          <p:stCondLst>
+                                            <p:cond delay="9"/>
+                                          </p:stCondLst>
+                                        </p:cTn>
+                                        <p:tgtEl>
+                                          <p:spTgt spid="7">
+                                            <p:txEl>
+                                              <p:pRg st="2" end="2"/>
+                                            </p:txEl>
+                                          </p:spTgt>
+                                        </p:tgtEl>
+                                        <p:attrNameLst>
+                                          <p:attrName>style.visibility</p:attrName>
+                                        </p:attrNameLst>
+                                      </p:cBhvr>
+                                      <p:to>
+                                        <p:strVal val="visible"/>
+                                      </p:to>
+                                    </p:set>
+                                  </p:childTnLst>
+                                </p:cTn>
+                              </p:par>
+                            </p:childTnLst>
+                          </p:cTn>
+                        </p:par>
+                      </p:childTnLst>
+                    </p:cTn>
+                  </p:par>
+                  <p:par>
+                    <p:cTn id="11" fill="hold">
+                      <p:stCondLst>
+                        <p:cond delay="indefinite"/>
+                      </p:stCondLst>
+                      <p:childTnLst>
+                        <p:par>
+                          <p:cTn id="12" fill="hold">
+                            <p:stCondLst>
+                              <p:cond delay="0"/>
+                            </p:stCondLst>
+                            <p:childTnLst>
+                              <p:par>
+                                <p:cTn id="13" presetID="1" presetClass="entr" presetSubtype="0" fill="hold" grpId="0" nodeType="clickEffect">
+                                  <p:stCondLst>
+                                    <p:cond delay="0"/>
+                                  </p:stCondLst>
+                                  <p:childTnLst>
+                                    <p:set>
+                                      <p:cBhvr>
+                                        <p:cTn id="14" dur="1" fill="hold">
+                                          <p:stCondLst>
+                                            <p:cond delay="9"/>
+                                          </p:stCondLst>
+                                        </p:cTn>
+                                        <p:tgtEl>
+                                          <p:spTgt spid="7">
+                                            <p:txEl>
+                                              <p:pRg st="4" end="4"/>
+                                            </p:txEl>
+                                          </p:spTgt>
+                                        </p:tgtEl>
+                                        <p:attrNameLst>
+                                          <p:attrName>style.visibility</p:attrName>
+                                        </p:attrNameLst>
+                                      </p:cBhvr>
+                                      <p:to>
+                                        <p:strVal val="visible"/>
+                                      </p:to>
+                                    </p:set>
+                                  </p:childTnLst>
+                                </p:cTn>
+                              </p:par>
+                            </p:childTnLst>
+                          </p:cTn>
+                        </p:par>
+                      </p:childTnLst>
+                    </p:cTn>
+                  </p:par>
+                  <p:par>
+                    <p:cTn id="15" fill="hold">
+                      <p:stCondLst>
+                        <p:cond delay="indefinite"/>
+                      </p:stCondLst>
+                      <p:childTnLst>
+                        <p:par>
+                          <p:cTn id="16" fill="hold">
+                            <p:stCondLst>
+                              <p:cond delay="0"/>
+                            </p:stCondLst>
+                            <p:childTnLst>
+                              <p:par>
+                                <p:cTn id="17" presetID="1" presetClass="entr" presetSubtype="0" fill="hold" grpId="0" nodeType="clickEffect">
+                                  <p:stCondLst>
+                                    <p:cond delay="0"/>
+                                  </p:stCondLst>
+                                  <p:childTnLst>
+                                    <p:set>
+                                      <p:cBhvr>
+                                        <p:cTn id="18" dur="1" fill="hold">
+                                          <p:stCondLst>
+                                            <p:cond delay="9"/>
+                                          </p:stCondLst>
+                                        </p:cTn>
+                                        <p:tgtEl>
+                                          <p:spTgt spid="7">
+                                            <p:txEl>
+                                              <p:pRg st="6" end="6"/>
+                                            </p:txEl>
+                                          </p:spTgt>
+                                        </p:tgtEl>
+                                        <p:attrNameLst>
+                                          <p:attrName>style.visibility</p:attrName>
+                                        </p:attrNameLst>
+                                      </p:cBhvr>
+                                      <p:to>
+                                        <p:strVal val="visible"/>
+                                      </p:to>
+                                    </p:set>
+                                  </p:childTnLst>
+                                </p:cTn>
+                              </p:par>
+                            </p:childTnLst>
+                          </p:cTn>
+                        </p:par>
+                      </p:childTnLst>
+                    </p:cTn>
+                  </p:par>
+                  <p:par>
+                    <p:cTn id="19" fill="hold">
+                      <p:stCondLst>
+                        <p:cond delay="indefinite"/>
+                      </p:stCondLst>
+                      <p:childTnLst>
+                        <p:par>
+                          <p:cTn id="20" fill="hold">
+                            <p:stCondLst>
+                              <p:cond delay="0"/>
+                            </p:stCondLst>
+                            <p:childTnLst>
+                              <p:par>
+                                <p:cTn id="21" presetID="1" presetClass="entr" presetSubtype="0" fill="hold" grpId="0" nodeType="clickEffect">
+                                  <p:stCondLst>
+                                    <p:cond delay="0"/>
+                                  </p:stCondLst>
+                                  <p:childTnLst>
+                                    <p:set>
+                                      <p:cBhvr>
+                                        <p:cTn id="22" dur="1" fill="hold">
+                                          <p:stCondLst>
+                                            <p:cond delay="9"/>
+                                          </p:stCondLst>
+                                        </p:cTn>
+                                        <p:tgtEl>
+                                          <p:spTgt spid="7">
+                                            <p:txEl>
+                                              <p:pRg st="8" end="8"/>
                                             </p:txEl>
                                           </p:spTgt>
                                         </p:tgtEl>
@@ -7325,21 +5855,21 @@
           <a:p>
             <a:r>
               <a:rPr lang="en-GB" dirty="0"/>
-              <a:t>Get-PSUGUK ??</a:t>
+              <a:t>History Lesson</a:t>
             </a:r>
           </a:p>
         </p:txBody>
       </p:sp>
       <p:sp>
         <p:nvSpPr>
-          <p:cNvPr id="7" name="TextBox 6"/>
+          <p:cNvPr id="5" name="TextBox 4"/>
           <p:cNvSpPr txBox="1"/>
           <p:nvPr/>
         </p:nvSpPr>
         <p:spPr>
           <a:xfrm>
-            <a:off x="2146463" y="1572012"/>
-            <a:ext cx="7899074" cy="4893647"/>
+            <a:off x="650240" y="1682618"/>
+            <a:ext cx="3261360" cy="2308324"/>
           </a:xfrm>
           <a:prstGeom prst="rect">
             <a:avLst/>
@@ -7354,53 +5884,131 @@
           <a:p>
             <a:r>
               <a:rPr lang="en-GB" sz="2400" dirty="0"/>
-              <a:t>A User Group Dedicated to Windows PowerShell – Language and Implementation practices</a:t>
-            </a:r>
-          </a:p>
-          <a:p>
-            <a:endParaRPr lang="en-GB" sz="2400" dirty="0"/>
-          </a:p>
+              <a:t>As a SharePoint Guy in a previous role – I’ve seen cases of document management hell – and really a script is just another document</a:t>
+            </a:r>
+          </a:p>
+        </p:txBody>
+      </p:sp>
+      <p:sp>
+        <p:nvSpPr>
+          <p:cNvPr id="8" name="TextBox 7"/>
+          <p:cNvSpPr txBox="1"/>
+          <p:nvPr/>
+        </p:nvSpPr>
+        <p:spPr>
+          <a:xfrm>
+            <a:off x="4378960" y="2774295"/>
+            <a:ext cx="3271520" cy="2308324"/>
+          </a:xfrm>
+          <a:prstGeom prst="rect">
+            <a:avLst/>
+          </a:prstGeom>
+          <a:noFill/>
+        </p:spPr>
+        <p:txBody>
+          <a:bodyPr wrap="square" rtlCol="0">
+            <a:spAutoFit/>
+          </a:bodyPr>
+          <a:lstStyle/>
           <a:p>
             <a:r>
               <a:rPr lang="en-GB" sz="2400" dirty="0"/>
-              <a:t>Currently in London &amp; Manchester </a:t>
-            </a:r>
-          </a:p>
-          <a:p>
-            <a:endParaRPr lang="en-GB" sz="2400" dirty="0"/>
-          </a:p>
+              <a:t>You may have some sort of method for dealing with Script Versioning – but is it optimal? Does it work well with OSS PowerShell Projects?</a:t>
+            </a:r>
+          </a:p>
+        </p:txBody>
+      </p:sp>
+      <p:sp>
+        <p:nvSpPr>
+          <p:cNvPr id="10" name="TextBox 9"/>
+          <p:cNvSpPr txBox="1"/>
+          <p:nvPr/>
+        </p:nvSpPr>
+        <p:spPr>
+          <a:xfrm>
+            <a:off x="650240" y="4582160"/>
+            <a:ext cx="3129280" cy="1569660"/>
+          </a:xfrm>
+          <a:prstGeom prst="rect">
+            <a:avLst/>
+          </a:prstGeom>
+          <a:noFill/>
+        </p:spPr>
+        <p:txBody>
+          <a:bodyPr wrap="square" rtlCol="0">
+            <a:spAutoFit/>
+          </a:bodyPr>
+          <a:lstStyle/>
           <a:p>
             <a:r>
               <a:rPr lang="en-GB" sz="2400" dirty="0"/>
-              <a:t>Will be expanding to other Cities in the UK over 2016 – Exeter, Derby/Nottingham &amp; Glasgow/Edinburgh are currently being planned</a:t>
-            </a:r>
-          </a:p>
-          <a:p>
-            <a:endParaRPr lang="en-GB" sz="2400" dirty="0"/>
-          </a:p>
-          <a:p>
+              <a:t>Version Control is an Alien Topic to most </a:t>
+            </a:r>
+            <a:r>
+              <a:rPr lang="en-GB" sz="2400" dirty="0" err="1"/>
+              <a:t>ITPro’s</a:t>
+            </a:r>
             <a:r>
               <a:rPr lang="en-GB" sz="2400" dirty="0"/>
-              <a:t>Meetups are currently being planned for London &amp; Manchester this month.</a:t>
-            </a:r>
-          </a:p>
-          <a:p>
-            <a:endParaRPr lang="en-GB" sz="2400" dirty="0"/>
-          </a:p>
+              <a:t> and a number of Developers as well</a:t>
+            </a:r>
+          </a:p>
+        </p:txBody>
+      </p:sp>
+      <p:sp>
+        <p:nvSpPr>
+          <p:cNvPr id="11" name="TextBox 10"/>
+          <p:cNvSpPr txBox="1"/>
+          <p:nvPr/>
+        </p:nvSpPr>
+        <p:spPr>
+          <a:xfrm>
+            <a:off x="8199120" y="1757680"/>
+            <a:ext cx="3383280" cy="1938992"/>
+          </a:xfrm>
+          <a:prstGeom prst="rect">
+            <a:avLst/>
+          </a:prstGeom>
+          <a:noFill/>
+        </p:spPr>
+        <p:txBody>
+          <a:bodyPr wrap="square" rtlCol="0">
+            <a:spAutoFit/>
+          </a:bodyPr>
+          <a:lstStyle/>
           <a:p>
             <a:r>
               <a:rPr lang="en-GB" sz="2400" dirty="0"/>
-              <a:t>Further details &amp; Slack Signup at </a:t>
-            </a:r>
-            <a:r>
-              <a:rPr lang="en-GB" sz="2400" dirty="0">
-                <a:hlinkClick r:id="rId2"/>
-              </a:rPr>
-              <a:t>www.get-psuguk.org</a:t>
-            </a:r>
+              <a:t>Unit Testing our scripts is something that we all know that we should be doing – but I bet that most aren’t.</a:t>
+            </a:r>
+          </a:p>
+        </p:txBody>
+      </p:sp>
+      <p:sp>
+        <p:nvSpPr>
+          <p:cNvPr id="3" name="TextBox 2"/>
+          <p:cNvSpPr txBox="1"/>
+          <p:nvPr/>
+        </p:nvSpPr>
+        <p:spPr>
+          <a:xfrm>
+            <a:off x="8199120" y="4707504"/>
+            <a:ext cx="3239672" cy="1938992"/>
+          </a:xfrm>
+          <a:prstGeom prst="rect">
+            <a:avLst/>
+          </a:prstGeom>
+          <a:noFill/>
+        </p:spPr>
+        <p:txBody>
+          <a:bodyPr wrap="square" rtlCol="0">
+            <a:spAutoFit/>
+          </a:bodyPr>
+          <a:lstStyle/>
+          <a:p>
             <a:r>
               <a:rPr lang="en-GB" sz="2400" dirty="0"/>
-              <a:t> </a:t>
+              <a:t>So how can me make the transitions to optimal Source Control &amp; carrying out Unit Tests easier?</a:t>
             </a:r>
           </a:p>
         </p:txBody>
@@ -7408,7 +6016,7 @@
     </p:spTree>
     <p:extLst>
       <p:ext uri="{BB962C8B-B14F-4D97-AF65-F5344CB8AC3E}">
-        <p14:creationId xmlns:p14="http://schemas.microsoft.com/office/powerpoint/2010/main" val="2857948190"/>
+        <p14:creationId xmlns:p14="http://schemas.microsoft.com/office/powerpoint/2010/main" val="864392627"/>
       </p:ext>
     </p:extLst>
   </p:cSld>
@@ -7436,7 +6044,7 @@
                             </p:stCondLst>
                             <p:childTnLst>
                               <p:par>
-                                <p:cTn id="5" presetID="1" presetClass="entr" presetSubtype="0" fill="hold" grpId="0" nodeType="clickEffect">
+                                <p:cTn id="5" presetID="26" presetClass="entr" presetSubtype="0" fill="hold" grpId="0" nodeType="clickEffect">
                                   <p:stCondLst>
                                     <p:cond delay="0"/>
                                   </p:stCondLst>
@@ -7445,15 +6053,11 @@
                                       <p:cBhvr>
                                         <p:cTn id="6" dur="1" fill="hold">
                                           <p:stCondLst>
-                                            <p:cond delay="9"/>
+                                            <p:cond delay="0"/>
                                           </p:stCondLst>
                                         </p:cTn>
                                         <p:tgtEl>
-                                          <p:spTgt spid="7">
-                                            <p:txEl>
-                                              <p:pRg st="0" end="0"/>
-                                            </p:txEl>
-                                          </p:spTgt>
+                                          <p:spTgt spid="5"/>
                                         </p:tgtEl>
                                         <p:attrNameLst>
                                           <p:attrName>style.visibility</p:attrName>
@@ -7463,6 +6067,257 @@
                                         <p:strVal val="visible"/>
                                       </p:to>
                                     </p:set>
+                                    <p:animEffect transition="in" filter="wipe(down)">
+                                      <p:cBhvr>
+                                        <p:cTn id="7" dur="580">
+                                          <p:stCondLst>
+                                            <p:cond delay="0"/>
+                                          </p:stCondLst>
+                                        </p:cTn>
+                                        <p:tgtEl>
+                                          <p:spTgt spid="5"/>
+                                        </p:tgtEl>
+                                      </p:cBhvr>
+                                    </p:animEffect>
+                                    <p:anim calcmode="lin" valueType="num">
+                                      <p:cBhvr>
+                                        <p:cTn id="8" dur="1822" tmFilter="0,0; 0.14,0.36; 0.43,0.73; 0.71,0.91; 1.0,1.0">
+                                          <p:stCondLst>
+                                            <p:cond delay="0"/>
+                                          </p:stCondLst>
+                                        </p:cTn>
+                                        <p:tgtEl>
+                                          <p:spTgt spid="5"/>
+                                        </p:tgtEl>
+                                        <p:attrNameLst>
+                                          <p:attrName>ppt_x</p:attrName>
+                                        </p:attrNameLst>
+                                      </p:cBhvr>
+                                      <p:tavLst>
+                                        <p:tav tm="0">
+                                          <p:val>
+                                            <p:strVal val="#ppt_x-0.25"/>
+                                          </p:val>
+                                        </p:tav>
+                                        <p:tav tm="100000">
+                                          <p:val>
+                                            <p:strVal val="#ppt_x"/>
+                                          </p:val>
+                                        </p:tav>
+                                      </p:tavLst>
+                                    </p:anim>
+                                    <p:anim calcmode="lin" valueType="num">
+                                      <p:cBhvr>
+                                        <p:cTn id="9" dur="664" tmFilter="0.0,0.0; 0.25,0.07; 0.50,0.2; 0.75,0.467; 1.0,1.0">
+                                          <p:stCondLst>
+                                            <p:cond delay="0"/>
+                                          </p:stCondLst>
+                                        </p:cTn>
+                                        <p:tgtEl>
+                                          <p:spTgt spid="5"/>
+                                        </p:tgtEl>
+                                        <p:attrNameLst>
+                                          <p:attrName>ppt_y</p:attrName>
+                                        </p:attrNameLst>
+                                      </p:cBhvr>
+                                      <p:tavLst>
+                                        <p:tav tm="0" fmla="#ppt_y-sin(pi*$)/3">
+                                          <p:val>
+                                            <p:fltVal val="0.5"/>
+                                          </p:val>
+                                        </p:tav>
+                                        <p:tav tm="100000">
+                                          <p:val>
+                                            <p:fltVal val="1"/>
+                                          </p:val>
+                                        </p:tav>
+                                      </p:tavLst>
+                                    </p:anim>
+                                    <p:anim calcmode="lin" valueType="num">
+                                      <p:cBhvr>
+                                        <p:cTn id="10" dur="664" tmFilter="0, 0; 0.125,0.2665; 0.25,0.4; 0.375,0.465; 0.5,0.5;  0.625,0.535; 0.75,0.6; 0.875,0.7335; 1,1">
+                                          <p:stCondLst>
+                                            <p:cond delay="664"/>
+                                          </p:stCondLst>
+                                        </p:cTn>
+                                        <p:tgtEl>
+                                          <p:spTgt spid="5"/>
+                                        </p:tgtEl>
+                                        <p:attrNameLst>
+                                          <p:attrName>ppt_y</p:attrName>
+                                        </p:attrNameLst>
+                                      </p:cBhvr>
+                                      <p:tavLst>
+                                        <p:tav tm="0" fmla="#ppt_y-sin(pi*$)/9">
+                                          <p:val>
+                                            <p:fltVal val="0"/>
+                                          </p:val>
+                                        </p:tav>
+                                        <p:tav tm="100000">
+                                          <p:val>
+                                            <p:fltVal val="1"/>
+                                          </p:val>
+                                        </p:tav>
+                                      </p:tavLst>
+                                    </p:anim>
+                                    <p:anim calcmode="lin" valueType="num">
+                                      <p:cBhvr>
+                                        <p:cTn id="11" dur="332" tmFilter="0, 0; 0.125,0.2665; 0.25,0.4; 0.375,0.465; 0.5,0.5;  0.625,0.535; 0.75,0.6; 0.875,0.7335; 1,1">
+                                          <p:stCondLst>
+                                            <p:cond delay="1324"/>
+                                          </p:stCondLst>
+                                        </p:cTn>
+                                        <p:tgtEl>
+                                          <p:spTgt spid="5"/>
+                                        </p:tgtEl>
+                                        <p:attrNameLst>
+                                          <p:attrName>ppt_y</p:attrName>
+                                        </p:attrNameLst>
+                                      </p:cBhvr>
+                                      <p:tavLst>
+                                        <p:tav tm="0" fmla="#ppt_y-sin(pi*$)/27">
+                                          <p:val>
+                                            <p:fltVal val="0"/>
+                                          </p:val>
+                                        </p:tav>
+                                        <p:tav tm="100000">
+                                          <p:val>
+                                            <p:fltVal val="1"/>
+                                          </p:val>
+                                        </p:tav>
+                                      </p:tavLst>
+                                    </p:anim>
+                                    <p:anim calcmode="lin" valueType="num">
+                                      <p:cBhvr>
+                                        <p:cTn id="12" dur="164" tmFilter="0, 0; 0.125,0.2665; 0.25,0.4; 0.375,0.465; 0.5,0.5;  0.625,0.535; 0.75,0.6; 0.875,0.7335; 1,1">
+                                          <p:stCondLst>
+                                            <p:cond delay="1656"/>
+                                          </p:stCondLst>
+                                        </p:cTn>
+                                        <p:tgtEl>
+                                          <p:spTgt spid="5"/>
+                                        </p:tgtEl>
+                                        <p:attrNameLst>
+                                          <p:attrName>ppt_y</p:attrName>
+                                        </p:attrNameLst>
+                                      </p:cBhvr>
+                                      <p:tavLst>
+                                        <p:tav tm="0" fmla="#ppt_y-sin(pi*$)/81">
+                                          <p:val>
+                                            <p:fltVal val="0"/>
+                                          </p:val>
+                                        </p:tav>
+                                        <p:tav tm="100000">
+                                          <p:val>
+                                            <p:fltVal val="1"/>
+                                          </p:val>
+                                        </p:tav>
+                                      </p:tavLst>
+                                    </p:anim>
+                                    <p:animScale>
+                                      <p:cBhvr>
+                                        <p:cTn id="13" dur="26">
+                                          <p:stCondLst>
+                                            <p:cond delay="650"/>
+                                          </p:stCondLst>
+                                        </p:cTn>
+                                        <p:tgtEl>
+                                          <p:spTgt spid="5"/>
+                                        </p:tgtEl>
+                                      </p:cBhvr>
+                                      <p:to x="100000" y="60000"/>
+                                    </p:animScale>
+                                    <p:animScale>
+                                      <p:cBhvr>
+                                        <p:cTn id="14" dur="166" decel="50000">
+                                          <p:stCondLst>
+                                            <p:cond delay="676"/>
+                                          </p:stCondLst>
+                                        </p:cTn>
+                                        <p:tgtEl>
+                                          <p:spTgt spid="5"/>
+                                        </p:tgtEl>
+                                      </p:cBhvr>
+                                      <p:to x="100000" y="100000"/>
+                                    </p:animScale>
+                                    <p:animScale>
+                                      <p:cBhvr>
+                                        <p:cTn id="15" dur="26">
+                                          <p:stCondLst>
+                                            <p:cond delay="1312"/>
+                                          </p:stCondLst>
+                                        </p:cTn>
+                                        <p:tgtEl>
+                                          <p:spTgt spid="5"/>
+                                        </p:tgtEl>
+                                      </p:cBhvr>
+                                      <p:to x="100000" y="80000"/>
+                                    </p:animScale>
+                                    <p:animScale>
+                                      <p:cBhvr>
+                                        <p:cTn id="16" dur="166" decel="50000">
+                                          <p:stCondLst>
+                                            <p:cond delay="1338"/>
+                                          </p:stCondLst>
+                                        </p:cTn>
+                                        <p:tgtEl>
+                                          <p:spTgt spid="5"/>
+                                        </p:tgtEl>
+                                      </p:cBhvr>
+                                      <p:to x="100000" y="100000"/>
+                                    </p:animScale>
+                                    <p:animScale>
+                                      <p:cBhvr>
+                                        <p:cTn id="17" dur="26">
+                                          <p:stCondLst>
+                                            <p:cond delay="1642"/>
+                                          </p:stCondLst>
+                                        </p:cTn>
+                                        <p:tgtEl>
+                                          <p:spTgt spid="5"/>
+                                        </p:tgtEl>
+                                      </p:cBhvr>
+                                      <p:to x="100000" y="90000"/>
+                                    </p:animScale>
+                                    <p:animScale>
+                                      <p:cBhvr>
+                                        <p:cTn id="18" dur="166" decel="50000">
+                                          <p:stCondLst>
+                                            <p:cond delay="1668"/>
+                                          </p:stCondLst>
+                                        </p:cTn>
+                                        <p:tgtEl>
+                                          <p:spTgt spid="5"/>
+                                        </p:tgtEl>
+                                      </p:cBhvr>
+                                      <p:to x="100000" y="100000"/>
+                                    </p:animScale>
+                                    <p:animScale>
+                                      <p:cBhvr>
+                                        <p:cTn id="19" dur="26">
+                                          <p:stCondLst>
+                                            <p:cond delay="1808"/>
+                                          </p:stCondLst>
+                                        </p:cTn>
+                                        <p:tgtEl>
+                                          <p:spTgt spid="5"/>
+                                        </p:tgtEl>
+                                      </p:cBhvr>
+                                      <p:to x="100000" y="95000"/>
+                                    </p:animScale>
+                                    <p:animScale>
+                                      <p:cBhvr>
+                                        <p:cTn id="20" dur="166" decel="50000">
+                                          <p:stCondLst>
+                                            <p:cond delay="1834"/>
+                                          </p:stCondLst>
+                                        </p:cTn>
+                                        <p:tgtEl>
+                                          <p:spTgt spid="5"/>
+                                        </p:tgtEl>
+                                      </p:cBhvr>
+                                      <p:to x="100000" y="100000"/>
+                                    </p:animScale>
                                   </p:childTnLst>
                                 </p:cTn>
                               </p:par>
@@ -7473,36 +6328,32 @@
                     </p:cTn>
                   </p:par>
                   <p:par>
-                    <p:cTn id="7" fill="hold">
+                    <p:cTn id="21" fill="hold">
                       <p:stCondLst>
                         <p:cond delay="indefinite"/>
                       </p:stCondLst>
                       <p:childTnLst>
                         <p:par>
-                          <p:cTn id="8" fill="hold">
+                          <p:cTn id="22" fill="hold">
                             <p:stCondLst>
                               <p:cond delay="0"/>
                             </p:stCondLst>
                             <p:childTnLst>
                               <p:par>
-                                <p:cTn id="9" presetID="1" presetClass="entr" presetSubtype="0" fill="hold" grpId="0" nodeType="clickEffect">
+                                <p:cTn id="23" presetID="26" presetClass="entr" presetSubtype="0" fill="hold" grpId="1" nodeType="clickEffect">
                                   <p:stCondLst>
                                     <p:cond delay="0"/>
                                   </p:stCondLst>
                                   <p:childTnLst>
                                     <p:set>
                                       <p:cBhvr>
-                                        <p:cTn id="10" dur="1" fill="hold">
+                                        <p:cTn id="24" dur="1" fill="hold">
                                           <p:stCondLst>
-                                            <p:cond delay="9"/>
+                                            <p:cond delay="0"/>
                                           </p:stCondLst>
                                         </p:cTn>
                                         <p:tgtEl>
-                                          <p:spTgt spid="7">
-                                            <p:txEl>
-                                              <p:pRg st="2" end="2"/>
-                                            </p:txEl>
-                                          </p:spTgt>
+                                          <p:spTgt spid="10"/>
                                         </p:tgtEl>
                                         <p:attrNameLst>
                                           <p:attrName>style.visibility</p:attrName>
@@ -7512,6 +6363,257 @@
                                         <p:strVal val="visible"/>
                                       </p:to>
                                     </p:set>
+                                    <p:animEffect transition="in" filter="wipe(down)">
+                                      <p:cBhvr>
+                                        <p:cTn id="25" dur="580">
+                                          <p:stCondLst>
+                                            <p:cond delay="0"/>
+                                          </p:stCondLst>
+                                        </p:cTn>
+                                        <p:tgtEl>
+                                          <p:spTgt spid="10"/>
+                                        </p:tgtEl>
+                                      </p:cBhvr>
+                                    </p:animEffect>
+                                    <p:anim calcmode="lin" valueType="num">
+                                      <p:cBhvr>
+                                        <p:cTn id="26" dur="1822" tmFilter="0,0; 0.14,0.36; 0.43,0.73; 0.71,0.91; 1.0,1.0">
+                                          <p:stCondLst>
+                                            <p:cond delay="0"/>
+                                          </p:stCondLst>
+                                        </p:cTn>
+                                        <p:tgtEl>
+                                          <p:spTgt spid="10"/>
+                                        </p:tgtEl>
+                                        <p:attrNameLst>
+                                          <p:attrName>ppt_x</p:attrName>
+                                        </p:attrNameLst>
+                                      </p:cBhvr>
+                                      <p:tavLst>
+                                        <p:tav tm="0">
+                                          <p:val>
+                                            <p:strVal val="#ppt_x-0.25"/>
+                                          </p:val>
+                                        </p:tav>
+                                        <p:tav tm="100000">
+                                          <p:val>
+                                            <p:strVal val="#ppt_x"/>
+                                          </p:val>
+                                        </p:tav>
+                                      </p:tavLst>
+                                    </p:anim>
+                                    <p:anim calcmode="lin" valueType="num">
+                                      <p:cBhvr>
+                                        <p:cTn id="27" dur="664" tmFilter="0.0,0.0; 0.25,0.07; 0.50,0.2; 0.75,0.467; 1.0,1.0">
+                                          <p:stCondLst>
+                                            <p:cond delay="0"/>
+                                          </p:stCondLst>
+                                        </p:cTn>
+                                        <p:tgtEl>
+                                          <p:spTgt spid="10"/>
+                                        </p:tgtEl>
+                                        <p:attrNameLst>
+                                          <p:attrName>ppt_y</p:attrName>
+                                        </p:attrNameLst>
+                                      </p:cBhvr>
+                                      <p:tavLst>
+                                        <p:tav tm="0" fmla="#ppt_y-sin(pi*$)/3">
+                                          <p:val>
+                                            <p:fltVal val="0.5"/>
+                                          </p:val>
+                                        </p:tav>
+                                        <p:tav tm="100000">
+                                          <p:val>
+                                            <p:fltVal val="1"/>
+                                          </p:val>
+                                        </p:tav>
+                                      </p:tavLst>
+                                    </p:anim>
+                                    <p:anim calcmode="lin" valueType="num">
+                                      <p:cBhvr>
+                                        <p:cTn id="28" dur="664" tmFilter="0, 0; 0.125,0.2665; 0.25,0.4; 0.375,0.465; 0.5,0.5;  0.625,0.535; 0.75,0.6; 0.875,0.7335; 1,1">
+                                          <p:stCondLst>
+                                            <p:cond delay="664"/>
+                                          </p:stCondLst>
+                                        </p:cTn>
+                                        <p:tgtEl>
+                                          <p:spTgt spid="10"/>
+                                        </p:tgtEl>
+                                        <p:attrNameLst>
+                                          <p:attrName>ppt_y</p:attrName>
+                                        </p:attrNameLst>
+                                      </p:cBhvr>
+                                      <p:tavLst>
+                                        <p:tav tm="0" fmla="#ppt_y-sin(pi*$)/9">
+                                          <p:val>
+                                            <p:fltVal val="0"/>
+                                          </p:val>
+                                        </p:tav>
+                                        <p:tav tm="100000">
+                                          <p:val>
+                                            <p:fltVal val="1"/>
+                                          </p:val>
+                                        </p:tav>
+                                      </p:tavLst>
+                                    </p:anim>
+                                    <p:anim calcmode="lin" valueType="num">
+                                      <p:cBhvr>
+                                        <p:cTn id="29" dur="332" tmFilter="0, 0; 0.125,0.2665; 0.25,0.4; 0.375,0.465; 0.5,0.5;  0.625,0.535; 0.75,0.6; 0.875,0.7335; 1,1">
+                                          <p:stCondLst>
+                                            <p:cond delay="1324"/>
+                                          </p:stCondLst>
+                                        </p:cTn>
+                                        <p:tgtEl>
+                                          <p:spTgt spid="10"/>
+                                        </p:tgtEl>
+                                        <p:attrNameLst>
+                                          <p:attrName>ppt_y</p:attrName>
+                                        </p:attrNameLst>
+                                      </p:cBhvr>
+                                      <p:tavLst>
+                                        <p:tav tm="0" fmla="#ppt_y-sin(pi*$)/27">
+                                          <p:val>
+                                            <p:fltVal val="0"/>
+                                          </p:val>
+                                        </p:tav>
+                                        <p:tav tm="100000">
+                                          <p:val>
+                                            <p:fltVal val="1"/>
+                                          </p:val>
+                                        </p:tav>
+                                      </p:tavLst>
+                                    </p:anim>
+                                    <p:anim calcmode="lin" valueType="num">
+                                      <p:cBhvr>
+                                        <p:cTn id="30" dur="164" tmFilter="0, 0; 0.125,0.2665; 0.25,0.4; 0.375,0.465; 0.5,0.5;  0.625,0.535; 0.75,0.6; 0.875,0.7335; 1,1">
+                                          <p:stCondLst>
+                                            <p:cond delay="1656"/>
+                                          </p:stCondLst>
+                                        </p:cTn>
+                                        <p:tgtEl>
+                                          <p:spTgt spid="10"/>
+                                        </p:tgtEl>
+                                        <p:attrNameLst>
+                                          <p:attrName>ppt_y</p:attrName>
+                                        </p:attrNameLst>
+                                      </p:cBhvr>
+                                      <p:tavLst>
+                                        <p:tav tm="0" fmla="#ppt_y-sin(pi*$)/81">
+                                          <p:val>
+                                            <p:fltVal val="0"/>
+                                          </p:val>
+                                        </p:tav>
+                                        <p:tav tm="100000">
+                                          <p:val>
+                                            <p:fltVal val="1"/>
+                                          </p:val>
+                                        </p:tav>
+                                      </p:tavLst>
+                                    </p:anim>
+                                    <p:animScale>
+                                      <p:cBhvr>
+                                        <p:cTn id="31" dur="26">
+                                          <p:stCondLst>
+                                            <p:cond delay="650"/>
+                                          </p:stCondLst>
+                                        </p:cTn>
+                                        <p:tgtEl>
+                                          <p:spTgt spid="10"/>
+                                        </p:tgtEl>
+                                      </p:cBhvr>
+                                      <p:to x="100000" y="60000"/>
+                                    </p:animScale>
+                                    <p:animScale>
+                                      <p:cBhvr>
+                                        <p:cTn id="32" dur="166" decel="50000">
+                                          <p:stCondLst>
+                                            <p:cond delay="676"/>
+                                          </p:stCondLst>
+                                        </p:cTn>
+                                        <p:tgtEl>
+                                          <p:spTgt spid="10"/>
+                                        </p:tgtEl>
+                                      </p:cBhvr>
+                                      <p:to x="100000" y="100000"/>
+                                    </p:animScale>
+                                    <p:animScale>
+                                      <p:cBhvr>
+                                        <p:cTn id="33" dur="26">
+                                          <p:stCondLst>
+                                            <p:cond delay="1312"/>
+                                          </p:stCondLst>
+                                        </p:cTn>
+                                        <p:tgtEl>
+                                          <p:spTgt spid="10"/>
+                                        </p:tgtEl>
+                                      </p:cBhvr>
+                                      <p:to x="100000" y="80000"/>
+                                    </p:animScale>
+                                    <p:animScale>
+                                      <p:cBhvr>
+                                        <p:cTn id="34" dur="166" decel="50000">
+                                          <p:stCondLst>
+                                            <p:cond delay="1338"/>
+                                          </p:stCondLst>
+                                        </p:cTn>
+                                        <p:tgtEl>
+                                          <p:spTgt spid="10"/>
+                                        </p:tgtEl>
+                                      </p:cBhvr>
+                                      <p:to x="100000" y="100000"/>
+                                    </p:animScale>
+                                    <p:animScale>
+                                      <p:cBhvr>
+                                        <p:cTn id="35" dur="26">
+                                          <p:stCondLst>
+                                            <p:cond delay="1642"/>
+                                          </p:stCondLst>
+                                        </p:cTn>
+                                        <p:tgtEl>
+                                          <p:spTgt spid="10"/>
+                                        </p:tgtEl>
+                                      </p:cBhvr>
+                                      <p:to x="100000" y="90000"/>
+                                    </p:animScale>
+                                    <p:animScale>
+                                      <p:cBhvr>
+                                        <p:cTn id="36" dur="166" decel="50000">
+                                          <p:stCondLst>
+                                            <p:cond delay="1668"/>
+                                          </p:stCondLst>
+                                        </p:cTn>
+                                        <p:tgtEl>
+                                          <p:spTgt spid="10"/>
+                                        </p:tgtEl>
+                                      </p:cBhvr>
+                                      <p:to x="100000" y="100000"/>
+                                    </p:animScale>
+                                    <p:animScale>
+                                      <p:cBhvr>
+                                        <p:cTn id="37" dur="26">
+                                          <p:stCondLst>
+                                            <p:cond delay="1808"/>
+                                          </p:stCondLst>
+                                        </p:cTn>
+                                        <p:tgtEl>
+                                          <p:spTgt spid="10"/>
+                                        </p:tgtEl>
+                                      </p:cBhvr>
+                                      <p:to x="100000" y="95000"/>
+                                    </p:animScale>
+                                    <p:animScale>
+                                      <p:cBhvr>
+                                        <p:cTn id="38" dur="166" decel="50000">
+                                          <p:stCondLst>
+                                            <p:cond delay="1834"/>
+                                          </p:stCondLst>
+                                        </p:cTn>
+                                        <p:tgtEl>
+                                          <p:spTgt spid="10"/>
+                                        </p:tgtEl>
+                                      </p:cBhvr>
+                                      <p:to x="100000" y="100000"/>
+                                    </p:animScale>
                                   </p:childTnLst>
                                 </p:cTn>
                               </p:par>
@@ -7522,36 +6624,32 @@
                     </p:cTn>
                   </p:par>
                   <p:par>
-                    <p:cTn id="11" fill="hold">
+                    <p:cTn id="39" fill="hold">
                       <p:stCondLst>
                         <p:cond delay="indefinite"/>
                       </p:stCondLst>
                       <p:childTnLst>
                         <p:par>
-                          <p:cTn id="12" fill="hold">
+                          <p:cTn id="40" fill="hold">
                             <p:stCondLst>
                               <p:cond delay="0"/>
                             </p:stCondLst>
                             <p:childTnLst>
                               <p:par>
-                                <p:cTn id="13" presetID="1" presetClass="entr" presetSubtype="0" fill="hold" grpId="0" nodeType="clickEffect">
+                                <p:cTn id="41" presetID="31" presetClass="entr" presetSubtype="0" fill="hold" grpId="0" nodeType="clickEffect">
                                   <p:stCondLst>
                                     <p:cond delay="0"/>
                                   </p:stCondLst>
                                   <p:childTnLst>
                                     <p:set>
                                       <p:cBhvr>
-                                        <p:cTn id="14" dur="1" fill="hold">
+                                        <p:cTn id="42" dur="1" fill="hold">
                                           <p:stCondLst>
-                                            <p:cond delay="9"/>
+                                            <p:cond delay="0"/>
                                           </p:stCondLst>
                                         </p:cTn>
                                         <p:tgtEl>
-                                          <p:spTgt spid="7">
-                                            <p:txEl>
-                                              <p:pRg st="4" end="4"/>
-                                            </p:txEl>
-                                          </p:spTgt>
+                                          <p:spTgt spid="8"/>
                                         </p:tgtEl>
                                         <p:attrNameLst>
                                           <p:attrName>style.visibility</p:attrName>
@@ -7561,6 +6659,83 @@
                                         <p:strVal val="visible"/>
                                       </p:to>
                                     </p:set>
+                                    <p:anim calcmode="lin" valueType="num">
+                                      <p:cBhvr>
+                                        <p:cTn id="43" dur="1000" fill="hold"/>
+                                        <p:tgtEl>
+                                          <p:spTgt spid="8"/>
+                                        </p:tgtEl>
+                                        <p:attrNameLst>
+                                          <p:attrName>ppt_w</p:attrName>
+                                        </p:attrNameLst>
+                                      </p:cBhvr>
+                                      <p:tavLst>
+                                        <p:tav tm="0">
+                                          <p:val>
+                                            <p:fltVal val="0"/>
+                                          </p:val>
+                                        </p:tav>
+                                        <p:tav tm="100000">
+                                          <p:val>
+                                            <p:strVal val="#ppt_w"/>
+                                          </p:val>
+                                        </p:tav>
+                                      </p:tavLst>
+                                    </p:anim>
+                                    <p:anim calcmode="lin" valueType="num">
+                                      <p:cBhvr>
+                                        <p:cTn id="44" dur="1000" fill="hold"/>
+                                        <p:tgtEl>
+                                          <p:spTgt spid="8"/>
+                                        </p:tgtEl>
+                                        <p:attrNameLst>
+                                          <p:attrName>ppt_h</p:attrName>
+                                        </p:attrNameLst>
+                                      </p:cBhvr>
+                                      <p:tavLst>
+                                        <p:tav tm="0">
+                                          <p:val>
+                                            <p:fltVal val="0"/>
+                                          </p:val>
+                                        </p:tav>
+                                        <p:tav tm="100000">
+                                          <p:val>
+                                            <p:strVal val="#ppt_h"/>
+                                          </p:val>
+                                        </p:tav>
+                                      </p:tavLst>
+                                    </p:anim>
+                                    <p:anim calcmode="lin" valueType="num">
+                                      <p:cBhvr>
+                                        <p:cTn id="45" dur="1000" fill="hold"/>
+                                        <p:tgtEl>
+                                          <p:spTgt spid="8"/>
+                                        </p:tgtEl>
+                                        <p:attrNameLst>
+                                          <p:attrName>style.rotation</p:attrName>
+                                        </p:attrNameLst>
+                                      </p:cBhvr>
+                                      <p:tavLst>
+                                        <p:tav tm="0">
+                                          <p:val>
+                                            <p:fltVal val="90"/>
+                                          </p:val>
+                                        </p:tav>
+                                        <p:tav tm="100000">
+                                          <p:val>
+                                            <p:fltVal val="0"/>
+                                          </p:val>
+                                        </p:tav>
+                                      </p:tavLst>
+                                    </p:anim>
+                                    <p:animEffect transition="in" filter="fade">
+                                      <p:cBhvr>
+                                        <p:cTn id="46" dur="1000"/>
+                                        <p:tgtEl>
+                                          <p:spTgt spid="8"/>
+                                        </p:tgtEl>
+                                      </p:cBhvr>
+                                    </p:animEffect>
                                   </p:childTnLst>
                                 </p:cTn>
                               </p:par>
@@ -7571,36 +6746,32 @@
                     </p:cTn>
                   </p:par>
                   <p:par>
-                    <p:cTn id="15" fill="hold">
+                    <p:cTn id="47" fill="hold">
                       <p:stCondLst>
                         <p:cond delay="indefinite"/>
                       </p:stCondLst>
                       <p:childTnLst>
                         <p:par>
-                          <p:cTn id="16" fill="hold">
+                          <p:cTn id="48" fill="hold">
                             <p:stCondLst>
                               <p:cond delay="0"/>
                             </p:stCondLst>
                             <p:childTnLst>
                               <p:par>
-                                <p:cTn id="17" presetID="1" presetClass="entr" presetSubtype="0" fill="hold" grpId="0" nodeType="clickEffect">
+                                <p:cTn id="49" presetID="14" presetClass="entr" presetSubtype="10" fill="hold" grpId="0" nodeType="clickEffect">
                                   <p:stCondLst>
                                     <p:cond delay="0"/>
                                   </p:stCondLst>
                                   <p:childTnLst>
                                     <p:set>
                                       <p:cBhvr>
-                                        <p:cTn id="18" dur="1" fill="hold">
+                                        <p:cTn id="50" dur="1" fill="hold">
                                           <p:stCondLst>
-                                            <p:cond delay="9"/>
+                                            <p:cond delay="0"/>
                                           </p:stCondLst>
                                         </p:cTn>
                                         <p:tgtEl>
-                                          <p:spTgt spid="7">
-                                            <p:txEl>
-                                              <p:pRg st="6" end="6"/>
-                                            </p:txEl>
-                                          </p:spTgt>
+                                          <p:spTgt spid="11"/>
                                         </p:tgtEl>
                                         <p:attrNameLst>
                                           <p:attrName>style.visibility</p:attrName>
@@ -7610,6 +6781,14 @@
                                         <p:strVal val="visible"/>
                                       </p:to>
                                     </p:set>
+                                    <p:animEffect transition="in" filter="randombar(horizontal)">
+                                      <p:cBhvr>
+                                        <p:cTn id="51" dur="500"/>
+                                        <p:tgtEl>
+                                          <p:spTgt spid="11"/>
+                                        </p:tgtEl>
+                                      </p:cBhvr>
+                                    </p:animEffect>
                                   </p:childTnLst>
                                 </p:cTn>
                               </p:par>
@@ -7620,36 +6799,32 @@
                     </p:cTn>
                   </p:par>
                   <p:par>
-                    <p:cTn id="19" fill="hold">
+                    <p:cTn id="52" fill="hold">
                       <p:stCondLst>
                         <p:cond delay="indefinite"/>
                       </p:stCondLst>
                       <p:childTnLst>
                         <p:par>
-                          <p:cTn id="20" fill="hold">
+                          <p:cTn id="53" fill="hold">
                             <p:stCondLst>
                               <p:cond delay="0"/>
                             </p:stCondLst>
                             <p:childTnLst>
                               <p:par>
-                                <p:cTn id="21" presetID="1" presetClass="entr" presetSubtype="0" fill="hold" grpId="0" nodeType="clickEffect">
+                                <p:cTn id="54" presetID="22" presetClass="entr" presetSubtype="4" fill="hold" grpId="0" nodeType="clickEffect">
                                   <p:stCondLst>
                                     <p:cond delay="0"/>
                                   </p:stCondLst>
                                   <p:childTnLst>
                                     <p:set>
                                       <p:cBhvr>
-                                        <p:cTn id="22" dur="1" fill="hold">
+                                        <p:cTn id="55" dur="1" fill="hold">
                                           <p:stCondLst>
-                                            <p:cond delay="9"/>
+                                            <p:cond delay="0"/>
                                           </p:stCondLst>
                                         </p:cTn>
                                         <p:tgtEl>
-                                          <p:spTgt spid="7">
-                                            <p:txEl>
-                                              <p:pRg st="8" end="8"/>
-                                            </p:txEl>
-                                          </p:spTgt>
+                                          <p:spTgt spid="3"/>
                                         </p:tgtEl>
                                         <p:attrNameLst>
                                           <p:attrName>style.visibility</p:attrName>
@@ -7659,6 +6834,14 @@
                                         <p:strVal val="visible"/>
                                       </p:to>
                                     </p:set>
+                                    <p:animEffect transition="in" filter="wipe(down)">
+                                      <p:cBhvr>
+                                        <p:cTn id="56" dur="500"/>
+                                        <p:tgtEl>
+                                          <p:spTgt spid="3"/>
+                                        </p:tgtEl>
+                                      </p:cBhvr>
+                                    </p:animEffect>
                                   </p:childTnLst>
                                 </p:cTn>
                               </p:par>
@@ -7690,7 +6873,11 @@
       </p:par>
     </p:tnLst>
     <p:bldLst>
-      <p:bldP spid="7" grpId="0" uiExpand="1" build="p"/>
+      <p:bldP spid="5" grpId="0"/>
+      <p:bldP spid="8" grpId="0"/>
+      <p:bldP spid="10" grpId="1"/>
+      <p:bldP spid="11" grpId="0"/>
+      <p:bldP spid="3" grpId="0"/>
     </p:bldLst>
   </p:timing>
 </p:sld>
@@ -7783,21 +6970,21 @@
           <a:p>
             <a:r>
               <a:rPr lang="en-GB" dirty="0"/>
-              <a:t>History Lesson</a:t>
+              <a:t>Making ISE easier for use</a:t>
             </a:r>
           </a:p>
         </p:txBody>
       </p:sp>
       <p:sp>
         <p:nvSpPr>
-          <p:cNvPr id="5" name="TextBox 4"/>
+          <p:cNvPr id="3" name="TextBox 2"/>
           <p:cNvSpPr txBox="1"/>
           <p:nvPr/>
         </p:nvSpPr>
         <p:spPr>
           <a:xfrm>
-            <a:off x="650240" y="1682618"/>
-            <a:ext cx="3261360" cy="2308324"/>
+            <a:off x="1925515" y="1718406"/>
+            <a:ext cx="8625254" cy="1569660"/>
           </a:xfrm>
           <a:prstGeom prst="rect">
             <a:avLst/>
@@ -7810,23 +6997,32 @@
           </a:bodyPr>
           <a:lstStyle/>
           <a:p>
-            <a:r>
-              <a:rPr lang="en-GB" sz="2400" dirty="0"/>
-              <a:t>As a SharePoint Guy in a previous role – I’ve seen cases of document management hell – and really a script is just another document</a:t>
+            <a:pPr algn="ctr"/>
+            <a:r>
+              <a:rPr lang="en-GB" sz="3200" dirty="0"/>
+              <a:t>Extending PowerShell ISE with a PowerShell Module called </a:t>
+            </a:r>
+            <a:r>
+              <a:rPr lang="en-GB" sz="3200" dirty="0" err="1"/>
+              <a:t>ISE_Cew</a:t>
+            </a:r>
+            <a:r>
+              <a:rPr lang="en-GB" sz="3200" dirty="0"/>
+              <a:t> – Available on GitHub or PowerShell Gallery</a:t>
             </a:r>
           </a:p>
         </p:txBody>
       </p:sp>
       <p:sp>
         <p:nvSpPr>
-          <p:cNvPr id="8" name="TextBox 7"/>
+          <p:cNvPr id="5" name="TextBox 4"/>
           <p:cNvSpPr txBox="1"/>
           <p:nvPr/>
         </p:nvSpPr>
         <p:spPr>
           <a:xfrm>
-            <a:off x="4378960" y="2774295"/>
-            <a:ext cx="3271520" cy="2308324"/>
+            <a:off x="751840" y="3323492"/>
+            <a:ext cx="4092722" cy="3416320"/>
           </a:xfrm>
           <a:prstGeom prst="rect">
             <a:avLst/>
@@ -7841,21 +7037,58 @@
           <a:p>
             <a:r>
               <a:rPr lang="en-GB" sz="2400" dirty="0"/>
-              <a:t>You may have some sort of method for dealing with Script Versioning – but is it optimal? Does it work well with OSS PowerShell Projects?</a:t>
+              <a:t>This gives us</a:t>
+            </a:r>
+          </a:p>
+          <a:p>
+            <a:pPr marL="342900" indent="-342900">
+              <a:buFont typeface="Arial" panose="020B0604020202020204" pitchFamily="34" charset="0"/>
+              <a:buChar char="•"/>
+            </a:pPr>
+            <a:endParaRPr lang="en-GB" sz="2400" dirty="0"/>
+          </a:p>
+          <a:p>
+            <a:pPr marL="342900" indent="-342900">
+              <a:buFont typeface="Arial" panose="020B0604020202020204" pitchFamily="34" charset="0"/>
+              <a:buChar char="•"/>
+            </a:pPr>
+            <a:r>
+              <a:rPr lang="en-GB" sz="2400" dirty="0"/>
+              <a:t>Easy Version Control on File Saves in ISE</a:t>
+            </a:r>
+          </a:p>
+          <a:p>
+            <a:pPr marL="342900" indent="-342900">
+              <a:buFont typeface="Arial" panose="020B0604020202020204" pitchFamily="34" charset="0"/>
+              <a:buChar char="•"/>
+            </a:pPr>
+            <a:r>
+              <a:rPr lang="en-GB" sz="2400" dirty="0"/>
+              <a:t>Script / Module Distinction – Building out required directory</a:t>
+            </a:r>
+          </a:p>
+          <a:p>
+            <a:pPr marL="342900" indent="-342900">
+              <a:buFont typeface="Arial" panose="020B0604020202020204" pitchFamily="34" charset="0"/>
+              <a:buChar char="•"/>
+            </a:pPr>
+            <a:r>
+              <a:rPr lang="en-GB" sz="2400" dirty="0"/>
+              <a:t>Consistency &amp; Peace of Mind</a:t>
             </a:r>
           </a:p>
         </p:txBody>
       </p:sp>
       <p:sp>
         <p:nvSpPr>
-          <p:cNvPr id="10" name="TextBox 9"/>
+          <p:cNvPr id="7" name="TextBox 6"/>
           <p:cNvSpPr txBox="1"/>
           <p:nvPr/>
         </p:nvSpPr>
         <p:spPr>
           <a:xfrm>
-            <a:off x="650240" y="4582160"/>
-            <a:ext cx="3129280" cy="1569660"/>
+            <a:off x="6286500" y="3323492"/>
+            <a:ext cx="5169877" cy="3046988"/>
           </a:xfrm>
           <a:prstGeom prst="rect">
             <a:avLst/>
@@ -7870,73 +7103,69 @@
           <a:p>
             <a:r>
               <a:rPr lang="en-GB" sz="2400" dirty="0"/>
-              <a:t>Version Control is an Alien Topic to most </a:t>
-            </a:r>
+              <a:t>Requirements</a:t>
+            </a:r>
+          </a:p>
+          <a:p>
+            <a:endParaRPr lang="en-GB" sz="2400" dirty="0"/>
+          </a:p>
+          <a:p>
+            <a:pPr marL="342900" indent="-342900">
+              <a:buFont typeface="Arial" panose="020B0604020202020204" pitchFamily="34" charset="0"/>
+              <a:buChar char="•"/>
+            </a:pPr>
+            <a:r>
+              <a:rPr lang="en-GB" sz="2400" dirty="0"/>
+              <a:t>PowerShell v4 or above (for now)</a:t>
+            </a:r>
+          </a:p>
+          <a:p>
+            <a:pPr marL="342900" indent="-342900">
+              <a:buFont typeface="Arial" panose="020B0604020202020204" pitchFamily="34" charset="0"/>
+              <a:buChar char="•"/>
+            </a:pPr>
             <a:r>
               <a:rPr lang="en-GB" sz="2400" dirty="0" err="1"/>
-              <a:t>ITPro’s</a:t>
-            </a:r>
+              <a:t>PowerShellScriptAnalyzer</a:t>
+            </a:r>
+            <a:endParaRPr lang="en-GB" sz="2400" dirty="0"/>
+          </a:p>
+          <a:p>
+            <a:pPr marL="342900" indent="-342900">
+              <a:buFont typeface="Arial" panose="020B0604020202020204" pitchFamily="34" charset="0"/>
+              <a:buChar char="•"/>
+            </a:pPr>
             <a:r>
               <a:rPr lang="en-GB" sz="2400" dirty="0"/>
-              <a:t> and a number of Developers as well</a:t>
-            </a:r>
-          </a:p>
-        </p:txBody>
-      </p:sp>
-      <p:sp>
-        <p:nvSpPr>
-          <p:cNvPr id="11" name="TextBox 10"/>
-          <p:cNvSpPr txBox="1"/>
-          <p:nvPr/>
-        </p:nvSpPr>
-        <p:spPr>
-          <a:xfrm>
-            <a:off x="8199120" y="1757680"/>
-            <a:ext cx="3383280" cy="1938992"/>
-          </a:xfrm>
-          <a:prstGeom prst="rect">
-            <a:avLst/>
-          </a:prstGeom>
-          <a:noFill/>
-        </p:spPr>
-        <p:txBody>
-          <a:bodyPr wrap="square" rtlCol="0">
-            <a:spAutoFit/>
-          </a:bodyPr>
-          <a:lstStyle/>
-          <a:p>
+              <a:t>Pester</a:t>
+            </a:r>
+          </a:p>
+          <a:p>
+            <a:pPr marL="342900" indent="-342900">
+              <a:buFont typeface="Arial" panose="020B0604020202020204" pitchFamily="34" charset="0"/>
+              <a:buChar char="•"/>
+            </a:pPr>
             <a:r>
               <a:rPr lang="en-GB" sz="2400" dirty="0"/>
-              <a:t>Unit Testing our scripts is something that we all know that we should be doing – but I bet that most aren’t.</a:t>
-            </a:r>
-          </a:p>
-        </p:txBody>
-      </p:sp>
-      <p:sp>
-        <p:nvSpPr>
-          <p:cNvPr id="3" name="TextBox 2"/>
-          <p:cNvSpPr txBox="1"/>
-          <p:nvPr/>
-        </p:nvSpPr>
-        <p:spPr>
-          <a:xfrm>
-            <a:off x="8199120" y="4707504"/>
-            <a:ext cx="3239672" cy="1938992"/>
-          </a:xfrm>
-          <a:prstGeom prst="rect">
-            <a:avLst/>
-          </a:prstGeom>
-          <a:noFill/>
-        </p:spPr>
-        <p:txBody>
-          <a:bodyPr wrap="square" rtlCol="0">
-            <a:spAutoFit/>
-          </a:bodyPr>
-          <a:lstStyle/>
-          <a:p>
+              <a:t>Git</a:t>
+            </a:r>
+          </a:p>
+          <a:p>
+            <a:pPr marL="342900" indent="-342900">
+              <a:buFont typeface="Arial" panose="020B0604020202020204" pitchFamily="34" charset="0"/>
+              <a:buChar char="•"/>
+            </a:pPr>
             <a:r>
               <a:rPr lang="en-GB" sz="2400" dirty="0"/>
-              <a:t>So how can me make the transitions to optimal Source Control &amp; carrying out Unit Tests easier?</a:t>
+              <a:t>2 </a:t>
+            </a:r>
+            <a:r>
+              <a:rPr lang="en-GB" sz="2400" dirty="0" err="1"/>
+              <a:t>PSDrives</a:t>
+            </a:r>
+            <a:r>
+              <a:rPr lang="en-GB" sz="2400" dirty="0"/>
+              <a:t> Scripts-WIP &amp; Modules-WIP</a:t>
             </a:r>
           </a:p>
         </p:txBody>
@@ -7944,7 +7173,7 @@
     </p:spTree>
     <p:extLst>
       <p:ext uri="{BB962C8B-B14F-4D97-AF65-F5344CB8AC3E}">
-        <p14:creationId xmlns:p14="http://schemas.microsoft.com/office/powerpoint/2010/main" val="864392627"/>
+        <p14:creationId xmlns:p14="http://schemas.microsoft.com/office/powerpoint/2010/main" val="2296921474"/>
       </p:ext>
     </p:extLst>
   </p:cSld>
@@ -7972,7 +7201,7 @@
                             </p:stCondLst>
                             <p:childTnLst>
                               <p:par>
-                                <p:cTn id="5" presetID="26" presetClass="entr" presetSubtype="0" fill="hold" grpId="0" nodeType="clickEffect">
+                                <p:cTn id="5" presetID="42" presetClass="entr" presetSubtype="0" fill="hold" grpId="0" nodeType="clickEffect">
                                   <p:stCondLst>
                                     <p:cond delay="0"/>
                                   </p:stCondLst>
@@ -7985,7 +7214,7 @@
                                           </p:stCondLst>
                                         </p:cTn>
                                         <p:tgtEl>
-                                          <p:spTgt spid="5"/>
+                                          <p:spTgt spid="2"/>
                                         </p:tgtEl>
                                         <p:attrNameLst>
                                           <p:attrName>style.visibility</p:attrName>
@@ -7995,27 +7224,19 @@
                                         <p:strVal val="visible"/>
                                       </p:to>
                                     </p:set>
-                                    <p:animEffect transition="in" filter="wipe(down)">
-                                      <p:cBhvr>
-                                        <p:cTn id="7" dur="580">
-                                          <p:stCondLst>
-                                            <p:cond delay="0"/>
-                                          </p:stCondLst>
-                                        </p:cTn>
-                                        <p:tgtEl>
-                                          <p:spTgt spid="5"/>
+                                    <p:animEffect transition="in" filter="fade">
+                                      <p:cBhvr>
+                                        <p:cTn id="7" dur="1000"/>
+                                        <p:tgtEl>
+                                          <p:spTgt spid="2"/>
                                         </p:tgtEl>
                                       </p:cBhvr>
                                     </p:animEffect>
                                     <p:anim calcmode="lin" valueType="num">
                                       <p:cBhvr>
-                                        <p:cTn id="8" dur="1822" tmFilter="0,0; 0.14,0.36; 0.43,0.73; 0.71,0.91; 1.0,1.0">
-                                          <p:stCondLst>
-                                            <p:cond delay="0"/>
-                                          </p:stCondLst>
-                                        </p:cTn>
-                                        <p:tgtEl>
-                                          <p:spTgt spid="5"/>
+                                        <p:cTn id="8" dur="1000" fill="hold"/>
+                                        <p:tgtEl>
+                                          <p:spTgt spid="2"/>
                                         </p:tgtEl>
                                         <p:attrNameLst>
                                           <p:attrName>ppt_x</p:attrName>
@@ -8024,7 +7245,7 @@
                                       <p:tavLst>
                                         <p:tav tm="0">
                                           <p:val>
-                                            <p:strVal val="#ppt_x-0.25"/>
+                                            <p:strVal val="#ppt_x"/>
                                           </p:val>
                                         </p:tav>
                                         <p:tav tm="100000">
@@ -8036,216 +7257,179 @@
                                     </p:anim>
                                     <p:anim calcmode="lin" valueType="num">
                                       <p:cBhvr>
-                                        <p:cTn id="9" dur="664" tmFilter="0.0,0.0; 0.25,0.07; 0.50,0.2; 0.75,0.467; 1.0,1.0">
+                                        <p:cTn id="9" dur="1000" fill="hold"/>
+                                        <p:tgtEl>
+                                          <p:spTgt spid="2"/>
+                                        </p:tgtEl>
+                                        <p:attrNameLst>
+                                          <p:attrName>ppt_y</p:attrName>
+                                        </p:attrNameLst>
+                                      </p:cBhvr>
+                                      <p:tavLst>
+                                        <p:tav tm="0">
+                                          <p:val>
+                                            <p:strVal val="#ppt_y+.1"/>
+                                          </p:val>
+                                        </p:tav>
+                                        <p:tav tm="100000">
+                                          <p:val>
+                                            <p:strVal val="#ppt_y"/>
+                                          </p:val>
+                                        </p:tav>
+                                      </p:tavLst>
+                                    </p:anim>
+                                  </p:childTnLst>
+                                </p:cTn>
+                              </p:par>
+                            </p:childTnLst>
+                          </p:cTn>
+                        </p:par>
+                      </p:childTnLst>
+                    </p:cTn>
+                  </p:par>
+                  <p:par>
+                    <p:cTn id="10" fill="hold">
+                      <p:stCondLst>
+                        <p:cond delay="indefinite"/>
+                      </p:stCondLst>
+                      <p:childTnLst>
+                        <p:par>
+                          <p:cTn id="11" fill="hold">
+                            <p:stCondLst>
+                              <p:cond delay="0"/>
+                            </p:stCondLst>
+                            <p:childTnLst>
+                              <p:par>
+                                <p:cTn id="12" presetID="2" presetClass="entr" presetSubtype="4" fill="hold" grpId="0" nodeType="clickEffect">
+                                  <p:stCondLst>
+                                    <p:cond delay="0"/>
+                                  </p:stCondLst>
+                                  <p:childTnLst>
+                                    <p:set>
+                                      <p:cBhvr>
+                                        <p:cTn id="13" dur="1" fill="hold">
                                           <p:stCondLst>
                                             <p:cond delay="0"/>
                                           </p:stCondLst>
                                         </p:cTn>
                                         <p:tgtEl>
-                                          <p:spTgt spid="5"/>
+                                          <p:spTgt spid="3"/>
                                         </p:tgtEl>
                                         <p:attrNameLst>
-                                          <p:attrName>ppt_y</p:attrName>
+                                          <p:attrName>style.visibility</p:attrName>
                                         </p:attrNameLst>
                                       </p:cBhvr>
+                                      <p:to>
+                                        <p:strVal val="visible"/>
+                                      </p:to>
+                                    </p:set>
+                                    <p:anim calcmode="lin" valueType="num">
+                                      <p:cBhvr additive="base">
+                                        <p:cTn id="14" dur="500" fill="hold"/>
+                                        <p:tgtEl>
+                                          <p:spTgt spid="3"/>
+                                        </p:tgtEl>
+                                        <p:attrNameLst>
+                                          <p:attrName>ppt_x</p:attrName>
+                                        </p:attrNameLst>
+                                      </p:cBhvr>
                                       <p:tavLst>
-                                        <p:tav tm="0" fmla="#ppt_y-sin(pi*$)/3">
+                                        <p:tav tm="0">
                                           <p:val>
-                                            <p:fltVal val="0.5"/>
+                                            <p:strVal val="#ppt_x"/>
                                           </p:val>
                                         </p:tav>
                                         <p:tav tm="100000">
                                           <p:val>
-                                            <p:fltVal val="1"/>
+                                            <p:strVal val="#ppt_x"/>
                                           </p:val>
                                         </p:tav>
                                       </p:tavLst>
                                     </p:anim>
                                     <p:anim calcmode="lin" valueType="num">
-                                      <p:cBhvr>
-                                        <p:cTn id="10" dur="664" tmFilter="0, 0; 0.125,0.2665; 0.25,0.4; 0.375,0.465; 0.5,0.5;  0.625,0.535; 0.75,0.6; 0.875,0.7335; 1,1">
-                                          <p:stCondLst>
-                                            <p:cond delay="664"/>
-                                          </p:stCondLst>
-                                        </p:cTn>
-                                        <p:tgtEl>
-                                          <p:spTgt spid="5"/>
+                                      <p:cBhvr additive="base">
+                                        <p:cTn id="15" dur="500" fill="hold"/>
+                                        <p:tgtEl>
+                                          <p:spTgt spid="3"/>
                                         </p:tgtEl>
                                         <p:attrNameLst>
                                           <p:attrName>ppt_y</p:attrName>
                                         </p:attrNameLst>
                                       </p:cBhvr>
                                       <p:tavLst>
-                                        <p:tav tm="0" fmla="#ppt_y-sin(pi*$)/9">
+                                        <p:tav tm="0">
                                           <p:val>
-                                            <p:fltVal val="0"/>
+                                            <p:strVal val="1+#ppt_h/2"/>
                                           </p:val>
                                         </p:tav>
                                         <p:tav tm="100000">
                                           <p:val>
-                                            <p:fltVal val="1"/>
+                                            <p:strVal val="#ppt_y"/>
                                           </p:val>
                                         </p:tav>
                                       </p:tavLst>
                                     </p:anim>
-                                    <p:anim calcmode="lin" valueType="num">
-                                      <p:cBhvr>
-                                        <p:cTn id="11" dur="332" tmFilter="0, 0; 0.125,0.2665; 0.25,0.4; 0.375,0.465; 0.5,0.5;  0.625,0.535; 0.75,0.6; 0.875,0.7335; 1,1">
+                                  </p:childTnLst>
+                                </p:cTn>
+                              </p:par>
+                            </p:childTnLst>
+                          </p:cTn>
+                        </p:par>
+                      </p:childTnLst>
+                    </p:cTn>
+                  </p:par>
+                  <p:par>
+                    <p:cTn id="16" fill="hold">
+                      <p:stCondLst>
+                        <p:cond delay="indefinite"/>
+                      </p:stCondLst>
+                      <p:childTnLst>
+                        <p:par>
+                          <p:cTn id="17" fill="hold">
+                            <p:stCondLst>
+                              <p:cond delay="0"/>
+                            </p:stCondLst>
+                            <p:childTnLst>
+                              <p:par>
+                                <p:cTn id="18" presetID="10" presetClass="entr" presetSubtype="0" fill="hold" grpId="0" nodeType="clickEffect">
+                                  <p:stCondLst>
+                                    <p:cond delay="0"/>
+                                  </p:stCondLst>
+                                  <p:childTnLst>
+                                    <p:set>
+                                      <p:cBhvr>
+                                        <p:cTn id="19" dur="1" fill="hold">
                                           <p:stCondLst>
-                                            <p:cond delay="1324"/>
+                                            <p:cond delay="0"/>
                                           </p:stCondLst>
                                         </p:cTn>
                                         <p:tgtEl>
-                                          <p:spTgt spid="5"/>
+                                          <p:spTgt spid="5">
+                                            <p:txEl>
+                                              <p:pRg st="0" end="0"/>
+                                            </p:txEl>
+                                          </p:spTgt>
                                         </p:tgtEl>
                                         <p:attrNameLst>
-                                          <p:attrName>ppt_y</p:attrName>
+                                          <p:attrName>style.visibility</p:attrName>
                                         </p:attrNameLst>
                                       </p:cBhvr>
-                                      <p:tavLst>
-                                        <p:tav tm="0" fmla="#ppt_y-sin(pi*$)/27">
-                                          <p:val>
-                                            <p:fltVal val="0"/>
-                                          </p:val>
-                                        </p:tav>
-                                        <p:tav tm="100000">
-                                          <p:val>
-                                            <p:fltVal val="1"/>
-                                          </p:val>
-                                        </p:tav>
-                                      </p:tavLst>
-                                    </p:anim>
-                                    <p:anim calcmode="lin" valueType="num">
-                                      <p:cBhvr>
-                                        <p:cTn id="12" dur="164" tmFilter="0, 0; 0.125,0.2665; 0.25,0.4; 0.375,0.465; 0.5,0.5;  0.625,0.535; 0.75,0.6; 0.875,0.7335; 1,1">
-                                          <p:stCondLst>
-                                            <p:cond delay="1656"/>
-                                          </p:stCondLst>
-                                        </p:cTn>
-                                        <p:tgtEl>
-                                          <p:spTgt spid="5"/>
-                                        </p:tgtEl>
-                                        <p:attrNameLst>
-                                          <p:attrName>ppt_y</p:attrName>
-                                        </p:attrNameLst>
-                                      </p:cBhvr>
-                                      <p:tavLst>
-                                        <p:tav tm="0" fmla="#ppt_y-sin(pi*$)/81">
-                                          <p:val>
-                                            <p:fltVal val="0"/>
-                                          </p:val>
-                                        </p:tav>
-                                        <p:tav tm="100000">
-                                          <p:val>
-                                            <p:fltVal val="1"/>
-                                          </p:val>
-                                        </p:tav>
-                                      </p:tavLst>
-                                    </p:anim>
-                                    <p:animScale>
-                                      <p:cBhvr>
-                                        <p:cTn id="13" dur="26">
-                                          <p:stCondLst>
-                                            <p:cond delay="650"/>
-                                          </p:stCondLst>
-                                        </p:cTn>
-                                        <p:tgtEl>
-                                          <p:spTgt spid="5"/>
-                                        </p:tgtEl>
-                                      </p:cBhvr>
-                                      <p:to x="100000" y="60000"/>
-                                    </p:animScale>
-                                    <p:animScale>
-                                      <p:cBhvr>
-                                        <p:cTn id="14" dur="166" decel="50000">
-                                          <p:stCondLst>
-                                            <p:cond delay="676"/>
-                                          </p:stCondLst>
-                                        </p:cTn>
-                                        <p:tgtEl>
-                                          <p:spTgt spid="5"/>
-                                        </p:tgtEl>
-                                      </p:cBhvr>
-                                      <p:to x="100000" y="100000"/>
-                                    </p:animScale>
-                                    <p:animScale>
-                                      <p:cBhvr>
-                                        <p:cTn id="15" dur="26">
-                                          <p:stCondLst>
-                                            <p:cond delay="1312"/>
-                                          </p:stCondLst>
-                                        </p:cTn>
-                                        <p:tgtEl>
-                                          <p:spTgt spid="5"/>
-                                        </p:tgtEl>
-                                      </p:cBhvr>
-                                      <p:to x="100000" y="80000"/>
-                                    </p:animScale>
-                                    <p:animScale>
-                                      <p:cBhvr>
-                                        <p:cTn id="16" dur="166" decel="50000">
-                                          <p:stCondLst>
-                                            <p:cond delay="1338"/>
-                                          </p:stCondLst>
-                                        </p:cTn>
-                                        <p:tgtEl>
-                                          <p:spTgt spid="5"/>
-                                        </p:tgtEl>
-                                      </p:cBhvr>
-                                      <p:to x="100000" y="100000"/>
-                                    </p:animScale>
-                                    <p:animScale>
-                                      <p:cBhvr>
-                                        <p:cTn id="17" dur="26">
-                                          <p:stCondLst>
-                                            <p:cond delay="1642"/>
-                                          </p:stCondLst>
-                                        </p:cTn>
-                                        <p:tgtEl>
-                                          <p:spTgt spid="5"/>
-                                        </p:tgtEl>
-                                      </p:cBhvr>
-                                      <p:to x="100000" y="90000"/>
-                                    </p:animScale>
-                                    <p:animScale>
-                                      <p:cBhvr>
-                                        <p:cTn id="18" dur="166" decel="50000">
-                                          <p:stCondLst>
-                                            <p:cond delay="1668"/>
-                                          </p:stCondLst>
-                                        </p:cTn>
-                                        <p:tgtEl>
-                                          <p:spTgt spid="5"/>
-                                        </p:tgtEl>
-                                      </p:cBhvr>
-                                      <p:to x="100000" y="100000"/>
-                                    </p:animScale>
-                                    <p:animScale>
-                                      <p:cBhvr>
-                                        <p:cTn id="19" dur="26">
-                                          <p:stCondLst>
-                                            <p:cond delay="1808"/>
-                                          </p:stCondLst>
-                                        </p:cTn>
-                                        <p:tgtEl>
-                                          <p:spTgt spid="5"/>
-                                        </p:tgtEl>
-                                      </p:cBhvr>
-                                      <p:to x="100000" y="95000"/>
-                                    </p:animScale>
-                                    <p:animScale>
-                                      <p:cBhvr>
-                                        <p:cTn id="20" dur="166" decel="50000">
-                                          <p:stCondLst>
-                                            <p:cond delay="1834"/>
-                                          </p:stCondLst>
-                                        </p:cTn>
-                                        <p:tgtEl>
-                                          <p:spTgt spid="5"/>
-                                        </p:tgtEl>
-                                      </p:cBhvr>
-                                      <p:to x="100000" y="100000"/>
-                                    </p:animScale>
+                                      <p:to>
+                                        <p:strVal val="visible"/>
+                                      </p:to>
+                                    </p:set>
+                                    <p:animEffect transition="in" filter="fade">
+                                      <p:cBhvr>
+                                        <p:cTn id="20" dur="500"/>
+                                        <p:tgtEl>
+                                          <p:spTgt spid="5">
+                                            <p:txEl>
+                                              <p:pRg st="0" end="0"/>
+                                            </p:txEl>
+                                          </p:spTgt>
+                                        </p:tgtEl>
+                                      </p:cBhvr>
+                                    </p:animEffect>
                                   </p:childTnLst>
                                 </p:cTn>
                               </p:par>
@@ -8268,7 +7452,7 @@
                             </p:stCondLst>
                             <p:childTnLst>
                               <p:par>
-                                <p:cTn id="23" presetID="26" presetClass="entr" presetSubtype="0" fill="hold" grpId="1" nodeType="clickEffect">
+                                <p:cTn id="23" presetID="10" presetClass="entr" presetSubtype="0" fill="hold" grpId="0" nodeType="clickEffect">
                                   <p:stCondLst>
                                     <p:cond delay="0"/>
                                   </p:stCondLst>
@@ -8281,7 +7465,11 @@
                                           </p:stCondLst>
                                         </p:cTn>
                                         <p:tgtEl>
-                                          <p:spTgt spid="10"/>
+                                          <p:spTgt spid="5">
+                                            <p:txEl>
+                                              <p:pRg st="2" end="2"/>
+                                            </p:txEl>
+                                          </p:spTgt>
                                         </p:tgtEl>
                                         <p:attrNameLst>
                                           <p:attrName>style.visibility</p:attrName>
@@ -8291,376 +7479,15 @@
                                         <p:strVal val="visible"/>
                                       </p:to>
                                     </p:set>
-                                    <p:animEffect transition="in" filter="wipe(down)">
-                                      <p:cBhvr>
-                                        <p:cTn id="25" dur="580">
-                                          <p:stCondLst>
-                                            <p:cond delay="0"/>
-                                          </p:stCondLst>
-                                        </p:cTn>
-                                        <p:tgtEl>
-                                          <p:spTgt spid="10"/>
-                                        </p:tgtEl>
-                                      </p:cBhvr>
-                                    </p:animEffect>
-                                    <p:anim calcmode="lin" valueType="num">
-                                      <p:cBhvr>
-                                        <p:cTn id="26" dur="1822" tmFilter="0,0; 0.14,0.36; 0.43,0.73; 0.71,0.91; 1.0,1.0">
-                                          <p:stCondLst>
-                                            <p:cond delay="0"/>
-                                          </p:stCondLst>
-                                        </p:cTn>
-                                        <p:tgtEl>
-                                          <p:spTgt spid="10"/>
-                                        </p:tgtEl>
-                                        <p:attrNameLst>
-                                          <p:attrName>ppt_x</p:attrName>
-                                        </p:attrNameLst>
-                                      </p:cBhvr>
-                                      <p:tavLst>
-                                        <p:tav tm="0">
-                                          <p:val>
-                                            <p:strVal val="#ppt_x-0.25"/>
-                                          </p:val>
-                                        </p:tav>
-                                        <p:tav tm="100000">
-                                          <p:val>
-                                            <p:strVal val="#ppt_x"/>
-                                          </p:val>
-                                        </p:tav>
-                                      </p:tavLst>
-                                    </p:anim>
-                                    <p:anim calcmode="lin" valueType="num">
-                                      <p:cBhvr>
-                                        <p:cTn id="27" dur="664" tmFilter="0.0,0.0; 0.25,0.07; 0.50,0.2; 0.75,0.467; 1.0,1.0">
-                                          <p:stCondLst>
-                                            <p:cond delay="0"/>
-                                          </p:stCondLst>
-                                        </p:cTn>
-                                        <p:tgtEl>
-                                          <p:spTgt spid="10"/>
-                                        </p:tgtEl>
-                                        <p:attrNameLst>
-                                          <p:attrName>ppt_y</p:attrName>
-                                        </p:attrNameLst>
-                                      </p:cBhvr>
-                                      <p:tavLst>
-                                        <p:tav tm="0" fmla="#ppt_y-sin(pi*$)/3">
-                                          <p:val>
-                                            <p:fltVal val="0.5"/>
-                                          </p:val>
-                                        </p:tav>
-                                        <p:tav tm="100000">
-                                          <p:val>
-                                            <p:fltVal val="1"/>
-                                          </p:val>
-                                        </p:tav>
-                                      </p:tavLst>
-                                    </p:anim>
-                                    <p:anim calcmode="lin" valueType="num">
-                                      <p:cBhvr>
-                                        <p:cTn id="28" dur="664" tmFilter="0, 0; 0.125,0.2665; 0.25,0.4; 0.375,0.465; 0.5,0.5;  0.625,0.535; 0.75,0.6; 0.875,0.7335; 1,1">
-                                          <p:stCondLst>
-                                            <p:cond delay="664"/>
-                                          </p:stCondLst>
-                                        </p:cTn>
-                                        <p:tgtEl>
-                                          <p:spTgt spid="10"/>
-                                        </p:tgtEl>
-                                        <p:attrNameLst>
-                                          <p:attrName>ppt_y</p:attrName>
-                                        </p:attrNameLst>
-                                      </p:cBhvr>
-                                      <p:tavLst>
-                                        <p:tav tm="0" fmla="#ppt_y-sin(pi*$)/9">
-                                          <p:val>
-                                            <p:fltVal val="0"/>
-                                          </p:val>
-                                        </p:tav>
-                                        <p:tav tm="100000">
-                                          <p:val>
-                                            <p:fltVal val="1"/>
-                                          </p:val>
-                                        </p:tav>
-                                      </p:tavLst>
-                                    </p:anim>
-                                    <p:anim calcmode="lin" valueType="num">
-                                      <p:cBhvr>
-                                        <p:cTn id="29" dur="332" tmFilter="0, 0; 0.125,0.2665; 0.25,0.4; 0.375,0.465; 0.5,0.5;  0.625,0.535; 0.75,0.6; 0.875,0.7335; 1,1">
-                                          <p:stCondLst>
-                                            <p:cond delay="1324"/>
-                                          </p:stCondLst>
-                                        </p:cTn>
-                                        <p:tgtEl>
-                                          <p:spTgt spid="10"/>
-                                        </p:tgtEl>
-                                        <p:attrNameLst>
-                                          <p:attrName>ppt_y</p:attrName>
-                                        </p:attrNameLst>
-                                      </p:cBhvr>
-                                      <p:tavLst>
-                                        <p:tav tm="0" fmla="#ppt_y-sin(pi*$)/27">
-                                          <p:val>
-                                            <p:fltVal val="0"/>
-                                          </p:val>
-                                        </p:tav>
-                                        <p:tav tm="100000">
-                                          <p:val>
-                                            <p:fltVal val="1"/>
-                                          </p:val>
-                                        </p:tav>
-                                      </p:tavLst>
-                                    </p:anim>
-                                    <p:anim calcmode="lin" valueType="num">
-                                      <p:cBhvr>
-                                        <p:cTn id="30" dur="164" tmFilter="0, 0; 0.125,0.2665; 0.25,0.4; 0.375,0.465; 0.5,0.5;  0.625,0.535; 0.75,0.6; 0.875,0.7335; 1,1">
-                                          <p:stCondLst>
-                                            <p:cond delay="1656"/>
-                                          </p:stCondLst>
-                                        </p:cTn>
-                                        <p:tgtEl>
-                                          <p:spTgt spid="10"/>
-                                        </p:tgtEl>
-                                        <p:attrNameLst>
-                                          <p:attrName>ppt_y</p:attrName>
-                                        </p:attrNameLst>
-                                      </p:cBhvr>
-                                      <p:tavLst>
-                                        <p:tav tm="0" fmla="#ppt_y-sin(pi*$)/81">
-                                          <p:val>
-                                            <p:fltVal val="0"/>
-                                          </p:val>
-                                        </p:tav>
-                                        <p:tav tm="100000">
-                                          <p:val>
-                                            <p:fltVal val="1"/>
-                                          </p:val>
-                                        </p:tav>
-                                      </p:tavLst>
-                                    </p:anim>
-                                    <p:animScale>
-                                      <p:cBhvr>
-                                        <p:cTn id="31" dur="26">
-                                          <p:stCondLst>
-                                            <p:cond delay="650"/>
-                                          </p:stCondLst>
-                                        </p:cTn>
-                                        <p:tgtEl>
-                                          <p:spTgt spid="10"/>
-                                        </p:tgtEl>
-                                      </p:cBhvr>
-                                      <p:to x="100000" y="60000"/>
-                                    </p:animScale>
-                                    <p:animScale>
-                                      <p:cBhvr>
-                                        <p:cTn id="32" dur="166" decel="50000">
-                                          <p:stCondLst>
-                                            <p:cond delay="676"/>
-                                          </p:stCondLst>
-                                        </p:cTn>
-                                        <p:tgtEl>
-                                          <p:spTgt spid="10"/>
-                                        </p:tgtEl>
-                                      </p:cBhvr>
-                                      <p:to x="100000" y="100000"/>
-                                    </p:animScale>
-                                    <p:animScale>
-                                      <p:cBhvr>
-                                        <p:cTn id="33" dur="26">
-                                          <p:stCondLst>
-                                            <p:cond delay="1312"/>
-                                          </p:stCondLst>
-                                        </p:cTn>
-                                        <p:tgtEl>
-                                          <p:spTgt spid="10"/>
-                                        </p:tgtEl>
-                                      </p:cBhvr>
-                                      <p:to x="100000" y="80000"/>
-                                    </p:animScale>
-                                    <p:animScale>
-                                      <p:cBhvr>
-                                        <p:cTn id="34" dur="166" decel="50000">
-                                          <p:stCondLst>
-                                            <p:cond delay="1338"/>
-                                          </p:stCondLst>
-                                        </p:cTn>
-                                        <p:tgtEl>
-                                          <p:spTgt spid="10"/>
-                                        </p:tgtEl>
-                                      </p:cBhvr>
-                                      <p:to x="100000" y="100000"/>
-                                    </p:animScale>
-                                    <p:animScale>
-                                      <p:cBhvr>
-                                        <p:cTn id="35" dur="26">
-                                          <p:stCondLst>
-                                            <p:cond delay="1642"/>
-                                          </p:stCondLst>
-                                        </p:cTn>
-                                        <p:tgtEl>
-                                          <p:spTgt spid="10"/>
-                                        </p:tgtEl>
-                                      </p:cBhvr>
-                                      <p:to x="100000" y="90000"/>
-                                    </p:animScale>
-                                    <p:animScale>
-                                      <p:cBhvr>
-                                        <p:cTn id="36" dur="166" decel="50000">
-                                          <p:stCondLst>
-                                            <p:cond delay="1668"/>
-                                          </p:stCondLst>
-                                        </p:cTn>
-                                        <p:tgtEl>
-                                          <p:spTgt spid="10"/>
-                                        </p:tgtEl>
-                                      </p:cBhvr>
-                                      <p:to x="100000" y="100000"/>
-                                    </p:animScale>
-                                    <p:animScale>
-                                      <p:cBhvr>
-                                        <p:cTn id="37" dur="26">
-                                          <p:stCondLst>
-                                            <p:cond delay="1808"/>
-                                          </p:stCondLst>
-                                        </p:cTn>
-                                        <p:tgtEl>
-                                          <p:spTgt spid="10"/>
-                                        </p:tgtEl>
-                                      </p:cBhvr>
-                                      <p:to x="100000" y="95000"/>
-                                    </p:animScale>
-                                    <p:animScale>
-                                      <p:cBhvr>
-                                        <p:cTn id="38" dur="166" decel="50000">
-                                          <p:stCondLst>
-                                            <p:cond delay="1834"/>
-                                          </p:stCondLst>
-                                        </p:cTn>
-                                        <p:tgtEl>
-                                          <p:spTgt spid="10"/>
-                                        </p:tgtEl>
-                                      </p:cBhvr>
-                                      <p:to x="100000" y="100000"/>
-                                    </p:animScale>
-                                  </p:childTnLst>
-                                </p:cTn>
-                              </p:par>
-                            </p:childTnLst>
-                          </p:cTn>
-                        </p:par>
-                      </p:childTnLst>
-                    </p:cTn>
-                  </p:par>
-                  <p:par>
-                    <p:cTn id="39" fill="hold">
-                      <p:stCondLst>
-                        <p:cond delay="indefinite"/>
-                      </p:stCondLst>
-                      <p:childTnLst>
-                        <p:par>
-                          <p:cTn id="40" fill="hold">
-                            <p:stCondLst>
-                              <p:cond delay="0"/>
-                            </p:stCondLst>
-                            <p:childTnLst>
-                              <p:par>
-                                <p:cTn id="41" presetID="31" presetClass="entr" presetSubtype="0" fill="hold" grpId="0" nodeType="clickEffect">
-                                  <p:stCondLst>
-                                    <p:cond delay="0"/>
-                                  </p:stCondLst>
-                                  <p:childTnLst>
-                                    <p:set>
-                                      <p:cBhvr>
-                                        <p:cTn id="42" dur="1" fill="hold">
-                                          <p:stCondLst>
-                                            <p:cond delay="0"/>
-                                          </p:stCondLst>
-                                        </p:cTn>
-                                        <p:tgtEl>
-                                          <p:spTgt spid="8"/>
-                                        </p:tgtEl>
-                                        <p:attrNameLst>
-                                          <p:attrName>style.visibility</p:attrName>
-                                        </p:attrNameLst>
-                                      </p:cBhvr>
-                                      <p:to>
-                                        <p:strVal val="visible"/>
-                                      </p:to>
-                                    </p:set>
-                                    <p:anim calcmode="lin" valueType="num">
-                                      <p:cBhvr>
-                                        <p:cTn id="43" dur="1000" fill="hold"/>
-                                        <p:tgtEl>
-                                          <p:spTgt spid="8"/>
-                                        </p:tgtEl>
-                                        <p:attrNameLst>
-                                          <p:attrName>ppt_w</p:attrName>
-                                        </p:attrNameLst>
-                                      </p:cBhvr>
-                                      <p:tavLst>
-                                        <p:tav tm="0">
-                                          <p:val>
-                                            <p:fltVal val="0"/>
-                                          </p:val>
-                                        </p:tav>
-                                        <p:tav tm="100000">
-                                          <p:val>
-                                            <p:strVal val="#ppt_w"/>
-                                          </p:val>
-                                        </p:tav>
-                                      </p:tavLst>
-                                    </p:anim>
-                                    <p:anim calcmode="lin" valueType="num">
-                                      <p:cBhvr>
-                                        <p:cTn id="44" dur="1000" fill="hold"/>
-                                        <p:tgtEl>
-                                          <p:spTgt spid="8"/>
-                                        </p:tgtEl>
-                                        <p:attrNameLst>
-                                          <p:attrName>ppt_h</p:attrName>
-                                        </p:attrNameLst>
-                                      </p:cBhvr>
-                                      <p:tavLst>
-                                        <p:tav tm="0">
-                                          <p:val>
-                                            <p:fltVal val="0"/>
-                                          </p:val>
-                                        </p:tav>
-                                        <p:tav tm="100000">
-                                          <p:val>
-                                            <p:strVal val="#ppt_h"/>
-                                          </p:val>
-                                        </p:tav>
-                                      </p:tavLst>
-                                    </p:anim>
-                                    <p:anim calcmode="lin" valueType="num">
-                                      <p:cBhvr>
-                                        <p:cTn id="45" dur="1000" fill="hold"/>
-                                        <p:tgtEl>
-                                          <p:spTgt spid="8"/>
-                                        </p:tgtEl>
-                                        <p:attrNameLst>
-                                          <p:attrName>style.rotation</p:attrName>
-                                        </p:attrNameLst>
-                                      </p:cBhvr>
-                                      <p:tavLst>
-                                        <p:tav tm="0">
-                                          <p:val>
-                                            <p:fltVal val="90"/>
-                                          </p:val>
-                                        </p:tav>
-                                        <p:tav tm="100000">
-                                          <p:val>
-                                            <p:fltVal val="0"/>
-                                          </p:val>
-                                        </p:tav>
-                                      </p:tavLst>
-                                    </p:anim>
                                     <p:animEffect transition="in" filter="fade">
                                       <p:cBhvr>
-                                        <p:cTn id="46" dur="1000"/>
-                                        <p:tgtEl>
-                                          <p:spTgt spid="8"/>
+                                        <p:cTn id="25" dur="500"/>
+                                        <p:tgtEl>
+                                          <p:spTgt spid="5">
+                                            <p:txEl>
+                                              <p:pRg st="2" end="2"/>
+                                            </p:txEl>
+                                          </p:spTgt>
                                         </p:tgtEl>
                                       </p:cBhvr>
                                     </p:animEffect>
@@ -8674,32 +7501,36 @@
                     </p:cTn>
                   </p:par>
                   <p:par>
-                    <p:cTn id="47" fill="hold">
+                    <p:cTn id="26" fill="hold">
                       <p:stCondLst>
                         <p:cond delay="indefinite"/>
                       </p:stCondLst>
                       <p:childTnLst>
                         <p:par>
-                          <p:cTn id="48" fill="hold">
+                          <p:cTn id="27" fill="hold">
                             <p:stCondLst>
                               <p:cond delay="0"/>
                             </p:stCondLst>
                             <p:childTnLst>
                               <p:par>
-                                <p:cTn id="49" presetID="14" presetClass="entr" presetSubtype="10" fill="hold" grpId="0" nodeType="clickEffect">
+                                <p:cTn id="28" presetID="10" presetClass="entr" presetSubtype="0" fill="hold" grpId="0" nodeType="clickEffect">
                                   <p:stCondLst>
                                     <p:cond delay="0"/>
                                   </p:stCondLst>
                                   <p:childTnLst>
                                     <p:set>
                                       <p:cBhvr>
-                                        <p:cTn id="50" dur="1" fill="hold">
+                                        <p:cTn id="29" dur="1" fill="hold">
                                           <p:stCondLst>
                                             <p:cond delay="0"/>
                                           </p:stCondLst>
                                         </p:cTn>
                                         <p:tgtEl>
-                                          <p:spTgt spid="11"/>
+                                          <p:spTgt spid="5">
+                                            <p:txEl>
+                                              <p:pRg st="3" end="3"/>
+                                            </p:txEl>
+                                          </p:spTgt>
                                         </p:tgtEl>
                                         <p:attrNameLst>
                                           <p:attrName>style.visibility</p:attrName>
@@ -8709,11 +7540,15 @@
                                         <p:strVal val="visible"/>
                                       </p:to>
                                     </p:set>
-                                    <p:animEffect transition="in" filter="randombar(horizontal)">
-                                      <p:cBhvr>
-                                        <p:cTn id="51" dur="500"/>
-                                        <p:tgtEl>
-                                          <p:spTgt spid="11"/>
+                                    <p:animEffect transition="in" filter="fade">
+                                      <p:cBhvr>
+                                        <p:cTn id="30" dur="500"/>
+                                        <p:tgtEl>
+                                          <p:spTgt spid="5">
+                                            <p:txEl>
+                                              <p:pRg st="3" end="3"/>
+                                            </p:txEl>
+                                          </p:spTgt>
                                         </p:tgtEl>
                                       </p:cBhvr>
                                     </p:animEffect>
@@ -8727,32 +7562,36 @@
                     </p:cTn>
                   </p:par>
                   <p:par>
-                    <p:cTn id="52" fill="hold">
+                    <p:cTn id="31" fill="hold">
                       <p:stCondLst>
                         <p:cond delay="indefinite"/>
                       </p:stCondLst>
                       <p:childTnLst>
                         <p:par>
-                          <p:cTn id="53" fill="hold">
+                          <p:cTn id="32" fill="hold">
                             <p:stCondLst>
                               <p:cond delay="0"/>
                             </p:stCondLst>
                             <p:childTnLst>
                               <p:par>
-                                <p:cTn id="54" presetID="22" presetClass="entr" presetSubtype="4" fill="hold" grpId="0" nodeType="clickEffect">
+                                <p:cTn id="33" presetID="10" presetClass="entr" presetSubtype="0" fill="hold" grpId="0" nodeType="clickEffect">
                                   <p:stCondLst>
                                     <p:cond delay="0"/>
                                   </p:stCondLst>
                                   <p:childTnLst>
                                     <p:set>
                                       <p:cBhvr>
-                                        <p:cTn id="55" dur="1" fill="hold">
+                                        <p:cTn id="34" dur="1" fill="hold">
                                           <p:stCondLst>
                                             <p:cond delay="0"/>
                                           </p:stCondLst>
                                         </p:cTn>
                                         <p:tgtEl>
-                                          <p:spTgt spid="3"/>
+                                          <p:spTgt spid="5">
+                                            <p:txEl>
+                                              <p:pRg st="4" end="4"/>
+                                            </p:txEl>
+                                          </p:spTgt>
                                         </p:tgtEl>
                                         <p:attrNameLst>
                                           <p:attrName>style.visibility</p:attrName>
@@ -8762,11 +7601,381 @@
                                         <p:strVal val="visible"/>
                                       </p:to>
                                     </p:set>
-                                    <p:animEffect transition="in" filter="wipe(down)">
-                                      <p:cBhvr>
-                                        <p:cTn id="56" dur="500"/>
-                                        <p:tgtEl>
-                                          <p:spTgt spid="3"/>
+                                    <p:animEffect transition="in" filter="fade">
+                                      <p:cBhvr>
+                                        <p:cTn id="35" dur="500"/>
+                                        <p:tgtEl>
+                                          <p:spTgt spid="5">
+                                            <p:txEl>
+                                              <p:pRg st="4" end="4"/>
+                                            </p:txEl>
+                                          </p:spTgt>
+                                        </p:tgtEl>
+                                      </p:cBhvr>
+                                    </p:animEffect>
+                                  </p:childTnLst>
+                                </p:cTn>
+                              </p:par>
+                            </p:childTnLst>
+                          </p:cTn>
+                        </p:par>
+                      </p:childTnLst>
+                    </p:cTn>
+                  </p:par>
+                  <p:par>
+                    <p:cTn id="36" fill="hold">
+                      <p:stCondLst>
+                        <p:cond delay="indefinite"/>
+                      </p:stCondLst>
+                      <p:childTnLst>
+                        <p:par>
+                          <p:cTn id="37" fill="hold">
+                            <p:stCondLst>
+                              <p:cond delay="0"/>
+                            </p:stCondLst>
+                            <p:childTnLst>
+                              <p:par>
+                                <p:cTn id="38" presetID="16" presetClass="entr" presetSubtype="21" fill="hold" grpId="0" nodeType="clickEffect">
+                                  <p:stCondLst>
+                                    <p:cond delay="0"/>
+                                  </p:stCondLst>
+                                  <p:childTnLst>
+                                    <p:set>
+                                      <p:cBhvr>
+                                        <p:cTn id="39" dur="1" fill="hold">
+                                          <p:stCondLst>
+                                            <p:cond delay="0"/>
+                                          </p:stCondLst>
+                                        </p:cTn>
+                                        <p:tgtEl>
+                                          <p:spTgt spid="7">
+                                            <p:txEl>
+                                              <p:pRg st="0" end="0"/>
+                                            </p:txEl>
+                                          </p:spTgt>
+                                        </p:tgtEl>
+                                        <p:attrNameLst>
+                                          <p:attrName>style.visibility</p:attrName>
+                                        </p:attrNameLst>
+                                      </p:cBhvr>
+                                      <p:to>
+                                        <p:strVal val="visible"/>
+                                      </p:to>
+                                    </p:set>
+                                    <p:animEffect transition="in" filter="barn(inVertical)">
+                                      <p:cBhvr>
+                                        <p:cTn id="40" dur="500"/>
+                                        <p:tgtEl>
+                                          <p:spTgt spid="7">
+                                            <p:txEl>
+                                              <p:pRg st="0" end="0"/>
+                                            </p:txEl>
+                                          </p:spTgt>
+                                        </p:tgtEl>
+                                      </p:cBhvr>
+                                    </p:animEffect>
+                                  </p:childTnLst>
+                                </p:cTn>
+                              </p:par>
+                            </p:childTnLst>
+                          </p:cTn>
+                        </p:par>
+                      </p:childTnLst>
+                    </p:cTn>
+                  </p:par>
+                  <p:par>
+                    <p:cTn id="41" fill="hold">
+                      <p:stCondLst>
+                        <p:cond delay="indefinite"/>
+                      </p:stCondLst>
+                      <p:childTnLst>
+                        <p:par>
+                          <p:cTn id="42" fill="hold">
+                            <p:stCondLst>
+                              <p:cond delay="0"/>
+                            </p:stCondLst>
+                            <p:childTnLst>
+                              <p:par>
+                                <p:cTn id="43" presetID="16" presetClass="entr" presetSubtype="21" fill="hold" grpId="0" nodeType="clickEffect">
+                                  <p:stCondLst>
+                                    <p:cond delay="0"/>
+                                  </p:stCondLst>
+                                  <p:childTnLst>
+                                    <p:set>
+                                      <p:cBhvr>
+                                        <p:cTn id="44" dur="1" fill="hold">
+                                          <p:stCondLst>
+                                            <p:cond delay="0"/>
+                                          </p:stCondLst>
+                                        </p:cTn>
+                                        <p:tgtEl>
+                                          <p:spTgt spid="7">
+                                            <p:txEl>
+                                              <p:pRg st="2" end="2"/>
+                                            </p:txEl>
+                                          </p:spTgt>
+                                        </p:tgtEl>
+                                        <p:attrNameLst>
+                                          <p:attrName>style.visibility</p:attrName>
+                                        </p:attrNameLst>
+                                      </p:cBhvr>
+                                      <p:to>
+                                        <p:strVal val="visible"/>
+                                      </p:to>
+                                    </p:set>
+                                    <p:animEffect transition="in" filter="barn(inVertical)">
+                                      <p:cBhvr>
+                                        <p:cTn id="45" dur="500"/>
+                                        <p:tgtEl>
+                                          <p:spTgt spid="7">
+                                            <p:txEl>
+                                              <p:pRg st="2" end="2"/>
+                                            </p:txEl>
+                                          </p:spTgt>
+                                        </p:tgtEl>
+                                      </p:cBhvr>
+                                    </p:animEffect>
+                                  </p:childTnLst>
+                                </p:cTn>
+                              </p:par>
+                            </p:childTnLst>
+                          </p:cTn>
+                        </p:par>
+                      </p:childTnLst>
+                    </p:cTn>
+                  </p:par>
+                  <p:par>
+                    <p:cTn id="46" fill="hold">
+                      <p:stCondLst>
+                        <p:cond delay="indefinite"/>
+                      </p:stCondLst>
+                      <p:childTnLst>
+                        <p:par>
+                          <p:cTn id="47" fill="hold">
+                            <p:stCondLst>
+                              <p:cond delay="0"/>
+                            </p:stCondLst>
+                            <p:childTnLst>
+                              <p:par>
+                                <p:cTn id="48" presetID="16" presetClass="entr" presetSubtype="21" fill="hold" grpId="0" nodeType="clickEffect">
+                                  <p:stCondLst>
+                                    <p:cond delay="0"/>
+                                  </p:stCondLst>
+                                  <p:childTnLst>
+                                    <p:set>
+                                      <p:cBhvr>
+                                        <p:cTn id="49" dur="1" fill="hold">
+                                          <p:stCondLst>
+                                            <p:cond delay="0"/>
+                                          </p:stCondLst>
+                                        </p:cTn>
+                                        <p:tgtEl>
+                                          <p:spTgt spid="7">
+                                            <p:txEl>
+                                              <p:pRg st="3" end="3"/>
+                                            </p:txEl>
+                                          </p:spTgt>
+                                        </p:tgtEl>
+                                        <p:attrNameLst>
+                                          <p:attrName>style.visibility</p:attrName>
+                                        </p:attrNameLst>
+                                      </p:cBhvr>
+                                      <p:to>
+                                        <p:strVal val="visible"/>
+                                      </p:to>
+                                    </p:set>
+                                    <p:animEffect transition="in" filter="barn(inVertical)">
+                                      <p:cBhvr>
+                                        <p:cTn id="50" dur="500"/>
+                                        <p:tgtEl>
+                                          <p:spTgt spid="7">
+                                            <p:txEl>
+                                              <p:pRg st="3" end="3"/>
+                                            </p:txEl>
+                                          </p:spTgt>
+                                        </p:tgtEl>
+                                      </p:cBhvr>
+                                    </p:animEffect>
+                                  </p:childTnLst>
+                                </p:cTn>
+                              </p:par>
+                            </p:childTnLst>
+                          </p:cTn>
+                        </p:par>
+                      </p:childTnLst>
+                    </p:cTn>
+                  </p:par>
+                  <p:par>
+                    <p:cTn id="51" fill="hold">
+                      <p:stCondLst>
+                        <p:cond delay="indefinite"/>
+                      </p:stCondLst>
+                      <p:childTnLst>
+                        <p:par>
+                          <p:cTn id="52" fill="hold">
+                            <p:stCondLst>
+                              <p:cond delay="0"/>
+                            </p:stCondLst>
+                            <p:childTnLst>
+                              <p:par>
+                                <p:cTn id="53" presetID="16" presetClass="entr" presetSubtype="21" fill="hold" grpId="0" nodeType="clickEffect">
+                                  <p:stCondLst>
+                                    <p:cond delay="0"/>
+                                  </p:stCondLst>
+                                  <p:childTnLst>
+                                    <p:set>
+                                      <p:cBhvr>
+                                        <p:cTn id="54" dur="1" fill="hold">
+                                          <p:stCondLst>
+                                            <p:cond delay="0"/>
+                                          </p:stCondLst>
+                                        </p:cTn>
+                                        <p:tgtEl>
+                                          <p:spTgt spid="7">
+                                            <p:txEl>
+                                              <p:pRg st="4" end="4"/>
+                                            </p:txEl>
+                                          </p:spTgt>
+                                        </p:tgtEl>
+                                        <p:attrNameLst>
+                                          <p:attrName>style.visibility</p:attrName>
+                                        </p:attrNameLst>
+                                      </p:cBhvr>
+                                      <p:to>
+                                        <p:strVal val="visible"/>
+                                      </p:to>
+                                    </p:set>
+                                    <p:animEffect transition="in" filter="barn(inVertical)">
+                                      <p:cBhvr>
+                                        <p:cTn id="55" dur="500"/>
+                                        <p:tgtEl>
+                                          <p:spTgt spid="7">
+                                            <p:txEl>
+                                              <p:pRg st="4" end="4"/>
+                                            </p:txEl>
+                                          </p:spTgt>
+                                        </p:tgtEl>
+                                      </p:cBhvr>
+                                    </p:animEffect>
+                                  </p:childTnLst>
+                                </p:cTn>
+                              </p:par>
+                            </p:childTnLst>
+                          </p:cTn>
+                        </p:par>
+                      </p:childTnLst>
+                    </p:cTn>
+                  </p:par>
+                  <p:par>
+                    <p:cTn id="56" fill="hold">
+                      <p:stCondLst>
+                        <p:cond delay="indefinite"/>
+                      </p:stCondLst>
+                      <p:childTnLst>
+                        <p:par>
+                          <p:cTn id="57" fill="hold">
+                            <p:stCondLst>
+                              <p:cond delay="0"/>
+                            </p:stCondLst>
+                            <p:childTnLst>
+                              <p:par>
+                                <p:cTn id="58" presetID="16" presetClass="entr" presetSubtype="21" fill="hold" grpId="0" nodeType="clickEffect">
+                                  <p:stCondLst>
+                                    <p:cond delay="0"/>
+                                  </p:stCondLst>
+                                  <p:childTnLst>
+                                    <p:set>
+                                      <p:cBhvr>
+                                        <p:cTn id="59" dur="1" fill="hold">
+                                          <p:stCondLst>
+                                            <p:cond delay="0"/>
+                                          </p:stCondLst>
+                                        </p:cTn>
+                                        <p:tgtEl>
+                                          <p:spTgt spid="7">
+                                            <p:txEl>
+                                              <p:pRg st="5" end="5"/>
+                                            </p:txEl>
+                                          </p:spTgt>
+                                        </p:tgtEl>
+                                        <p:attrNameLst>
+                                          <p:attrName>style.visibility</p:attrName>
+                                        </p:attrNameLst>
+                                      </p:cBhvr>
+                                      <p:to>
+                                        <p:strVal val="visible"/>
+                                      </p:to>
+                                    </p:set>
+                                    <p:animEffect transition="in" filter="barn(inVertical)">
+                                      <p:cBhvr>
+                                        <p:cTn id="60" dur="500"/>
+                                        <p:tgtEl>
+                                          <p:spTgt spid="7">
+                                            <p:txEl>
+                                              <p:pRg st="5" end="5"/>
+                                            </p:txEl>
+                                          </p:spTgt>
+                                        </p:tgtEl>
+                                      </p:cBhvr>
+                                    </p:animEffect>
+                                  </p:childTnLst>
+                                </p:cTn>
+                              </p:par>
+                            </p:childTnLst>
+                          </p:cTn>
+                        </p:par>
+                      </p:childTnLst>
+                    </p:cTn>
+                  </p:par>
+                  <p:par>
+                    <p:cTn id="61" fill="hold">
+                      <p:stCondLst>
+                        <p:cond delay="indefinite"/>
+                      </p:stCondLst>
+                      <p:childTnLst>
+                        <p:par>
+                          <p:cTn id="62" fill="hold">
+                            <p:stCondLst>
+                              <p:cond delay="0"/>
+                            </p:stCondLst>
+                            <p:childTnLst>
+                              <p:par>
+                                <p:cTn id="63" presetID="16" presetClass="entr" presetSubtype="21" fill="hold" grpId="0" nodeType="clickEffect">
+                                  <p:stCondLst>
+                                    <p:cond delay="0"/>
+                                  </p:stCondLst>
+                                  <p:childTnLst>
+                                    <p:set>
+                                      <p:cBhvr>
+                                        <p:cTn id="64" dur="1" fill="hold">
+                                          <p:stCondLst>
+                                            <p:cond delay="0"/>
+                                          </p:stCondLst>
+                                        </p:cTn>
+                                        <p:tgtEl>
+                                          <p:spTgt spid="7">
+                                            <p:txEl>
+                                              <p:pRg st="6" end="6"/>
+                                            </p:txEl>
+                                          </p:spTgt>
+                                        </p:tgtEl>
+                                        <p:attrNameLst>
+                                          <p:attrName>style.visibility</p:attrName>
+                                        </p:attrNameLst>
+                                      </p:cBhvr>
+                                      <p:to>
+                                        <p:strVal val="visible"/>
+                                      </p:to>
+                                    </p:set>
+                                    <p:animEffect transition="in" filter="barn(inVertical)">
+                                      <p:cBhvr>
+                                        <p:cTn id="65" dur="500"/>
+                                        <p:tgtEl>
+                                          <p:spTgt spid="7">
+                                            <p:txEl>
+                                              <p:pRg st="6" end="6"/>
+                                            </p:txEl>
+                                          </p:spTgt>
                                         </p:tgtEl>
                                       </p:cBhvr>
                                     </p:animEffect>
@@ -8801,11 +8010,10 @@
       </p:par>
     </p:tnLst>
     <p:bldLst>
-      <p:bldP spid="5" grpId="0"/>
-      <p:bldP spid="8" grpId="0"/>
-      <p:bldP spid="10" grpId="1"/>
-      <p:bldP spid="11" grpId="0"/>
+      <p:bldP spid="2" grpId="0"/>
       <p:bldP spid="3" grpId="0"/>
+      <p:bldP spid="5" grpId="0" build="p"/>
+      <p:bldP spid="7" grpId="0" build="p"/>
     </p:bldLst>
   </p:timing>
 </p:sld>
@@ -8898,21 +8106,21 @@
           <a:p>
             <a:r>
               <a:rPr lang="en-GB" dirty="0"/>
-              <a:t>Making ISE easier for use</a:t>
+              <a:t>Using VSCode</a:t>
             </a:r>
           </a:p>
         </p:txBody>
       </p:sp>
       <p:sp>
         <p:nvSpPr>
-          <p:cNvPr id="3" name="TextBox 2"/>
+          <p:cNvPr id="5" name="TextBox 4"/>
           <p:cNvSpPr txBox="1"/>
           <p:nvPr/>
         </p:nvSpPr>
         <p:spPr>
           <a:xfrm>
-            <a:off x="1925515" y="1718406"/>
-            <a:ext cx="8625254" cy="1569660"/>
+            <a:off x="861645" y="2083777"/>
+            <a:ext cx="4985239" cy="2400657"/>
           </a:xfrm>
           <a:prstGeom prst="rect">
             <a:avLst/>
@@ -8925,32 +8133,73 @@
           </a:bodyPr>
           <a:lstStyle/>
           <a:p>
-            <a:pPr algn="ctr"/>
-            <a:r>
-              <a:rPr lang="en-GB" sz="3200" dirty="0"/>
-              <a:t>Extending PowerShell ISE with a PowerShell Module called </a:t>
-            </a:r>
-            <a:r>
-              <a:rPr lang="en-GB" sz="3200" dirty="0" err="1"/>
-              <a:t>ISE_Cew</a:t>
-            </a:r>
-            <a:r>
-              <a:rPr lang="en-GB" sz="3200" dirty="0"/>
-              <a:t> – Available on GitHub or PowerShell Gallery</a:t>
+            <a:r>
+              <a:rPr lang="en-GB" sz="2400" dirty="0"/>
+              <a:t>Pros</a:t>
+            </a:r>
+          </a:p>
+          <a:p>
+            <a:pPr marL="285750" indent="-285750">
+              <a:buFont typeface="Arial" panose="020B0604020202020204" pitchFamily="34" charset="0"/>
+              <a:buChar char="•"/>
+            </a:pPr>
+            <a:r>
+              <a:rPr lang="en-GB" dirty="0"/>
+              <a:t>Git support Built in – So you have Version control</a:t>
+            </a:r>
+          </a:p>
+          <a:p>
+            <a:pPr marL="285750" indent="-285750">
+              <a:buFont typeface="Arial" panose="020B0604020202020204" pitchFamily="34" charset="0"/>
+              <a:buChar char="•"/>
+            </a:pPr>
+            <a:r>
+              <a:rPr lang="en-GB" dirty="0"/>
+              <a:t>In latest Builds has an integrated Script Panel – configurable to PowerShell</a:t>
+            </a:r>
+          </a:p>
+          <a:p>
+            <a:pPr marL="285750" indent="-285750">
+              <a:buFont typeface="Arial" panose="020B0604020202020204" pitchFamily="34" charset="0"/>
+              <a:buChar char="•"/>
+            </a:pPr>
+            <a:r>
+              <a:rPr lang="en-GB" dirty="0"/>
+              <a:t>ScriptAnalyzer support now built into</a:t>
+            </a:r>
+          </a:p>
+          <a:p>
+            <a:pPr marL="285750" indent="-285750">
+              <a:buFont typeface="Arial" panose="020B0604020202020204" pitchFamily="34" charset="0"/>
+              <a:buChar char="•"/>
+            </a:pPr>
+            <a:r>
+              <a:rPr lang="en-GB" dirty="0"/>
+              <a:t>Multi Use editor – PowerShell / C# / JS etc</a:t>
+            </a:r>
+          </a:p>
+          <a:p>
+            <a:pPr marL="285750" indent="-285750">
+              <a:buFont typeface="Arial" panose="020B0604020202020204" pitchFamily="34" charset="0"/>
+              <a:buChar char="•"/>
+            </a:pPr>
+            <a:r>
+              <a:rPr lang="en-GB" dirty="0"/>
+              <a:t>Cross Platform</a:t>
             </a:r>
           </a:p>
         </p:txBody>
       </p:sp>
       <p:sp>
         <p:nvSpPr>
-          <p:cNvPr id="5" name="TextBox 4"/>
+          <p:cNvPr id="8" name="TextBox 7"/>
           <p:cNvSpPr txBox="1"/>
           <p:nvPr/>
         </p:nvSpPr>
         <p:spPr>
           <a:xfrm>
-            <a:off x="751840" y="3323492"/>
-            <a:ext cx="4092722" cy="3416320"/>
+            <a:off x="6075485" y="4079631"/>
+            <a:ext cx="5829300" cy="2677656"/>
           </a:xfrm>
           <a:prstGeom prst="rect">
             <a:avLst/>
@@ -8965,143 +8214,66 @@
           <a:p>
             <a:r>
               <a:rPr lang="en-GB" sz="2400" dirty="0"/>
-              <a:t>This gives us</a:t>
-            </a:r>
-          </a:p>
-          <a:p>
-            <a:pPr marL="342900" indent="-342900">
+              <a:t>Cons</a:t>
+            </a:r>
+          </a:p>
+          <a:p>
+            <a:pPr marL="285750" indent="-285750">
               <a:buFont typeface="Arial" panose="020B0604020202020204" pitchFamily="34" charset="0"/>
               <a:buChar char="•"/>
             </a:pPr>
-            <a:endParaRPr lang="en-GB" sz="2400" dirty="0"/>
-          </a:p>
-          <a:p>
-            <a:pPr marL="342900" indent="-342900">
+            <a:r>
+              <a:rPr lang="en-GB" dirty="0"/>
+              <a:t>Requires PowerShell Editor Services Extension</a:t>
+            </a:r>
+          </a:p>
+          <a:p>
+            <a:pPr marL="285750" indent="-285750">
               <a:buFont typeface="Arial" panose="020B0604020202020204" pitchFamily="34" charset="0"/>
               <a:buChar char="•"/>
             </a:pPr>
             <a:r>
-              <a:rPr lang="en-GB" sz="2400" dirty="0"/>
-              <a:t>Easy Version Control on File Saves in ISE</a:t>
-            </a:r>
-          </a:p>
-          <a:p>
-            <a:pPr marL="342900" indent="-342900">
+              <a:rPr lang="en-GB" dirty="0"/>
+              <a:t>Still requires lots of work to be the go-to PowerShell Editor</a:t>
+            </a:r>
+          </a:p>
+          <a:p>
+            <a:pPr marL="285750" indent="-285750">
               <a:buFont typeface="Arial" panose="020B0604020202020204" pitchFamily="34" charset="0"/>
               <a:buChar char="•"/>
             </a:pPr>
             <a:r>
-              <a:rPr lang="en-GB" sz="2400" dirty="0"/>
-              <a:t>Script / Module Distinction – Building out required directory</a:t>
-            </a:r>
-          </a:p>
-          <a:p>
-            <a:pPr marL="342900" indent="-342900">
+              <a:rPr lang="en-GB" dirty="0"/>
+              <a:t>Additional install that you may not be able to run </a:t>
+            </a:r>
+            <a:r>
+              <a:rPr lang="en-GB" dirty="0" err="1"/>
+              <a:t>i.e</a:t>
+            </a:r>
+            <a:r>
+              <a:rPr lang="en-GB" dirty="0"/>
+              <a:t> on a server</a:t>
+            </a:r>
+          </a:p>
+          <a:p>
+            <a:pPr marL="285750" indent="-285750">
               <a:buFont typeface="Arial" panose="020B0604020202020204" pitchFamily="34" charset="0"/>
               <a:buChar char="•"/>
             </a:pPr>
             <a:r>
-              <a:rPr lang="en-GB" sz="2400" dirty="0"/>
-              <a:t>Consistency &amp; Peace of Mind</a:t>
-            </a:r>
-          </a:p>
-        </p:txBody>
-      </p:sp>
-      <p:sp>
-        <p:nvSpPr>
-          <p:cNvPr id="7" name="TextBox 6"/>
-          <p:cNvSpPr txBox="1"/>
-          <p:nvPr/>
-        </p:nvSpPr>
-        <p:spPr>
-          <a:xfrm>
-            <a:off x="6286500" y="3323492"/>
-            <a:ext cx="5169877" cy="3046988"/>
-          </a:xfrm>
-          <a:prstGeom prst="rect">
-            <a:avLst/>
-          </a:prstGeom>
-          <a:noFill/>
-        </p:spPr>
-        <p:txBody>
-          <a:bodyPr wrap="square" rtlCol="0">
-            <a:spAutoFit/>
-          </a:bodyPr>
-          <a:lstStyle/>
-          <a:p>
-            <a:r>
-              <a:rPr lang="en-GB" sz="2400" dirty="0"/>
-              <a:t>Requirements</a:t>
-            </a:r>
-          </a:p>
-          <a:p>
-            <a:endParaRPr lang="en-GB" sz="2400" dirty="0"/>
-          </a:p>
-          <a:p>
-            <a:pPr marL="342900" indent="-342900">
-              <a:buFont typeface="Arial" panose="020B0604020202020204" pitchFamily="34" charset="0"/>
-              <a:buChar char="•"/>
-            </a:pPr>
-            <a:r>
-              <a:rPr lang="en-GB" sz="2400" dirty="0"/>
-              <a:t>PowerShell v4 or above (for now)</a:t>
-            </a:r>
-          </a:p>
-          <a:p>
-            <a:pPr marL="342900" indent="-342900">
-              <a:buFont typeface="Arial" panose="020B0604020202020204" pitchFamily="34" charset="0"/>
-              <a:buChar char="•"/>
-            </a:pPr>
-            <a:r>
-              <a:rPr lang="en-GB" sz="2400" dirty="0" err="1"/>
-              <a:t>PowerShellScriptAnalyzer</a:t>
-            </a:r>
-            <a:endParaRPr lang="en-GB" sz="2400" dirty="0"/>
-          </a:p>
-          <a:p>
-            <a:pPr marL="342900" indent="-342900">
-              <a:buFont typeface="Arial" panose="020B0604020202020204" pitchFamily="34" charset="0"/>
-              <a:buChar char="•"/>
-            </a:pPr>
-            <a:r>
-              <a:rPr lang="en-GB" sz="2400" dirty="0"/>
-              <a:t>Pester</a:t>
-            </a:r>
-          </a:p>
-          <a:p>
-            <a:pPr marL="342900" indent="-342900">
-              <a:buFont typeface="Arial" panose="020B0604020202020204" pitchFamily="34" charset="0"/>
-              <a:buChar char="•"/>
-            </a:pPr>
-            <a:r>
-              <a:rPr lang="en-GB" sz="2400" dirty="0"/>
-              <a:t>Git</a:t>
-            </a:r>
-          </a:p>
-          <a:p>
-            <a:pPr marL="342900" indent="-342900">
-              <a:buFont typeface="Arial" panose="020B0604020202020204" pitchFamily="34" charset="0"/>
-              <a:buChar char="•"/>
-            </a:pPr>
-            <a:r>
-              <a:rPr lang="en-GB" sz="2400" dirty="0"/>
-              <a:t>2 </a:t>
-            </a:r>
-            <a:r>
-              <a:rPr lang="en-GB" sz="2400" dirty="0" err="1"/>
-              <a:t>PSDrives</a:t>
-            </a:r>
-            <a:r>
-              <a:rPr lang="en-GB" sz="2400" dirty="0"/>
-              <a:t> Scripts-WIP &amp; Modules-WIP</a:t>
-            </a:r>
+              <a:rPr lang="en-GB" dirty="0"/>
+              <a:t>Under continuous development – features may change on future builds</a:t>
+            </a:r>
+          </a:p>
+          <a:p>
+            <a:endParaRPr lang="en-GB" dirty="0"/>
           </a:p>
         </p:txBody>
       </p:sp>
     </p:spTree>
     <p:extLst>
       <p:ext uri="{BB962C8B-B14F-4D97-AF65-F5344CB8AC3E}">
-        <p14:creationId xmlns:p14="http://schemas.microsoft.com/office/powerpoint/2010/main" val="2296921474"/>
+        <p14:creationId xmlns:p14="http://schemas.microsoft.com/office/powerpoint/2010/main" val="944609514"/>
       </p:ext>
     </p:extLst>
   </p:cSld>
@@ -9129,7 +8301,7 @@
                             </p:stCondLst>
                             <p:childTnLst>
                               <p:par>
-                                <p:cTn id="5" presetID="42" presetClass="entr" presetSubtype="0" fill="hold" grpId="0" nodeType="clickEffect">
+                                <p:cTn id="5" presetID="1" presetClass="entr" presetSubtype="0" fill="hold" grpId="0" nodeType="clickEffect">
                                   <p:stCondLst>
                                     <p:cond delay="0"/>
                                   </p:stCondLst>
@@ -9142,7 +8314,305 @@
                                           </p:stCondLst>
                                         </p:cTn>
                                         <p:tgtEl>
-                                          <p:spTgt spid="2"/>
+                                          <p:spTgt spid="5">
+                                            <p:txEl>
+                                              <p:pRg st="0" end="0"/>
+                                            </p:txEl>
+                                          </p:spTgt>
+                                        </p:tgtEl>
+                                        <p:attrNameLst>
+                                          <p:attrName>style.visibility</p:attrName>
+                                        </p:attrNameLst>
+                                      </p:cBhvr>
+                                      <p:to>
+                                        <p:strVal val="visible"/>
+                                      </p:to>
+                                    </p:set>
+                                  </p:childTnLst>
+                                </p:cTn>
+                              </p:par>
+                            </p:childTnLst>
+                          </p:cTn>
+                        </p:par>
+                      </p:childTnLst>
+                    </p:cTn>
+                  </p:par>
+                  <p:par>
+                    <p:cTn id="7" fill="hold">
+                      <p:stCondLst>
+                        <p:cond delay="indefinite"/>
+                      </p:stCondLst>
+                      <p:childTnLst>
+                        <p:par>
+                          <p:cTn id="8" fill="hold">
+                            <p:stCondLst>
+                              <p:cond delay="0"/>
+                            </p:stCondLst>
+                            <p:childTnLst>
+                              <p:par>
+                                <p:cTn id="9" presetID="1" presetClass="entr" presetSubtype="0" fill="hold" grpId="0" nodeType="clickEffect">
+                                  <p:stCondLst>
+                                    <p:cond delay="0"/>
+                                  </p:stCondLst>
+                                  <p:childTnLst>
+                                    <p:set>
+                                      <p:cBhvr>
+                                        <p:cTn id="10" dur="1" fill="hold">
+                                          <p:stCondLst>
+                                            <p:cond delay="0"/>
+                                          </p:stCondLst>
+                                        </p:cTn>
+                                        <p:tgtEl>
+                                          <p:spTgt spid="5">
+                                            <p:txEl>
+                                              <p:pRg st="1" end="1"/>
+                                            </p:txEl>
+                                          </p:spTgt>
+                                        </p:tgtEl>
+                                        <p:attrNameLst>
+                                          <p:attrName>style.visibility</p:attrName>
+                                        </p:attrNameLst>
+                                      </p:cBhvr>
+                                      <p:to>
+                                        <p:strVal val="visible"/>
+                                      </p:to>
+                                    </p:set>
+                                  </p:childTnLst>
+                                </p:cTn>
+                              </p:par>
+                            </p:childTnLst>
+                          </p:cTn>
+                        </p:par>
+                      </p:childTnLst>
+                    </p:cTn>
+                  </p:par>
+                  <p:par>
+                    <p:cTn id="11" fill="hold">
+                      <p:stCondLst>
+                        <p:cond delay="indefinite"/>
+                      </p:stCondLst>
+                      <p:childTnLst>
+                        <p:par>
+                          <p:cTn id="12" fill="hold">
+                            <p:stCondLst>
+                              <p:cond delay="0"/>
+                            </p:stCondLst>
+                            <p:childTnLst>
+                              <p:par>
+                                <p:cTn id="13" presetID="1" presetClass="entr" presetSubtype="0" fill="hold" grpId="0" nodeType="clickEffect">
+                                  <p:stCondLst>
+                                    <p:cond delay="0"/>
+                                  </p:stCondLst>
+                                  <p:childTnLst>
+                                    <p:set>
+                                      <p:cBhvr>
+                                        <p:cTn id="14" dur="1" fill="hold">
+                                          <p:stCondLst>
+                                            <p:cond delay="0"/>
+                                          </p:stCondLst>
+                                        </p:cTn>
+                                        <p:tgtEl>
+                                          <p:spTgt spid="5">
+                                            <p:txEl>
+                                              <p:pRg st="2" end="2"/>
+                                            </p:txEl>
+                                          </p:spTgt>
+                                        </p:tgtEl>
+                                        <p:attrNameLst>
+                                          <p:attrName>style.visibility</p:attrName>
+                                        </p:attrNameLst>
+                                      </p:cBhvr>
+                                      <p:to>
+                                        <p:strVal val="visible"/>
+                                      </p:to>
+                                    </p:set>
+                                  </p:childTnLst>
+                                </p:cTn>
+                              </p:par>
+                            </p:childTnLst>
+                          </p:cTn>
+                        </p:par>
+                      </p:childTnLst>
+                    </p:cTn>
+                  </p:par>
+                  <p:par>
+                    <p:cTn id="15" fill="hold">
+                      <p:stCondLst>
+                        <p:cond delay="indefinite"/>
+                      </p:stCondLst>
+                      <p:childTnLst>
+                        <p:par>
+                          <p:cTn id="16" fill="hold">
+                            <p:stCondLst>
+                              <p:cond delay="0"/>
+                            </p:stCondLst>
+                            <p:childTnLst>
+                              <p:par>
+                                <p:cTn id="17" presetID="1" presetClass="entr" presetSubtype="0" fill="hold" grpId="0" nodeType="clickEffect">
+                                  <p:stCondLst>
+                                    <p:cond delay="0"/>
+                                  </p:stCondLst>
+                                  <p:childTnLst>
+                                    <p:set>
+                                      <p:cBhvr>
+                                        <p:cTn id="18" dur="1" fill="hold">
+                                          <p:stCondLst>
+                                            <p:cond delay="0"/>
+                                          </p:stCondLst>
+                                        </p:cTn>
+                                        <p:tgtEl>
+                                          <p:spTgt spid="5">
+                                            <p:txEl>
+                                              <p:pRg st="3" end="3"/>
+                                            </p:txEl>
+                                          </p:spTgt>
+                                        </p:tgtEl>
+                                        <p:attrNameLst>
+                                          <p:attrName>style.visibility</p:attrName>
+                                        </p:attrNameLst>
+                                      </p:cBhvr>
+                                      <p:to>
+                                        <p:strVal val="visible"/>
+                                      </p:to>
+                                    </p:set>
+                                  </p:childTnLst>
+                                </p:cTn>
+                              </p:par>
+                            </p:childTnLst>
+                          </p:cTn>
+                        </p:par>
+                      </p:childTnLst>
+                    </p:cTn>
+                  </p:par>
+                  <p:par>
+                    <p:cTn id="19" fill="hold">
+                      <p:stCondLst>
+                        <p:cond delay="indefinite"/>
+                      </p:stCondLst>
+                      <p:childTnLst>
+                        <p:par>
+                          <p:cTn id="20" fill="hold">
+                            <p:stCondLst>
+                              <p:cond delay="0"/>
+                            </p:stCondLst>
+                            <p:childTnLst>
+                              <p:par>
+                                <p:cTn id="21" presetID="1" presetClass="entr" presetSubtype="0" fill="hold" grpId="0" nodeType="clickEffect">
+                                  <p:stCondLst>
+                                    <p:cond delay="0"/>
+                                  </p:stCondLst>
+                                  <p:childTnLst>
+                                    <p:set>
+                                      <p:cBhvr>
+                                        <p:cTn id="22" dur="1" fill="hold">
+                                          <p:stCondLst>
+                                            <p:cond delay="0"/>
+                                          </p:stCondLst>
+                                        </p:cTn>
+                                        <p:tgtEl>
+                                          <p:spTgt spid="5">
+                                            <p:txEl>
+                                              <p:pRg st="4" end="4"/>
+                                            </p:txEl>
+                                          </p:spTgt>
+                                        </p:tgtEl>
+                                        <p:attrNameLst>
+                                          <p:attrName>style.visibility</p:attrName>
+                                        </p:attrNameLst>
+                                      </p:cBhvr>
+                                      <p:to>
+                                        <p:strVal val="visible"/>
+                                      </p:to>
+                                    </p:set>
+                                  </p:childTnLst>
+                                </p:cTn>
+                              </p:par>
+                            </p:childTnLst>
+                          </p:cTn>
+                        </p:par>
+                      </p:childTnLst>
+                    </p:cTn>
+                  </p:par>
+                  <p:par>
+                    <p:cTn id="23" fill="hold">
+                      <p:stCondLst>
+                        <p:cond delay="indefinite"/>
+                      </p:stCondLst>
+                      <p:childTnLst>
+                        <p:par>
+                          <p:cTn id="24" fill="hold">
+                            <p:stCondLst>
+                              <p:cond delay="0"/>
+                            </p:stCondLst>
+                            <p:childTnLst>
+                              <p:par>
+                                <p:cTn id="25" presetID="1" presetClass="entr" presetSubtype="0" fill="hold" grpId="0" nodeType="clickEffect">
+                                  <p:stCondLst>
+                                    <p:cond delay="0"/>
+                                  </p:stCondLst>
+                                  <p:childTnLst>
+                                    <p:set>
+                                      <p:cBhvr>
+                                        <p:cTn id="26" dur="1" fill="hold">
+                                          <p:stCondLst>
+                                            <p:cond delay="0"/>
+                                          </p:stCondLst>
+                                        </p:cTn>
+                                        <p:tgtEl>
+                                          <p:spTgt spid="5">
+                                            <p:txEl>
+                                              <p:pRg st="5" end="5"/>
+                                            </p:txEl>
+                                          </p:spTgt>
+                                        </p:tgtEl>
+                                        <p:attrNameLst>
+                                          <p:attrName>style.visibility</p:attrName>
+                                        </p:attrNameLst>
+                                      </p:cBhvr>
+                                      <p:to>
+                                        <p:strVal val="visible"/>
+                                      </p:to>
+                                    </p:set>
+                                  </p:childTnLst>
+                                </p:cTn>
+                              </p:par>
+                            </p:childTnLst>
+                          </p:cTn>
+                        </p:par>
+                      </p:childTnLst>
+                    </p:cTn>
+                  </p:par>
+                  <p:par>
+                    <p:cTn id="27" fill="hold">
+                      <p:stCondLst>
+                        <p:cond delay="indefinite"/>
+                      </p:stCondLst>
+                      <p:childTnLst>
+                        <p:par>
+                          <p:cTn id="28" fill="hold">
+                            <p:stCondLst>
+                              <p:cond delay="0"/>
+                            </p:stCondLst>
+                            <p:childTnLst>
+                              <p:par>
+                                <p:cTn id="29" presetID="42" presetClass="entr" presetSubtype="0" fill="hold" nodeType="clickEffect">
+                                  <p:stCondLst>
+                                    <p:cond delay="0"/>
+                                  </p:stCondLst>
+                                  <p:childTnLst>
+                                    <p:set>
+                                      <p:cBhvr>
+                                        <p:cTn id="30" dur="1" fill="hold">
+                                          <p:stCondLst>
+                                            <p:cond delay="0"/>
+                                          </p:stCondLst>
+                                        </p:cTn>
+                                        <p:tgtEl>
+                                          <p:spTgt spid="8">
+                                            <p:txEl>
+                                              <p:pRg st="0" end="0"/>
+                                            </p:txEl>
+                                          </p:spTgt>
                                         </p:tgtEl>
                                         <p:attrNameLst>
                                           <p:attrName>style.visibility</p:attrName>
@@ -9154,17 +8624,25 @@
                                     </p:set>
                                     <p:animEffect transition="in" filter="fade">
                                       <p:cBhvr>
-                                        <p:cTn id="7" dur="1000"/>
-                                        <p:tgtEl>
-                                          <p:spTgt spid="2"/>
+                                        <p:cTn id="31" dur="1000"/>
+                                        <p:tgtEl>
+                                          <p:spTgt spid="8">
+                                            <p:txEl>
+                                              <p:pRg st="0" end="0"/>
+                                            </p:txEl>
+                                          </p:spTgt>
                                         </p:tgtEl>
                                       </p:cBhvr>
                                     </p:animEffect>
                                     <p:anim calcmode="lin" valueType="num">
                                       <p:cBhvr>
-                                        <p:cTn id="8" dur="1000" fill="hold"/>
-                                        <p:tgtEl>
-                                          <p:spTgt spid="2"/>
+                                        <p:cTn id="32" dur="1000" fill="hold"/>
+                                        <p:tgtEl>
+                                          <p:spTgt spid="8">
+                                            <p:txEl>
+                                              <p:pRg st="0" end="0"/>
+                                            </p:txEl>
+                                          </p:spTgt>
                                         </p:tgtEl>
                                         <p:attrNameLst>
                                           <p:attrName>ppt_x</p:attrName>
@@ -9185,9 +8663,13 @@
                                     </p:anim>
                                     <p:anim calcmode="lin" valueType="num">
                                       <p:cBhvr>
-                                        <p:cTn id="9" dur="1000" fill="hold"/>
-                                        <p:tgtEl>
-                                          <p:spTgt spid="2"/>
+                                        <p:cTn id="33" dur="1000" fill="hold"/>
+                                        <p:tgtEl>
+                                          <p:spTgt spid="8">
+                                            <p:txEl>
+                                              <p:pRg st="0" end="0"/>
+                                            </p:txEl>
+                                          </p:spTgt>
                                         </p:tgtEl>
                                         <p:attrNameLst>
                                           <p:attrName>ppt_y</p:attrName>
@@ -9216,32 +8698,36 @@
                     </p:cTn>
                   </p:par>
                   <p:par>
-                    <p:cTn id="10" fill="hold">
+                    <p:cTn id="34" fill="hold">
                       <p:stCondLst>
                         <p:cond delay="indefinite"/>
                       </p:stCondLst>
                       <p:childTnLst>
                         <p:par>
-                          <p:cTn id="11" fill="hold">
+                          <p:cTn id="35" fill="hold">
                             <p:stCondLst>
                               <p:cond delay="0"/>
                             </p:stCondLst>
                             <p:childTnLst>
                               <p:par>
-                                <p:cTn id="12" presetID="2" presetClass="entr" presetSubtype="4" fill="hold" grpId="0" nodeType="clickEffect">
+                                <p:cTn id="36" presetID="42" presetClass="entr" presetSubtype="0" fill="hold" nodeType="clickEffect">
                                   <p:stCondLst>
                                     <p:cond delay="0"/>
                                   </p:stCondLst>
                                   <p:childTnLst>
                                     <p:set>
                                       <p:cBhvr>
-                                        <p:cTn id="13" dur="1" fill="hold">
+                                        <p:cTn id="37" dur="1" fill="hold">
                                           <p:stCondLst>
                                             <p:cond delay="0"/>
                                           </p:stCondLst>
                                         </p:cTn>
                                         <p:tgtEl>
-                                          <p:spTgt spid="3"/>
+                                          <p:spTgt spid="8">
+                                            <p:txEl>
+                                              <p:pRg st="1" end="1"/>
+                                            </p:txEl>
+                                          </p:spTgt>
                                         </p:tgtEl>
                                         <p:attrNameLst>
                                           <p:attrName>style.visibility</p:attrName>
@@ -9251,11 +8737,27 @@
                                         <p:strVal val="visible"/>
                                       </p:to>
                                     </p:set>
+                                    <p:animEffect transition="in" filter="fade">
+                                      <p:cBhvr>
+                                        <p:cTn id="38" dur="1000"/>
+                                        <p:tgtEl>
+                                          <p:spTgt spid="8">
+                                            <p:txEl>
+                                              <p:pRg st="1" end="1"/>
+                                            </p:txEl>
+                                          </p:spTgt>
+                                        </p:tgtEl>
+                                      </p:cBhvr>
+                                    </p:animEffect>
                                     <p:anim calcmode="lin" valueType="num">
-                                      <p:cBhvr additive="base">
-                                        <p:cTn id="14" dur="500" fill="hold"/>
-                                        <p:tgtEl>
-                                          <p:spTgt spid="3"/>
+                                      <p:cBhvr>
+                                        <p:cTn id="39" dur="1000" fill="hold"/>
+                                        <p:tgtEl>
+                                          <p:spTgt spid="8">
+                                            <p:txEl>
+                                              <p:pRg st="1" end="1"/>
+                                            </p:txEl>
+                                          </p:spTgt>
                                         </p:tgtEl>
                                         <p:attrNameLst>
                                           <p:attrName>ppt_x</p:attrName>
@@ -9275,10 +8777,14 @@
                                       </p:tavLst>
                                     </p:anim>
                                     <p:anim calcmode="lin" valueType="num">
-                                      <p:cBhvr additive="base">
-                                        <p:cTn id="15" dur="500" fill="hold"/>
-                                        <p:tgtEl>
-                                          <p:spTgt spid="3"/>
+                                      <p:cBhvr>
+                                        <p:cTn id="40" dur="1000" fill="hold"/>
+                                        <p:tgtEl>
+                                          <p:spTgt spid="8">
+                                            <p:txEl>
+                                              <p:pRg st="1" end="1"/>
+                                            </p:txEl>
+                                          </p:spTgt>
                                         </p:tgtEl>
                                         <p:attrNameLst>
                                           <p:attrName>ppt_y</p:attrName>
@@ -9287,7 +8793,7 @@
                                       <p:tavLst>
                                         <p:tav tm="0">
                                           <p:val>
-                                            <p:strVal val="1+#ppt_h/2"/>
+                                            <p:strVal val="#ppt_y+.1"/>
                                           </p:val>
                                         </p:tav>
                                         <p:tav tm="100000">
@@ -9297,311 +8803,6 @@
                                         </p:tav>
                                       </p:tavLst>
                                     </p:anim>
-                                  </p:childTnLst>
-                                </p:cTn>
-                              </p:par>
-                            </p:childTnLst>
-                          </p:cTn>
-                        </p:par>
-                      </p:childTnLst>
-                    </p:cTn>
-                  </p:par>
-                  <p:par>
-                    <p:cTn id="16" fill="hold">
-                      <p:stCondLst>
-                        <p:cond delay="indefinite"/>
-                      </p:stCondLst>
-                      <p:childTnLst>
-                        <p:par>
-                          <p:cTn id="17" fill="hold">
-                            <p:stCondLst>
-                              <p:cond delay="0"/>
-                            </p:stCondLst>
-                            <p:childTnLst>
-                              <p:par>
-                                <p:cTn id="18" presetID="10" presetClass="entr" presetSubtype="0" fill="hold" grpId="0" nodeType="clickEffect">
-                                  <p:stCondLst>
-                                    <p:cond delay="0"/>
-                                  </p:stCondLst>
-                                  <p:childTnLst>
-                                    <p:set>
-                                      <p:cBhvr>
-                                        <p:cTn id="19" dur="1" fill="hold">
-                                          <p:stCondLst>
-                                            <p:cond delay="0"/>
-                                          </p:stCondLst>
-                                        </p:cTn>
-                                        <p:tgtEl>
-                                          <p:spTgt spid="5">
-                                            <p:txEl>
-                                              <p:pRg st="0" end="0"/>
-                                            </p:txEl>
-                                          </p:spTgt>
-                                        </p:tgtEl>
-                                        <p:attrNameLst>
-                                          <p:attrName>style.visibility</p:attrName>
-                                        </p:attrNameLst>
-                                      </p:cBhvr>
-                                      <p:to>
-                                        <p:strVal val="visible"/>
-                                      </p:to>
-                                    </p:set>
-                                    <p:animEffect transition="in" filter="fade">
-                                      <p:cBhvr>
-                                        <p:cTn id="20" dur="500"/>
-                                        <p:tgtEl>
-                                          <p:spTgt spid="5">
-                                            <p:txEl>
-                                              <p:pRg st="0" end="0"/>
-                                            </p:txEl>
-                                          </p:spTgt>
-                                        </p:tgtEl>
-                                      </p:cBhvr>
-                                    </p:animEffect>
-                                  </p:childTnLst>
-                                </p:cTn>
-                              </p:par>
-                            </p:childTnLst>
-                          </p:cTn>
-                        </p:par>
-                      </p:childTnLst>
-                    </p:cTn>
-                  </p:par>
-                  <p:par>
-                    <p:cTn id="21" fill="hold">
-                      <p:stCondLst>
-                        <p:cond delay="indefinite"/>
-                      </p:stCondLst>
-                      <p:childTnLst>
-                        <p:par>
-                          <p:cTn id="22" fill="hold">
-                            <p:stCondLst>
-                              <p:cond delay="0"/>
-                            </p:stCondLst>
-                            <p:childTnLst>
-                              <p:par>
-                                <p:cTn id="23" presetID="10" presetClass="entr" presetSubtype="0" fill="hold" grpId="0" nodeType="clickEffect">
-                                  <p:stCondLst>
-                                    <p:cond delay="0"/>
-                                  </p:stCondLst>
-                                  <p:childTnLst>
-                                    <p:set>
-                                      <p:cBhvr>
-                                        <p:cTn id="24" dur="1" fill="hold">
-                                          <p:stCondLst>
-                                            <p:cond delay="0"/>
-                                          </p:stCondLst>
-                                        </p:cTn>
-                                        <p:tgtEl>
-                                          <p:spTgt spid="5">
-                                            <p:txEl>
-                                              <p:pRg st="2" end="2"/>
-                                            </p:txEl>
-                                          </p:spTgt>
-                                        </p:tgtEl>
-                                        <p:attrNameLst>
-                                          <p:attrName>style.visibility</p:attrName>
-                                        </p:attrNameLst>
-                                      </p:cBhvr>
-                                      <p:to>
-                                        <p:strVal val="visible"/>
-                                      </p:to>
-                                    </p:set>
-                                    <p:animEffect transition="in" filter="fade">
-                                      <p:cBhvr>
-                                        <p:cTn id="25" dur="500"/>
-                                        <p:tgtEl>
-                                          <p:spTgt spid="5">
-                                            <p:txEl>
-                                              <p:pRg st="2" end="2"/>
-                                            </p:txEl>
-                                          </p:spTgt>
-                                        </p:tgtEl>
-                                      </p:cBhvr>
-                                    </p:animEffect>
-                                  </p:childTnLst>
-                                </p:cTn>
-                              </p:par>
-                            </p:childTnLst>
-                          </p:cTn>
-                        </p:par>
-                      </p:childTnLst>
-                    </p:cTn>
-                  </p:par>
-                  <p:par>
-                    <p:cTn id="26" fill="hold">
-                      <p:stCondLst>
-                        <p:cond delay="indefinite"/>
-                      </p:stCondLst>
-                      <p:childTnLst>
-                        <p:par>
-                          <p:cTn id="27" fill="hold">
-                            <p:stCondLst>
-                              <p:cond delay="0"/>
-                            </p:stCondLst>
-                            <p:childTnLst>
-                              <p:par>
-                                <p:cTn id="28" presetID="10" presetClass="entr" presetSubtype="0" fill="hold" grpId="0" nodeType="clickEffect">
-                                  <p:stCondLst>
-                                    <p:cond delay="0"/>
-                                  </p:stCondLst>
-                                  <p:childTnLst>
-                                    <p:set>
-                                      <p:cBhvr>
-                                        <p:cTn id="29" dur="1" fill="hold">
-                                          <p:stCondLst>
-                                            <p:cond delay="0"/>
-                                          </p:stCondLst>
-                                        </p:cTn>
-                                        <p:tgtEl>
-                                          <p:spTgt spid="5">
-                                            <p:txEl>
-                                              <p:pRg st="3" end="3"/>
-                                            </p:txEl>
-                                          </p:spTgt>
-                                        </p:tgtEl>
-                                        <p:attrNameLst>
-                                          <p:attrName>style.visibility</p:attrName>
-                                        </p:attrNameLst>
-                                      </p:cBhvr>
-                                      <p:to>
-                                        <p:strVal val="visible"/>
-                                      </p:to>
-                                    </p:set>
-                                    <p:animEffect transition="in" filter="fade">
-                                      <p:cBhvr>
-                                        <p:cTn id="30" dur="500"/>
-                                        <p:tgtEl>
-                                          <p:spTgt spid="5">
-                                            <p:txEl>
-                                              <p:pRg st="3" end="3"/>
-                                            </p:txEl>
-                                          </p:spTgt>
-                                        </p:tgtEl>
-                                      </p:cBhvr>
-                                    </p:animEffect>
-                                  </p:childTnLst>
-                                </p:cTn>
-                              </p:par>
-                            </p:childTnLst>
-                          </p:cTn>
-                        </p:par>
-                      </p:childTnLst>
-                    </p:cTn>
-                  </p:par>
-                  <p:par>
-                    <p:cTn id="31" fill="hold">
-                      <p:stCondLst>
-                        <p:cond delay="indefinite"/>
-                      </p:stCondLst>
-                      <p:childTnLst>
-                        <p:par>
-                          <p:cTn id="32" fill="hold">
-                            <p:stCondLst>
-                              <p:cond delay="0"/>
-                            </p:stCondLst>
-                            <p:childTnLst>
-                              <p:par>
-                                <p:cTn id="33" presetID="10" presetClass="entr" presetSubtype="0" fill="hold" grpId="0" nodeType="clickEffect">
-                                  <p:stCondLst>
-                                    <p:cond delay="0"/>
-                                  </p:stCondLst>
-                                  <p:childTnLst>
-                                    <p:set>
-                                      <p:cBhvr>
-                                        <p:cTn id="34" dur="1" fill="hold">
-                                          <p:stCondLst>
-                                            <p:cond delay="0"/>
-                                          </p:stCondLst>
-                                        </p:cTn>
-                                        <p:tgtEl>
-                                          <p:spTgt spid="5">
-                                            <p:txEl>
-                                              <p:pRg st="4" end="4"/>
-                                            </p:txEl>
-                                          </p:spTgt>
-                                        </p:tgtEl>
-                                        <p:attrNameLst>
-                                          <p:attrName>style.visibility</p:attrName>
-                                        </p:attrNameLst>
-                                      </p:cBhvr>
-                                      <p:to>
-                                        <p:strVal val="visible"/>
-                                      </p:to>
-                                    </p:set>
-                                    <p:animEffect transition="in" filter="fade">
-                                      <p:cBhvr>
-                                        <p:cTn id="35" dur="500"/>
-                                        <p:tgtEl>
-                                          <p:spTgt spid="5">
-                                            <p:txEl>
-                                              <p:pRg st="4" end="4"/>
-                                            </p:txEl>
-                                          </p:spTgt>
-                                        </p:tgtEl>
-                                      </p:cBhvr>
-                                    </p:animEffect>
-                                  </p:childTnLst>
-                                </p:cTn>
-                              </p:par>
-                            </p:childTnLst>
-                          </p:cTn>
-                        </p:par>
-                      </p:childTnLst>
-                    </p:cTn>
-                  </p:par>
-                  <p:par>
-                    <p:cTn id="36" fill="hold">
-                      <p:stCondLst>
-                        <p:cond delay="indefinite"/>
-                      </p:stCondLst>
-                      <p:childTnLst>
-                        <p:par>
-                          <p:cTn id="37" fill="hold">
-                            <p:stCondLst>
-                              <p:cond delay="0"/>
-                            </p:stCondLst>
-                            <p:childTnLst>
-                              <p:par>
-                                <p:cTn id="38" presetID="16" presetClass="entr" presetSubtype="21" fill="hold" grpId="0" nodeType="clickEffect">
-                                  <p:stCondLst>
-                                    <p:cond delay="0"/>
-                                  </p:stCondLst>
-                                  <p:childTnLst>
-                                    <p:set>
-                                      <p:cBhvr>
-                                        <p:cTn id="39" dur="1" fill="hold">
-                                          <p:stCondLst>
-                                            <p:cond delay="0"/>
-                                          </p:stCondLst>
-                                        </p:cTn>
-                                        <p:tgtEl>
-                                          <p:spTgt spid="7">
-                                            <p:txEl>
-                                              <p:pRg st="0" end="0"/>
-                                            </p:txEl>
-                                          </p:spTgt>
-                                        </p:tgtEl>
-                                        <p:attrNameLst>
-                                          <p:attrName>style.visibility</p:attrName>
-                                        </p:attrNameLst>
-                                      </p:cBhvr>
-                                      <p:to>
-                                        <p:strVal val="visible"/>
-                                      </p:to>
-                                    </p:set>
-                                    <p:animEffect transition="in" filter="barn(inVertical)">
-                                      <p:cBhvr>
-                                        <p:cTn id="40" dur="500"/>
-                                        <p:tgtEl>
-                                          <p:spTgt spid="7">
-                                            <p:txEl>
-                                              <p:pRg st="0" end="0"/>
-                                            </p:txEl>
-                                          </p:spTgt>
-                                        </p:tgtEl>
-                                      </p:cBhvr>
-                                    </p:animEffect>
                                   </p:childTnLst>
                                 </p:cTn>
                               </p:par>
@@ -9624,7 +8825,7 @@
                             </p:stCondLst>
                             <p:childTnLst>
                               <p:par>
-                                <p:cTn id="43" presetID="16" presetClass="entr" presetSubtype="21" fill="hold" grpId="0" nodeType="clickEffect">
+                                <p:cTn id="43" presetID="42" presetClass="entr" presetSubtype="0" fill="hold" nodeType="clickEffect">
                                   <p:stCondLst>
                                     <p:cond delay="0"/>
                                   </p:stCondLst>
@@ -9637,7 +8838,7 @@
                                           </p:stCondLst>
                                         </p:cTn>
                                         <p:tgtEl>
-                                          <p:spTgt spid="7">
+                                          <p:spTgt spid="8">
                                             <p:txEl>
                                               <p:pRg st="2" end="2"/>
                                             </p:txEl>
@@ -9651,11 +8852,11 @@
                                         <p:strVal val="visible"/>
                                       </p:to>
                                     </p:set>
-                                    <p:animEffect transition="in" filter="barn(inVertical)">
-                                      <p:cBhvr>
-                                        <p:cTn id="45" dur="500"/>
-                                        <p:tgtEl>
-                                          <p:spTgt spid="7">
+                                    <p:animEffect transition="in" filter="fade">
+                                      <p:cBhvr>
+                                        <p:cTn id="45" dur="1000"/>
+                                        <p:tgtEl>
+                                          <p:spTgt spid="8">
                                             <p:txEl>
                                               <p:pRg st="2" end="2"/>
                                             </p:txEl>
@@ -9663,6 +8864,60 @@
                                         </p:tgtEl>
                                       </p:cBhvr>
                                     </p:animEffect>
+                                    <p:anim calcmode="lin" valueType="num">
+                                      <p:cBhvr>
+                                        <p:cTn id="46" dur="1000" fill="hold"/>
+                                        <p:tgtEl>
+                                          <p:spTgt spid="8">
+                                            <p:txEl>
+                                              <p:pRg st="2" end="2"/>
+                                            </p:txEl>
+                                          </p:spTgt>
+                                        </p:tgtEl>
+                                        <p:attrNameLst>
+                                          <p:attrName>ppt_x</p:attrName>
+                                        </p:attrNameLst>
+                                      </p:cBhvr>
+                                      <p:tavLst>
+                                        <p:tav tm="0">
+                                          <p:val>
+                                            <p:strVal val="#ppt_x"/>
+                                          </p:val>
+                                        </p:tav>
+                                        <p:tav tm="100000">
+                                          <p:val>
+                                            <p:strVal val="#ppt_x"/>
+                                          </p:val>
+                                        </p:tav>
+                                      </p:tavLst>
+                                    </p:anim>
+                                    <p:anim calcmode="lin" valueType="num">
+                                      <p:cBhvr>
+                                        <p:cTn id="47" dur="1000" fill="hold"/>
+                                        <p:tgtEl>
+                                          <p:spTgt spid="8">
+                                            <p:txEl>
+                                              <p:pRg st="2" end="2"/>
+                                            </p:txEl>
+                                          </p:spTgt>
+                                        </p:tgtEl>
+                                        <p:attrNameLst>
+                                          <p:attrName>ppt_y</p:attrName>
+                                        </p:attrNameLst>
+                                      </p:cBhvr>
+                                      <p:tavLst>
+                                        <p:tav tm="0">
+                                          <p:val>
+                                            <p:strVal val="#ppt_y+.1"/>
+                                          </p:val>
+                                        </p:tav>
+                                        <p:tav tm="100000">
+                                          <p:val>
+                                            <p:strVal val="#ppt_y"/>
+                                          </p:val>
+                                        </p:tav>
+                                      </p:tavLst>
+                                    </p:anim>
                                   </p:childTnLst>
                                 </p:cTn>
                               </p:par>
@@ -9673,32 +8928,32 @@
                     </p:cTn>
                   </p:par>
                   <p:par>
-                    <p:cTn id="46" fill="hold">
+                    <p:cTn id="48" fill="hold">
                       <p:stCondLst>
                         <p:cond delay="indefinite"/>
                       </p:stCondLst>
                       <p:childTnLst>
                         <p:par>
-                          <p:cTn id="47" fill="hold">
+                          <p:cTn id="49" fill="hold">
                             <p:stCondLst>
                               <p:cond delay="0"/>
                             </p:stCondLst>
                             <p:childTnLst>
                               <p:par>
-                                <p:cTn id="48" presetID="16" presetClass="entr" presetSubtype="21" fill="hold" grpId="0" nodeType="clickEffect">
+                                <p:cTn id="50" presetID="42" presetClass="entr" presetSubtype="0" fill="hold" nodeType="clickEffect">
                                   <p:stCondLst>
                                     <p:cond delay="0"/>
                                   </p:stCondLst>
                                   <p:childTnLst>
                                     <p:set>
                                       <p:cBhvr>
-                                        <p:cTn id="49" dur="1" fill="hold">
+                                        <p:cTn id="51" dur="1" fill="hold">
                                           <p:stCondLst>
                                             <p:cond delay="0"/>
                                           </p:stCondLst>
                                         </p:cTn>
                                         <p:tgtEl>
-                                          <p:spTgt spid="7">
+                                          <p:spTgt spid="8">
                                             <p:txEl>
                                               <p:pRg st="3" end="3"/>
                                             </p:txEl>
@@ -9712,11 +8967,11 @@
                                         <p:strVal val="visible"/>
                                       </p:to>
                                     </p:set>
-                                    <p:animEffect transition="in" filter="barn(inVertical)">
-                                      <p:cBhvr>
-                                        <p:cTn id="50" dur="500"/>
-                                        <p:tgtEl>
-                                          <p:spTgt spid="7">
+                                    <p:animEffect transition="in" filter="fade">
+                                      <p:cBhvr>
+                                        <p:cTn id="52" dur="1000"/>
+                                        <p:tgtEl>
+                                          <p:spTgt spid="8">
                                             <p:txEl>
                                               <p:pRg st="3" end="3"/>
                                             </p:txEl>
@@ -9724,6 +8979,60 @@
                                         </p:tgtEl>
                                       </p:cBhvr>
                                     </p:animEffect>
+                                    <p:anim calcmode="lin" valueType="num">
+                                      <p:cBhvr>
+                                        <p:cTn id="53" dur="1000" fill="hold"/>
+                                        <p:tgtEl>
+                                          <p:spTgt spid="8">
+                                            <p:txEl>
+                                              <p:pRg st="3" end="3"/>
+                                            </p:txEl>
+                                          </p:spTgt>
+                                        </p:tgtEl>
+                                        <p:attrNameLst>
+                                          <p:attrName>ppt_x</p:attrName>
+                                        </p:attrNameLst>
+                                      </p:cBhvr>
+                                      <p:tavLst>
+                                        <p:tav tm="0">
+                                          <p:val>
+                                            <p:strVal val="#ppt_x"/>
+                                          </p:val>
+                                        </p:tav>
+                                        <p:tav tm="100000">
+                                          <p:val>
+                                            <p:strVal val="#ppt_x"/>
+                                          </p:val>
+                                        </p:tav>
+                                      </p:tavLst>
+                                    </p:anim>
+                                    <p:anim calcmode="lin" valueType="num">
+                                      <p:cBhvr>
+                                        <p:cTn id="54" dur="1000" fill="hold"/>
+                                        <p:tgtEl>
+                                          <p:spTgt spid="8">
+                                            <p:txEl>
+                                              <p:pRg st="3" end="3"/>
+                                            </p:txEl>
+                                          </p:spTgt>
+                                        </p:tgtEl>
+                                        <p:attrNameLst>
+                                          <p:attrName>ppt_y</p:attrName>
+                                        </p:attrNameLst>
+                                      </p:cBhvr>
+                                      <p:tavLst>
+                                        <p:tav tm="0">
+                                          <p:val>
+                                            <p:strVal val="#ppt_y+.1"/>
+                                          </p:val>
+                                        </p:tav>
+                                        <p:tav tm="100000">
+                                          <p:val>
+                                            <p:strVal val="#ppt_y"/>
+                                          </p:val>
+                                        </p:tav>
+                                      </p:tavLst>
+                                    </p:anim>
                                   </p:childTnLst>
                                 </p:cTn>
                               </p:par>
@@ -9734,32 +9043,32 @@
                     </p:cTn>
                   </p:par>
                   <p:par>
-                    <p:cTn id="51" fill="hold">
+                    <p:cTn id="55" fill="hold">
                       <p:stCondLst>
                         <p:cond delay="indefinite"/>
                       </p:stCondLst>
                       <p:childTnLst>
                         <p:par>
-                          <p:cTn id="52" fill="hold">
+                          <p:cTn id="56" fill="hold">
                             <p:stCondLst>
                               <p:cond delay="0"/>
                             </p:stCondLst>
                             <p:childTnLst>
                               <p:par>
-                                <p:cTn id="53" presetID="16" presetClass="entr" presetSubtype="21" fill="hold" grpId="0" nodeType="clickEffect">
+                                <p:cTn id="57" presetID="42" presetClass="entr" presetSubtype="0" fill="hold" nodeType="clickEffect">
                                   <p:stCondLst>
                                     <p:cond delay="0"/>
                                   </p:stCondLst>
                                   <p:childTnLst>
                                     <p:set>
                                       <p:cBhvr>
-                                        <p:cTn id="54" dur="1" fill="hold">
+                                        <p:cTn id="58" dur="1" fill="hold">
                                           <p:stCondLst>
                                             <p:cond delay="0"/>
                                           </p:stCondLst>
                                         </p:cTn>
                                         <p:tgtEl>
-                                          <p:spTgt spid="7">
+                                          <p:spTgt spid="8">
                                             <p:txEl>
                                               <p:pRg st="4" end="4"/>
                                             </p:txEl>
@@ -9773,11 +9082,11 @@
                                         <p:strVal val="visible"/>
                                       </p:to>
                                     </p:set>
-                                    <p:animEffect transition="in" filter="barn(inVertical)">
-                                      <p:cBhvr>
-                                        <p:cTn id="55" dur="500"/>
-                                        <p:tgtEl>
-                                          <p:spTgt spid="7">
+                                    <p:animEffect transition="in" filter="fade">
+                                      <p:cBhvr>
+                                        <p:cTn id="59" dur="1000"/>
+                                        <p:tgtEl>
+                                          <p:spTgt spid="8">
                                             <p:txEl>
                                               <p:pRg st="4" end="4"/>
                                             </p:txEl>
@@ -9785,128 +9094,60 @@
                                         </p:tgtEl>
                                       </p:cBhvr>
                                     </p:animEffect>
-                                  </p:childTnLst>
-                                </p:cTn>
-                              </p:par>
-                            </p:childTnLst>
-                          </p:cTn>
-                        </p:par>
-                      </p:childTnLst>
-                    </p:cTn>
-                  </p:par>
-                  <p:par>
-                    <p:cTn id="56" fill="hold">
-                      <p:stCondLst>
-                        <p:cond delay="indefinite"/>
-                      </p:stCondLst>
-                      <p:childTnLst>
-                        <p:par>
-                          <p:cTn id="57" fill="hold">
-                            <p:stCondLst>
-                              <p:cond delay="0"/>
-                            </p:stCondLst>
-                            <p:childTnLst>
-                              <p:par>
-                                <p:cTn id="58" presetID="16" presetClass="entr" presetSubtype="21" fill="hold" grpId="0" nodeType="clickEffect">
-                                  <p:stCondLst>
-                                    <p:cond delay="0"/>
-                                  </p:stCondLst>
-                                  <p:childTnLst>
-                                    <p:set>
-                                      <p:cBhvr>
-                                        <p:cTn id="59" dur="1" fill="hold">
-                                          <p:stCondLst>
-                                            <p:cond delay="0"/>
-                                          </p:stCondLst>
-                                        </p:cTn>
-                                        <p:tgtEl>
-                                          <p:spTgt spid="7">
+                                    <p:anim calcmode="lin" valueType="num">
+                                      <p:cBhvr>
+                                        <p:cTn id="60" dur="1000" fill="hold"/>
+                                        <p:tgtEl>
+                                          <p:spTgt spid="8">
                                             <p:txEl>
-                                              <p:pRg st="5" end="5"/>
+                                              <p:pRg st="4" end="4"/>
                                             </p:txEl>
                                           </p:spTgt>
                                         </p:tgtEl>
                                         <p:attrNameLst>
-                                          <p:attrName>style.visibility</p:attrName>
+                                          <p:attrName>ppt_x</p:attrName>
                                         </p:attrNameLst>
                                       </p:cBhvr>
-                                      <p:to>
-                                        <p:strVal val="visible"/>
-                                      </p:to>
-                                    </p:set>
-                                    <p:animEffect transition="in" filter="barn(inVertical)">
-                                      <p:cBhvr>
-                                        <p:cTn id="60" dur="500"/>
-                                        <p:tgtEl>
-                                          <p:spTgt spid="7">
+                                      <p:tavLst>
+                                        <p:tav tm="0">
+                                          <p:val>
+                                            <p:strVal val="#ppt_x"/>
+                                          </p:val>
+                                        </p:tav>
+                                        <p:tav tm="100000">
+                                          <p:val>
+                                            <p:strVal val="#ppt_x"/>
+                                          </p:val>
+                                        </p:tav>
+                                      </p:tavLst>
+                                    </p:anim>
+                                    <p:anim calcmode="lin" valueType="num">
+                                      <p:cBhvr>
+                                        <p:cTn id="61" dur="1000" fill="hold"/>
+                                        <p:tgtEl>
+                                          <p:spTgt spid="8">
                                             <p:txEl>
-                                              <p:pRg st="5" end="5"/>
+                                              <p:pRg st="4" end="4"/>
                                             </p:txEl>
                                           </p:spTgt>
                                         </p:tgtEl>
-                                      </p:cBhvr>
-                                    </p:animEffect>
-                                  </p:childTnLst>
-                                </p:cTn>
-                              </p:par>
-                            </p:childTnLst>
-                          </p:cTn>
-                        </p:par>
-                      </p:childTnLst>
-                    </p:cTn>
-                  </p:par>
-                  <p:par>
-                    <p:cTn id="61" fill="hold">
-                      <p:stCondLst>
-                        <p:cond delay="indefinite"/>
-                      </p:stCondLst>
-                      <p:childTnLst>
-                        <p:par>
-                          <p:cTn id="62" fill="hold">
-                            <p:stCondLst>
-                              <p:cond delay="0"/>
-                            </p:stCondLst>
-                            <p:childTnLst>
-                              <p:par>
-                                <p:cTn id="63" presetID="16" presetClass="entr" presetSubtype="21" fill="hold" grpId="0" nodeType="clickEffect">
-                                  <p:stCondLst>
-                                    <p:cond delay="0"/>
-                                  </p:stCondLst>
-                                  <p:childTnLst>
-                                    <p:set>
-                                      <p:cBhvr>
-                                        <p:cTn id="64" dur="1" fill="hold">
-                                          <p:stCondLst>
-                                            <p:cond delay="0"/>
-                                          </p:stCondLst>
-                                        </p:cTn>
-                                        <p:tgtEl>
-                                          <p:spTgt spid="7">
-                                            <p:txEl>
-                                              <p:pRg st="6" end="6"/>
-                                            </p:txEl>
-                                          </p:spTgt>
-                                        </p:tgtEl>
                                         <p:attrNameLst>
-                                          <p:attrName>style.visibility</p:attrName>
+                                          <p:attrName>ppt_y</p:attrName>
                                         </p:attrNameLst>
                                       </p:cBhvr>
-                                      <p:to>
-                                        <p:strVal val="visible"/>
-                                      </p:to>
-                                    </p:set>
-                                    <p:animEffect transition="in" filter="barn(inVertical)">
-                                      <p:cBhvr>
-                                        <p:cTn id="65" dur="500"/>
-                                        <p:tgtEl>
-                                          <p:spTgt spid="7">
-                                            <p:txEl>
-                                              <p:pRg st="6" end="6"/>
-                                            </p:txEl>
-                                          </p:spTgt>
-                                        </p:tgtEl>
-                                      </p:cBhvr>
-                                    </p:animEffect>
+                                      <p:tavLst>
+                                        <p:tav tm="0">
+                                          <p:val>
+                                            <p:strVal val="#ppt_y+.1"/>
+                                          </p:val>
+                                        </p:tav>
+                                        <p:tav tm="100000">
+                                          <p:val>
+                                            <p:strVal val="#ppt_y"/>
+                                          </p:val>
+                                        </p:tav>
+                                      </p:tavLst>
+                                    </p:anim>
                                   </p:childTnLst>
                                 </p:cTn>
                               </p:par>
@@ -9938,10 +9179,7 @@
       </p:par>
     </p:tnLst>
     <p:bldLst>
-      <p:bldP spid="2" grpId="0"/>
-      <p:bldP spid="3" grpId="0"/>
       <p:bldP spid="5" grpId="0" build="p"/>
-      <p:bldP spid="7" grpId="0" build="p"/>
     </p:bldLst>
   </p:timing>
 </p:sld>
@@ -10034,1172 +9272,6 @@
           <a:p>
             <a:r>
               <a:rPr lang="en-GB" dirty="0"/>
-              <a:t>Using VSCode</a:t>
-            </a:r>
-          </a:p>
-        </p:txBody>
-      </p:sp>
-      <p:sp>
-        <p:nvSpPr>
-          <p:cNvPr id="5" name="TextBox 4"/>
-          <p:cNvSpPr txBox="1"/>
-          <p:nvPr/>
-        </p:nvSpPr>
-        <p:spPr>
-          <a:xfrm>
-            <a:off x="861645" y="2083777"/>
-            <a:ext cx="4985239" cy="2400657"/>
-          </a:xfrm>
-          <a:prstGeom prst="rect">
-            <a:avLst/>
-          </a:prstGeom>
-          <a:noFill/>
-        </p:spPr>
-        <p:txBody>
-          <a:bodyPr wrap="square" rtlCol="0">
-            <a:spAutoFit/>
-          </a:bodyPr>
-          <a:lstStyle/>
-          <a:p>
-            <a:r>
-              <a:rPr lang="en-GB" sz="2400" dirty="0"/>
-              <a:t>Pros</a:t>
-            </a:r>
-          </a:p>
-          <a:p>
-            <a:pPr marL="285750" indent="-285750">
-              <a:buFont typeface="Arial" panose="020B0604020202020204" pitchFamily="34" charset="0"/>
-              <a:buChar char="•"/>
-            </a:pPr>
-            <a:r>
-              <a:rPr lang="en-GB" dirty="0"/>
-              <a:t>Git support Built in – So you have Version control</a:t>
-            </a:r>
-          </a:p>
-          <a:p>
-            <a:pPr marL="285750" indent="-285750">
-              <a:buFont typeface="Arial" panose="020B0604020202020204" pitchFamily="34" charset="0"/>
-              <a:buChar char="•"/>
-            </a:pPr>
-            <a:r>
-              <a:rPr lang="en-GB" dirty="0"/>
-              <a:t>In latest Builds has an integrated Script Panel – configurable to PowerShell</a:t>
-            </a:r>
-          </a:p>
-          <a:p>
-            <a:pPr marL="285750" indent="-285750">
-              <a:buFont typeface="Arial" panose="020B0604020202020204" pitchFamily="34" charset="0"/>
-              <a:buChar char="•"/>
-            </a:pPr>
-            <a:r>
-              <a:rPr lang="en-GB" dirty="0"/>
-              <a:t>ScriptAnalyzer support now built into</a:t>
-            </a:r>
-          </a:p>
-          <a:p>
-            <a:pPr marL="285750" indent="-285750">
-              <a:buFont typeface="Arial" panose="020B0604020202020204" pitchFamily="34" charset="0"/>
-              <a:buChar char="•"/>
-            </a:pPr>
-            <a:r>
-              <a:rPr lang="en-GB" dirty="0"/>
-              <a:t>Multi Use editor – PowerShell / C# / JS etc</a:t>
-            </a:r>
-          </a:p>
-          <a:p>
-            <a:pPr marL="285750" indent="-285750">
-              <a:buFont typeface="Arial" panose="020B0604020202020204" pitchFamily="34" charset="0"/>
-              <a:buChar char="•"/>
-            </a:pPr>
-            <a:r>
-              <a:rPr lang="en-GB" dirty="0"/>
-              <a:t>Cross Platform</a:t>
-            </a:r>
-          </a:p>
-        </p:txBody>
-      </p:sp>
-      <p:sp>
-        <p:nvSpPr>
-          <p:cNvPr id="8" name="TextBox 7"/>
-          <p:cNvSpPr txBox="1"/>
-          <p:nvPr/>
-        </p:nvSpPr>
-        <p:spPr>
-          <a:xfrm>
-            <a:off x="6075485" y="4079631"/>
-            <a:ext cx="5829300" cy="2677656"/>
-          </a:xfrm>
-          <a:prstGeom prst="rect">
-            <a:avLst/>
-          </a:prstGeom>
-          <a:noFill/>
-        </p:spPr>
-        <p:txBody>
-          <a:bodyPr wrap="square" rtlCol="0">
-            <a:spAutoFit/>
-          </a:bodyPr>
-          <a:lstStyle/>
-          <a:p>
-            <a:r>
-              <a:rPr lang="en-GB" sz="2400" dirty="0"/>
-              <a:t>Cons</a:t>
-            </a:r>
-          </a:p>
-          <a:p>
-            <a:pPr marL="285750" indent="-285750">
-              <a:buFont typeface="Arial" panose="020B0604020202020204" pitchFamily="34" charset="0"/>
-              <a:buChar char="•"/>
-            </a:pPr>
-            <a:r>
-              <a:rPr lang="en-GB" dirty="0"/>
-              <a:t>Requires PowerShell Editor Services Extension</a:t>
-            </a:r>
-          </a:p>
-          <a:p>
-            <a:pPr marL="285750" indent="-285750">
-              <a:buFont typeface="Arial" panose="020B0604020202020204" pitchFamily="34" charset="0"/>
-              <a:buChar char="•"/>
-            </a:pPr>
-            <a:r>
-              <a:rPr lang="en-GB" dirty="0"/>
-              <a:t>Still requires lots of work to be the go-to PowerShell Editor</a:t>
-            </a:r>
-          </a:p>
-          <a:p>
-            <a:pPr marL="285750" indent="-285750">
-              <a:buFont typeface="Arial" panose="020B0604020202020204" pitchFamily="34" charset="0"/>
-              <a:buChar char="•"/>
-            </a:pPr>
-            <a:r>
-              <a:rPr lang="en-GB" dirty="0"/>
-              <a:t>Additional install that you may not be able to run </a:t>
-            </a:r>
-            <a:r>
-              <a:rPr lang="en-GB" dirty="0" err="1"/>
-              <a:t>i.e</a:t>
-            </a:r>
-            <a:r>
-              <a:rPr lang="en-GB" dirty="0"/>
-              <a:t> on a server</a:t>
-            </a:r>
-          </a:p>
-          <a:p>
-            <a:pPr marL="285750" indent="-285750">
-              <a:buFont typeface="Arial" panose="020B0604020202020204" pitchFamily="34" charset="0"/>
-              <a:buChar char="•"/>
-            </a:pPr>
-            <a:r>
-              <a:rPr lang="en-GB" dirty="0"/>
-              <a:t>Under continuous development – features may change on future builds</a:t>
-            </a:r>
-          </a:p>
-          <a:p>
-            <a:endParaRPr lang="en-GB" dirty="0"/>
-          </a:p>
-        </p:txBody>
-      </p:sp>
-    </p:spTree>
-    <p:extLst>
-      <p:ext uri="{BB962C8B-B14F-4D97-AF65-F5344CB8AC3E}">
-        <p14:creationId xmlns:p14="http://schemas.microsoft.com/office/powerpoint/2010/main" val="944609514"/>
-      </p:ext>
-    </p:extLst>
-  </p:cSld>
-  <p:clrMapOvr>
-    <a:masterClrMapping/>
-  </p:clrMapOvr>
-  <p:timing>
-    <p:tnLst>
-      <p:par>
-        <p:cTn id="1" dur="indefinite" restart="never" nodeType="tmRoot">
-          <p:childTnLst>
-            <p:seq concurrent="1" nextAc="seek">
-              <p:cTn id="2" dur="indefinite" nodeType="mainSeq">
-                <p:childTnLst>
-                  <p:par>
-                    <p:cTn id="3" fill="hold">
-                      <p:stCondLst>
-                        <p:cond delay="indefinite"/>
-                      </p:stCondLst>
-                      <p:childTnLst>
-                        <p:par>
-                          <p:cTn id="4" fill="hold">
-                            <p:stCondLst>
-                              <p:cond delay="0"/>
-                            </p:stCondLst>
-                            <p:childTnLst>
-                              <p:par>
-                                <p:cTn id="5" presetID="1" presetClass="entr" presetSubtype="0" fill="hold" grpId="0" nodeType="clickEffect">
-                                  <p:stCondLst>
-                                    <p:cond delay="0"/>
-                                  </p:stCondLst>
-                                  <p:childTnLst>
-                                    <p:set>
-                                      <p:cBhvr>
-                                        <p:cTn id="6" dur="1" fill="hold">
-                                          <p:stCondLst>
-                                            <p:cond delay="0"/>
-                                          </p:stCondLst>
-                                        </p:cTn>
-                                        <p:tgtEl>
-                                          <p:spTgt spid="5">
-                                            <p:txEl>
-                                              <p:pRg st="0" end="0"/>
-                                            </p:txEl>
-                                          </p:spTgt>
-                                        </p:tgtEl>
-                                        <p:attrNameLst>
-                                          <p:attrName>style.visibility</p:attrName>
-                                        </p:attrNameLst>
-                                      </p:cBhvr>
-                                      <p:to>
-                                        <p:strVal val="visible"/>
-                                      </p:to>
-                                    </p:set>
-                                  </p:childTnLst>
-                                </p:cTn>
-                              </p:par>
-                            </p:childTnLst>
-                          </p:cTn>
-                        </p:par>
-                      </p:childTnLst>
-                    </p:cTn>
-                  </p:par>
-                  <p:par>
-                    <p:cTn id="7" fill="hold">
-                      <p:stCondLst>
-                        <p:cond delay="indefinite"/>
-                      </p:stCondLst>
-                      <p:childTnLst>
-                        <p:par>
-                          <p:cTn id="8" fill="hold">
-                            <p:stCondLst>
-                              <p:cond delay="0"/>
-                            </p:stCondLst>
-                            <p:childTnLst>
-                              <p:par>
-                                <p:cTn id="9" presetID="1" presetClass="entr" presetSubtype="0" fill="hold" grpId="0" nodeType="clickEffect">
-                                  <p:stCondLst>
-                                    <p:cond delay="0"/>
-                                  </p:stCondLst>
-                                  <p:childTnLst>
-                                    <p:set>
-                                      <p:cBhvr>
-                                        <p:cTn id="10" dur="1" fill="hold">
-                                          <p:stCondLst>
-                                            <p:cond delay="0"/>
-                                          </p:stCondLst>
-                                        </p:cTn>
-                                        <p:tgtEl>
-                                          <p:spTgt spid="5">
-                                            <p:txEl>
-                                              <p:pRg st="1" end="1"/>
-                                            </p:txEl>
-                                          </p:spTgt>
-                                        </p:tgtEl>
-                                        <p:attrNameLst>
-                                          <p:attrName>style.visibility</p:attrName>
-                                        </p:attrNameLst>
-                                      </p:cBhvr>
-                                      <p:to>
-                                        <p:strVal val="visible"/>
-                                      </p:to>
-                                    </p:set>
-                                  </p:childTnLst>
-                                </p:cTn>
-                              </p:par>
-                            </p:childTnLst>
-                          </p:cTn>
-                        </p:par>
-                      </p:childTnLst>
-                    </p:cTn>
-                  </p:par>
-                  <p:par>
-                    <p:cTn id="11" fill="hold">
-                      <p:stCondLst>
-                        <p:cond delay="indefinite"/>
-                      </p:stCondLst>
-                      <p:childTnLst>
-                        <p:par>
-                          <p:cTn id="12" fill="hold">
-                            <p:stCondLst>
-                              <p:cond delay="0"/>
-                            </p:stCondLst>
-                            <p:childTnLst>
-                              <p:par>
-                                <p:cTn id="13" presetID="1" presetClass="entr" presetSubtype="0" fill="hold" grpId="0" nodeType="clickEffect">
-                                  <p:stCondLst>
-                                    <p:cond delay="0"/>
-                                  </p:stCondLst>
-                                  <p:childTnLst>
-                                    <p:set>
-                                      <p:cBhvr>
-                                        <p:cTn id="14" dur="1" fill="hold">
-                                          <p:stCondLst>
-                                            <p:cond delay="0"/>
-                                          </p:stCondLst>
-                                        </p:cTn>
-                                        <p:tgtEl>
-                                          <p:spTgt spid="5">
-                                            <p:txEl>
-                                              <p:pRg st="2" end="2"/>
-                                            </p:txEl>
-                                          </p:spTgt>
-                                        </p:tgtEl>
-                                        <p:attrNameLst>
-                                          <p:attrName>style.visibility</p:attrName>
-                                        </p:attrNameLst>
-                                      </p:cBhvr>
-                                      <p:to>
-                                        <p:strVal val="visible"/>
-                                      </p:to>
-                                    </p:set>
-                                  </p:childTnLst>
-                                </p:cTn>
-                              </p:par>
-                            </p:childTnLst>
-                          </p:cTn>
-                        </p:par>
-                      </p:childTnLst>
-                    </p:cTn>
-                  </p:par>
-                  <p:par>
-                    <p:cTn id="15" fill="hold">
-                      <p:stCondLst>
-                        <p:cond delay="indefinite"/>
-                      </p:stCondLst>
-                      <p:childTnLst>
-                        <p:par>
-                          <p:cTn id="16" fill="hold">
-                            <p:stCondLst>
-                              <p:cond delay="0"/>
-                            </p:stCondLst>
-                            <p:childTnLst>
-                              <p:par>
-                                <p:cTn id="17" presetID="1" presetClass="entr" presetSubtype="0" fill="hold" grpId="0" nodeType="clickEffect">
-                                  <p:stCondLst>
-                                    <p:cond delay="0"/>
-                                  </p:stCondLst>
-                                  <p:childTnLst>
-                                    <p:set>
-                                      <p:cBhvr>
-                                        <p:cTn id="18" dur="1" fill="hold">
-                                          <p:stCondLst>
-                                            <p:cond delay="0"/>
-                                          </p:stCondLst>
-                                        </p:cTn>
-                                        <p:tgtEl>
-                                          <p:spTgt spid="5">
-                                            <p:txEl>
-                                              <p:pRg st="3" end="3"/>
-                                            </p:txEl>
-                                          </p:spTgt>
-                                        </p:tgtEl>
-                                        <p:attrNameLst>
-                                          <p:attrName>style.visibility</p:attrName>
-                                        </p:attrNameLst>
-                                      </p:cBhvr>
-                                      <p:to>
-                                        <p:strVal val="visible"/>
-                                      </p:to>
-                                    </p:set>
-                                  </p:childTnLst>
-                                </p:cTn>
-                              </p:par>
-                            </p:childTnLst>
-                          </p:cTn>
-                        </p:par>
-                      </p:childTnLst>
-                    </p:cTn>
-                  </p:par>
-                  <p:par>
-                    <p:cTn id="19" fill="hold">
-                      <p:stCondLst>
-                        <p:cond delay="indefinite"/>
-                      </p:stCondLst>
-                      <p:childTnLst>
-                        <p:par>
-                          <p:cTn id="20" fill="hold">
-                            <p:stCondLst>
-                              <p:cond delay="0"/>
-                            </p:stCondLst>
-                            <p:childTnLst>
-                              <p:par>
-                                <p:cTn id="21" presetID="1" presetClass="entr" presetSubtype="0" fill="hold" grpId="0" nodeType="clickEffect">
-                                  <p:stCondLst>
-                                    <p:cond delay="0"/>
-                                  </p:stCondLst>
-                                  <p:childTnLst>
-                                    <p:set>
-                                      <p:cBhvr>
-                                        <p:cTn id="22" dur="1" fill="hold">
-                                          <p:stCondLst>
-                                            <p:cond delay="0"/>
-                                          </p:stCondLst>
-                                        </p:cTn>
-                                        <p:tgtEl>
-                                          <p:spTgt spid="5">
-                                            <p:txEl>
-                                              <p:pRg st="4" end="4"/>
-                                            </p:txEl>
-                                          </p:spTgt>
-                                        </p:tgtEl>
-                                        <p:attrNameLst>
-                                          <p:attrName>style.visibility</p:attrName>
-                                        </p:attrNameLst>
-                                      </p:cBhvr>
-                                      <p:to>
-                                        <p:strVal val="visible"/>
-                                      </p:to>
-                                    </p:set>
-                                  </p:childTnLst>
-                                </p:cTn>
-                              </p:par>
-                            </p:childTnLst>
-                          </p:cTn>
-                        </p:par>
-                      </p:childTnLst>
-                    </p:cTn>
-                  </p:par>
-                  <p:par>
-                    <p:cTn id="23" fill="hold">
-                      <p:stCondLst>
-                        <p:cond delay="indefinite"/>
-                      </p:stCondLst>
-                      <p:childTnLst>
-                        <p:par>
-                          <p:cTn id="24" fill="hold">
-                            <p:stCondLst>
-                              <p:cond delay="0"/>
-                            </p:stCondLst>
-                            <p:childTnLst>
-                              <p:par>
-                                <p:cTn id="25" presetID="1" presetClass="entr" presetSubtype="0" fill="hold" grpId="0" nodeType="clickEffect">
-                                  <p:stCondLst>
-                                    <p:cond delay="0"/>
-                                  </p:stCondLst>
-                                  <p:childTnLst>
-                                    <p:set>
-                                      <p:cBhvr>
-                                        <p:cTn id="26" dur="1" fill="hold">
-                                          <p:stCondLst>
-                                            <p:cond delay="0"/>
-                                          </p:stCondLst>
-                                        </p:cTn>
-                                        <p:tgtEl>
-                                          <p:spTgt spid="5">
-                                            <p:txEl>
-                                              <p:pRg st="5" end="5"/>
-                                            </p:txEl>
-                                          </p:spTgt>
-                                        </p:tgtEl>
-                                        <p:attrNameLst>
-                                          <p:attrName>style.visibility</p:attrName>
-                                        </p:attrNameLst>
-                                      </p:cBhvr>
-                                      <p:to>
-                                        <p:strVal val="visible"/>
-                                      </p:to>
-                                    </p:set>
-                                  </p:childTnLst>
-                                </p:cTn>
-                              </p:par>
-                            </p:childTnLst>
-                          </p:cTn>
-                        </p:par>
-                      </p:childTnLst>
-                    </p:cTn>
-                  </p:par>
-                  <p:par>
-                    <p:cTn id="27" fill="hold">
-                      <p:stCondLst>
-                        <p:cond delay="indefinite"/>
-                      </p:stCondLst>
-                      <p:childTnLst>
-                        <p:par>
-                          <p:cTn id="28" fill="hold">
-                            <p:stCondLst>
-                              <p:cond delay="0"/>
-                            </p:stCondLst>
-                            <p:childTnLst>
-                              <p:par>
-                                <p:cTn id="29" presetID="42" presetClass="entr" presetSubtype="0" fill="hold" nodeType="clickEffect">
-                                  <p:stCondLst>
-                                    <p:cond delay="0"/>
-                                  </p:stCondLst>
-                                  <p:childTnLst>
-                                    <p:set>
-                                      <p:cBhvr>
-                                        <p:cTn id="30" dur="1" fill="hold">
-                                          <p:stCondLst>
-                                            <p:cond delay="0"/>
-                                          </p:stCondLst>
-                                        </p:cTn>
-                                        <p:tgtEl>
-                                          <p:spTgt spid="8">
-                                            <p:txEl>
-                                              <p:pRg st="0" end="0"/>
-                                            </p:txEl>
-                                          </p:spTgt>
-                                        </p:tgtEl>
-                                        <p:attrNameLst>
-                                          <p:attrName>style.visibility</p:attrName>
-                                        </p:attrNameLst>
-                                      </p:cBhvr>
-                                      <p:to>
-                                        <p:strVal val="visible"/>
-                                      </p:to>
-                                    </p:set>
-                                    <p:animEffect transition="in" filter="fade">
-                                      <p:cBhvr>
-                                        <p:cTn id="31" dur="1000"/>
-                                        <p:tgtEl>
-                                          <p:spTgt spid="8">
-                                            <p:txEl>
-                                              <p:pRg st="0" end="0"/>
-                                            </p:txEl>
-                                          </p:spTgt>
-                                        </p:tgtEl>
-                                      </p:cBhvr>
-                                    </p:animEffect>
-                                    <p:anim calcmode="lin" valueType="num">
-                                      <p:cBhvr>
-                                        <p:cTn id="32" dur="1000" fill="hold"/>
-                                        <p:tgtEl>
-                                          <p:spTgt spid="8">
-                                            <p:txEl>
-                                              <p:pRg st="0" end="0"/>
-                                            </p:txEl>
-                                          </p:spTgt>
-                                        </p:tgtEl>
-                                        <p:attrNameLst>
-                                          <p:attrName>ppt_x</p:attrName>
-                                        </p:attrNameLst>
-                                      </p:cBhvr>
-                                      <p:tavLst>
-                                        <p:tav tm="0">
-                                          <p:val>
-                                            <p:strVal val="#ppt_x"/>
-                                          </p:val>
-                                        </p:tav>
-                                        <p:tav tm="100000">
-                                          <p:val>
-                                            <p:strVal val="#ppt_x"/>
-                                          </p:val>
-                                        </p:tav>
-                                      </p:tavLst>
-                                    </p:anim>
-                                    <p:anim calcmode="lin" valueType="num">
-                                      <p:cBhvr>
-                                        <p:cTn id="33" dur="1000" fill="hold"/>
-                                        <p:tgtEl>
-                                          <p:spTgt spid="8">
-                                            <p:txEl>
-                                              <p:pRg st="0" end="0"/>
-                                            </p:txEl>
-                                          </p:spTgt>
-                                        </p:tgtEl>
-                                        <p:attrNameLst>
-                                          <p:attrName>ppt_y</p:attrName>
-                                        </p:attrNameLst>
-                                      </p:cBhvr>
-                                      <p:tavLst>
-                                        <p:tav tm="0">
-                                          <p:val>
-                                            <p:strVal val="#ppt_y+.1"/>
-                                          </p:val>
-                                        </p:tav>
-                                        <p:tav tm="100000">
-                                          <p:val>
-                                            <p:strVal val="#ppt_y"/>
-                                          </p:val>
-                                        </p:tav>
-                                      </p:tavLst>
-                                    </p:anim>
-                                  </p:childTnLst>
-                                </p:cTn>
-                              </p:par>
-                            </p:childTnLst>
-                          </p:cTn>
-                        </p:par>
-                      </p:childTnLst>
-                    </p:cTn>
-                  </p:par>
-                  <p:par>
-                    <p:cTn id="34" fill="hold">
-                      <p:stCondLst>
-                        <p:cond delay="indefinite"/>
-                      </p:stCondLst>
-                      <p:childTnLst>
-                        <p:par>
-                          <p:cTn id="35" fill="hold">
-                            <p:stCondLst>
-                              <p:cond delay="0"/>
-                            </p:stCondLst>
-                            <p:childTnLst>
-                              <p:par>
-                                <p:cTn id="36" presetID="42" presetClass="entr" presetSubtype="0" fill="hold" nodeType="clickEffect">
-                                  <p:stCondLst>
-                                    <p:cond delay="0"/>
-                                  </p:stCondLst>
-                                  <p:childTnLst>
-                                    <p:set>
-                                      <p:cBhvr>
-                                        <p:cTn id="37" dur="1" fill="hold">
-                                          <p:stCondLst>
-                                            <p:cond delay="0"/>
-                                          </p:stCondLst>
-                                        </p:cTn>
-                                        <p:tgtEl>
-                                          <p:spTgt spid="8">
-                                            <p:txEl>
-                                              <p:pRg st="1" end="1"/>
-                                            </p:txEl>
-                                          </p:spTgt>
-                                        </p:tgtEl>
-                                        <p:attrNameLst>
-                                          <p:attrName>style.visibility</p:attrName>
-                                        </p:attrNameLst>
-                                      </p:cBhvr>
-                                      <p:to>
-                                        <p:strVal val="visible"/>
-                                      </p:to>
-                                    </p:set>
-                                    <p:animEffect transition="in" filter="fade">
-                                      <p:cBhvr>
-                                        <p:cTn id="38" dur="1000"/>
-                                        <p:tgtEl>
-                                          <p:spTgt spid="8">
-                                            <p:txEl>
-                                              <p:pRg st="1" end="1"/>
-                                            </p:txEl>
-                                          </p:spTgt>
-                                        </p:tgtEl>
-                                      </p:cBhvr>
-                                    </p:animEffect>
-                                    <p:anim calcmode="lin" valueType="num">
-                                      <p:cBhvr>
-                                        <p:cTn id="39" dur="1000" fill="hold"/>
-                                        <p:tgtEl>
-                                          <p:spTgt spid="8">
-                                            <p:txEl>
-                                              <p:pRg st="1" end="1"/>
-                                            </p:txEl>
-                                          </p:spTgt>
-                                        </p:tgtEl>
-                                        <p:attrNameLst>
-                                          <p:attrName>ppt_x</p:attrName>
-                                        </p:attrNameLst>
-                                      </p:cBhvr>
-                                      <p:tavLst>
-                                        <p:tav tm="0">
-                                          <p:val>
-                                            <p:strVal val="#ppt_x"/>
-                                          </p:val>
-                                        </p:tav>
-                                        <p:tav tm="100000">
-                                          <p:val>
-                                            <p:strVal val="#ppt_x"/>
-                                          </p:val>
-                                        </p:tav>
-                                      </p:tavLst>
-                                    </p:anim>
-                                    <p:anim calcmode="lin" valueType="num">
-                                      <p:cBhvr>
-                                        <p:cTn id="40" dur="1000" fill="hold"/>
-                                        <p:tgtEl>
-                                          <p:spTgt spid="8">
-                                            <p:txEl>
-                                              <p:pRg st="1" end="1"/>
-                                            </p:txEl>
-                                          </p:spTgt>
-                                        </p:tgtEl>
-                                        <p:attrNameLst>
-                                          <p:attrName>ppt_y</p:attrName>
-                                        </p:attrNameLst>
-                                      </p:cBhvr>
-                                      <p:tavLst>
-                                        <p:tav tm="0">
-                                          <p:val>
-                                            <p:strVal val="#ppt_y+.1"/>
-                                          </p:val>
-                                        </p:tav>
-                                        <p:tav tm="100000">
-                                          <p:val>
-                                            <p:strVal val="#ppt_y"/>
-                                          </p:val>
-                                        </p:tav>
-                                      </p:tavLst>
-                                    </p:anim>
-                                  </p:childTnLst>
-                                </p:cTn>
-                              </p:par>
-                            </p:childTnLst>
-                          </p:cTn>
-                        </p:par>
-                      </p:childTnLst>
-                    </p:cTn>
-                  </p:par>
-                  <p:par>
-                    <p:cTn id="41" fill="hold">
-                      <p:stCondLst>
-                        <p:cond delay="indefinite"/>
-                      </p:stCondLst>
-                      <p:childTnLst>
-                        <p:par>
-                          <p:cTn id="42" fill="hold">
-                            <p:stCondLst>
-                              <p:cond delay="0"/>
-                            </p:stCondLst>
-                            <p:childTnLst>
-                              <p:par>
-                                <p:cTn id="43" presetID="42" presetClass="entr" presetSubtype="0" fill="hold" nodeType="clickEffect">
-                                  <p:stCondLst>
-                                    <p:cond delay="0"/>
-                                  </p:stCondLst>
-                                  <p:childTnLst>
-                                    <p:set>
-                                      <p:cBhvr>
-                                        <p:cTn id="44" dur="1" fill="hold">
-                                          <p:stCondLst>
-                                            <p:cond delay="0"/>
-                                          </p:stCondLst>
-                                        </p:cTn>
-                                        <p:tgtEl>
-                                          <p:spTgt spid="8">
-                                            <p:txEl>
-                                              <p:pRg st="2" end="2"/>
-                                            </p:txEl>
-                                          </p:spTgt>
-                                        </p:tgtEl>
-                                        <p:attrNameLst>
-                                          <p:attrName>style.visibility</p:attrName>
-                                        </p:attrNameLst>
-                                      </p:cBhvr>
-                                      <p:to>
-                                        <p:strVal val="visible"/>
-                                      </p:to>
-                                    </p:set>
-                                    <p:animEffect transition="in" filter="fade">
-                                      <p:cBhvr>
-                                        <p:cTn id="45" dur="1000"/>
-                                        <p:tgtEl>
-                                          <p:spTgt spid="8">
-                                            <p:txEl>
-                                              <p:pRg st="2" end="2"/>
-                                            </p:txEl>
-                                          </p:spTgt>
-                                        </p:tgtEl>
-                                      </p:cBhvr>
-                                    </p:animEffect>
-                                    <p:anim calcmode="lin" valueType="num">
-                                      <p:cBhvr>
-                                        <p:cTn id="46" dur="1000" fill="hold"/>
-                                        <p:tgtEl>
-                                          <p:spTgt spid="8">
-                                            <p:txEl>
-                                              <p:pRg st="2" end="2"/>
-                                            </p:txEl>
-                                          </p:spTgt>
-                                        </p:tgtEl>
-                                        <p:attrNameLst>
-                                          <p:attrName>ppt_x</p:attrName>
-                                        </p:attrNameLst>
-                                      </p:cBhvr>
-                                      <p:tavLst>
-                                        <p:tav tm="0">
-                                          <p:val>
-                                            <p:strVal val="#ppt_x"/>
-                                          </p:val>
-                                        </p:tav>
-                                        <p:tav tm="100000">
-                                          <p:val>
-                                            <p:strVal val="#ppt_x"/>
-                                          </p:val>
-                                        </p:tav>
-                                      </p:tavLst>
-                                    </p:anim>
-                                    <p:anim calcmode="lin" valueType="num">
-                                      <p:cBhvr>
-                                        <p:cTn id="47" dur="1000" fill="hold"/>
-                                        <p:tgtEl>
-                                          <p:spTgt spid="8">
-                                            <p:txEl>
-                                              <p:pRg st="2" end="2"/>
-                                            </p:txEl>
-                                          </p:spTgt>
-                                        </p:tgtEl>
-                                        <p:attrNameLst>
-                                          <p:attrName>ppt_y</p:attrName>
-                                        </p:attrNameLst>
-                                      </p:cBhvr>
-                                      <p:tavLst>
-                                        <p:tav tm="0">
-                                          <p:val>
-                                            <p:strVal val="#ppt_y+.1"/>
-                                          </p:val>
-                                        </p:tav>
-                                        <p:tav tm="100000">
-                                          <p:val>
-                                            <p:strVal val="#ppt_y"/>
-                                          </p:val>
-                                        </p:tav>
-                                      </p:tavLst>
-                                    </p:anim>
-                                  </p:childTnLst>
-                                </p:cTn>
-                              </p:par>
-                            </p:childTnLst>
-                          </p:cTn>
-                        </p:par>
-                      </p:childTnLst>
-                    </p:cTn>
-                  </p:par>
-                  <p:par>
-                    <p:cTn id="48" fill="hold">
-                      <p:stCondLst>
-                        <p:cond delay="indefinite"/>
-                      </p:stCondLst>
-                      <p:childTnLst>
-                        <p:par>
-                          <p:cTn id="49" fill="hold">
-                            <p:stCondLst>
-                              <p:cond delay="0"/>
-                            </p:stCondLst>
-                            <p:childTnLst>
-                              <p:par>
-                                <p:cTn id="50" presetID="42" presetClass="entr" presetSubtype="0" fill="hold" nodeType="clickEffect">
-                                  <p:stCondLst>
-                                    <p:cond delay="0"/>
-                                  </p:stCondLst>
-                                  <p:childTnLst>
-                                    <p:set>
-                                      <p:cBhvr>
-                                        <p:cTn id="51" dur="1" fill="hold">
-                                          <p:stCondLst>
-                                            <p:cond delay="0"/>
-                                          </p:stCondLst>
-                                        </p:cTn>
-                                        <p:tgtEl>
-                                          <p:spTgt spid="8">
-                                            <p:txEl>
-                                              <p:pRg st="3" end="3"/>
-                                            </p:txEl>
-                                          </p:spTgt>
-                                        </p:tgtEl>
-                                        <p:attrNameLst>
-                                          <p:attrName>style.visibility</p:attrName>
-                                        </p:attrNameLst>
-                                      </p:cBhvr>
-                                      <p:to>
-                                        <p:strVal val="visible"/>
-                                      </p:to>
-                                    </p:set>
-                                    <p:animEffect transition="in" filter="fade">
-                                      <p:cBhvr>
-                                        <p:cTn id="52" dur="1000"/>
-                                        <p:tgtEl>
-                                          <p:spTgt spid="8">
-                                            <p:txEl>
-                                              <p:pRg st="3" end="3"/>
-                                            </p:txEl>
-                                          </p:spTgt>
-                                        </p:tgtEl>
-                                      </p:cBhvr>
-                                    </p:animEffect>
-                                    <p:anim calcmode="lin" valueType="num">
-                                      <p:cBhvr>
-                                        <p:cTn id="53" dur="1000" fill="hold"/>
-                                        <p:tgtEl>
-                                          <p:spTgt spid="8">
-                                            <p:txEl>
-                                              <p:pRg st="3" end="3"/>
-                                            </p:txEl>
-                                          </p:spTgt>
-                                        </p:tgtEl>
-                                        <p:attrNameLst>
-                                          <p:attrName>ppt_x</p:attrName>
-                                        </p:attrNameLst>
-                                      </p:cBhvr>
-                                      <p:tavLst>
-                                        <p:tav tm="0">
-                                          <p:val>
-                                            <p:strVal val="#ppt_x"/>
-                                          </p:val>
-                                        </p:tav>
-                                        <p:tav tm="100000">
-                                          <p:val>
-                                            <p:strVal val="#ppt_x"/>
-                                          </p:val>
-                                        </p:tav>
-                                      </p:tavLst>
-                                    </p:anim>
-                                    <p:anim calcmode="lin" valueType="num">
-                                      <p:cBhvr>
-                                        <p:cTn id="54" dur="1000" fill="hold"/>
-                                        <p:tgtEl>
-                                          <p:spTgt spid="8">
-                                            <p:txEl>
-                                              <p:pRg st="3" end="3"/>
-                                            </p:txEl>
-                                          </p:spTgt>
-                                        </p:tgtEl>
-                                        <p:attrNameLst>
-                                          <p:attrName>ppt_y</p:attrName>
-                                        </p:attrNameLst>
-                                      </p:cBhvr>
-                                      <p:tavLst>
-                                        <p:tav tm="0">
-                                          <p:val>
-                                            <p:strVal val="#ppt_y+.1"/>
-                                          </p:val>
-                                        </p:tav>
-                                        <p:tav tm="100000">
-                                          <p:val>
-                                            <p:strVal val="#ppt_y"/>
-                                          </p:val>
-                                        </p:tav>
-                                      </p:tavLst>
-                                    </p:anim>
-                                  </p:childTnLst>
-                                </p:cTn>
-                              </p:par>
-                            </p:childTnLst>
-                          </p:cTn>
-                        </p:par>
-                      </p:childTnLst>
-                    </p:cTn>
-                  </p:par>
-                  <p:par>
-                    <p:cTn id="55" fill="hold">
-                      <p:stCondLst>
-                        <p:cond delay="indefinite"/>
-                      </p:stCondLst>
-                      <p:childTnLst>
-                        <p:par>
-                          <p:cTn id="56" fill="hold">
-                            <p:stCondLst>
-                              <p:cond delay="0"/>
-                            </p:stCondLst>
-                            <p:childTnLst>
-                              <p:par>
-                                <p:cTn id="57" presetID="42" presetClass="entr" presetSubtype="0" fill="hold" nodeType="clickEffect">
-                                  <p:stCondLst>
-                                    <p:cond delay="0"/>
-                                  </p:stCondLst>
-                                  <p:childTnLst>
-                                    <p:set>
-                                      <p:cBhvr>
-                                        <p:cTn id="58" dur="1" fill="hold">
-                                          <p:stCondLst>
-                                            <p:cond delay="0"/>
-                                          </p:stCondLst>
-                                        </p:cTn>
-                                        <p:tgtEl>
-                                          <p:spTgt spid="8">
-                                            <p:txEl>
-                                              <p:pRg st="4" end="4"/>
-                                            </p:txEl>
-                                          </p:spTgt>
-                                        </p:tgtEl>
-                                        <p:attrNameLst>
-                                          <p:attrName>style.visibility</p:attrName>
-                                        </p:attrNameLst>
-                                      </p:cBhvr>
-                                      <p:to>
-                                        <p:strVal val="visible"/>
-                                      </p:to>
-                                    </p:set>
-                                    <p:animEffect transition="in" filter="fade">
-                                      <p:cBhvr>
-                                        <p:cTn id="59" dur="1000"/>
-                                        <p:tgtEl>
-                                          <p:spTgt spid="8">
-                                            <p:txEl>
-                                              <p:pRg st="4" end="4"/>
-                                            </p:txEl>
-                                          </p:spTgt>
-                                        </p:tgtEl>
-                                      </p:cBhvr>
-                                    </p:animEffect>
-                                    <p:anim calcmode="lin" valueType="num">
-                                      <p:cBhvr>
-                                        <p:cTn id="60" dur="1000" fill="hold"/>
-                                        <p:tgtEl>
-                                          <p:spTgt spid="8">
-                                            <p:txEl>
-                                              <p:pRg st="4" end="4"/>
-                                            </p:txEl>
-                                          </p:spTgt>
-                                        </p:tgtEl>
-                                        <p:attrNameLst>
-                                          <p:attrName>ppt_x</p:attrName>
-                                        </p:attrNameLst>
-                                      </p:cBhvr>
-                                      <p:tavLst>
-                                        <p:tav tm="0">
-                                          <p:val>
-                                            <p:strVal val="#ppt_x"/>
-                                          </p:val>
-                                        </p:tav>
-                                        <p:tav tm="100000">
-                                          <p:val>
-                                            <p:strVal val="#ppt_x"/>
-                                          </p:val>
-                                        </p:tav>
-                                      </p:tavLst>
-                                    </p:anim>
-                                    <p:anim calcmode="lin" valueType="num">
-                                      <p:cBhvr>
-                                        <p:cTn id="61" dur="1000" fill="hold"/>
-                                        <p:tgtEl>
-                                          <p:spTgt spid="8">
-                                            <p:txEl>
-                                              <p:pRg st="4" end="4"/>
-                                            </p:txEl>
-                                          </p:spTgt>
-                                        </p:tgtEl>
-                                        <p:attrNameLst>
-                                          <p:attrName>ppt_y</p:attrName>
-                                        </p:attrNameLst>
-                                      </p:cBhvr>
-                                      <p:tavLst>
-                                        <p:tav tm="0">
-                                          <p:val>
-                                            <p:strVal val="#ppt_y+.1"/>
-                                          </p:val>
-                                        </p:tav>
-                                        <p:tav tm="100000">
-                                          <p:val>
-                                            <p:strVal val="#ppt_y"/>
-                                          </p:val>
-                                        </p:tav>
-                                      </p:tavLst>
-                                    </p:anim>
-                                  </p:childTnLst>
-                                </p:cTn>
-                              </p:par>
-                            </p:childTnLst>
-                          </p:cTn>
-                        </p:par>
-                      </p:childTnLst>
-                    </p:cTn>
-                  </p:par>
-                </p:childTnLst>
-              </p:cTn>
-              <p:prevCondLst>
-                <p:cond evt="onPrev" delay="0">
-                  <p:tgtEl>
-                    <p:sldTgt/>
-                  </p:tgtEl>
-                </p:cond>
-              </p:prevCondLst>
-              <p:nextCondLst>
-                <p:cond evt="onNext" delay="0">
-                  <p:tgtEl>
-                    <p:sldTgt/>
-                  </p:tgtEl>
-                </p:cond>
-              </p:nextCondLst>
-            </p:seq>
-          </p:childTnLst>
-        </p:cTn>
-      </p:par>
-    </p:tnLst>
-    <p:bldLst>
-      <p:bldP spid="5" grpId="0" build="p"/>
-    </p:bldLst>
-  </p:timing>
-</p:sld>
-</file>
-
-<file path=ppt/slides/slide8.xml><?xml version="1.0" encoding="utf-8"?>
-<p:sld xmlns:a="http://schemas.openxmlformats.org/drawingml/2006/main" xmlns:r="http://schemas.openxmlformats.org/officeDocument/2006/relationships" xmlns:p="http://schemas.openxmlformats.org/presentationml/2006/main">
-  <p:cSld>
-    <p:spTree>
-      <p:nvGrpSpPr>
-        <p:cNvPr id="1" name=""/>
-        <p:cNvGrpSpPr/>
-        <p:nvPr/>
-      </p:nvGrpSpPr>
-      <p:grpSpPr>
-        <a:xfrm>
-          <a:off x="0" y="0"/>
-          <a:ext cx="0" cy="0"/>
-          <a:chOff x="0" y="0"/>
-          <a:chExt cx="0" cy="0"/>
-        </a:xfrm>
-      </p:grpSpPr>
-      <p:sp>
-        <p:nvSpPr>
-          <p:cNvPr id="4" name="Rectangle 3"/>
-          <p:cNvSpPr/>
-          <p:nvPr/>
-        </p:nvSpPr>
-        <p:spPr>
-          <a:xfrm>
-            <a:off x="0" y="0"/>
-            <a:ext cx="12192000" cy="6858000"/>
-          </a:xfrm>
-          <a:prstGeom prst="rect">
-            <a:avLst/>
-          </a:prstGeom>
-          <a:solidFill>
-            <a:schemeClr val="accent1">
-              <a:lumMod val="60000"/>
-              <a:lumOff val="40000"/>
-            </a:schemeClr>
-          </a:solidFill>
-        </p:spPr>
-        <p:style>
-          <a:lnRef idx="2">
-            <a:schemeClr val="accent2">
-              <a:shade val="50000"/>
-            </a:schemeClr>
-          </a:lnRef>
-          <a:fillRef idx="1">
-            <a:schemeClr val="accent2"/>
-          </a:fillRef>
-          <a:effectRef idx="0">
-            <a:schemeClr val="accent2"/>
-          </a:effectRef>
-          <a:fontRef idx="minor">
-            <a:schemeClr val="lt1"/>
-          </a:fontRef>
-        </p:style>
-        <p:txBody>
-          <a:bodyPr rtlCol="0" anchor="ctr"/>
-          <a:lstStyle/>
-          <a:p>
-            <a:pPr algn="ctr"/>
-            <a:endParaRPr lang="en-GB" dirty="0"/>
-          </a:p>
-        </p:txBody>
-      </p:sp>
-      <p:sp>
-        <p:nvSpPr>
-          <p:cNvPr id="2" name="Title 1"/>
-          <p:cNvSpPr>
-            <a:spLocks noGrp="1"/>
-          </p:cNvSpPr>
-          <p:nvPr>
-            <p:ph type="ctrTitle"/>
-          </p:nvPr>
-        </p:nvSpPr>
-        <p:spPr>
-          <a:xfrm>
-            <a:off x="103517" y="182084"/>
-            <a:ext cx="11930332" cy="1103252"/>
-          </a:xfrm>
-        </p:spPr>
-        <p:txBody>
-          <a:bodyPr>
-            <a:normAutofit/>
-          </a:bodyPr>
-          <a:lstStyle/>
-          <a:p>
-            <a:r>
-              <a:rPr lang="en-GB" dirty="0"/>
               <a:t>Using Visual Studio</a:t>
             </a:r>
           </a:p>
@@ -12449,7 +10521,7 @@
 </p:sld>
 </file>
 
-<file path=ppt/slides/slide9.xml><?xml version="1.0" encoding="utf-8"?>
+<file path=ppt/slides/slide8.xml><?xml version="1.0" encoding="utf-8"?>
 <p:sld xmlns:a="http://schemas.openxmlformats.org/drawingml/2006/main" xmlns:r="http://schemas.openxmlformats.org/officeDocument/2006/relationships" xmlns:p="http://schemas.openxmlformats.org/presentationml/2006/main">
   <p:cSld>
     <p:spTree>
@@ -13363,6 +11435,768 @@
     </p:tnLst>
     <p:bldLst>
       <p:bldP spid="7" grpId="0" uiExpand="1" build="p"/>
+    </p:bldLst>
+  </p:timing>
+</p:sld>
+</file>
+
+<file path=ppt/slides/slide9.xml><?xml version="1.0" encoding="utf-8"?>
+<p:sld xmlns:a="http://schemas.openxmlformats.org/drawingml/2006/main" xmlns:r="http://schemas.openxmlformats.org/officeDocument/2006/relationships" xmlns:p="http://schemas.openxmlformats.org/presentationml/2006/main">
+  <p:cSld>
+    <p:spTree>
+      <p:nvGrpSpPr>
+        <p:cNvPr id="1" name=""/>
+        <p:cNvGrpSpPr/>
+        <p:nvPr/>
+      </p:nvGrpSpPr>
+      <p:grpSpPr>
+        <a:xfrm>
+          <a:off x="0" y="0"/>
+          <a:ext cx="0" cy="0"/>
+          <a:chOff x="0" y="0"/>
+          <a:chExt cx="0" cy="0"/>
+        </a:xfrm>
+      </p:grpSpPr>
+      <p:sp>
+        <p:nvSpPr>
+          <p:cNvPr id="4" name="Rectangle 3"/>
+          <p:cNvSpPr/>
+          <p:nvPr/>
+        </p:nvSpPr>
+        <p:spPr>
+          <a:xfrm>
+            <a:off x="0" y="-2"/>
+            <a:ext cx="12192000" cy="6858000"/>
+          </a:xfrm>
+          <a:prstGeom prst="rect">
+            <a:avLst/>
+          </a:prstGeom>
+          <a:solidFill>
+            <a:schemeClr val="accent1">
+              <a:lumMod val="60000"/>
+              <a:lumOff val="40000"/>
+            </a:schemeClr>
+          </a:solidFill>
+        </p:spPr>
+        <p:style>
+          <a:lnRef idx="2">
+            <a:schemeClr val="accent2">
+              <a:shade val="50000"/>
+            </a:schemeClr>
+          </a:lnRef>
+          <a:fillRef idx="1">
+            <a:schemeClr val="accent2"/>
+          </a:fillRef>
+          <a:effectRef idx="0">
+            <a:schemeClr val="accent2"/>
+          </a:effectRef>
+          <a:fontRef idx="minor">
+            <a:schemeClr val="lt1"/>
+          </a:fontRef>
+        </p:style>
+        <p:txBody>
+          <a:bodyPr rtlCol="0" anchor="ctr"/>
+          <a:lstStyle/>
+          <a:p>
+            <a:pPr algn="ctr"/>
+            <a:endParaRPr lang="en-GB" dirty="0"/>
+          </a:p>
+        </p:txBody>
+      </p:sp>
+      <p:sp>
+        <p:nvSpPr>
+          <p:cNvPr id="2" name="Title 1"/>
+          <p:cNvSpPr>
+            <a:spLocks noGrp="1"/>
+          </p:cNvSpPr>
+          <p:nvPr>
+            <p:ph type="ctrTitle"/>
+          </p:nvPr>
+        </p:nvSpPr>
+        <p:spPr>
+          <a:xfrm>
+            <a:off x="103517" y="182084"/>
+            <a:ext cx="11930332" cy="1103252"/>
+          </a:xfrm>
+        </p:spPr>
+        <p:txBody>
+          <a:bodyPr>
+            <a:normAutofit/>
+          </a:bodyPr>
+          <a:lstStyle/>
+          <a:p>
+            <a:r>
+              <a:rPr lang="en-GB" dirty="0"/>
+              <a:t>2 Additional Tools to start Using	</a:t>
+            </a:r>
+          </a:p>
+        </p:txBody>
+      </p:sp>
+      <p:sp>
+        <p:nvSpPr>
+          <p:cNvPr id="6" name="TextBox 5"/>
+          <p:cNvSpPr txBox="1"/>
+          <p:nvPr/>
+        </p:nvSpPr>
+        <p:spPr>
+          <a:xfrm>
+            <a:off x="7025053" y="1258368"/>
+            <a:ext cx="3842825" cy="707886"/>
+          </a:xfrm>
+          <a:prstGeom prst="rect">
+            <a:avLst/>
+          </a:prstGeom>
+          <a:noFill/>
+        </p:spPr>
+        <p:txBody>
+          <a:bodyPr wrap="square" rtlCol="0">
+            <a:spAutoFit/>
+          </a:bodyPr>
+          <a:lstStyle/>
+          <a:p>
+            <a:r>
+              <a:rPr lang="en-GB" sz="4000" dirty="0"/>
+              <a:t>PSScriptAnalyzer</a:t>
+            </a:r>
+          </a:p>
+        </p:txBody>
+      </p:sp>
+      <p:sp>
+        <p:nvSpPr>
+          <p:cNvPr id="8" name="TextBox 7"/>
+          <p:cNvSpPr txBox="1"/>
+          <p:nvPr/>
+        </p:nvSpPr>
+        <p:spPr>
+          <a:xfrm>
+            <a:off x="6770368" y="1999764"/>
+            <a:ext cx="4352193" cy="4801314"/>
+          </a:xfrm>
+          <a:prstGeom prst="rect">
+            <a:avLst/>
+          </a:prstGeom>
+          <a:noFill/>
+        </p:spPr>
+        <p:txBody>
+          <a:bodyPr wrap="square" rtlCol="0">
+            <a:spAutoFit/>
+          </a:bodyPr>
+          <a:lstStyle/>
+          <a:p>
+            <a:pPr marL="285750" indent="-285750">
+              <a:buFont typeface="Arial" panose="020B0604020202020204" pitchFamily="34" charset="0"/>
+              <a:buChar char="•"/>
+            </a:pPr>
+            <a:r>
+              <a:rPr lang="en-GB" dirty="0"/>
+              <a:t>Static Code Analysis of your PowerShell scripts – think SPCAF</a:t>
+            </a:r>
+          </a:p>
+          <a:p>
+            <a:pPr marL="285750" indent="-285750">
+              <a:buFont typeface="Arial" panose="020B0604020202020204" pitchFamily="34" charset="0"/>
+              <a:buChar char="•"/>
+            </a:pPr>
+            <a:endParaRPr lang="en-GB" dirty="0"/>
+          </a:p>
+          <a:p>
+            <a:pPr marL="285750" indent="-285750">
+              <a:buFont typeface="Arial" panose="020B0604020202020204" pitchFamily="34" charset="0"/>
+              <a:buChar char="•"/>
+            </a:pPr>
+            <a:r>
+              <a:rPr lang="en-GB" dirty="0"/>
+              <a:t>Written in C# but can be extended with PowerShell or C# Rules</a:t>
+            </a:r>
+          </a:p>
+          <a:p>
+            <a:pPr marL="285750" indent="-285750">
+              <a:buFont typeface="Arial" panose="020B0604020202020204" pitchFamily="34" charset="0"/>
+              <a:buChar char="•"/>
+            </a:pPr>
+            <a:endParaRPr lang="en-GB" dirty="0"/>
+          </a:p>
+          <a:p>
+            <a:pPr marL="285750" indent="-285750">
+              <a:buFont typeface="Arial" panose="020B0604020202020204" pitchFamily="34" charset="0"/>
+              <a:buChar char="•"/>
+            </a:pPr>
+            <a:r>
+              <a:rPr lang="en-GB" dirty="0"/>
+              <a:t>Continually being worked on</a:t>
+            </a:r>
+          </a:p>
+          <a:p>
+            <a:pPr marL="285750" indent="-285750">
+              <a:buFont typeface="Arial" panose="020B0604020202020204" pitchFamily="34" charset="0"/>
+              <a:buChar char="•"/>
+            </a:pPr>
+            <a:endParaRPr lang="en-GB" dirty="0"/>
+          </a:p>
+          <a:p>
+            <a:pPr marL="285750" indent="-285750">
+              <a:buFont typeface="Arial" panose="020B0604020202020204" pitchFamily="34" charset="0"/>
+              <a:buChar char="•"/>
+            </a:pPr>
+            <a:r>
+              <a:rPr lang="en-GB" dirty="0"/>
+              <a:t>Submits to the PowerShell Gallery get Run through the Script </a:t>
+            </a:r>
+            <a:r>
+              <a:rPr lang="en-GB" dirty="0" err="1"/>
+              <a:t>Analyzer</a:t>
+            </a:r>
+            <a:r>
+              <a:rPr lang="en-GB" dirty="0"/>
+              <a:t> and fails can mean that a submission gets removed</a:t>
+            </a:r>
+          </a:p>
+          <a:p>
+            <a:pPr marL="285750" indent="-285750">
+              <a:buFont typeface="Arial" panose="020B0604020202020204" pitchFamily="34" charset="0"/>
+              <a:buChar char="•"/>
+            </a:pPr>
+            <a:endParaRPr lang="en-GB" dirty="0"/>
+          </a:p>
+          <a:p>
+            <a:pPr marL="285750" indent="-285750">
+              <a:buFont typeface="Arial" panose="020B0604020202020204" pitchFamily="34" charset="0"/>
+              <a:buChar char="•"/>
+            </a:pPr>
+            <a:r>
+              <a:rPr lang="en-GB" dirty="0"/>
+              <a:t>Helps you to write better PowerShell</a:t>
+            </a:r>
+          </a:p>
+          <a:p>
+            <a:pPr marL="285750" indent="-285750">
+              <a:buFont typeface="Arial" panose="020B0604020202020204" pitchFamily="34" charset="0"/>
+              <a:buChar char="•"/>
+            </a:pPr>
+            <a:endParaRPr lang="en-GB" dirty="0"/>
+          </a:p>
+          <a:p>
+            <a:pPr marL="285750" indent="-285750">
+              <a:buFont typeface="Arial" panose="020B0604020202020204" pitchFamily="34" charset="0"/>
+              <a:buChar char="•"/>
+            </a:pPr>
+            <a:r>
+              <a:rPr lang="en-GB" dirty="0"/>
+              <a:t>Based on </a:t>
+            </a:r>
+            <a:r>
+              <a:rPr lang="en-GB" dirty="0" err="1"/>
+              <a:t>StyleCop</a:t>
+            </a:r>
+            <a:r>
+              <a:rPr lang="en-GB" dirty="0"/>
+              <a:t> and other Code Analysis frameworks</a:t>
+            </a:r>
+          </a:p>
+        </p:txBody>
+      </p:sp>
+      <p:pic>
+        <p:nvPicPr>
+          <p:cNvPr id="9" name="Picture 8"/>
+          <p:cNvPicPr>
+            <a:picLocks noChangeAspect="1"/>
+          </p:cNvPicPr>
+          <p:nvPr/>
+        </p:nvPicPr>
+        <p:blipFill>
+          <a:blip r:embed="rId2">
+            <a:extLst>
+              <a:ext uri="{28A0092B-C50C-407E-A947-70E740481C1C}">
+                <a14:useLocalDpi xmlns:a14="http://schemas.microsoft.com/office/drawing/2010/main" val="0"/>
+              </a:ext>
+            </a:extLst>
+          </a:blip>
+          <a:stretch>
+            <a:fillRect/>
+          </a:stretch>
+        </p:blipFill>
+        <p:spPr>
+          <a:xfrm>
+            <a:off x="360485" y="2333203"/>
+            <a:ext cx="6226620" cy="3243503"/>
+          </a:xfrm>
+          <a:prstGeom prst="rect">
+            <a:avLst/>
+          </a:prstGeom>
+        </p:spPr>
+      </p:pic>
+    </p:spTree>
+    <p:extLst>
+      <p:ext uri="{BB962C8B-B14F-4D97-AF65-F5344CB8AC3E}">
+        <p14:creationId xmlns:p14="http://schemas.microsoft.com/office/powerpoint/2010/main" val="3380733063"/>
+      </p:ext>
+    </p:extLst>
+  </p:cSld>
+  <p:clrMapOvr>
+    <a:masterClrMapping/>
+  </p:clrMapOvr>
+  <p:timing>
+    <p:tnLst>
+      <p:par>
+        <p:cTn id="1" dur="indefinite" restart="never" nodeType="tmRoot">
+          <p:childTnLst>
+            <p:seq concurrent="1" nextAc="seek">
+              <p:cTn id="2" dur="indefinite" nodeType="mainSeq">
+                <p:childTnLst>
+                  <p:par>
+                    <p:cTn id="3" fill="hold">
+                      <p:stCondLst>
+                        <p:cond delay="indefinite"/>
+                      </p:stCondLst>
+                      <p:childTnLst>
+                        <p:par>
+                          <p:cTn id="4" fill="hold">
+                            <p:stCondLst>
+                              <p:cond delay="0"/>
+                            </p:stCondLst>
+                            <p:childTnLst>
+                              <p:par>
+                                <p:cTn id="5" presetID="1" presetClass="entr" presetSubtype="0" fill="hold" grpId="0" nodeType="clickEffect">
+                                  <p:stCondLst>
+                                    <p:cond delay="0"/>
+                                  </p:stCondLst>
+                                  <p:childTnLst>
+                                    <p:set>
+                                      <p:cBhvr>
+                                        <p:cTn id="6" dur="1" fill="hold">
+                                          <p:stCondLst>
+                                            <p:cond delay="0"/>
+                                          </p:stCondLst>
+                                        </p:cTn>
+                                        <p:tgtEl>
+                                          <p:spTgt spid="6"/>
+                                        </p:tgtEl>
+                                        <p:attrNameLst>
+                                          <p:attrName>style.visibility</p:attrName>
+                                        </p:attrNameLst>
+                                      </p:cBhvr>
+                                      <p:to>
+                                        <p:strVal val="visible"/>
+                                      </p:to>
+                                    </p:set>
+                                  </p:childTnLst>
+                                </p:cTn>
+                              </p:par>
+                            </p:childTnLst>
+                          </p:cTn>
+                        </p:par>
+                      </p:childTnLst>
+                    </p:cTn>
+                  </p:par>
+                  <p:par>
+                    <p:cTn id="7" fill="hold">
+                      <p:stCondLst>
+                        <p:cond delay="indefinite"/>
+                      </p:stCondLst>
+                      <p:childTnLst>
+                        <p:par>
+                          <p:cTn id="8" fill="hold">
+                            <p:stCondLst>
+                              <p:cond delay="0"/>
+                            </p:stCondLst>
+                            <p:childTnLst>
+                              <p:par>
+                                <p:cTn id="9" presetID="1" presetClass="entr" presetSubtype="0" fill="hold" grpId="0" nodeType="clickEffect">
+                                  <p:stCondLst>
+                                    <p:cond delay="0"/>
+                                  </p:stCondLst>
+                                  <p:childTnLst>
+                                    <p:set>
+                                      <p:cBhvr>
+                                        <p:cTn id="10" dur="1" fill="hold">
+                                          <p:stCondLst>
+                                            <p:cond delay="0"/>
+                                          </p:stCondLst>
+                                        </p:cTn>
+                                        <p:tgtEl>
+                                          <p:spTgt spid="8">
+                                            <p:txEl>
+                                              <p:pRg st="0" end="0"/>
+                                            </p:txEl>
+                                          </p:spTgt>
+                                        </p:tgtEl>
+                                        <p:attrNameLst>
+                                          <p:attrName>style.visibility</p:attrName>
+                                        </p:attrNameLst>
+                                      </p:cBhvr>
+                                      <p:to>
+                                        <p:strVal val="visible"/>
+                                      </p:to>
+                                    </p:set>
+                                  </p:childTnLst>
+                                </p:cTn>
+                              </p:par>
+                            </p:childTnLst>
+                          </p:cTn>
+                        </p:par>
+                      </p:childTnLst>
+                    </p:cTn>
+                  </p:par>
+                  <p:par>
+                    <p:cTn id="11" fill="hold">
+                      <p:stCondLst>
+                        <p:cond delay="indefinite"/>
+                      </p:stCondLst>
+                      <p:childTnLst>
+                        <p:par>
+                          <p:cTn id="12" fill="hold">
+                            <p:stCondLst>
+                              <p:cond delay="0"/>
+                            </p:stCondLst>
+                            <p:childTnLst>
+                              <p:par>
+                                <p:cTn id="13" presetID="1" presetClass="entr" presetSubtype="0" fill="hold" grpId="0" nodeType="clickEffect">
+                                  <p:stCondLst>
+                                    <p:cond delay="0"/>
+                                  </p:stCondLst>
+                                  <p:childTnLst>
+                                    <p:set>
+                                      <p:cBhvr>
+                                        <p:cTn id="14" dur="1" fill="hold">
+                                          <p:stCondLst>
+                                            <p:cond delay="0"/>
+                                          </p:stCondLst>
+                                        </p:cTn>
+                                        <p:tgtEl>
+                                          <p:spTgt spid="8">
+                                            <p:txEl>
+                                              <p:pRg st="2" end="2"/>
+                                            </p:txEl>
+                                          </p:spTgt>
+                                        </p:tgtEl>
+                                        <p:attrNameLst>
+                                          <p:attrName>style.visibility</p:attrName>
+                                        </p:attrNameLst>
+                                      </p:cBhvr>
+                                      <p:to>
+                                        <p:strVal val="visible"/>
+                                      </p:to>
+                                    </p:set>
+                                  </p:childTnLst>
+                                </p:cTn>
+                              </p:par>
+                            </p:childTnLst>
+                          </p:cTn>
+                        </p:par>
+                      </p:childTnLst>
+                    </p:cTn>
+                  </p:par>
+                  <p:par>
+                    <p:cTn id="15" fill="hold">
+                      <p:stCondLst>
+                        <p:cond delay="indefinite"/>
+                      </p:stCondLst>
+                      <p:childTnLst>
+                        <p:par>
+                          <p:cTn id="16" fill="hold">
+                            <p:stCondLst>
+                              <p:cond delay="0"/>
+                            </p:stCondLst>
+                            <p:childTnLst>
+                              <p:par>
+                                <p:cTn id="17" presetID="1" presetClass="entr" presetSubtype="0" fill="hold" grpId="0" nodeType="clickEffect">
+                                  <p:stCondLst>
+                                    <p:cond delay="0"/>
+                                  </p:stCondLst>
+                                  <p:childTnLst>
+                                    <p:set>
+                                      <p:cBhvr>
+                                        <p:cTn id="18" dur="1" fill="hold">
+                                          <p:stCondLst>
+                                            <p:cond delay="0"/>
+                                          </p:stCondLst>
+                                        </p:cTn>
+                                        <p:tgtEl>
+                                          <p:spTgt spid="8">
+                                            <p:txEl>
+                                              <p:pRg st="4" end="4"/>
+                                            </p:txEl>
+                                          </p:spTgt>
+                                        </p:tgtEl>
+                                        <p:attrNameLst>
+                                          <p:attrName>style.visibility</p:attrName>
+                                        </p:attrNameLst>
+                                      </p:cBhvr>
+                                      <p:to>
+                                        <p:strVal val="visible"/>
+                                      </p:to>
+                                    </p:set>
+                                  </p:childTnLst>
+                                </p:cTn>
+                              </p:par>
+                            </p:childTnLst>
+                          </p:cTn>
+                        </p:par>
+                      </p:childTnLst>
+                    </p:cTn>
+                  </p:par>
+                  <p:par>
+                    <p:cTn id="19" fill="hold">
+                      <p:stCondLst>
+                        <p:cond delay="indefinite"/>
+                      </p:stCondLst>
+                      <p:childTnLst>
+                        <p:par>
+                          <p:cTn id="20" fill="hold">
+                            <p:stCondLst>
+                              <p:cond delay="0"/>
+                            </p:stCondLst>
+                            <p:childTnLst>
+                              <p:par>
+                                <p:cTn id="21" presetID="1" presetClass="entr" presetSubtype="0" fill="hold" grpId="0" nodeType="clickEffect">
+                                  <p:stCondLst>
+                                    <p:cond delay="0"/>
+                                  </p:stCondLst>
+                                  <p:childTnLst>
+                                    <p:set>
+                                      <p:cBhvr>
+                                        <p:cTn id="22" dur="1" fill="hold">
+                                          <p:stCondLst>
+                                            <p:cond delay="0"/>
+                                          </p:stCondLst>
+                                        </p:cTn>
+                                        <p:tgtEl>
+                                          <p:spTgt spid="8">
+                                            <p:txEl>
+                                              <p:pRg st="6" end="6"/>
+                                            </p:txEl>
+                                          </p:spTgt>
+                                        </p:tgtEl>
+                                        <p:attrNameLst>
+                                          <p:attrName>style.visibility</p:attrName>
+                                        </p:attrNameLst>
+                                      </p:cBhvr>
+                                      <p:to>
+                                        <p:strVal val="visible"/>
+                                      </p:to>
+                                    </p:set>
+                                  </p:childTnLst>
+                                </p:cTn>
+                              </p:par>
+                            </p:childTnLst>
+                          </p:cTn>
+                        </p:par>
+                      </p:childTnLst>
+                    </p:cTn>
+                  </p:par>
+                  <p:par>
+                    <p:cTn id="23" fill="hold">
+                      <p:stCondLst>
+                        <p:cond delay="indefinite"/>
+                      </p:stCondLst>
+                      <p:childTnLst>
+                        <p:par>
+                          <p:cTn id="24" fill="hold">
+                            <p:stCondLst>
+                              <p:cond delay="0"/>
+                            </p:stCondLst>
+                            <p:childTnLst>
+                              <p:par>
+                                <p:cTn id="25" presetID="1" presetClass="entr" presetSubtype="0" fill="hold" grpId="0" nodeType="clickEffect">
+                                  <p:stCondLst>
+                                    <p:cond delay="0"/>
+                                  </p:stCondLst>
+                                  <p:childTnLst>
+                                    <p:set>
+                                      <p:cBhvr>
+                                        <p:cTn id="26" dur="1" fill="hold">
+                                          <p:stCondLst>
+                                            <p:cond delay="0"/>
+                                          </p:stCondLst>
+                                        </p:cTn>
+                                        <p:tgtEl>
+                                          <p:spTgt spid="8">
+                                            <p:txEl>
+                                              <p:pRg st="8" end="8"/>
+                                            </p:txEl>
+                                          </p:spTgt>
+                                        </p:tgtEl>
+                                        <p:attrNameLst>
+                                          <p:attrName>style.visibility</p:attrName>
+                                        </p:attrNameLst>
+                                      </p:cBhvr>
+                                      <p:to>
+                                        <p:strVal val="visible"/>
+                                      </p:to>
+                                    </p:set>
+                                  </p:childTnLst>
+                                </p:cTn>
+                              </p:par>
+                            </p:childTnLst>
+                          </p:cTn>
+                        </p:par>
+                      </p:childTnLst>
+                    </p:cTn>
+                  </p:par>
+                  <p:par>
+                    <p:cTn id="27" fill="hold">
+                      <p:stCondLst>
+                        <p:cond delay="indefinite"/>
+                      </p:stCondLst>
+                      <p:childTnLst>
+                        <p:par>
+                          <p:cTn id="28" fill="hold">
+                            <p:stCondLst>
+                              <p:cond delay="0"/>
+                            </p:stCondLst>
+                            <p:childTnLst>
+                              <p:par>
+                                <p:cTn id="29" presetID="1" presetClass="entr" presetSubtype="0" fill="hold" grpId="0" nodeType="clickEffect">
+                                  <p:stCondLst>
+                                    <p:cond delay="0"/>
+                                  </p:stCondLst>
+                                  <p:childTnLst>
+                                    <p:set>
+                                      <p:cBhvr>
+                                        <p:cTn id="30" dur="1" fill="hold">
+                                          <p:stCondLst>
+                                            <p:cond delay="0"/>
+                                          </p:stCondLst>
+                                        </p:cTn>
+                                        <p:tgtEl>
+                                          <p:spTgt spid="8">
+                                            <p:txEl>
+                                              <p:pRg st="10" end="10"/>
+                                            </p:txEl>
+                                          </p:spTgt>
+                                        </p:tgtEl>
+                                        <p:attrNameLst>
+                                          <p:attrName>style.visibility</p:attrName>
+                                        </p:attrNameLst>
+                                      </p:cBhvr>
+                                      <p:to>
+                                        <p:strVal val="visible"/>
+                                      </p:to>
+                                    </p:set>
+                                  </p:childTnLst>
+                                </p:cTn>
+                              </p:par>
+                            </p:childTnLst>
+                          </p:cTn>
+                        </p:par>
+                      </p:childTnLst>
+                    </p:cTn>
+                  </p:par>
+                  <p:par>
+                    <p:cTn id="31" fill="hold">
+                      <p:stCondLst>
+                        <p:cond delay="indefinite"/>
+                      </p:stCondLst>
+                      <p:childTnLst>
+                        <p:par>
+                          <p:cTn id="32" fill="hold">
+                            <p:stCondLst>
+                              <p:cond delay="0"/>
+                            </p:stCondLst>
+                            <p:childTnLst>
+                              <p:par>
+                                <p:cTn id="33" presetID="2" presetClass="entr" presetSubtype="4" fill="hold" nodeType="clickEffect">
+                                  <p:stCondLst>
+                                    <p:cond delay="0"/>
+                                  </p:stCondLst>
+                                  <p:childTnLst>
+                                    <p:set>
+                                      <p:cBhvr>
+                                        <p:cTn id="34" dur="1" fill="hold">
+                                          <p:stCondLst>
+                                            <p:cond delay="0"/>
+                                          </p:stCondLst>
+                                        </p:cTn>
+                                        <p:tgtEl>
+                                          <p:spTgt spid="9"/>
+                                        </p:tgtEl>
+                                        <p:attrNameLst>
+                                          <p:attrName>style.visibility</p:attrName>
+                                        </p:attrNameLst>
+                                      </p:cBhvr>
+                                      <p:to>
+                                        <p:strVal val="visible"/>
+                                      </p:to>
+                                    </p:set>
+                                    <p:anim calcmode="lin" valueType="num">
+                                      <p:cBhvr additive="base">
+                                        <p:cTn id="35" dur="500" fill="hold"/>
+                                        <p:tgtEl>
+                                          <p:spTgt spid="9"/>
+                                        </p:tgtEl>
+                                        <p:attrNameLst>
+                                          <p:attrName>ppt_x</p:attrName>
+                                        </p:attrNameLst>
+                                      </p:cBhvr>
+                                      <p:tavLst>
+                                        <p:tav tm="0">
+                                          <p:val>
+                                            <p:strVal val="#ppt_x"/>
+                                          </p:val>
+                                        </p:tav>
+                                        <p:tav tm="100000">
+                                          <p:val>
+                                            <p:strVal val="#ppt_x"/>
+                                          </p:val>
+                                        </p:tav>
+                                      </p:tavLst>
+                                    </p:anim>
+                                    <p:anim calcmode="lin" valueType="num">
+                                      <p:cBhvr additive="base">
+                                        <p:cTn id="36" dur="500" fill="hold"/>
+                                        <p:tgtEl>
+                                          <p:spTgt spid="9"/>
+                                        </p:tgtEl>
+                                        <p:attrNameLst>
+                                          <p:attrName>ppt_y</p:attrName>
+                                        </p:attrNameLst>
+                                      </p:cBhvr>
+                                      <p:tavLst>
+                                        <p:tav tm="0">
+                                          <p:val>
+                                            <p:strVal val="1+#ppt_h/2"/>
+                                          </p:val>
+                                        </p:tav>
+                                        <p:tav tm="100000">
+                                          <p:val>
+                                            <p:strVal val="#ppt_y"/>
+                                          </p:val>
+                                        </p:tav>
+                                      </p:tavLst>
+                                    </p:anim>
+                                  </p:childTnLst>
+                                </p:cTn>
+                              </p:par>
+                            </p:childTnLst>
+                          </p:cTn>
+                        </p:par>
+                      </p:childTnLst>
+                    </p:cTn>
+                  </p:par>
+                </p:childTnLst>
+              </p:cTn>
+              <p:prevCondLst>
+                <p:cond evt="onPrev" delay="0">
+                  <p:tgtEl>
+                    <p:sldTgt/>
+                  </p:tgtEl>
+                </p:cond>
+              </p:prevCondLst>
+              <p:nextCondLst>
+                <p:cond evt="onNext" delay="0">
+                  <p:tgtEl>
+                    <p:sldTgt/>
+                  </p:tgtEl>
+                </p:cond>
+              </p:nextCondLst>
+            </p:seq>
+          </p:childTnLst>
+        </p:cTn>
+      </p:par>
+    </p:tnLst>
+    <p:bldLst>
+      <p:bldP spid="6" grpId="0"/>
+      <p:bldP spid="8" grpId="0" build="p"/>
     </p:bldLst>
   </p:timing>
 </p:sld>

--- a/Teaching The It Pro How to Dev/Teaching the ITPro how to Dev.pptx
+++ b/Teaching The It Pro How to Dev/Teaching the ITPro how to Dev.pptx
@@ -5,22 +5,23 @@
     <p:sldMasterId id="2147483648" r:id="rId1"/>
   </p:sldMasterIdLst>
   <p:notesMasterIdLst>
-    <p:notesMasterId r:id="rId15"/>
+    <p:notesMasterId r:id="rId16"/>
   </p:notesMasterIdLst>
   <p:sldIdLst>
     <p:sldId id="256" r:id="rId2"/>
     <p:sldId id="258" r:id="rId3"/>
     <p:sldId id="298" r:id="rId4"/>
     <p:sldId id="259" r:id="rId5"/>
-    <p:sldId id="288" r:id="rId6"/>
-    <p:sldId id="292" r:id="rId7"/>
-    <p:sldId id="302" r:id="rId8"/>
-    <p:sldId id="299" r:id="rId9"/>
-    <p:sldId id="303" r:id="rId10"/>
-    <p:sldId id="301" r:id="rId11"/>
-    <p:sldId id="287" r:id="rId12"/>
-    <p:sldId id="307" r:id="rId13"/>
-    <p:sldId id="283" r:id="rId14"/>
+    <p:sldId id="308" r:id="rId6"/>
+    <p:sldId id="288" r:id="rId7"/>
+    <p:sldId id="292" r:id="rId8"/>
+    <p:sldId id="302" r:id="rId9"/>
+    <p:sldId id="299" r:id="rId10"/>
+    <p:sldId id="303" r:id="rId11"/>
+    <p:sldId id="301" r:id="rId12"/>
+    <p:sldId id="287" r:id="rId13"/>
+    <p:sldId id="307" r:id="rId14"/>
+    <p:sldId id="283" r:id="rId15"/>
   </p:sldIdLst>
   <p:sldSz cx="12192000" cy="6858000"/>
   <p:notesSz cx="6858000" cy="9144000"/>
@@ -209,7 +210,7 @@
           <a:p>
             <a:fld id="{3D7368E2-82AA-4A5C-9CBF-886E427DDC40}" type="datetimeFigureOut">
               <a:rPr lang="en-GB" smtClean="0"/>
-              <a:t>23/07/2016</a:t>
+              <a:t>24/10/2016</a:t>
             </a:fld>
             <a:endParaRPr lang="en-GB"/>
           </a:p>
@@ -692,7 +693,7 @@
           <a:p>
             <a:fld id="{D8D374B1-36E8-4293-89C8-B45A6D7B3AE1}" type="datetimeFigureOut">
               <a:rPr lang="en-GB" smtClean="0"/>
-              <a:t>23/07/2016</a:t>
+              <a:t>24/10/2016</a:t>
             </a:fld>
             <a:endParaRPr lang="en-GB" dirty="0"/>
           </a:p>
@@ -862,7 +863,7 @@
           <a:p>
             <a:fld id="{D8D374B1-36E8-4293-89C8-B45A6D7B3AE1}" type="datetimeFigureOut">
               <a:rPr lang="en-GB" smtClean="0"/>
-              <a:t>23/07/2016</a:t>
+              <a:t>24/10/2016</a:t>
             </a:fld>
             <a:endParaRPr lang="en-GB" dirty="0"/>
           </a:p>
@@ -1042,7 +1043,7 @@
           <a:p>
             <a:fld id="{D8D374B1-36E8-4293-89C8-B45A6D7B3AE1}" type="datetimeFigureOut">
               <a:rPr lang="en-GB" smtClean="0"/>
-              <a:t>23/07/2016</a:t>
+              <a:t>24/10/2016</a:t>
             </a:fld>
             <a:endParaRPr lang="en-GB" dirty="0"/>
           </a:p>
@@ -1212,7 +1213,7 @@
           <a:p>
             <a:fld id="{D8D374B1-36E8-4293-89C8-B45A6D7B3AE1}" type="datetimeFigureOut">
               <a:rPr lang="en-GB" smtClean="0"/>
-              <a:t>23/07/2016</a:t>
+              <a:t>24/10/2016</a:t>
             </a:fld>
             <a:endParaRPr lang="en-GB" dirty="0"/>
           </a:p>
@@ -1458,7 +1459,7 @@
           <a:p>
             <a:fld id="{D8D374B1-36E8-4293-89C8-B45A6D7B3AE1}" type="datetimeFigureOut">
               <a:rPr lang="en-GB" smtClean="0"/>
-              <a:t>23/07/2016</a:t>
+              <a:t>24/10/2016</a:t>
             </a:fld>
             <a:endParaRPr lang="en-GB" dirty="0"/>
           </a:p>
@@ -1690,7 +1691,7 @@
           <a:p>
             <a:fld id="{D8D374B1-36E8-4293-89C8-B45A6D7B3AE1}" type="datetimeFigureOut">
               <a:rPr lang="en-GB" smtClean="0"/>
-              <a:t>23/07/2016</a:t>
+              <a:t>24/10/2016</a:t>
             </a:fld>
             <a:endParaRPr lang="en-GB" dirty="0"/>
           </a:p>
@@ -2057,7 +2058,7 @@
           <a:p>
             <a:fld id="{D8D374B1-36E8-4293-89C8-B45A6D7B3AE1}" type="datetimeFigureOut">
               <a:rPr lang="en-GB" smtClean="0"/>
-              <a:t>23/07/2016</a:t>
+              <a:t>24/10/2016</a:t>
             </a:fld>
             <a:endParaRPr lang="en-GB" dirty="0"/>
           </a:p>
@@ -2175,7 +2176,7 @@
           <a:p>
             <a:fld id="{D8D374B1-36E8-4293-89C8-B45A6D7B3AE1}" type="datetimeFigureOut">
               <a:rPr lang="en-GB" smtClean="0"/>
-              <a:t>23/07/2016</a:t>
+              <a:t>24/10/2016</a:t>
             </a:fld>
             <a:endParaRPr lang="en-GB" dirty="0"/>
           </a:p>
@@ -2270,7 +2271,7 @@
           <a:p>
             <a:fld id="{D8D374B1-36E8-4293-89C8-B45A6D7B3AE1}" type="datetimeFigureOut">
               <a:rPr lang="en-GB" smtClean="0"/>
-              <a:t>23/07/2016</a:t>
+              <a:t>24/10/2016</a:t>
             </a:fld>
             <a:endParaRPr lang="en-GB" dirty="0"/>
           </a:p>
@@ -2547,7 +2548,7 @@
           <a:p>
             <a:fld id="{D8D374B1-36E8-4293-89C8-B45A6D7B3AE1}" type="datetimeFigureOut">
               <a:rPr lang="en-GB" smtClean="0"/>
-              <a:t>23/07/2016</a:t>
+              <a:t>24/10/2016</a:t>
             </a:fld>
             <a:endParaRPr lang="en-GB" dirty="0"/>
           </a:p>
@@ -2800,7 +2801,7 @@
           <a:p>
             <a:fld id="{D8D374B1-36E8-4293-89C8-B45A6D7B3AE1}" type="datetimeFigureOut">
               <a:rPr lang="en-GB" smtClean="0"/>
-              <a:t>23/07/2016</a:t>
+              <a:t>24/10/2016</a:t>
             </a:fld>
             <a:endParaRPr lang="en-GB" dirty="0"/>
           </a:p>
@@ -3013,7 +3014,7 @@
           <a:p>
             <a:fld id="{D8D374B1-36E8-4293-89C8-B45A6D7B3AE1}" type="datetimeFigureOut">
               <a:rPr lang="en-GB" smtClean="0"/>
-              <a:t>23/07/2016</a:t>
+              <a:t>24/10/2016</a:t>
             </a:fld>
             <a:endParaRPr lang="en-GB" dirty="0"/>
           </a:p>
@@ -3979,6 +3980,723 @@
         </p:nvSpPr>
         <p:spPr>
           <a:xfrm>
+            <a:off x="0" y="-2"/>
+            <a:ext cx="12192000" cy="6858000"/>
+          </a:xfrm>
+          <a:prstGeom prst="rect">
+            <a:avLst/>
+          </a:prstGeom>
+          <a:solidFill>
+            <a:schemeClr val="accent1">
+              <a:lumMod val="60000"/>
+              <a:lumOff val="40000"/>
+            </a:schemeClr>
+          </a:solidFill>
+        </p:spPr>
+        <p:style>
+          <a:lnRef idx="2">
+            <a:schemeClr val="accent2">
+              <a:shade val="50000"/>
+            </a:schemeClr>
+          </a:lnRef>
+          <a:fillRef idx="1">
+            <a:schemeClr val="accent2"/>
+          </a:fillRef>
+          <a:effectRef idx="0">
+            <a:schemeClr val="accent2"/>
+          </a:effectRef>
+          <a:fontRef idx="minor">
+            <a:schemeClr val="lt1"/>
+          </a:fontRef>
+        </p:style>
+        <p:txBody>
+          <a:bodyPr rtlCol="0" anchor="ctr"/>
+          <a:lstStyle/>
+          <a:p>
+            <a:pPr algn="ctr"/>
+            <a:endParaRPr lang="en-GB" dirty="0"/>
+          </a:p>
+        </p:txBody>
+      </p:sp>
+      <p:sp>
+        <p:nvSpPr>
+          <p:cNvPr id="8" name="TextBox 7"/>
+          <p:cNvSpPr txBox="1"/>
+          <p:nvPr/>
+        </p:nvSpPr>
+        <p:spPr>
+          <a:xfrm>
+            <a:off x="6947590" y="1494179"/>
+            <a:ext cx="4352193" cy="5324535"/>
+          </a:xfrm>
+          <a:prstGeom prst="rect">
+            <a:avLst/>
+          </a:prstGeom>
+          <a:noFill/>
+        </p:spPr>
+        <p:txBody>
+          <a:bodyPr wrap="square" rtlCol="0">
+            <a:spAutoFit/>
+          </a:bodyPr>
+          <a:lstStyle/>
+          <a:p>
+            <a:pPr marL="285750" indent="-285750">
+              <a:buFont typeface="Arial" panose="020B0604020202020204" pitchFamily="34" charset="0"/>
+              <a:buChar char="•"/>
+            </a:pPr>
+            <a:r>
+              <a:rPr lang="en-GB" sz="2000" dirty="0"/>
+              <a:t>Static Code Analysis of your PowerShell scripts – think SPCAF</a:t>
+            </a:r>
+          </a:p>
+          <a:p>
+            <a:pPr marL="285750" indent="-285750">
+              <a:buFont typeface="Arial" panose="020B0604020202020204" pitchFamily="34" charset="0"/>
+              <a:buChar char="•"/>
+            </a:pPr>
+            <a:endParaRPr lang="en-GB" sz="2000" dirty="0"/>
+          </a:p>
+          <a:p>
+            <a:pPr marL="285750" indent="-285750">
+              <a:buFont typeface="Arial" panose="020B0604020202020204" pitchFamily="34" charset="0"/>
+              <a:buChar char="•"/>
+            </a:pPr>
+            <a:r>
+              <a:rPr lang="en-GB" sz="2000" dirty="0"/>
+              <a:t>Written in C# but can be extended with PowerShell or C# Rules</a:t>
+            </a:r>
+          </a:p>
+          <a:p>
+            <a:pPr marL="285750" indent="-285750">
+              <a:buFont typeface="Arial" panose="020B0604020202020204" pitchFamily="34" charset="0"/>
+              <a:buChar char="•"/>
+            </a:pPr>
+            <a:endParaRPr lang="en-GB" sz="2000" dirty="0"/>
+          </a:p>
+          <a:p>
+            <a:pPr marL="285750" indent="-285750">
+              <a:buFont typeface="Arial" panose="020B0604020202020204" pitchFamily="34" charset="0"/>
+              <a:buChar char="•"/>
+            </a:pPr>
+            <a:r>
+              <a:rPr lang="en-GB" sz="2000" dirty="0"/>
+              <a:t>Continually being worked on</a:t>
+            </a:r>
+          </a:p>
+          <a:p>
+            <a:pPr marL="285750" indent="-285750">
+              <a:buFont typeface="Arial" panose="020B0604020202020204" pitchFamily="34" charset="0"/>
+              <a:buChar char="•"/>
+            </a:pPr>
+            <a:endParaRPr lang="en-GB" sz="2000" dirty="0"/>
+          </a:p>
+          <a:p>
+            <a:pPr marL="285750" indent="-285750">
+              <a:buFont typeface="Arial" panose="020B0604020202020204" pitchFamily="34" charset="0"/>
+              <a:buChar char="•"/>
+            </a:pPr>
+            <a:r>
+              <a:rPr lang="en-GB" sz="2000" dirty="0"/>
+              <a:t>Submits to the PowerShell Gallery get Run through the Script </a:t>
+            </a:r>
+            <a:r>
+              <a:rPr lang="en-GB" sz="2000" dirty="0" err="1"/>
+              <a:t>Analyzer</a:t>
+            </a:r>
+            <a:r>
+              <a:rPr lang="en-GB" sz="2000" dirty="0"/>
+              <a:t> and fails can mean that a submission gets removed</a:t>
+            </a:r>
+          </a:p>
+          <a:p>
+            <a:pPr marL="285750" indent="-285750">
+              <a:buFont typeface="Arial" panose="020B0604020202020204" pitchFamily="34" charset="0"/>
+              <a:buChar char="•"/>
+            </a:pPr>
+            <a:endParaRPr lang="en-GB" sz="2000" dirty="0"/>
+          </a:p>
+          <a:p>
+            <a:pPr marL="285750" indent="-285750">
+              <a:buFont typeface="Arial" panose="020B0604020202020204" pitchFamily="34" charset="0"/>
+              <a:buChar char="•"/>
+            </a:pPr>
+            <a:r>
+              <a:rPr lang="en-GB" sz="2000" dirty="0"/>
+              <a:t>Helps you to write better PowerShell</a:t>
+            </a:r>
+          </a:p>
+          <a:p>
+            <a:pPr marL="285750" indent="-285750">
+              <a:buFont typeface="Arial" panose="020B0604020202020204" pitchFamily="34" charset="0"/>
+              <a:buChar char="•"/>
+            </a:pPr>
+            <a:endParaRPr lang="en-GB" sz="2000" dirty="0"/>
+          </a:p>
+          <a:p>
+            <a:pPr marL="285750" indent="-285750">
+              <a:buFont typeface="Arial" panose="020B0604020202020204" pitchFamily="34" charset="0"/>
+              <a:buChar char="•"/>
+            </a:pPr>
+            <a:r>
+              <a:rPr lang="en-GB" sz="2000" dirty="0"/>
+              <a:t>Based on </a:t>
+            </a:r>
+            <a:r>
+              <a:rPr lang="en-GB" sz="2000" dirty="0" err="1"/>
+              <a:t>StyleCop</a:t>
+            </a:r>
+            <a:r>
+              <a:rPr lang="en-GB" sz="2000" dirty="0"/>
+              <a:t> and other Code Analysis frameworks</a:t>
+            </a:r>
+          </a:p>
+        </p:txBody>
+      </p:sp>
+      <p:pic>
+        <p:nvPicPr>
+          <p:cNvPr id="9" name="Picture 8"/>
+          <p:cNvPicPr>
+            <a:picLocks noChangeAspect="1"/>
+          </p:cNvPicPr>
+          <p:nvPr/>
+        </p:nvPicPr>
+        <p:blipFill>
+          <a:blip r:embed="rId2">
+            <a:extLst>
+              <a:ext uri="{28A0092B-C50C-407E-A947-70E740481C1C}">
+                <a14:useLocalDpi xmlns:a14="http://schemas.microsoft.com/office/drawing/2010/main" val="0"/>
+              </a:ext>
+            </a:extLst>
+          </a:blip>
+          <a:stretch>
+            <a:fillRect/>
+          </a:stretch>
+        </p:blipFill>
+        <p:spPr>
+          <a:xfrm>
+            <a:off x="360485" y="2333203"/>
+            <a:ext cx="6226620" cy="3243503"/>
+          </a:xfrm>
+          <a:prstGeom prst="rect">
+            <a:avLst/>
+          </a:prstGeom>
+        </p:spPr>
+      </p:pic>
+      <p:sp>
+        <p:nvSpPr>
+          <p:cNvPr id="3" name="Title 2"/>
+          <p:cNvSpPr>
+            <a:spLocks noGrp="1"/>
+          </p:cNvSpPr>
+          <p:nvPr>
+            <p:ph type="ctrTitle"/>
+          </p:nvPr>
+        </p:nvSpPr>
+        <p:spPr>
+          <a:xfrm>
+            <a:off x="1458012" y="217869"/>
+            <a:ext cx="9144000" cy="1176760"/>
+          </a:xfrm>
+        </p:spPr>
+        <p:txBody>
+          <a:bodyPr>
+            <a:normAutofit/>
+          </a:bodyPr>
+          <a:lstStyle/>
+          <a:p>
+            <a:r>
+              <a:rPr lang="en-GB" dirty="0"/>
+              <a:t>PSScriptAnalyzer</a:t>
+            </a:r>
+            <a:endParaRPr lang="en-GB" dirty="0"/>
+          </a:p>
+        </p:txBody>
+      </p:sp>
+      <p:sp>
+        <p:nvSpPr>
+          <p:cNvPr id="10" name="TextBox 9"/>
+          <p:cNvSpPr txBox="1"/>
+          <p:nvPr/>
+        </p:nvSpPr>
+        <p:spPr>
+          <a:xfrm>
+            <a:off x="9784397" y="6395044"/>
+            <a:ext cx="2238022" cy="369332"/>
+          </a:xfrm>
+          <a:prstGeom prst="rect">
+            <a:avLst/>
+          </a:prstGeom>
+          <a:noFill/>
+        </p:spPr>
+        <p:txBody>
+          <a:bodyPr wrap="square" rtlCol="0">
+            <a:spAutoFit/>
+          </a:bodyPr>
+          <a:lstStyle/>
+          <a:p>
+            <a:r>
+              <a:rPr lang="en-GB" dirty="0"/>
+              <a:t>@ryanyates1990</a:t>
+            </a:r>
+          </a:p>
+        </p:txBody>
+      </p:sp>
+    </p:spTree>
+    <p:extLst>
+      <p:ext uri="{BB962C8B-B14F-4D97-AF65-F5344CB8AC3E}">
+        <p14:creationId xmlns:p14="http://schemas.microsoft.com/office/powerpoint/2010/main" val="3380733063"/>
+      </p:ext>
+    </p:extLst>
+  </p:cSld>
+  <p:clrMapOvr>
+    <a:masterClrMapping/>
+  </p:clrMapOvr>
+  <p:timing>
+    <p:tnLst>
+      <p:par>
+        <p:cTn id="1" dur="indefinite" restart="never" nodeType="tmRoot">
+          <p:childTnLst>
+            <p:seq concurrent="1" nextAc="seek">
+              <p:cTn id="2" dur="indefinite" nodeType="mainSeq">
+                <p:childTnLst>
+                  <p:par>
+                    <p:cTn id="3" fill="hold">
+                      <p:stCondLst>
+                        <p:cond delay="indefinite"/>
+                      </p:stCondLst>
+                      <p:childTnLst>
+                        <p:par>
+                          <p:cTn id="4" fill="hold">
+                            <p:stCondLst>
+                              <p:cond delay="0"/>
+                            </p:stCondLst>
+                            <p:childTnLst>
+                              <p:par>
+                                <p:cTn id="5" presetID="1" presetClass="entr" presetSubtype="0" fill="hold" grpId="0" nodeType="clickEffect">
+                                  <p:stCondLst>
+                                    <p:cond delay="0"/>
+                                  </p:stCondLst>
+                                  <p:childTnLst>
+                                    <p:set>
+                                      <p:cBhvr>
+                                        <p:cTn id="6" dur="1" fill="hold">
+                                          <p:stCondLst>
+                                            <p:cond delay="0"/>
+                                          </p:stCondLst>
+                                        </p:cTn>
+                                        <p:tgtEl>
+                                          <p:spTgt spid="8">
+                                            <p:txEl>
+                                              <p:pRg st="0" end="0"/>
+                                            </p:txEl>
+                                          </p:spTgt>
+                                        </p:tgtEl>
+                                        <p:attrNameLst>
+                                          <p:attrName>style.visibility</p:attrName>
+                                        </p:attrNameLst>
+                                      </p:cBhvr>
+                                      <p:to>
+                                        <p:strVal val="visible"/>
+                                      </p:to>
+                                    </p:set>
+                                  </p:childTnLst>
+                                </p:cTn>
+                              </p:par>
+                            </p:childTnLst>
+                          </p:cTn>
+                        </p:par>
+                      </p:childTnLst>
+                    </p:cTn>
+                  </p:par>
+                  <p:par>
+                    <p:cTn id="7" fill="hold">
+                      <p:stCondLst>
+                        <p:cond delay="indefinite"/>
+                      </p:stCondLst>
+                      <p:childTnLst>
+                        <p:par>
+                          <p:cTn id="8" fill="hold">
+                            <p:stCondLst>
+                              <p:cond delay="0"/>
+                            </p:stCondLst>
+                            <p:childTnLst>
+                              <p:par>
+                                <p:cTn id="9" presetID="1" presetClass="entr" presetSubtype="0" fill="hold" grpId="0" nodeType="clickEffect">
+                                  <p:stCondLst>
+                                    <p:cond delay="0"/>
+                                  </p:stCondLst>
+                                  <p:childTnLst>
+                                    <p:set>
+                                      <p:cBhvr>
+                                        <p:cTn id="10" dur="1" fill="hold">
+                                          <p:stCondLst>
+                                            <p:cond delay="0"/>
+                                          </p:stCondLst>
+                                        </p:cTn>
+                                        <p:tgtEl>
+                                          <p:spTgt spid="8">
+                                            <p:txEl>
+                                              <p:pRg st="2" end="2"/>
+                                            </p:txEl>
+                                          </p:spTgt>
+                                        </p:tgtEl>
+                                        <p:attrNameLst>
+                                          <p:attrName>style.visibility</p:attrName>
+                                        </p:attrNameLst>
+                                      </p:cBhvr>
+                                      <p:to>
+                                        <p:strVal val="visible"/>
+                                      </p:to>
+                                    </p:set>
+                                  </p:childTnLst>
+                                </p:cTn>
+                              </p:par>
+                            </p:childTnLst>
+                          </p:cTn>
+                        </p:par>
+                      </p:childTnLst>
+                    </p:cTn>
+                  </p:par>
+                  <p:par>
+                    <p:cTn id="11" fill="hold">
+                      <p:stCondLst>
+                        <p:cond delay="indefinite"/>
+                      </p:stCondLst>
+                      <p:childTnLst>
+                        <p:par>
+                          <p:cTn id="12" fill="hold">
+                            <p:stCondLst>
+                              <p:cond delay="0"/>
+                            </p:stCondLst>
+                            <p:childTnLst>
+                              <p:par>
+                                <p:cTn id="13" presetID="1" presetClass="entr" presetSubtype="0" fill="hold" grpId="0" nodeType="clickEffect">
+                                  <p:stCondLst>
+                                    <p:cond delay="0"/>
+                                  </p:stCondLst>
+                                  <p:childTnLst>
+                                    <p:set>
+                                      <p:cBhvr>
+                                        <p:cTn id="14" dur="1" fill="hold">
+                                          <p:stCondLst>
+                                            <p:cond delay="0"/>
+                                          </p:stCondLst>
+                                        </p:cTn>
+                                        <p:tgtEl>
+                                          <p:spTgt spid="8">
+                                            <p:txEl>
+                                              <p:pRg st="4" end="4"/>
+                                            </p:txEl>
+                                          </p:spTgt>
+                                        </p:tgtEl>
+                                        <p:attrNameLst>
+                                          <p:attrName>style.visibility</p:attrName>
+                                        </p:attrNameLst>
+                                      </p:cBhvr>
+                                      <p:to>
+                                        <p:strVal val="visible"/>
+                                      </p:to>
+                                    </p:set>
+                                  </p:childTnLst>
+                                </p:cTn>
+                              </p:par>
+                            </p:childTnLst>
+                          </p:cTn>
+                        </p:par>
+                      </p:childTnLst>
+                    </p:cTn>
+                  </p:par>
+                  <p:par>
+                    <p:cTn id="15" fill="hold">
+                      <p:stCondLst>
+                        <p:cond delay="indefinite"/>
+                      </p:stCondLst>
+                      <p:childTnLst>
+                        <p:par>
+                          <p:cTn id="16" fill="hold">
+                            <p:stCondLst>
+                              <p:cond delay="0"/>
+                            </p:stCondLst>
+                            <p:childTnLst>
+                              <p:par>
+                                <p:cTn id="17" presetID="1" presetClass="entr" presetSubtype="0" fill="hold" grpId="0" nodeType="clickEffect">
+                                  <p:stCondLst>
+                                    <p:cond delay="0"/>
+                                  </p:stCondLst>
+                                  <p:childTnLst>
+                                    <p:set>
+                                      <p:cBhvr>
+                                        <p:cTn id="18" dur="1" fill="hold">
+                                          <p:stCondLst>
+                                            <p:cond delay="0"/>
+                                          </p:stCondLst>
+                                        </p:cTn>
+                                        <p:tgtEl>
+                                          <p:spTgt spid="8">
+                                            <p:txEl>
+                                              <p:pRg st="6" end="6"/>
+                                            </p:txEl>
+                                          </p:spTgt>
+                                        </p:tgtEl>
+                                        <p:attrNameLst>
+                                          <p:attrName>style.visibility</p:attrName>
+                                        </p:attrNameLst>
+                                      </p:cBhvr>
+                                      <p:to>
+                                        <p:strVal val="visible"/>
+                                      </p:to>
+                                    </p:set>
+                                  </p:childTnLst>
+                                </p:cTn>
+                              </p:par>
+                            </p:childTnLst>
+                          </p:cTn>
+                        </p:par>
+                      </p:childTnLst>
+                    </p:cTn>
+                  </p:par>
+                  <p:par>
+                    <p:cTn id="19" fill="hold">
+                      <p:stCondLst>
+                        <p:cond delay="indefinite"/>
+                      </p:stCondLst>
+                      <p:childTnLst>
+                        <p:par>
+                          <p:cTn id="20" fill="hold">
+                            <p:stCondLst>
+                              <p:cond delay="0"/>
+                            </p:stCondLst>
+                            <p:childTnLst>
+                              <p:par>
+                                <p:cTn id="21" presetID="1" presetClass="entr" presetSubtype="0" fill="hold" grpId="0" nodeType="clickEffect">
+                                  <p:stCondLst>
+                                    <p:cond delay="0"/>
+                                  </p:stCondLst>
+                                  <p:childTnLst>
+                                    <p:set>
+                                      <p:cBhvr>
+                                        <p:cTn id="22" dur="1" fill="hold">
+                                          <p:stCondLst>
+                                            <p:cond delay="0"/>
+                                          </p:stCondLst>
+                                        </p:cTn>
+                                        <p:tgtEl>
+                                          <p:spTgt spid="8">
+                                            <p:txEl>
+                                              <p:pRg st="8" end="8"/>
+                                            </p:txEl>
+                                          </p:spTgt>
+                                        </p:tgtEl>
+                                        <p:attrNameLst>
+                                          <p:attrName>style.visibility</p:attrName>
+                                        </p:attrNameLst>
+                                      </p:cBhvr>
+                                      <p:to>
+                                        <p:strVal val="visible"/>
+                                      </p:to>
+                                    </p:set>
+                                  </p:childTnLst>
+                                </p:cTn>
+                              </p:par>
+                            </p:childTnLst>
+                          </p:cTn>
+                        </p:par>
+                      </p:childTnLst>
+                    </p:cTn>
+                  </p:par>
+                  <p:par>
+                    <p:cTn id="23" fill="hold">
+                      <p:stCondLst>
+                        <p:cond delay="indefinite"/>
+                      </p:stCondLst>
+                      <p:childTnLst>
+                        <p:par>
+                          <p:cTn id="24" fill="hold">
+                            <p:stCondLst>
+                              <p:cond delay="0"/>
+                            </p:stCondLst>
+                            <p:childTnLst>
+                              <p:par>
+                                <p:cTn id="25" presetID="1" presetClass="entr" presetSubtype="0" fill="hold" grpId="0" nodeType="clickEffect">
+                                  <p:stCondLst>
+                                    <p:cond delay="0"/>
+                                  </p:stCondLst>
+                                  <p:childTnLst>
+                                    <p:set>
+                                      <p:cBhvr>
+                                        <p:cTn id="26" dur="1" fill="hold">
+                                          <p:stCondLst>
+                                            <p:cond delay="0"/>
+                                          </p:stCondLst>
+                                        </p:cTn>
+                                        <p:tgtEl>
+                                          <p:spTgt spid="8">
+                                            <p:txEl>
+                                              <p:pRg st="10" end="10"/>
+                                            </p:txEl>
+                                          </p:spTgt>
+                                        </p:tgtEl>
+                                        <p:attrNameLst>
+                                          <p:attrName>style.visibility</p:attrName>
+                                        </p:attrNameLst>
+                                      </p:cBhvr>
+                                      <p:to>
+                                        <p:strVal val="visible"/>
+                                      </p:to>
+                                    </p:set>
+                                  </p:childTnLst>
+                                </p:cTn>
+                              </p:par>
+                            </p:childTnLst>
+                          </p:cTn>
+                        </p:par>
+                      </p:childTnLst>
+                    </p:cTn>
+                  </p:par>
+                  <p:par>
+                    <p:cTn id="27" fill="hold">
+                      <p:stCondLst>
+                        <p:cond delay="indefinite"/>
+                      </p:stCondLst>
+                      <p:childTnLst>
+                        <p:par>
+                          <p:cTn id="28" fill="hold">
+                            <p:stCondLst>
+                              <p:cond delay="0"/>
+                            </p:stCondLst>
+                            <p:childTnLst>
+                              <p:par>
+                                <p:cTn id="29" presetID="2" presetClass="entr" presetSubtype="4" fill="hold" nodeType="clickEffect">
+                                  <p:stCondLst>
+                                    <p:cond delay="0"/>
+                                  </p:stCondLst>
+                                  <p:childTnLst>
+                                    <p:set>
+                                      <p:cBhvr>
+                                        <p:cTn id="30" dur="1" fill="hold">
+                                          <p:stCondLst>
+                                            <p:cond delay="0"/>
+                                          </p:stCondLst>
+                                        </p:cTn>
+                                        <p:tgtEl>
+                                          <p:spTgt spid="9"/>
+                                        </p:tgtEl>
+                                        <p:attrNameLst>
+                                          <p:attrName>style.visibility</p:attrName>
+                                        </p:attrNameLst>
+                                      </p:cBhvr>
+                                      <p:to>
+                                        <p:strVal val="visible"/>
+                                      </p:to>
+                                    </p:set>
+                                    <p:anim calcmode="lin" valueType="num">
+                                      <p:cBhvr additive="base">
+                                        <p:cTn id="31" dur="500" fill="hold"/>
+                                        <p:tgtEl>
+                                          <p:spTgt spid="9"/>
+                                        </p:tgtEl>
+                                        <p:attrNameLst>
+                                          <p:attrName>ppt_x</p:attrName>
+                                        </p:attrNameLst>
+                                      </p:cBhvr>
+                                      <p:tavLst>
+                                        <p:tav tm="0">
+                                          <p:val>
+                                            <p:strVal val="#ppt_x"/>
+                                          </p:val>
+                                        </p:tav>
+                                        <p:tav tm="100000">
+                                          <p:val>
+                                            <p:strVal val="#ppt_x"/>
+                                          </p:val>
+                                        </p:tav>
+                                      </p:tavLst>
+                                    </p:anim>
+                                    <p:anim calcmode="lin" valueType="num">
+                                      <p:cBhvr additive="base">
+                                        <p:cTn id="32" dur="500" fill="hold"/>
+                                        <p:tgtEl>
+                                          <p:spTgt spid="9"/>
+                                        </p:tgtEl>
+                                        <p:attrNameLst>
+                                          <p:attrName>ppt_y</p:attrName>
+                                        </p:attrNameLst>
+                                      </p:cBhvr>
+                                      <p:tavLst>
+                                        <p:tav tm="0">
+                                          <p:val>
+                                            <p:strVal val="1+#ppt_h/2"/>
+                                          </p:val>
+                                        </p:tav>
+                                        <p:tav tm="100000">
+                                          <p:val>
+                                            <p:strVal val="#ppt_y"/>
+                                          </p:val>
+                                        </p:tav>
+                                      </p:tavLst>
+                                    </p:anim>
+                                  </p:childTnLst>
+                                </p:cTn>
+                              </p:par>
+                            </p:childTnLst>
+                          </p:cTn>
+                        </p:par>
+                      </p:childTnLst>
+                    </p:cTn>
+                  </p:par>
+                </p:childTnLst>
+              </p:cTn>
+              <p:prevCondLst>
+                <p:cond evt="onPrev" delay="0">
+                  <p:tgtEl>
+                    <p:sldTgt/>
+                  </p:tgtEl>
+                </p:cond>
+              </p:prevCondLst>
+              <p:nextCondLst>
+                <p:cond evt="onNext" delay="0">
+                  <p:tgtEl>
+                    <p:sldTgt/>
+                  </p:tgtEl>
+                </p:cond>
+              </p:nextCondLst>
+            </p:seq>
+          </p:childTnLst>
+        </p:cTn>
+      </p:par>
+    </p:tnLst>
+    <p:bldLst>
+      <p:bldP spid="8" grpId="0" build="p"/>
+    </p:bldLst>
+  </p:timing>
+</p:sld>
+</file>
+
+<file path=ppt/slides/slide11.xml><?xml version="1.0" encoding="utf-8"?>
+<p:sld xmlns:a="http://schemas.openxmlformats.org/drawingml/2006/main" xmlns:r="http://schemas.openxmlformats.org/officeDocument/2006/relationships" xmlns:p="http://schemas.openxmlformats.org/presentationml/2006/main">
+  <p:cSld>
+    <p:spTree>
+      <p:nvGrpSpPr>
+        <p:cNvPr id="1" name=""/>
+        <p:cNvGrpSpPr/>
+        <p:nvPr/>
+      </p:nvGrpSpPr>
+      <p:grpSpPr>
+        <a:xfrm>
+          <a:off x="0" y="0"/>
+          <a:ext cx="0" cy="0"/>
+          <a:chOff x="0" y="0"/>
+          <a:chExt cx="0" cy="0"/>
+        </a:xfrm>
+      </p:grpSpPr>
+      <p:sp>
+        <p:nvSpPr>
+          <p:cNvPr id="4" name="Rectangle 3"/>
+          <p:cNvSpPr/>
+          <p:nvPr/>
+        </p:nvSpPr>
+        <p:spPr>
+          <a:xfrm>
             <a:off x="0" y="-8794"/>
             <a:ext cx="12192000" cy="6858000"/>
           </a:xfrm>
@@ -4079,111 +4797,6 @@
     <p:extLst>
       <p:ext uri="{BB962C8B-B14F-4D97-AF65-F5344CB8AC3E}">
         <p14:creationId xmlns:p14="http://schemas.microsoft.com/office/powerpoint/2010/main" val="2436101142"/>
-      </p:ext>
-    </p:extLst>
-  </p:cSld>
-  <p:clrMapOvr>
-    <a:masterClrMapping/>
-  </p:clrMapOvr>
-</p:sld>
-</file>
-
-<file path=ppt/slides/slide11.xml><?xml version="1.0" encoding="utf-8"?>
-<p:sld xmlns:a="http://schemas.openxmlformats.org/drawingml/2006/main" xmlns:r="http://schemas.openxmlformats.org/officeDocument/2006/relationships" xmlns:p="http://schemas.openxmlformats.org/presentationml/2006/main">
-  <p:cSld>
-    <p:spTree>
-      <p:nvGrpSpPr>
-        <p:cNvPr id="1" name=""/>
-        <p:cNvGrpSpPr/>
-        <p:nvPr/>
-      </p:nvGrpSpPr>
-      <p:grpSpPr>
-        <a:xfrm>
-          <a:off x="0" y="0"/>
-          <a:ext cx="0" cy="0"/>
-          <a:chOff x="0" y="0"/>
-          <a:chExt cx="0" cy="0"/>
-        </a:xfrm>
-      </p:grpSpPr>
-      <p:sp>
-        <p:nvSpPr>
-          <p:cNvPr id="4" name="Rectangle 3"/>
-          <p:cNvSpPr/>
-          <p:nvPr/>
-        </p:nvSpPr>
-        <p:spPr>
-          <a:xfrm>
-            <a:off x="1539" y="-15240"/>
-            <a:ext cx="12192000" cy="6858000"/>
-          </a:xfrm>
-          <a:prstGeom prst="rect">
-            <a:avLst/>
-          </a:prstGeom>
-          <a:solidFill>
-            <a:schemeClr val="accent1">
-              <a:lumMod val="60000"/>
-              <a:lumOff val="40000"/>
-            </a:schemeClr>
-          </a:solidFill>
-        </p:spPr>
-        <p:style>
-          <a:lnRef idx="2">
-            <a:schemeClr val="accent2">
-              <a:shade val="50000"/>
-            </a:schemeClr>
-          </a:lnRef>
-          <a:fillRef idx="1">
-            <a:schemeClr val="accent2"/>
-          </a:fillRef>
-          <a:effectRef idx="0">
-            <a:schemeClr val="accent2"/>
-          </a:effectRef>
-          <a:fontRef idx="minor">
-            <a:schemeClr val="lt1"/>
-          </a:fontRef>
-        </p:style>
-        <p:txBody>
-          <a:bodyPr rtlCol="0" anchor="ctr"/>
-          <a:lstStyle/>
-          <a:p>
-            <a:pPr algn="ctr"/>
-            <a:endParaRPr lang="en-GB" dirty="0"/>
-          </a:p>
-        </p:txBody>
-      </p:sp>
-      <p:sp>
-        <p:nvSpPr>
-          <p:cNvPr id="2" name="Title 1"/>
-          <p:cNvSpPr>
-            <a:spLocks noGrp="1"/>
-          </p:cNvSpPr>
-          <p:nvPr>
-            <p:ph type="ctrTitle"/>
-          </p:nvPr>
-        </p:nvSpPr>
-        <p:spPr>
-          <a:xfrm>
-            <a:off x="103517" y="2477228"/>
-            <a:ext cx="11930332" cy="1103252"/>
-          </a:xfrm>
-        </p:spPr>
-        <p:txBody>
-          <a:bodyPr>
-            <a:normAutofit/>
-          </a:bodyPr>
-          <a:lstStyle/>
-          <a:p>
-            <a:r>
-              <a:rPr lang="en-GB" dirty="0"/>
-              <a:t>Any Questions??</a:t>
-            </a:r>
-          </a:p>
-        </p:txBody>
-      </p:sp>
-    </p:spTree>
-    <p:extLst>
-      <p:ext uri="{BB962C8B-B14F-4D97-AF65-F5344CB8AC3E}">
-        <p14:creationId xmlns:p14="http://schemas.microsoft.com/office/powerpoint/2010/main" val="3247846072"/>
       </p:ext>
     </p:extLst>
   </p:cSld>
@@ -4268,6 +4881,111 @@
         </p:nvSpPr>
         <p:spPr>
           <a:xfrm>
+            <a:off x="103517" y="2477228"/>
+            <a:ext cx="11930332" cy="1103252"/>
+          </a:xfrm>
+        </p:spPr>
+        <p:txBody>
+          <a:bodyPr>
+            <a:normAutofit/>
+          </a:bodyPr>
+          <a:lstStyle/>
+          <a:p>
+            <a:r>
+              <a:rPr lang="en-GB" dirty="0"/>
+              <a:t>Any Questions??</a:t>
+            </a:r>
+          </a:p>
+        </p:txBody>
+      </p:sp>
+    </p:spTree>
+    <p:extLst>
+      <p:ext uri="{BB962C8B-B14F-4D97-AF65-F5344CB8AC3E}">
+        <p14:creationId xmlns:p14="http://schemas.microsoft.com/office/powerpoint/2010/main" val="3247846072"/>
+      </p:ext>
+    </p:extLst>
+  </p:cSld>
+  <p:clrMapOvr>
+    <a:masterClrMapping/>
+  </p:clrMapOvr>
+</p:sld>
+</file>
+
+<file path=ppt/slides/slide13.xml><?xml version="1.0" encoding="utf-8"?>
+<p:sld xmlns:a="http://schemas.openxmlformats.org/drawingml/2006/main" xmlns:r="http://schemas.openxmlformats.org/officeDocument/2006/relationships" xmlns:p="http://schemas.openxmlformats.org/presentationml/2006/main">
+  <p:cSld>
+    <p:spTree>
+      <p:nvGrpSpPr>
+        <p:cNvPr id="1" name=""/>
+        <p:cNvGrpSpPr/>
+        <p:nvPr/>
+      </p:nvGrpSpPr>
+      <p:grpSpPr>
+        <a:xfrm>
+          <a:off x="0" y="0"/>
+          <a:ext cx="0" cy="0"/>
+          <a:chOff x="0" y="0"/>
+          <a:chExt cx="0" cy="0"/>
+        </a:xfrm>
+      </p:grpSpPr>
+      <p:sp>
+        <p:nvSpPr>
+          <p:cNvPr id="4" name="Rectangle 3"/>
+          <p:cNvSpPr/>
+          <p:nvPr/>
+        </p:nvSpPr>
+        <p:spPr>
+          <a:xfrm>
+            <a:off x="1539" y="-15240"/>
+            <a:ext cx="12192000" cy="6858000"/>
+          </a:xfrm>
+          <a:prstGeom prst="rect">
+            <a:avLst/>
+          </a:prstGeom>
+          <a:solidFill>
+            <a:schemeClr val="accent1">
+              <a:lumMod val="60000"/>
+              <a:lumOff val="40000"/>
+            </a:schemeClr>
+          </a:solidFill>
+        </p:spPr>
+        <p:style>
+          <a:lnRef idx="2">
+            <a:schemeClr val="accent2">
+              <a:shade val="50000"/>
+            </a:schemeClr>
+          </a:lnRef>
+          <a:fillRef idx="1">
+            <a:schemeClr val="accent2"/>
+          </a:fillRef>
+          <a:effectRef idx="0">
+            <a:schemeClr val="accent2"/>
+          </a:effectRef>
+          <a:fontRef idx="minor">
+            <a:schemeClr val="lt1"/>
+          </a:fontRef>
+        </p:style>
+        <p:txBody>
+          <a:bodyPr rtlCol="0" anchor="ctr"/>
+          <a:lstStyle/>
+          <a:p>
+            <a:pPr algn="ctr"/>
+            <a:endParaRPr lang="en-GB" dirty="0"/>
+          </a:p>
+        </p:txBody>
+      </p:sp>
+      <p:sp>
+        <p:nvSpPr>
+          <p:cNvPr id="2" name="Title 1"/>
+          <p:cNvSpPr>
+            <a:spLocks noGrp="1"/>
+          </p:cNvSpPr>
+          <p:nvPr>
+            <p:ph type="ctrTitle"/>
+          </p:nvPr>
+        </p:nvSpPr>
+        <p:spPr>
+          <a:xfrm>
             <a:off x="132373" y="226398"/>
             <a:ext cx="11930332" cy="1103252"/>
           </a:xfrm>
@@ -4512,7 +5230,7 @@
 </p:sld>
 </file>
 
-<file path=ppt/slides/slide13.xml><?xml version="1.0" encoding="utf-8"?>
+<file path=ppt/slides/slide14.xml><?xml version="1.0" encoding="utf-8"?>
 <p:sld xmlns:a="http://schemas.openxmlformats.org/drawingml/2006/main" xmlns:r="http://schemas.openxmlformats.org/officeDocument/2006/relationships" xmlns:p="http://schemas.openxmlformats.org/presentationml/2006/main">
   <p:cSld>
     <p:spTree>
@@ -4723,25 +5441,18 @@
           <a:p>
             <a:r>
               <a:rPr lang="en-GB" sz="2400" dirty="0"/>
-              <a:t>PowerShell Conference Asia – 2 days conference in Singapore – </a:t>
+              <a:t>PowerShell Conference EU – 3 day conference in Hannover, Germany – </a:t>
             </a:r>
             <a:r>
               <a:rPr lang="en-GB" sz="2400" dirty="0">
                 <a:hlinkClick r:id="rId7"/>
               </a:rPr>
-              <a:t>http</a:t>
-            </a:r>
-            <a:r>
-              <a:rPr lang="en-GB" sz="2400">
-                <a:hlinkClick r:id="rId7"/>
-              </a:rPr>
-              <a:t>://psconf.asia</a:t>
-            </a:r>
-            <a:r>
-              <a:rPr lang="en-GB" sz="2400"/>
-              <a:t> </a:t>
-            </a:r>
-            <a:endParaRPr lang="en-GB" sz="2400" dirty="0"/>
+              <a:t>http://psconf.eu</a:t>
+            </a:r>
+            <a:r>
+              <a:rPr lang="en-GB" sz="2400" dirty="0"/>
+              <a:t>  </a:t>
+            </a:r>
           </a:p>
           <a:p>
             <a:endParaRPr lang="en-GB" sz="2400" dirty="0"/>
@@ -4853,93 +5564,6 @@
           </a:p>
         </p:txBody>
       </p:sp>
-      <p:sp>
-        <p:nvSpPr>
-          <p:cNvPr id="7" name="TextBox 6"/>
-          <p:cNvSpPr txBox="1"/>
-          <p:nvPr/>
-        </p:nvSpPr>
-        <p:spPr>
-          <a:xfrm>
-            <a:off x="314171" y="1467420"/>
-            <a:ext cx="7899074" cy="5262979"/>
-          </a:xfrm>
-          <a:prstGeom prst="rect">
-            <a:avLst/>
-          </a:prstGeom>
-          <a:noFill/>
-        </p:spPr>
-        <p:txBody>
-          <a:bodyPr wrap="square" rtlCol="0">
-            <a:spAutoFit/>
-          </a:bodyPr>
-          <a:lstStyle/>
-          <a:p>
-            <a:r>
-              <a:rPr lang="en-GB" sz="2400" dirty="0"/>
-              <a:t>Ryan Yates – 26 &amp; a Microsoft Cloud &amp; </a:t>
-            </a:r>
-            <a:r>
-              <a:rPr lang="en-GB" sz="2400" dirty="0" err="1"/>
-              <a:t>DataCentre</a:t>
-            </a:r>
-            <a:r>
-              <a:rPr lang="en-GB" sz="2400" dirty="0"/>
-              <a:t> Management MVP predominantly focused on Windows 10, PowerShell &amp; historically SharePoint </a:t>
-            </a:r>
-          </a:p>
-          <a:p>
-            <a:endParaRPr lang="en-GB" sz="2400" dirty="0"/>
-          </a:p>
-          <a:p>
-            <a:r>
-              <a:rPr lang="en-GB" sz="2400" dirty="0"/>
-              <a:t>Coordinator of Get-PSUGUK – The UK PowerShell User Groups and Co-Organiser of </a:t>
-            </a:r>
-            <a:r>
-              <a:rPr lang="en-GB" sz="2400" dirty="0" err="1"/>
-              <a:t>PSConfEU</a:t>
-            </a:r>
-            <a:r>
-              <a:rPr lang="en-GB" sz="2400" dirty="0"/>
-              <a:t> – the Premier PowerShell Conference of the year</a:t>
-            </a:r>
-          </a:p>
-          <a:p>
-            <a:endParaRPr lang="en-GB" sz="2400" dirty="0"/>
-          </a:p>
-          <a:p>
-            <a:r>
-              <a:rPr lang="en-GB" sz="2400" u="sng" dirty="0"/>
-              <a:t>Currently</a:t>
-            </a:r>
-          </a:p>
-          <a:p>
-            <a:r>
-              <a:rPr lang="en-GB" sz="2400" dirty="0"/>
-              <a:t>MCP – Windows XP</a:t>
-            </a:r>
-          </a:p>
-          <a:p>
-            <a:endParaRPr lang="en-GB" sz="2400" dirty="0"/>
-          </a:p>
-          <a:p>
-            <a:r>
-              <a:rPr lang="en-GB" sz="2400" u="sng" dirty="0"/>
-              <a:t>Planned</a:t>
-            </a:r>
-          </a:p>
-          <a:p>
-            <a:endParaRPr lang="en-GB" sz="2400" dirty="0"/>
-          </a:p>
-          <a:p>
-            <a:r>
-              <a:rPr lang="en-GB" sz="2400" dirty="0"/>
-              <a:t>TBD</a:t>
-            </a:r>
-          </a:p>
-        </p:txBody>
-      </p:sp>
       <p:pic>
         <p:nvPicPr>
           <p:cNvPr id="5" name="Picture 4"/>
@@ -4962,14 +5586,143 @@
         </p:blipFill>
         <p:spPr>
           <a:xfrm>
-            <a:off x="8527415" y="1057423"/>
-            <a:ext cx="3183891" cy="5515315"/>
+            <a:off x="8527416" y="1057423"/>
+            <a:ext cx="3020420" cy="5232141"/>
           </a:xfrm>
           <a:prstGeom prst="rect">
             <a:avLst/>
           </a:prstGeom>
         </p:spPr>
       </p:pic>
+      <p:sp>
+        <p:nvSpPr>
+          <p:cNvPr id="6" name="TextBox 5"/>
+          <p:cNvSpPr txBox="1"/>
+          <p:nvPr/>
+        </p:nvSpPr>
+        <p:spPr>
+          <a:xfrm>
+            <a:off x="514486" y="1206578"/>
+            <a:ext cx="7899074" cy="5262979"/>
+          </a:xfrm>
+          <a:prstGeom prst="rect">
+            <a:avLst/>
+          </a:prstGeom>
+          <a:noFill/>
+        </p:spPr>
+        <p:txBody>
+          <a:bodyPr wrap="square" rtlCol="0">
+            <a:spAutoFit/>
+          </a:bodyPr>
+          <a:lstStyle/>
+          <a:p>
+            <a:r>
+              <a:rPr lang="en-GB" sz="2400" dirty="0"/>
+              <a:t>Ryan Yates – 26 &amp; a Microsoft Cloud &amp; </a:t>
+            </a:r>
+            <a:r>
+              <a:rPr lang="en-GB" sz="2400" dirty="0" err="1"/>
+              <a:t>DataCentre</a:t>
+            </a:r>
+            <a:r>
+              <a:rPr lang="en-GB" sz="2400" dirty="0"/>
+              <a:t> Management MVP predominantly focused on Windows 10, PowerShell, Azure &amp; historically SharePoint </a:t>
+            </a:r>
+          </a:p>
+          <a:p>
+            <a:endParaRPr lang="en-GB" sz="2400" dirty="0"/>
+          </a:p>
+          <a:p>
+            <a:r>
+              <a:rPr lang="en-GB" sz="2400" dirty="0"/>
+              <a:t>Coordinator of Get-PSUGUK – The UK PowerShell User Groups  </a:t>
+            </a:r>
+            <a:r>
+              <a:rPr lang="en-GB" sz="2400" dirty="0">
+                <a:hlinkClick r:id="rId3"/>
+              </a:rPr>
+              <a:t>http://www.get-psuguk.org</a:t>
+            </a:r>
+            <a:r>
+              <a:rPr lang="en-GB" sz="2400" dirty="0"/>
+              <a:t> </a:t>
+            </a:r>
+          </a:p>
+          <a:p>
+            <a:endParaRPr lang="en-GB" sz="2400" dirty="0"/>
+          </a:p>
+          <a:p>
+            <a:r>
+              <a:rPr lang="en-GB" sz="2400" dirty="0"/>
+              <a:t>Co-Organiser of PSConfEU – the Premier PowerShell Conference of the year – </a:t>
+            </a:r>
+            <a:r>
+              <a:rPr lang="en-GB" sz="2400" dirty="0">
+                <a:hlinkClick r:id="rId4"/>
+              </a:rPr>
+              <a:t>http://www.psconf.eu</a:t>
+            </a:r>
+            <a:r>
+              <a:rPr lang="en-GB" sz="2400" dirty="0"/>
+              <a:t> </a:t>
+            </a:r>
+          </a:p>
+          <a:p>
+            <a:endParaRPr lang="en-GB" sz="2400" dirty="0"/>
+          </a:p>
+          <a:p>
+            <a:r>
+              <a:rPr lang="en-GB" sz="2400" dirty="0"/>
+              <a:t>Technical Director at Re-Digitise – </a:t>
+            </a:r>
+            <a:r>
+              <a:rPr lang="en-GB" sz="2400" dirty="0">
+                <a:hlinkClick r:id="rId5"/>
+              </a:rPr>
+              <a:t>https://www.re-digitise.org</a:t>
+            </a:r>
+            <a:endParaRPr lang="en-GB" sz="2400" dirty="0"/>
+          </a:p>
+          <a:p>
+            <a:endParaRPr lang="en-GB" sz="2400" dirty="0"/>
+          </a:p>
+          <a:p>
+            <a:r>
+              <a:rPr lang="en-GB" sz="2400" dirty="0"/>
+              <a:t>Frequent speaker at SharePoint, SQL, PowerShell and other Technology events Worldwide.</a:t>
+            </a:r>
+          </a:p>
+        </p:txBody>
+      </p:sp>
+      <p:sp>
+        <p:nvSpPr>
+          <p:cNvPr id="8" name="TextBox 7"/>
+          <p:cNvSpPr txBox="1"/>
+          <p:nvPr/>
+        </p:nvSpPr>
+        <p:spPr>
+          <a:xfrm>
+            <a:off x="9784397" y="6395044"/>
+            <a:ext cx="2238022" cy="369332"/>
+          </a:xfrm>
+          <a:prstGeom prst="rect">
+            <a:avLst/>
+          </a:prstGeom>
+          <a:noFill/>
+        </p:spPr>
+        <p:txBody>
+          <a:bodyPr wrap="square" rtlCol="0">
+            <a:spAutoFit/>
+          </a:bodyPr>
+          <a:lstStyle/>
+          <a:p>
+            <a:r>
+              <a:rPr lang="en-GB" dirty="0"/>
+              <a:t>@ryanyates1990</a:t>
+            </a:r>
+          </a:p>
+        </p:txBody>
+      </p:sp>
     </p:spTree>
     <p:extLst>
       <p:ext uri="{BB962C8B-B14F-4D97-AF65-F5344CB8AC3E}">
@@ -5014,7 +5767,7 @@
                                           </p:stCondLst>
                                         </p:cTn>
                                         <p:tgtEl>
-                                          <p:spTgt spid="7">
+                                          <p:spTgt spid="6">
                                             <p:txEl>
                                               <p:pRg st="0" end="0"/>
                                             </p:txEl>
@@ -5063,7 +5816,7 @@
                                           </p:stCondLst>
                                         </p:cTn>
                                         <p:tgtEl>
-                                          <p:spTgt spid="7">
+                                          <p:spTgt spid="6">
                                             <p:txEl>
                                               <p:pRg st="2" end="2"/>
                                             </p:txEl>
@@ -5112,7 +5865,7 @@
                                           </p:stCondLst>
                                         </p:cTn>
                                         <p:tgtEl>
-                                          <p:spTgt spid="7">
+                                          <p:spTgt spid="6">
                                             <p:txEl>
                                               <p:pRg st="4" end="4"/>
                                             </p:txEl>
@@ -5161,9 +5914,9 @@
                                           </p:stCondLst>
                                         </p:cTn>
                                         <p:tgtEl>
-                                          <p:spTgt spid="7">
+                                          <p:spTgt spid="6">
                                             <p:txEl>
-                                              <p:pRg st="5" end="5"/>
+                                              <p:pRg st="6" end="6"/>
                                             </p:txEl>
                                           </p:spTgt>
                                         </p:tgtEl>
@@ -5210,58 +5963,9 @@
                                           </p:stCondLst>
                                         </p:cTn>
                                         <p:tgtEl>
-                                          <p:spTgt spid="7">
+                                          <p:spTgt spid="6">
                                             <p:txEl>
-                                              <p:pRg st="7" end="7"/>
-                                            </p:txEl>
-                                          </p:spTgt>
-                                        </p:tgtEl>
-                                        <p:attrNameLst>
-                                          <p:attrName>style.visibility</p:attrName>
-                                        </p:attrNameLst>
-                                      </p:cBhvr>
-                                      <p:to>
-                                        <p:strVal val="visible"/>
-                                      </p:to>
-                                    </p:set>
-                                  </p:childTnLst>
-                                </p:cTn>
-                              </p:par>
-                            </p:childTnLst>
-                          </p:cTn>
-                        </p:par>
-                      </p:childTnLst>
-                    </p:cTn>
-                  </p:par>
-                  <p:par>
-                    <p:cTn id="23" fill="hold">
-                      <p:stCondLst>
-                        <p:cond delay="indefinite"/>
-                      </p:stCondLst>
-                      <p:childTnLst>
-                        <p:par>
-                          <p:cTn id="24" fill="hold">
-                            <p:stCondLst>
-                              <p:cond delay="0"/>
-                            </p:stCondLst>
-                            <p:childTnLst>
-                              <p:par>
-                                <p:cTn id="25" presetID="1" presetClass="entr" presetSubtype="0" fill="hold" grpId="0" nodeType="clickEffect">
-                                  <p:stCondLst>
-                                    <p:cond delay="0"/>
-                                  </p:stCondLst>
-                                  <p:childTnLst>
-                                    <p:set>
-                                      <p:cBhvr>
-                                        <p:cTn id="26" dur="1" fill="hold">
-                                          <p:stCondLst>
-                                            <p:cond delay="9"/>
-                                          </p:stCondLst>
-                                        </p:cTn>
-                                        <p:tgtEl>
-                                          <p:spTgt spid="7">
-                                            <p:txEl>
-                                              <p:pRg st="9" end="9"/>
+                                              <p:pRg st="8" end="8"/>
                                             </p:txEl>
                                           </p:spTgt>
                                         </p:tgtEl>
@@ -5304,7 +6008,7 @@
       </p:par>
     </p:tnLst>
     <p:bldLst>
-      <p:bldP spid="7" grpId="0" uiExpand="1" build="p"/>
+      <p:bldP spid="6" grpId="0" uiExpand="1" build="p"/>
     </p:bldLst>
   </p:timing>
 </p:sld>
@@ -5411,7 +6115,7 @@
         <p:spPr>
           <a:xfrm>
             <a:off x="2146463" y="1572012"/>
-            <a:ext cx="7899074" cy="4893647"/>
+            <a:ext cx="7899074" cy="4524315"/>
           </a:xfrm>
           <a:prstGeom prst="rect">
             <a:avLst/>
@@ -5444,7 +6148,7 @@
           <a:p>
             <a:r>
               <a:rPr lang="en-GB" sz="2400" dirty="0"/>
-              <a:t>Will be expanding to other Cities in the UK over 2016 – Exeter, Derby/Nottingham &amp; Glasgow/Edinburgh are currently being planned</a:t>
+              <a:t>Will be expanding to other Cities in the UK over 2016 – Exeter, Derby/Nottingham &amp; Glasgow/Edinburgh are currently being discussed</a:t>
             </a:r>
           </a:p>
           <a:p>
@@ -5453,7 +6157,7 @@
           <a:p>
             <a:r>
               <a:rPr lang="en-GB" sz="2400" dirty="0"/>
-              <a:t>Meetups are currently being planned for London &amp; Manchester this month.</a:t>
+              <a:t>Meetups are currently being planned for London this month.</a:t>
             </a:r>
           </a:p>
           <a:p>
@@ -5473,6 +6177,35 @@
             <a:r>
               <a:rPr lang="en-GB" sz="2400" dirty="0"/>
               <a:t> </a:t>
+            </a:r>
+          </a:p>
+        </p:txBody>
+      </p:sp>
+      <p:sp>
+        <p:nvSpPr>
+          <p:cNvPr id="5" name="TextBox 4"/>
+          <p:cNvSpPr txBox="1"/>
+          <p:nvPr/>
+        </p:nvSpPr>
+        <p:spPr>
+          <a:xfrm>
+            <a:off x="9784397" y="6395044"/>
+            <a:ext cx="2238022" cy="369332"/>
+          </a:xfrm>
+          <a:prstGeom prst="rect">
+            <a:avLst/>
+          </a:prstGeom>
+          <a:noFill/>
+        </p:spPr>
+        <p:txBody>
+          <a:bodyPr wrap="square" rtlCol="0">
+            <a:spAutoFit/>
+          </a:bodyPr>
+          <a:lstStyle/>
+          <a:p>
+            <a:r>
+              <a:rPr lang="en-GB" dirty="0"/>
+              <a:t>@ryanyates1990</a:t>
             </a:r>
           </a:p>
         </p:txBody>
@@ -5926,7 +6659,7 @@
         </p:nvSpPr>
         <p:spPr>
           <a:xfrm>
-            <a:off x="650240" y="4582160"/>
+            <a:off x="701040" y="4388224"/>
             <a:ext cx="3129280" cy="1569660"/>
           </a:xfrm>
           <a:prstGeom prst="rect">
@@ -5942,15 +6675,7 @@
           <a:p>
             <a:r>
               <a:rPr lang="en-GB" sz="2400" dirty="0"/>
-              <a:t>Version Control is an Alien Topic to most </a:t>
-            </a:r>
-            <a:r>
-              <a:rPr lang="en-GB" sz="2400" dirty="0" err="1"/>
-              <a:t>ITPro’s</a:t>
-            </a:r>
-            <a:r>
-              <a:rPr lang="en-GB" sz="2400" dirty="0"/>
-              <a:t> and a number of Developers as well</a:t>
+              <a:t>Version Control is an Alien Topic to most IT Pro’s and a number of Developers as well</a:t>
             </a:r>
           </a:p>
         </p:txBody>
@@ -5992,7 +6717,7 @@
         </p:nvSpPr>
         <p:spPr>
           <a:xfrm>
-            <a:off x="8199120" y="4707504"/>
+            <a:off x="8199120" y="4397494"/>
             <a:ext cx="3239672" cy="1938992"/>
           </a:xfrm>
           <a:prstGeom prst="rect">
@@ -6009,6 +6734,35 @@
             <a:r>
               <a:rPr lang="en-GB" sz="2400" dirty="0"/>
               <a:t>So how can me make the transitions to optimal Source Control &amp; carrying out Unit Tests easier?</a:t>
+            </a:r>
+          </a:p>
+        </p:txBody>
+      </p:sp>
+      <p:sp>
+        <p:nvSpPr>
+          <p:cNvPr id="9" name="TextBox 8"/>
+          <p:cNvSpPr txBox="1"/>
+          <p:nvPr/>
+        </p:nvSpPr>
+        <p:spPr>
+          <a:xfrm>
+            <a:off x="9784397" y="6395044"/>
+            <a:ext cx="2238022" cy="369332"/>
+          </a:xfrm>
+          <a:prstGeom prst="rect">
+            <a:avLst/>
+          </a:prstGeom>
+          <a:noFill/>
+        </p:spPr>
+        <p:txBody>
+          <a:bodyPr wrap="square" rtlCol="0">
+            <a:spAutoFit/>
+          </a:bodyPr>
+          <a:lstStyle/>
+          <a:p>
+            <a:r>
+              <a:rPr lang="en-GB" dirty="0"/>
+              <a:t>@ryanyates1990</a:t>
             </a:r>
           </a:p>
         </p:txBody>
@@ -6970,21 +7724,21 @@
           <a:p>
             <a:r>
               <a:rPr lang="en-GB" dirty="0"/>
-              <a:t>Making ISE easier for use</a:t>
+              <a:t>Does this look familiar?</a:t>
             </a:r>
           </a:p>
         </p:txBody>
       </p:sp>
       <p:sp>
         <p:nvSpPr>
-          <p:cNvPr id="3" name="TextBox 2"/>
+          <p:cNvPr id="9" name="TextBox 8"/>
           <p:cNvSpPr txBox="1"/>
           <p:nvPr/>
         </p:nvSpPr>
         <p:spPr>
           <a:xfrm>
-            <a:off x="1925515" y="1718406"/>
-            <a:ext cx="8625254" cy="1569660"/>
+            <a:off x="9784397" y="6395044"/>
+            <a:ext cx="2238022" cy="369332"/>
           </a:xfrm>
           <a:prstGeom prst="rect">
             <a:avLst/>
@@ -6997,183 +7751,47 @@
           </a:bodyPr>
           <a:lstStyle/>
           <a:p>
-            <a:pPr algn="ctr"/>
-            <a:r>
-              <a:rPr lang="en-GB" sz="3200" dirty="0"/>
-              <a:t>Extending PowerShell ISE with a PowerShell Module called </a:t>
-            </a:r>
-            <a:r>
-              <a:rPr lang="en-GB" sz="3200" dirty="0" err="1"/>
-              <a:t>ISE_Cew</a:t>
-            </a:r>
-            <a:r>
-              <a:rPr lang="en-GB" sz="3200" dirty="0"/>
-              <a:t> – Available on GitHub or PowerShell Gallery</a:t>
+            <a:r>
+              <a:rPr lang="en-GB" dirty="0"/>
+              <a:t>@ryanyates1990</a:t>
             </a:r>
           </a:p>
         </p:txBody>
       </p:sp>
-      <p:sp>
-        <p:nvSpPr>
-          <p:cNvPr id="5" name="TextBox 4"/>
-          <p:cNvSpPr txBox="1"/>
+      <p:pic>
+        <p:nvPicPr>
+          <p:cNvPr id="6" name="Picture 5"/>
+          <p:cNvPicPr>
+            <a:picLocks noChangeAspect="1"/>
+          </p:cNvPicPr>
           <p:nvPr/>
-        </p:nvSpPr>
+        </p:nvPicPr>
+        <p:blipFill>
+          <a:blip r:embed="rId2">
+            <a:extLst>
+              <a:ext uri="{28A0092B-C50C-407E-A947-70E740481C1C}">
+                <a14:useLocalDpi xmlns:a14="http://schemas.microsoft.com/office/drawing/2010/main" val="0"/>
+              </a:ext>
+            </a:extLst>
+          </a:blip>
+          <a:stretch>
+            <a:fillRect/>
+          </a:stretch>
+        </p:blipFill>
         <p:spPr>
           <a:xfrm>
-            <a:off x="751840" y="3323492"/>
-            <a:ext cx="4092722" cy="3416320"/>
+            <a:off x="2545236" y="1232216"/>
+            <a:ext cx="6834433" cy="5162828"/>
           </a:xfrm>
           <a:prstGeom prst="rect">
             <a:avLst/>
           </a:prstGeom>
-          <a:noFill/>
         </p:spPr>
-        <p:txBody>
-          <a:bodyPr wrap="square" rtlCol="0">
-            <a:spAutoFit/>
-          </a:bodyPr>
-          <a:lstStyle/>
-          <a:p>
-            <a:r>
-              <a:rPr lang="en-GB" sz="2400" dirty="0"/>
-              <a:t>This gives us</a:t>
-            </a:r>
-          </a:p>
-          <a:p>
-            <a:pPr marL="342900" indent="-342900">
-              <a:buFont typeface="Arial" panose="020B0604020202020204" pitchFamily="34" charset="0"/>
-              <a:buChar char="•"/>
-            </a:pPr>
-            <a:endParaRPr lang="en-GB" sz="2400" dirty="0"/>
-          </a:p>
-          <a:p>
-            <a:pPr marL="342900" indent="-342900">
-              <a:buFont typeface="Arial" panose="020B0604020202020204" pitchFamily="34" charset="0"/>
-              <a:buChar char="•"/>
-            </a:pPr>
-            <a:r>
-              <a:rPr lang="en-GB" sz="2400" dirty="0"/>
-              <a:t>Easy Version Control on File Saves in ISE</a:t>
-            </a:r>
-          </a:p>
-          <a:p>
-            <a:pPr marL="342900" indent="-342900">
-              <a:buFont typeface="Arial" panose="020B0604020202020204" pitchFamily="34" charset="0"/>
-              <a:buChar char="•"/>
-            </a:pPr>
-            <a:r>
-              <a:rPr lang="en-GB" sz="2400" dirty="0"/>
-              <a:t>Script / Module Distinction – Building out required directory</a:t>
-            </a:r>
-          </a:p>
-          <a:p>
-            <a:pPr marL="342900" indent="-342900">
-              <a:buFont typeface="Arial" panose="020B0604020202020204" pitchFamily="34" charset="0"/>
-              <a:buChar char="•"/>
-            </a:pPr>
-            <a:r>
-              <a:rPr lang="en-GB" sz="2400" dirty="0"/>
-              <a:t>Consistency &amp; Peace of Mind</a:t>
-            </a:r>
-          </a:p>
-        </p:txBody>
-      </p:sp>
-      <p:sp>
-        <p:nvSpPr>
-          <p:cNvPr id="7" name="TextBox 6"/>
-          <p:cNvSpPr txBox="1"/>
-          <p:nvPr/>
-        </p:nvSpPr>
-        <p:spPr>
-          <a:xfrm>
-            <a:off x="6286500" y="3323492"/>
-            <a:ext cx="5169877" cy="3046988"/>
-          </a:xfrm>
-          <a:prstGeom prst="rect">
-            <a:avLst/>
-          </a:prstGeom>
-          <a:noFill/>
-        </p:spPr>
-        <p:txBody>
-          <a:bodyPr wrap="square" rtlCol="0">
-            <a:spAutoFit/>
-          </a:bodyPr>
-          <a:lstStyle/>
-          <a:p>
-            <a:r>
-              <a:rPr lang="en-GB" sz="2400" dirty="0"/>
-              <a:t>Requirements</a:t>
-            </a:r>
-          </a:p>
-          <a:p>
-            <a:endParaRPr lang="en-GB" sz="2400" dirty="0"/>
-          </a:p>
-          <a:p>
-            <a:pPr marL="342900" indent="-342900">
-              <a:buFont typeface="Arial" panose="020B0604020202020204" pitchFamily="34" charset="0"/>
-              <a:buChar char="•"/>
-            </a:pPr>
-            <a:r>
-              <a:rPr lang="en-GB" sz="2400" dirty="0"/>
-              <a:t>PowerShell v4 or above (for now)</a:t>
-            </a:r>
-          </a:p>
-          <a:p>
-            <a:pPr marL="342900" indent="-342900">
-              <a:buFont typeface="Arial" panose="020B0604020202020204" pitchFamily="34" charset="0"/>
-              <a:buChar char="•"/>
-            </a:pPr>
-            <a:r>
-              <a:rPr lang="en-GB" sz="2400" dirty="0" err="1"/>
-              <a:t>PowerShellScriptAnalyzer</a:t>
-            </a:r>
-            <a:endParaRPr lang="en-GB" sz="2400" dirty="0"/>
-          </a:p>
-          <a:p>
-            <a:pPr marL="342900" indent="-342900">
-              <a:buFont typeface="Arial" panose="020B0604020202020204" pitchFamily="34" charset="0"/>
-              <a:buChar char="•"/>
-            </a:pPr>
-            <a:r>
-              <a:rPr lang="en-GB" sz="2400" dirty="0"/>
-              <a:t>Pester</a:t>
-            </a:r>
-          </a:p>
-          <a:p>
-            <a:pPr marL="342900" indent="-342900">
-              <a:buFont typeface="Arial" panose="020B0604020202020204" pitchFamily="34" charset="0"/>
-              <a:buChar char="•"/>
-            </a:pPr>
-            <a:r>
-              <a:rPr lang="en-GB" sz="2400" dirty="0"/>
-              <a:t>Git</a:t>
-            </a:r>
-          </a:p>
-          <a:p>
-            <a:pPr marL="342900" indent="-342900">
-              <a:buFont typeface="Arial" panose="020B0604020202020204" pitchFamily="34" charset="0"/>
-              <a:buChar char="•"/>
-            </a:pPr>
-            <a:r>
-              <a:rPr lang="en-GB" sz="2400" dirty="0"/>
-              <a:t>2 </a:t>
-            </a:r>
-            <a:r>
-              <a:rPr lang="en-GB" sz="2400" dirty="0" err="1"/>
-              <a:t>PSDrives</a:t>
-            </a:r>
-            <a:r>
-              <a:rPr lang="en-GB" sz="2400" dirty="0"/>
-              <a:t> Scripts-WIP &amp; Modules-WIP</a:t>
-            </a:r>
-          </a:p>
-        </p:txBody>
-      </p:sp>
+      </p:pic>
     </p:spTree>
     <p:extLst>
       <p:ext uri="{BB962C8B-B14F-4D97-AF65-F5344CB8AC3E}">
-        <p14:creationId xmlns:p14="http://schemas.microsoft.com/office/powerpoint/2010/main" val="2296921474"/>
+        <p14:creationId xmlns:p14="http://schemas.microsoft.com/office/powerpoint/2010/main" val="744057151"/>
       </p:ext>
     </p:extLst>
   </p:cSld>
@@ -7201,7 +7819,7 @@
                             </p:stCondLst>
                             <p:childTnLst>
                               <p:par>
-                                <p:cTn id="5" presetID="42" presetClass="entr" presetSubtype="0" fill="hold" grpId="0" nodeType="clickEffect">
+                                <p:cTn id="5" presetID="10" presetClass="entr" presetSubtype="0" fill="hold" nodeType="clickEffect">
                                   <p:stCondLst>
                                     <p:cond delay="0"/>
                                   </p:stCondLst>
@@ -7214,7 +7832,7 @@
                                           </p:stCondLst>
                                         </p:cTn>
                                         <p:tgtEl>
-                                          <p:spTgt spid="2"/>
+                                          <p:spTgt spid="6"/>
                                         </p:tgtEl>
                                         <p:attrNameLst>
                                           <p:attrName>style.visibility</p:attrName>
@@ -7226,756 +7844,9 @@
                                     </p:set>
                                     <p:animEffect transition="in" filter="fade">
                                       <p:cBhvr>
-                                        <p:cTn id="7" dur="1000"/>
-                                        <p:tgtEl>
-                                          <p:spTgt spid="2"/>
-                                        </p:tgtEl>
-                                      </p:cBhvr>
-                                    </p:animEffect>
-                                    <p:anim calcmode="lin" valueType="num">
-                                      <p:cBhvr>
-                                        <p:cTn id="8" dur="1000" fill="hold"/>
-                                        <p:tgtEl>
-                                          <p:spTgt spid="2"/>
-                                        </p:tgtEl>
-                                        <p:attrNameLst>
-                                          <p:attrName>ppt_x</p:attrName>
-                                        </p:attrNameLst>
-                                      </p:cBhvr>
-                                      <p:tavLst>
-                                        <p:tav tm="0">
-                                          <p:val>
-                                            <p:strVal val="#ppt_x"/>
-                                          </p:val>
-                                        </p:tav>
-                                        <p:tav tm="100000">
-                                          <p:val>
-                                            <p:strVal val="#ppt_x"/>
-                                          </p:val>
-                                        </p:tav>
-                                      </p:tavLst>
-                                    </p:anim>
-                                    <p:anim calcmode="lin" valueType="num">
-                                      <p:cBhvr>
-                                        <p:cTn id="9" dur="1000" fill="hold"/>
-                                        <p:tgtEl>
-                                          <p:spTgt spid="2"/>
-                                        </p:tgtEl>
-                                        <p:attrNameLst>
-                                          <p:attrName>ppt_y</p:attrName>
-                                        </p:attrNameLst>
-                                      </p:cBhvr>
-                                      <p:tavLst>
-                                        <p:tav tm="0">
-                                          <p:val>
-                                            <p:strVal val="#ppt_y+.1"/>
-                                          </p:val>
-                                        </p:tav>
-                                        <p:tav tm="100000">
-                                          <p:val>
-                                            <p:strVal val="#ppt_y"/>
-                                          </p:val>
-                                        </p:tav>
-                                      </p:tavLst>
-                                    </p:anim>
-                                  </p:childTnLst>
-                                </p:cTn>
-                              </p:par>
-                            </p:childTnLst>
-                          </p:cTn>
-                        </p:par>
-                      </p:childTnLst>
-                    </p:cTn>
-                  </p:par>
-                  <p:par>
-                    <p:cTn id="10" fill="hold">
-                      <p:stCondLst>
-                        <p:cond delay="indefinite"/>
-                      </p:stCondLst>
-                      <p:childTnLst>
-                        <p:par>
-                          <p:cTn id="11" fill="hold">
-                            <p:stCondLst>
-                              <p:cond delay="0"/>
-                            </p:stCondLst>
-                            <p:childTnLst>
-                              <p:par>
-                                <p:cTn id="12" presetID="2" presetClass="entr" presetSubtype="4" fill="hold" grpId="0" nodeType="clickEffect">
-                                  <p:stCondLst>
-                                    <p:cond delay="0"/>
-                                  </p:stCondLst>
-                                  <p:childTnLst>
-                                    <p:set>
-                                      <p:cBhvr>
-                                        <p:cTn id="13" dur="1" fill="hold">
-                                          <p:stCondLst>
-                                            <p:cond delay="0"/>
-                                          </p:stCondLst>
-                                        </p:cTn>
-                                        <p:tgtEl>
-                                          <p:spTgt spid="3"/>
-                                        </p:tgtEl>
-                                        <p:attrNameLst>
-                                          <p:attrName>style.visibility</p:attrName>
-                                        </p:attrNameLst>
-                                      </p:cBhvr>
-                                      <p:to>
-                                        <p:strVal val="visible"/>
-                                      </p:to>
-                                    </p:set>
-                                    <p:anim calcmode="lin" valueType="num">
-                                      <p:cBhvr additive="base">
-                                        <p:cTn id="14" dur="500" fill="hold"/>
-                                        <p:tgtEl>
-                                          <p:spTgt spid="3"/>
-                                        </p:tgtEl>
-                                        <p:attrNameLst>
-                                          <p:attrName>ppt_x</p:attrName>
-                                        </p:attrNameLst>
-                                      </p:cBhvr>
-                                      <p:tavLst>
-                                        <p:tav tm="0">
-                                          <p:val>
-                                            <p:strVal val="#ppt_x"/>
-                                          </p:val>
-                                        </p:tav>
-                                        <p:tav tm="100000">
-                                          <p:val>
-                                            <p:strVal val="#ppt_x"/>
-                                          </p:val>
-                                        </p:tav>
-                                      </p:tavLst>
-                                    </p:anim>
-                                    <p:anim calcmode="lin" valueType="num">
-                                      <p:cBhvr additive="base">
-                                        <p:cTn id="15" dur="500" fill="hold"/>
-                                        <p:tgtEl>
-                                          <p:spTgt spid="3"/>
-                                        </p:tgtEl>
-                                        <p:attrNameLst>
-                                          <p:attrName>ppt_y</p:attrName>
-                                        </p:attrNameLst>
-                                      </p:cBhvr>
-                                      <p:tavLst>
-                                        <p:tav tm="0">
-                                          <p:val>
-                                            <p:strVal val="1+#ppt_h/2"/>
-                                          </p:val>
-                                        </p:tav>
-                                        <p:tav tm="100000">
-                                          <p:val>
-                                            <p:strVal val="#ppt_y"/>
-                                          </p:val>
-                                        </p:tav>
-                                      </p:tavLst>
-                                    </p:anim>
-                                  </p:childTnLst>
-                                </p:cTn>
-                              </p:par>
-                            </p:childTnLst>
-                          </p:cTn>
-                        </p:par>
-                      </p:childTnLst>
-                    </p:cTn>
-                  </p:par>
-                  <p:par>
-                    <p:cTn id="16" fill="hold">
-                      <p:stCondLst>
-                        <p:cond delay="indefinite"/>
-                      </p:stCondLst>
-                      <p:childTnLst>
-                        <p:par>
-                          <p:cTn id="17" fill="hold">
-                            <p:stCondLst>
-                              <p:cond delay="0"/>
-                            </p:stCondLst>
-                            <p:childTnLst>
-                              <p:par>
-                                <p:cTn id="18" presetID="10" presetClass="entr" presetSubtype="0" fill="hold" grpId="0" nodeType="clickEffect">
-                                  <p:stCondLst>
-                                    <p:cond delay="0"/>
-                                  </p:stCondLst>
-                                  <p:childTnLst>
-                                    <p:set>
-                                      <p:cBhvr>
-                                        <p:cTn id="19" dur="1" fill="hold">
-                                          <p:stCondLst>
-                                            <p:cond delay="0"/>
-                                          </p:stCondLst>
-                                        </p:cTn>
-                                        <p:tgtEl>
-                                          <p:spTgt spid="5">
-                                            <p:txEl>
-                                              <p:pRg st="0" end="0"/>
-                                            </p:txEl>
-                                          </p:spTgt>
-                                        </p:tgtEl>
-                                        <p:attrNameLst>
-                                          <p:attrName>style.visibility</p:attrName>
-                                        </p:attrNameLst>
-                                      </p:cBhvr>
-                                      <p:to>
-                                        <p:strVal val="visible"/>
-                                      </p:to>
-                                    </p:set>
-                                    <p:animEffect transition="in" filter="fade">
-                                      <p:cBhvr>
-                                        <p:cTn id="20" dur="500"/>
-                                        <p:tgtEl>
-                                          <p:spTgt spid="5">
-                                            <p:txEl>
-                                              <p:pRg st="0" end="0"/>
-                                            </p:txEl>
-                                          </p:spTgt>
-                                        </p:tgtEl>
-                                      </p:cBhvr>
-                                    </p:animEffect>
-                                  </p:childTnLst>
-                                </p:cTn>
-                              </p:par>
-                            </p:childTnLst>
-                          </p:cTn>
-                        </p:par>
-                      </p:childTnLst>
-                    </p:cTn>
-                  </p:par>
-                  <p:par>
-                    <p:cTn id="21" fill="hold">
-                      <p:stCondLst>
-                        <p:cond delay="indefinite"/>
-                      </p:stCondLst>
-                      <p:childTnLst>
-                        <p:par>
-                          <p:cTn id="22" fill="hold">
-                            <p:stCondLst>
-                              <p:cond delay="0"/>
-                            </p:stCondLst>
-                            <p:childTnLst>
-                              <p:par>
-                                <p:cTn id="23" presetID="10" presetClass="entr" presetSubtype="0" fill="hold" grpId="0" nodeType="clickEffect">
-                                  <p:stCondLst>
-                                    <p:cond delay="0"/>
-                                  </p:stCondLst>
-                                  <p:childTnLst>
-                                    <p:set>
-                                      <p:cBhvr>
-                                        <p:cTn id="24" dur="1" fill="hold">
-                                          <p:stCondLst>
-                                            <p:cond delay="0"/>
-                                          </p:stCondLst>
-                                        </p:cTn>
-                                        <p:tgtEl>
-                                          <p:spTgt spid="5">
-                                            <p:txEl>
-                                              <p:pRg st="2" end="2"/>
-                                            </p:txEl>
-                                          </p:spTgt>
-                                        </p:tgtEl>
-                                        <p:attrNameLst>
-                                          <p:attrName>style.visibility</p:attrName>
-                                        </p:attrNameLst>
-                                      </p:cBhvr>
-                                      <p:to>
-                                        <p:strVal val="visible"/>
-                                      </p:to>
-                                    </p:set>
-                                    <p:animEffect transition="in" filter="fade">
-                                      <p:cBhvr>
-                                        <p:cTn id="25" dur="500"/>
-                                        <p:tgtEl>
-                                          <p:spTgt spid="5">
-                                            <p:txEl>
-                                              <p:pRg st="2" end="2"/>
-                                            </p:txEl>
-                                          </p:spTgt>
-                                        </p:tgtEl>
-                                      </p:cBhvr>
-                                    </p:animEffect>
-                                  </p:childTnLst>
-                                </p:cTn>
-                              </p:par>
-                            </p:childTnLst>
-                          </p:cTn>
-                        </p:par>
-                      </p:childTnLst>
-                    </p:cTn>
-                  </p:par>
-                  <p:par>
-                    <p:cTn id="26" fill="hold">
-                      <p:stCondLst>
-                        <p:cond delay="indefinite"/>
-                      </p:stCondLst>
-                      <p:childTnLst>
-                        <p:par>
-                          <p:cTn id="27" fill="hold">
-                            <p:stCondLst>
-                              <p:cond delay="0"/>
-                            </p:stCondLst>
-                            <p:childTnLst>
-                              <p:par>
-                                <p:cTn id="28" presetID="10" presetClass="entr" presetSubtype="0" fill="hold" grpId="0" nodeType="clickEffect">
-                                  <p:stCondLst>
-                                    <p:cond delay="0"/>
-                                  </p:stCondLst>
-                                  <p:childTnLst>
-                                    <p:set>
-                                      <p:cBhvr>
-                                        <p:cTn id="29" dur="1" fill="hold">
-                                          <p:stCondLst>
-                                            <p:cond delay="0"/>
-                                          </p:stCondLst>
-                                        </p:cTn>
-                                        <p:tgtEl>
-                                          <p:spTgt spid="5">
-                                            <p:txEl>
-                                              <p:pRg st="3" end="3"/>
-                                            </p:txEl>
-                                          </p:spTgt>
-                                        </p:tgtEl>
-                                        <p:attrNameLst>
-                                          <p:attrName>style.visibility</p:attrName>
-                                        </p:attrNameLst>
-                                      </p:cBhvr>
-                                      <p:to>
-                                        <p:strVal val="visible"/>
-                                      </p:to>
-                                    </p:set>
-                                    <p:animEffect transition="in" filter="fade">
-                                      <p:cBhvr>
-                                        <p:cTn id="30" dur="500"/>
-                                        <p:tgtEl>
-                                          <p:spTgt spid="5">
-                                            <p:txEl>
-                                              <p:pRg st="3" end="3"/>
-                                            </p:txEl>
-                                          </p:spTgt>
-                                        </p:tgtEl>
-                                      </p:cBhvr>
-                                    </p:animEffect>
-                                  </p:childTnLst>
-                                </p:cTn>
-                              </p:par>
-                            </p:childTnLst>
-                          </p:cTn>
-                        </p:par>
-                      </p:childTnLst>
-                    </p:cTn>
-                  </p:par>
-                  <p:par>
-                    <p:cTn id="31" fill="hold">
-                      <p:stCondLst>
-                        <p:cond delay="indefinite"/>
-                      </p:stCondLst>
-                      <p:childTnLst>
-                        <p:par>
-                          <p:cTn id="32" fill="hold">
-                            <p:stCondLst>
-                              <p:cond delay="0"/>
-                            </p:stCondLst>
-                            <p:childTnLst>
-                              <p:par>
-                                <p:cTn id="33" presetID="10" presetClass="entr" presetSubtype="0" fill="hold" grpId="0" nodeType="clickEffect">
-                                  <p:stCondLst>
-                                    <p:cond delay="0"/>
-                                  </p:stCondLst>
-                                  <p:childTnLst>
-                                    <p:set>
-                                      <p:cBhvr>
-                                        <p:cTn id="34" dur="1" fill="hold">
-                                          <p:stCondLst>
-                                            <p:cond delay="0"/>
-                                          </p:stCondLst>
-                                        </p:cTn>
-                                        <p:tgtEl>
-                                          <p:spTgt spid="5">
-                                            <p:txEl>
-                                              <p:pRg st="4" end="4"/>
-                                            </p:txEl>
-                                          </p:spTgt>
-                                        </p:tgtEl>
-                                        <p:attrNameLst>
-                                          <p:attrName>style.visibility</p:attrName>
-                                        </p:attrNameLst>
-                                      </p:cBhvr>
-                                      <p:to>
-                                        <p:strVal val="visible"/>
-                                      </p:to>
-                                    </p:set>
-                                    <p:animEffect transition="in" filter="fade">
-                                      <p:cBhvr>
-                                        <p:cTn id="35" dur="500"/>
-                                        <p:tgtEl>
-                                          <p:spTgt spid="5">
-                                            <p:txEl>
-                                              <p:pRg st="4" end="4"/>
-                                            </p:txEl>
-                                          </p:spTgt>
-                                        </p:tgtEl>
-                                      </p:cBhvr>
-                                    </p:animEffect>
-                                  </p:childTnLst>
-                                </p:cTn>
-                              </p:par>
-                            </p:childTnLst>
-                          </p:cTn>
-                        </p:par>
-                      </p:childTnLst>
-                    </p:cTn>
-                  </p:par>
-                  <p:par>
-                    <p:cTn id="36" fill="hold">
-                      <p:stCondLst>
-                        <p:cond delay="indefinite"/>
-                      </p:stCondLst>
-                      <p:childTnLst>
-                        <p:par>
-                          <p:cTn id="37" fill="hold">
-                            <p:stCondLst>
-                              <p:cond delay="0"/>
-                            </p:stCondLst>
-                            <p:childTnLst>
-                              <p:par>
-                                <p:cTn id="38" presetID="16" presetClass="entr" presetSubtype="21" fill="hold" grpId="0" nodeType="clickEffect">
-                                  <p:stCondLst>
-                                    <p:cond delay="0"/>
-                                  </p:stCondLst>
-                                  <p:childTnLst>
-                                    <p:set>
-                                      <p:cBhvr>
-                                        <p:cTn id="39" dur="1" fill="hold">
-                                          <p:stCondLst>
-                                            <p:cond delay="0"/>
-                                          </p:stCondLst>
-                                        </p:cTn>
-                                        <p:tgtEl>
-                                          <p:spTgt spid="7">
-                                            <p:txEl>
-                                              <p:pRg st="0" end="0"/>
-                                            </p:txEl>
-                                          </p:spTgt>
-                                        </p:tgtEl>
-                                        <p:attrNameLst>
-                                          <p:attrName>style.visibility</p:attrName>
-                                        </p:attrNameLst>
-                                      </p:cBhvr>
-                                      <p:to>
-                                        <p:strVal val="visible"/>
-                                      </p:to>
-                                    </p:set>
-                                    <p:animEffect transition="in" filter="barn(inVertical)">
-                                      <p:cBhvr>
-                                        <p:cTn id="40" dur="500"/>
-                                        <p:tgtEl>
-                                          <p:spTgt spid="7">
-                                            <p:txEl>
-                                              <p:pRg st="0" end="0"/>
-                                            </p:txEl>
-                                          </p:spTgt>
-                                        </p:tgtEl>
-                                      </p:cBhvr>
-                                    </p:animEffect>
-                                  </p:childTnLst>
-                                </p:cTn>
-                              </p:par>
-                            </p:childTnLst>
-                          </p:cTn>
-                        </p:par>
-                      </p:childTnLst>
-                    </p:cTn>
-                  </p:par>
-                  <p:par>
-                    <p:cTn id="41" fill="hold">
-                      <p:stCondLst>
-                        <p:cond delay="indefinite"/>
-                      </p:stCondLst>
-                      <p:childTnLst>
-                        <p:par>
-                          <p:cTn id="42" fill="hold">
-                            <p:stCondLst>
-                              <p:cond delay="0"/>
-                            </p:stCondLst>
-                            <p:childTnLst>
-                              <p:par>
-                                <p:cTn id="43" presetID="16" presetClass="entr" presetSubtype="21" fill="hold" grpId="0" nodeType="clickEffect">
-                                  <p:stCondLst>
-                                    <p:cond delay="0"/>
-                                  </p:stCondLst>
-                                  <p:childTnLst>
-                                    <p:set>
-                                      <p:cBhvr>
-                                        <p:cTn id="44" dur="1" fill="hold">
-                                          <p:stCondLst>
-                                            <p:cond delay="0"/>
-                                          </p:stCondLst>
-                                        </p:cTn>
-                                        <p:tgtEl>
-                                          <p:spTgt spid="7">
-                                            <p:txEl>
-                                              <p:pRg st="2" end="2"/>
-                                            </p:txEl>
-                                          </p:spTgt>
-                                        </p:tgtEl>
-                                        <p:attrNameLst>
-                                          <p:attrName>style.visibility</p:attrName>
-                                        </p:attrNameLst>
-                                      </p:cBhvr>
-                                      <p:to>
-                                        <p:strVal val="visible"/>
-                                      </p:to>
-                                    </p:set>
-                                    <p:animEffect transition="in" filter="barn(inVertical)">
-                                      <p:cBhvr>
-                                        <p:cTn id="45" dur="500"/>
-                                        <p:tgtEl>
-                                          <p:spTgt spid="7">
-                                            <p:txEl>
-                                              <p:pRg st="2" end="2"/>
-                                            </p:txEl>
-                                          </p:spTgt>
-                                        </p:tgtEl>
-                                      </p:cBhvr>
-                                    </p:animEffect>
-                                  </p:childTnLst>
-                                </p:cTn>
-                              </p:par>
-                            </p:childTnLst>
-                          </p:cTn>
-                        </p:par>
-                      </p:childTnLst>
-                    </p:cTn>
-                  </p:par>
-                  <p:par>
-                    <p:cTn id="46" fill="hold">
-                      <p:stCondLst>
-                        <p:cond delay="indefinite"/>
-                      </p:stCondLst>
-                      <p:childTnLst>
-                        <p:par>
-                          <p:cTn id="47" fill="hold">
-                            <p:stCondLst>
-                              <p:cond delay="0"/>
-                            </p:stCondLst>
-                            <p:childTnLst>
-                              <p:par>
-                                <p:cTn id="48" presetID="16" presetClass="entr" presetSubtype="21" fill="hold" grpId="0" nodeType="clickEffect">
-                                  <p:stCondLst>
-                                    <p:cond delay="0"/>
-                                  </p:stCondLst>
-                                  <p:childTnLst>
-                                    <p:set>
-                                      <p:cBhvr>
-                                        <p:cTn id="49" dur="1" fill="hold">
-                                          <p:stCondLst>
-                                            <p:cond delay="0"/>
-                                          </p:stCondLst>
-                                        </p:cTn>
-                                        <p:tgtEl>
-                                          <p:spTgt spid="7">
-                                            <p:txEl>
-                                              <p:pRg st="3" end="3"/>
-                                            </p:txEl>
-                                          </p:spTgt>
-                                        </p:tgtEl>
-                                        <p:attrNameLst>
-                                          <p:attrName>style.visibility</p:attrName>
-                                        </p:attrNameLst>
-                                      </p:cBhvr>
-                                      <p:to>
-                                        <p:strVal val="visible"/>
-                                      </p:to>
-                                    </p:set>
-                                    <p:animEffect transition="in" filter="barn(inVertical)">
-                                      <p:cBhvr>
-                                        <p:cTn id="50" dur="500"/>
-                                        <p:tgtEl>
-                                          <p:spTgt spid="7">
-                                            <p:txEl>
-                                              <p:pRg st="3" end="3"/>
-                                            </p:txEl>
-                                          </p:spTgt>
-                                        </p:tgtEl>
-                                      </p:cBhvr>
-                                    </p:animEffect>
-                                  </p:childTnLst>
-                                </p:cTn>
-                              </p:par>
-                            </p:childTnLst>
-                          </p:cTn>
-                        </p:par>
-                      </p:childTnLst>
-                    </p:cTn>
-                  </p:par>
-                  <p:par>
-                    <p:cTn id="51" fill="hold">
-                      <p:stCondLst>
-                        <p:cond delay="indefinite"/>
-                      </p:stCondLst>
-                      <p:childTnLst>
-                        <p:par>
-                          <p:cTn id="52" fill="hold">
-                            <p:stCondLst>
-                              <p:cond delay="0"/>
-                            </p:stCondLst>
-                            <p:childTnLst>
-                              <p:par>
-                                <p:cTn id="53" presetID="16" presetClass="entr" presetSubtype="21" fill="hold" grpId="0" nodeType="clickEffect">
-                                  <p:stCondLst>
-                                    <p:cond delay="0"/>
-                                  </p:stCondLst>
-                                  <p:childTnLst>
-                                    <p:set>
-                                      <p:cBhvr>
-                                        <p:cTn id="54" dur="1" fill="hold">
-                                          <p:stCondLst>
-                                            <p:cond delay="0"/>
-                                          </p:stCondLst>
-                                        </p:cTn>
-                                        <p:tgtEl>
-                                          <p:spTgt spid="7">
-                                            <p:txEl>
-                                              <p:pRg st="4" end="4"/>
-                                            </p:txEl>
-                                          </p:spTgt>
-                                        </p:tgtEl>
-                                        <p:attrNameLst>
-                                          <p:attrName>style.visibility</p:attrName>
-                                        </p:attrNameLst>
-                                      </p:cBhvr>
-                                      <p:to>
-                                        <p:strVal val="visible"/>
-                                      </p:to>
-                                    </p:set>
-                                    <p:animEffect transition="in" filter="barn(inVertical)">
-                                      <p:cBhvr>
-                                        <p:cTn id="55" dur="500"/>
-                                        <p:tgtEl>
-                                          <p:spTgt spid="7">
-                                            <p:txEl>
-                                              <p:pRg st="4" end="4"/>
-                                            </p:txEl>
-                                          </p:spTgt>
-                                        </p:tgtEl>
-                                      </p:cBhvr>
-                                    </p:animEffect>
-                                  </p:childTnLst>
-                                </p:cTn>
-                              </p:par>
-                            </p:childTnLst>
-                          </p:cTn>
-                        </p:par>
-                      </p:childTnLst>
-                    </p:cTn>
-                  </p:par>
-                  <p:par>
-                    <p:cTn id="56" fill="hold">
-                      <p:stCondLst>
-                        <p:cond delay="indefinite"/>
-                      </p:stCondLst>
-                      <p:childTnLst>
-                        <p:par>
-                          <p:cTn id="57" fill="hold">
-                            <p:stCondLst>
-                              <p:cond delay="0"/>
-                            </p:stCondLst>
-                            <p:childTnLst>
-                              <p:par>
-                                <p:cTn id="58" presetID="16" presetClass="entr" presetSubtype="21" fill="hold" grpId="0" nodeType="clickEffect">
-                                  <p:stCondLst>
-                                    <p:cond delay="0"/>
-                                  </p:stCondLst>
-                                  <p:childTnLst>
-                                    <p:set>
-                                      <p:cBhvr>
-                                        <p:cTn id="59" dur="1" fill="hold">
-                                          <p:stCondLst>
-                                            <p:cond delay="0"/>
-                                          </p:stCondLst>
-                                        </p:cTn>
-                                        <p:tgtEl>
-                                          <p:spTgt spid="7">
-                                            <p:txEl>
-                                              <p:pRg st="5" end="5"/>
-                                            </p:txEl>
-                                          </p:spTgt>
-                                        </p:tgtEl>
-                                        <p:attrNameLst>
-                                          <p:attrName>style.visibility</p:attrName>
-                                        </p:attrNameLst>
-                                      </p:cBhvr>
-                                      <p:to>
-                                        <p:strVal val="visible"/>
-                                      </p:to>
-                                    </p:set>
-                                    <p:animEffect transition="in" filter="barn(inVertical)">
-                                      <p:cBhvr>
-                                        <p:cTn id="60" dur="500"/>
-                                        <p:tgtEl>
-                                          <p:spTgt spid="7">
-                                            <p:txEl>
-                                              <p:pRg st="5" end="5"/>
-                                            </p:txEl>
-                                          </p:spTgt>
-                                        </p:tgtEl>
-                                      </p:cBhvr>
-                                    </p:animEffect>
-                                  </p:childTnLst>
-                                </p:cTn>
-                              </p:par>
-                            </p:childTnLst>
-                          </p:cTn>
-                        </p:par>
-                      </p:childTnLst>
-                    </p:cTn>
-                  </p:par>
-                  <p:par>
-                    <p:cTn id="61" fill="hold">
-                      <p:stCondLst>
-                        <p:cond delay="indefinite"/>
-                      </p:stCondLst>
-                      <p:childTnLst>
-                        <p:par>
-                          <p:cTn id="62" fill="hold">
-                            <p:stCondLst>
-                              <p:cond delay="0"/>
-                            </p:stCondLst>
-                            <p:childTnLst>
-                              <p:par>
-                                <p:cTn id="63" presetID="16" presetClass="entr" presetSubtype="21" fill="hold" grpId="0" nodeType="clickEffect">
-                                  <p:stCondLst>
-                                    <p:cond delay="0"/>
-                                  </p:stCondLst>
-                                  <p:childTnLst>
-                                    <p:set>
-                                      <p:cBhvr>
-                                        <p:cTn id="64" dur="1" fill="hold">
-                                          <p:stCondLst>
-                                            <p:cond delay="0"/>
-                                          </p:stCondLst>
-                                        </p:cTn>
-                                        <p:tgtEl>
-                                          <p:spTgt spid="7">
-                                            <p:txEl>
-                                              <p:pRg st="6" end="6"/>
-                                            </p:txEl>
-                                          </p:spTgt>
-                                        </p:tgtEl>
-                                        <p:attrNameLst>
-                                          <p:attrName>style.visibility</p:attrName>
-                                        </p:attrNameLst>
-                                      </p:cBhvr>
-                                      <p:to>
-                                        <p:strVal val="visible"/>
-                                      </p:to>
-                                    </p:set>
-                                    <p:animEffect transition="in" filter="barn(inVertical)">
-                                      <p:cBhvr>
-                                        <p:cTn id="65" dur="500"/>
-                                        <p:tgtEl>
-                                          <p:spTgt spid="7">
-                                            <p:txEl>
-                                              <p:pRg st="6" end="6"/>
-                                            </p:txEl>
-                                          </p:spTgt>
+                                        <p:cTn id="7" dur="500"/>
+                                        <p:tgtEl>
+                                          <p:spTgt spid="6"/>
                                         </p:tgtEl>
                                       </p:cBhvr>
                                     </p:animEffect>
@@ -8009,12 +7880,6 @@
         </p:cTn>
       </p:par>
     </p:tnLst>
-    <p:bldLst>
-      <p:bldP spid="2" grpId="0"/>
-      <p:bldP spid="3" grpId="0"/>
-      <p:bldP spid="5" grpId="0" build="p"/>
-      <p:bldP spid="7" grpId="0" build="p"/>
-    </p:bldLst>
   </p:timing>
 </p:sld>
 </file>
@@ -8106,21 +7971,21 @@
           <a:p>
             <a:r>
               <a:rPr lang="en-GB" dirty="0"/>
-              <a:t>Using VSCode</a:t>
+              <a:t>Making ISE easier for use</a:t>
             </a:r>
           </a:p>
         </p:txBody>
       </p:sp>
       <p:sp>
         <p:nvSpPr>
-          <p:cNvPr id="5" name="TextBox 4"/>
+          <p:cNvPr id="3" name="TextBox 2"/>
           <p:cNvSpPr txBox="1"/>
           <p:nvPr/>
         </p:nvSpPr>
         <p:spPr>
           <a:xfrm>
-            <a:off x="861645" y="2083777"/>
-            <a:ext cx="4985239" cy="2400657"/>
+            <a:off x="1906662" y="1519584"/>
+            <a:ext cx="8625254" cy="1569660"/>
           </a:xfrm>
           <a:prstGeom prst="rect">
             <a:avLst/>
@@ -8133,73 +7998,32 @@
           </a:bodyPr>
           <a:lstStyle/>
           <a:p>
-            <a:r>
-              <a:rPr lang="en-GB" sz="2400" dirty="0"/>
-              <a:t>Pros</a:t>
-            </a:r>
-          </a:p>
-          <a:p>
-            <a:pPr marL="285750" indent="-285750">
-              <a:buFont typeface="Arial" panose="020B0604020202020204" pitchFamily="34" charset="0"/>
-              <a:buChar char="•"/>
-            </a:pPr>
-            <a:r>
-              <a:rPr lang="en-GB" dirty="0"/>
-              <a:t>Git support Built in – So you have Version control</a:t>
-            </a:r>
-          </a:p>
-          <a:p>
-            <a:pPr marL="285750" indent="-285750">
-              <a:buFont typeface="Arial" panose="020B0604020202020204" pitchFamily="34" charset="0"/>
-              <a:buChar char="•"/>
-            </a:pPr>
-            <a:r>
-              <a:rPr lang="en-GB" dirty="0"/>
-              <a:t>In latest Builds has an integrated Script Panel – configurable to PowerShell</a:t>
-            </a:r>
-          </a:p>
-          <a:p>
-            <a:pPr marL="285750" indent="-285750">
-              <a:buFont typeface="Arial" panose="020B0604020202020204" pitchFamily="34" charset="0"/>
-              <a:buChar char="•"/>
-            </a:pPr>
-            <a:r>
-              <a:rPr lang="en-GB" dirty="0"/>
-              <a:t>ScriptAnalyzer support now built into</a:t>
-            </a:r>
-          </a:p>
-          <a:p>
-            <a:pPr marL="285750" indent="-285750">
-              <a:buFont typeface="Arial" panose="020B0604020202020204" pitchFamily="34" charset="0"/>
-              <a:buChar char="•"/>
-            </a:pPr>
-            <a:r>
-              <a:rPr lang="en-GB" dirty="0"/>
-              <a:t>Multi Use editor – PowerShell / C# / JS etc</a:t>
-            </a:r>
-          </a:p>
-          <a:p>
-            <a:pPr marL="285750" indent="-285750">
-              <a:buFont typeface="Arial" panose="020B0604020202020204" pitchFamily="34" charset="0"/>
-              <a:buChar char="•"/>
-            </a:pPr>
-            <a:r>
-              <a:rPr lang="en-GB" dirty="0"/>
-              <a:t>Cross Platform</a:t>
+            <a:pPr algn="ctr"/>
+            <a:r>
+              <a:rPr lang="en-GB" sz="3200" dirty="0"/>
+              <a:t>Extending PowerShell ISE with a PowerShell Module called </a:t>
+            </a:r>
+            <a:r>
+              <a:rPr lang="en-GB" sz="3200" dirty="0" err="1"/>
+              <a:t>ISE_Cew</a:t>
+            </a:r>
+            <a:r>
+              <a:rPr lang="en-GB" sz="3200" dirty="0"/>
+              <a:t> – Available on GitHub or PowerShell Gallery</a:t>
             </a:r>
           </a:p>
         </p:txBody>
       </p:sp>
       <p:sp>
         <p:nvSpPr>
-          <p:cNvPr id="8" name="TextBox 7"/>
+          <p:cNvPr id="5" name="TextBox 4"/>
           <p:cNvSpPr txBox="1"/>
           <p:nvPr/>
         </p:nvSpPr>
         <p:spPr>
           <a:xfrm>
-            <a:off x="6075485" y="4079631"/>
-            <a:ext cx="5829300" cy="2677656"/>
+            <a:off x="751840" y="3323492"/>
+            <a:ext cx="4092722" cy="3416320"/>
           </a:xfrm>
           <a:prstGeom prst="rect">
             <a:avLst/>
@@ -8214,66 +8038,171 @@
           <a:p>
             <a:r>
               <a:rPr lang="en-GB" sz="2400" dirty="0"/>
-              <a:t>Cons</a:t>
-            </a:r>
-          </a:p>
-          <a:p>
-            <a:pPr marL="285750" indent="-285750">
+              <a:t>This gives us</a:t>
+            </a:r>
+          </a:p>
+          <a:p>
+            <a:pPr marL="342900" indent="-342900">
               <a:buFont typeface="Arial" panose="020B0604020202020204" pitchFamily="34" charset="0"/>
               <a:buChar char="•"/>
             </a:pPr>
-            <a:r>
-              <a:rPr lang="en-GB" dirty="0"/>
-              <a:t>Requires PowerShell Editor Services Extension</a:t>
-            </a:r>
-          </a:p>
-          <a:p>
-            <a:pPr marL="285750" indent="-285750">
+            <a:endParaRPr lang="en-GB" sz="2400" dirty="0"/>
+          </a:p>
+          <a:p>
+            <a:pPr marL="342900" indent="-342900">
               <a:buFont typeface="Arial" panose="020B0604020202020204" pitchFamily="34" charset="0"/>
               <a:buChar char="•"/>
             </a:pPr>
             <a:r>
-              <a:rPr lang="en-GB" dirty="0"/>
-              <a:t>Still requires lots of work to be the go-to PowerShell Editor</a:t>
-            </a:r>
-          </a:p>
-          <a:p>
-            <a:pPr marL="285750" indent="-285750">
+              <a:rPr lang="en-GB" sz="2400" dirty="0"/>
+              <a:t>Easy Version Control on File Saves in ISE</a:t>
+            </a:r>
+          </a:p>
+          <a:p>
+            <a:pPr marL="342900" indent="-342900">
               <a:buFont typeface="Arial" panose="020B0604020202020204" pitchFamily="34" charset="0"/>
               <a:buChar char="•"/>
             </a:pPr>
             <a:r>
-              <a:rPr lang="en-GB" dirty="0"/>
-              <a:t>Additional install that you may not be able to run </a:t>
-            </a:r>
-            <a:r>
-              <a:rPr lang="en-GB" dirty="0" err="1"/>
-              <a:t>i.e</a:t>
-            </a:r>
-            <a:r>
-              <a:rPr lang="en-GB" dirty="0"/>
-              <a:t> on a server</a:t>
-            </a:r>
-          </a:p>
-          <a:p>
-            <a:pPr marL="285750" indent="-285750">
+              <a:rPr lang="en-GB" sz="2400" dirty="0"/>
+              <a:t>Script / Module Distinction – Building out required directory</a:t>
+            </a:r>
+          </a:p>
+          <a:p>
+            <a:pPr marL="342900" indent="-342900">
               <a:buFont typeface="Arial" panose="020B0604020202020204" pitchFamily="34" charset="0"/>
               <a:buChar char="•"/>
             </a:pPr>
             <a:r>
+              <a:rPr lang="en-GB" sz="2400" dirty="0"/>
+              <a:t>Consistency &amp; Peace of Mind</a:t>
+            </a:r>
+          </a:p>
+        </p:txBody>
+      </p:sp>
+      <p:sp>
+        <p:nvSpPr>
+          <p:cNvPr id="7" name="TextBox 6"/>
+          <p:cNvSpPr txBox="1"/>
+          <p:nvPr/>
+        </p:nvSpPr>
+        <p:spPr>
+          <a:xfrm>
+            <a:off x="6286500" y="3323492"/>
+            <a:ext cx="5169877" cy="3046988"/>
+          </a:xfrm>
+          <a:prstGeom prst="rect">
+            <a:avLst/>
+          </a:prstGeom>
+          <a:noFill/>
+        </p:spPr>
+        <p:txBody>
+          <a:bodyPr wrap="square" rtlCol="0">
+            <a:spAutoFit/>
+          </a:bodyPr>
+          <a:lstStyle/>
+          <a:p>
+            <a:r>
+              <a:rPr lang="en-GB" sz="2400" dirty="0"/>
+              <a:t>Requirements</a:t>
+            </a:r>
+          </a:p>
+          <a:p>
+            <a:endParaRPr lang="en-GB" sz="2400" dirty="0"/>
+          </a:p>
+          <a:p>
+            <a:pPr marL="342900" indent="-342900">
+              <a:buFont typeface="Arial" panose="020B0604020202020204" pitchFamily="34" charset="0"/>
+              <a:buChar char="•"/>
+            </a:pPr>
+            <a:r>
+              <a:rPr lang="en-GB" sz="2400" dirty="0"/>
+              <a:t>PowerShell v4 or above (for now)</a:t>
+            </a:r>
+          </a:p>
+          <a:p>
+            <a:pPr marL="342900" indent="-342900">
+              <a:buFont typeface="Arial" panose="020B0604020202020204" pitchFamily="34" charset="0"/>
+              <a:buChar char="•"/>
+            </a:pPr>
+            <a:r>
+              <a:rPr lang="en-GB" sz="2400" dirty="0"/>
+              <a:t>PowerShell ScriptAnalyzer</a:t>
+            </a:r>
+          </a:p>
+          <a:p>
+            <a:pPr marL="342900" indent="-342900">
+              <a:buFont typeface="Arial" panose="020B0604020202020204" pitchFamily="34" charset="0"/>
+              <a:buChar char="•"/>
+            </a:pPr>
+            <a:r>
+              <a:rPr lang="en-GB" sz="2400" dirty="0"/>
+              <a:t>Pester</a:t>
+            </a:r>
+          </a:p>
+          <a:p>
+            <a:pPr marL="342900" indent="-342900">
+              <a:buFont typeface="Arial" panose="020B0604020202020204" pitchFamily="34" charset="0"/>
+              <a:buChar char="•"/>
+            </a:pPr>
+            <a:r>
+              <a:rPr lang="en-GB" sz="2400" dirty="0"/>
+              <a:t>Git</a:t>
+            </a:r>
+          </a:p>
+          <a:p>
+            <a:pPr marL="342900" indent="-342900">
+              <a:buFont typeface="Arial" panose="020B0604020202020204" pitchFamily="34" charset="0"/>
+              <a:buChar char="•"/>
+            </a:pPr>
+            <a:r>
+              <a:rPr lang="en-GB" sz="2400" dirty="0"/>
+              <a:t>2 </a:t>
+            </a:r>
+            <a:r>
+              <a:rPr lang="en-GB" sz="2400" dirty="0" err="1"/>
+              <a:t>PSDrives</a:t>
+            </a:r>
+            <a:r>
+              <a:rPr lang="en-GB" sz="2400" dirty="0"/>
+              <a:t> Scripts-WIP &amp; Modules-WIP</a:t>
+            </a:r>
+          </a:p>
+        </p:txBody>
+      </p:sp>
+      <p:sp>
+        <p:nvSpPr>
+          <p:cNvPr id="8" name="TextBox 7"/>
+          <p:cNvSpPr txBox="1"/>
+          <p:nvPr/>
+        </p:nvSpPr>
+        <p:spPr>
+          <a:xfrm>
+            <a:off x="9784397" y="6395044"/>
+            <a:ext cx="2238022" cy="369332"/>
+          </a:xfrm>
+          <a:prstGeom prst="rect">
+            <a:avLst/>
+          </a:prstGeom>
+          <a:noFill/>
+        </p:spPr>
+        <p:txBody>
+          <a:bodyPr wrap="square" rtlCol="0">
+            <a:spAutoFit/>
+          </a:bodyPr>
+          <a:lstStyle/>
+          <a:p>
+            <a:r>
               <a:rPr lang="en-GB" dirty="0"/>
-              <a:t>Under continuous development – features may change on future builds</a:t>
-            </a:r>
-          </a:p>
-          <a:p>
-            <a:endParaRPr lang="en-GB" dirty="0"/>
+              <a:t>@ryanyates1990</a:t>
+            </a:r>
           </a:p>
         </p:txBody>
       </p:sp>
     </p:spTree>
     <p:extLst>
       <p:ext uri="{BB962C8B-B14F-4D97-AF65-F5344CB8AC3E}">
-        <p14:creationId xmlns:p14="http://schemas.microsoft.com/office/powerpoint/2010/main" val="944609514"/>
+        <p14:creationId xmlns:p14="http://schemas.microsoft.com/office/powerpoint/2010/main" val="2296921474"/>
       </p:ext>
     </p:extLst>
   </p:cSld>
@@ -8301,7 +8230,7 @@
                             </p:stCondLst>
                             <p:childTnLst>
                               <p:par>
-                                <p:cTn id="5" presetID="1" presetClass="entr" presetSubtype="0" fill="hold" grpId="0" nodeType="clickEffect">
+                                <p:cTn id="5" presetID="42" presetClass="entr" presetSubtype="0" fill="hold" grpId="0" nodeType="clickEffect">
                                   <p:stCondLst>
                                     <p:cond delay="0"/>
                                   </p:stCondLst>
@@ -8314,305 +8243,7 @@
                                           </p:stCondLst>
                                         </p:cTn>
                                         <p:tgtEl>
-                                          <p:spTgt spid="5">
-                                            <p:txEl>
-                                              <p:pRg st="0" end="0"/>
-                                            </p:txEl>
-                                          </p:spTgt>
-                                        </p:tgtEl>
-                                        <p:attrNameLst>
-                                          <p:attrName>style.visibility</p:attrName>
-                                        </p:attrNameLst>
-                                      </p:cBhvr>
-                                      <p:to>
-                                        <p:strVal val="visible"/>
-                                      </p:to>
-                                    </p:set>
-                                  </p:childTnLst>
-                                </p:cTn>
-                              </p:par>
-                            </p:childTnLst>
-                          </p:cTn>
-                        </p:par>
-                      </p:childTnLst>
-                    </p:cTn>
-                  </p:par>
-                  <p:par>
-                    <p:cTn id="7" fill="hold">
-                      <p:stCondLst>
-                        <p:cond delay="indefinite"/>
-                      </p:stCondLst>
-                      <p:childTnLst>
-                        <p:par>
-                          <p:cTn id="8" fill="hold">
-                            <p:stCondLst>
-                              <p:cond delay="0"/>
-                            </p:stCondLst>
-                            <p:childTnLst>
-                              <p:par>
-                                <p:cTn id="9" presetID="1" presetClass="entr" presetSubtype="0" fill="hold" grpId="0" nodeType="clickEffect">
-                                  <p:stCondLst>
-                                    <p:cond delay="0"/>
-                                  </p:stCondLst>
-                                  <p:childTnLst>
-                                    <p:set>
-                                      <p:cBhvr>
-                                        <p:cTn id="10" dur="1" fill="hold">
-                                          <p:stCondLst>
-                                            <p:cond delay="0"/>
-                                          </p:stCondLst>
-                                        </p:cTn>
-                                        <p:tgtEl>
-                                          <p:spTgt spid="5">
-                                            <p:txEl>
-                                              <p:pRg st="1" end="1"/>
-                                            </p:txEl>
-                                          </p:spTgt>
-                                        </p:tgtEl>
-                                        <p:attrNameLst>
-                                          <p:attrName>style.visibility</p:attrName>
-                                        </p:attrNameLst>
-                                      </p:cBhvr>
-                                      <p:to>
-                                        <p:strVal val="visible"/>
-                                      </p:to>
-                                    </p:set>
-                                  </p:childTnLst>
-                                </p:cTn>
-                              </p:par>
-                            </p:childTnLst>
-                          </p:cTn>
-                        </p:par>
-                      </p:childTnLst>
-                    </p:cTn>
-                  </p:par>
-                  <p:par>
-                    <p:cTn id="11" fill="hold">
-                      <p:stCondLst>
-                        <p:cond delay="indefinite"/>
-                      </p:stCondLst>
-                      <p:childTnLst>
-                        <p:par>
-                          <p:cTn id="12" fill="hold">
-                            <p:stCondLst>
-                              <p:cond delay="0"/>
-                            </p:stCondLst>
-                            <p:childTnLst>
-                              <p:par>
-                                <p:cTn id="13" presetID="1" presetClass="entr" presetSubtype="0" fill="hold" grpId="0" nodeType="clickEffect">
-                                  <p:stCondLst>
-                                    <p:cond delay="0"/>
-                                  </p:stCondLst>
-                                  <p:childTnLst>
-                                    <p:set>
-                                      <p:cBhvr>
-                                        <p:cTn id="14" dur="1" fill="hold">
-                                          <p:stCondLst>
-                                            <p:cond delay="0"/>
-                                          </p:stCondLst>
-                                        </p:cTn>
-                                        <p:tgtEl>
-                                          <p:spTgt spid="5">
-                                            <p:txEl>
-                                              <p:pRg st="2" end="2"/>
-                                            </p:txEl>
-                                          </p:spTgt>
-                                        </p:tgtEl>
-                                        <p:attrNameLst>
-                                          <p:attrName>style.visibility</p:attrName>
-                                        </p:attrNameLst>
-                                      </p:cBhvr>
-                                      <p:to>
-                                        <p:strVal val="visible"/>
-                                      </p:to>
-                                    </p:set>
-                                  </p:childTnLst>
-                                </p:cTn>
-                              </p:par>
-                            </p:childTnLst>
-                          </p:cTn>
-                        </p:par>
-                      </p:childTnLst>
-                    </p:cTn>
-                  </p:par>
-                  <p:par>
-                    <p:cTn id="15" fill="hold">
-                      <p:stCondLst>
-                        <p:cond delay="indefinite"/>
-                      </p:stCondLst>
-                      <p:childTnLst>
-                        <p:par>
-                          <p:cTn id="16" fill="hold">
-                            <p:stCondLst>
-                              <p:cond delay="0"/>
-                            </p:stCondLst>
-                            <p:childTnLst>
-                              <p:par>
-                                <p:cTn id="17" presetID="1" presetClass="entr" presetSubtype="0" fill="hold" grpId="0" nodeType="clickEffect">
-                                  <p:stCondLst>
-                                    <p:cond delay="0"/>
-                                  </p:stCondLst>
-                                  <p:childTnLst>
-                                    <p:set>
-                                      <p:cBhvr>
-                                        <p:cTn id="18" dur="1" fill="hold">
-                                          <p:stCondLst>
-                                            <p:cond delay="0"/>
-                                          </p:stCondLst>
-                                        </p:cTn>
-                                        <p:tgtEl>
-                                          <p:spTgt spid="5">
-                                            <p:txEl>
-                                              <p:pRg st="3" end="3"/>
-                                            </p:txEl>
-                                          </p:spTgt>
-                                        </p:tgtEl>
-                                        <p:attrNameLst>
-                                          <p:attrName>style.visibility</p:attrName>
-                                        </p:attrNameLst>
-                                      </p:cBhvr>
-                                      <p:to>
-                                        <p:strVal val="visible"/>
-                                      </p:to>
-                                    </p:set>
-                                  </p:childTnLst>
-                                </p:cTn>
-                              </p:par>
-                            </p:childTnLst>
-                          </p:cTn>
-                        </p:par>
-                      </p:childTnLst>
-                    </p:cTn>
-                  </p:par>
-                  <p:par>
-                    <p:cTn id="19" fill="hold">
-                      <p:stCondLst>
-                        <p:cond delay="indefinite"/>
-                      </p:stCondLst>
-                      <p:childTnLst>
-                        <p:par>
-                          <p:cTn id="20" fill="hold">
-                            <p:stCondLst>
-                              <p:cond delay="0"/>
-                            </p:stCondLst>
-                            <p:childTnLst>
-                              <p:par>
-                                <p:cTn id="21" presetID="1" presetClass="entr" presetSubtype="0" fill="hold" grpId="0" nodeType="clickEffect">
-                                  <p:stCondLst>
-                                    <p:cond delay="0"/>
-                                  </p:stCondLst>
-                                  <p:childTnLst>
-                                    <p:set>
-                                      <p:cBhvr>
-                                        <p:cTn id="22" dur="1" fill="hold">
-                                          <p:stCondLst>
-                                            <p:cond delay="0"/>
-                                          </p:stCondLst>
-                                        </p:cTn>
-                                        <p:tgtEl>
-                                          <p:spTgt spid="5">
-                                            <p:txEl>
-                                              <p:pRg st="4" end="4"/>
-                                            </p:txEl>
-                                          </p:spTgt>
-                                        </p:tgtEl>
-                                        <p:attrNameLst>
-                                          <p:attrName>style.visibility</p:attrName>
-                                        </p:attrNameLst>
-                                      </p:cBhvr>
-                                      <p:to>
-                                        <p:strVal val="visible"/>
-                                      </p:to>
-                                    </p:set>
-                                  </p:childTnLst>
-                                </p:cTn>
-                              </p:par>
-                            </p:childTnLst>
-                          </p:cTn>
-                        </p:par>
-                      </p:childTnLst>
-                    </p:cTn>
-                  </p:par>
-                  <p:par>
-                    <p:cTn id="23" fill="hold">
-                      <p:stCondLst>
-                        <p:cond delay="indefinite"/>
-                      </p:stCondLst>
-                      <p:childTnLst>
-                        <p:par>
-                          <p:cTn id="24" fill="hold">
-                            <p:stCondLst>
-                              <p:cond delay="0"/>
-                            </p:stCondLst>
-                            <p:childTnLst>
-                              <p:par>
-                                <p:cTn id="25" presetID="1" presetClass="entr" presetSubtype="0" fill="hold" grpId="0" nodeType="clickEffect">
-                                  <p:stCondLst>
-                                    <p:cond delay="0"/>
-                                  </p:stCondLst>
-                                  <p:childTnLst>
-                                    <p:set>
-                                      <p:cBhvr>
-                                        <p:cTn id="26" dur="1" fill="hold">
-                                          <p:stCondLst>
-                                            <p:cond delay="0"/>
-                                          </p:stCondLst>
-                                        </p:cTn>
-                                        <p:tgtEl>
-                                          <p:spTgt spid="5">
-                                            <p:txEl>
-                                              <p:pRg st="5" end="5"/>
-                                            </p:txEl>
-                                          </p:spTgt>
-                                        </p:tgtEl>
-                                        <p:attrNameLst>
-                                          <p:attrName>style.visibility</p:attrName>
-                                        </p:attrNameLst>
-                                      </p:cBhvr>
-                                      <p:to>
-                                        <p:strVal val="visible"/>
-                                      </p:to>
-                                    </p:set>
-                                  </p:childTnLst>
-                                </p:cTn>
-                              </p:par>
-                            </p:childTnLst>
-                          </p:cTn>
-                        </p:par>
-                      </p:childTnLst>
-                    </p:cTn>
-                  </p:par>
-                  <p:par>
-                    <p:cTn id="27" fill="hold">
-                      <p:stCondLst>
-                        <p:cond delay="indefinite"/>
-                      </p:stCondLst>
-                      <p:childTnLst>
-                        <p:par>
-                          <p:cTn id="28" fill="hold">
-                            <p:stCondLst>
-                              <p:cond delay="0"/>
-                            </p:stCondLst>
-                            <p:childTnLst>
-                              <p:par>
-                                <p:cTn id="29" presetID="42" presetClass="entr" presetSubtype="0" fill="hold" nodeType="clickEffect">
-                                  <p:stCondLst>
-                                    <p:cond delay="0"/>
-                                  </p:stCondLst>
-                                  <p:childTnLst>
-                                    <p:set>
-                                      <p:cBhvr>
-                                        <p:cTn id="30" dur="1" fill="hold">
-                                          <p:stCondLst>
-                                            <p:cond delay="0"/>
-                                          </p:stCondLst>
-                                        </p:cTn>
-                                        <p:tgtEl>
-                                          <p:spTgt spid="8">
-                                            <p:txEl>
-                                              <p:pRg st="0" end="0"/>
-                                            </p:txEl>
-                                          </p:spTgt>
+                                          <p:spTgt spid="2"/>
                                         </p:tgtEl>
                                         <p:attrNameLst>
                                           <p:attrName>style.visibility</p:attrName>
@@ -8624,25 +8255,17 @@
                                     </p:set>
                                     <p:animEffect transition="in" filter="fade">
                                       <p:cBhvr>
-                                        <p:cTn id="31" dur="1000"/>
-                                        <p:tgtEl>
-                                          <p:spTgt spid="8">
-                                            <p:txEl>
-                                              <p:pRg st="0" end="0"/>
-                                            </p:txEl>
-                                          </p:spTgt>
+                                        <p:cTn id="7" dur="1000"/>
+                                        <p:tgtEl>
+                                          <p:spTgt spid="2"/>
                                         </p:tgtEl>
                                       </p:cBhvr>
                                     </p:animEffect>
                                     <p:anim calcmode="lin" valueType="num">
                                       <p:cBhvr>
-                                        <p:cTn id="32" dur="1000" fill="hold"/>
-                                        <p:tgtEl>
-                                          <p:spTgt spid="8">
-                                            <p:txEl>
-                                              <p:pRg st="0" end="0"/>
-                                            </p:txEl>
-                                          </p:spTgt>
+                                        <p:cTn id="8" dur="1000" fill="hold"/>
+                                        <p:tgtEl>
+                                          <p:spTgt spid="2"/>
                                         </p:tgtEl>
                                         <p:attrNameLst>
                                           <p:attrName>ppt_x</p:attrName>
@@ -8663,13 +8286,9 @@
                                     </p:anim>
                                     <p:anim calcmode="lin" valueType="num">
                                       <p:cBhvr>
-                                        <p:cTn id="33" dur="1000" fill="hold"/>
-                                        <p:tgtEl>
-                                          <p:spTgt spid="8">
-                                            <p:txEl>
-                                              <p:pRg st="0" end="0"/>
-                                            </p:txEl>
-                                          </p:spTgt>
+                                        <p:cTn id="9" dur="1000" fill="hold"/>
+                                        <p:tgtEl>
+                                          <p:spTgt spid="2"/>
                                         </p:tgtEl>
                                         <p:attrNameLst>
                                           <p:attrName>ppt_y</p:attrName>
@@ -8698,36 +8317,32 @@
                     </p:cTn>
                   </p:par>
                   <p:par>
-                    <p:cTn id="34" fill="hold">
+                    <p:cTn id="10" fill="hold">
                       <p:stCondLst>
                         <p:cond delay="indefinite"/>
                       </p:stCondLst>
                       <p:childTnLst>
                         <p:par>
-                          <p:cTn id="35" fill="hold">
+                          <p:cTn id="11" fill="hold">
                             <p:stCondLst>
                               <p:cond delay="0"/>
                             </p:stCondLst>
                             <p:childTnLst>
                               <p:par>
-                                <p:cTn id="36" presetID="42" presetClass="entr" presetSubtype="0" fill="hold" nodeType="clickEffect">
+                                <p:cTn id="12" presetID="2" presetClass="entr" presetSubtype="4" fill="hold" grpId="0" nodeType="clickEffect">
                                   <p:stCondLst>
                                     <p:cond delay="0"/>
                                   </p:stCondLst>
                                   <p:childTnLst>
                                     <p:set>
                                       <p:cBhvr>
-                                        <p:cTn id="37" dur="1" fill="hold">
+                                        <p:cTn id="13" dur="1" fill="hold">
                                           <p:stCondLst>
                                             <p:cond delay="0"/>
                                           </p:stCondLst>
                                         </p:cTn>
                                         <p:tgtEl>
-                                          <p:spTgt spid="8">
-                                            <p:txEl>
-                                              <p:pRg st="1" end="1"/>
-                                            </p:txEl>
-                                          </p:spTgt>
+                                          <p:spTgt spid="3"/>
                                         </p:tgtEl>
                                         <p:attrNameLst>
                                           <p:attrName>style.visibility</p:attrName>
@@ -8737,27 +8352,11 @@
                                         <p:strVal val="visible"/>
                                       </p:to>
                                     </p:set>
-                                    <p:animEffect transition="in" filter="fade">
-                                      <p:cBhvr>
-                                        <p:cTn id="38" dur="1000"/>
-                                        <p:tgtEl>
-                                          <p:spTgt spid="8">
-                                            <p:txEl>
-                                              <p:pRg st="1" end="1"/>
-                                            </p:txEl>
-                                          </p:spTgt>
-                                        </p:tgtEl>
-                                      </p:cBhvr>
-                                    </p:animEffect>
                                     <p:anim calcmode="lin" valueType="num">
-                                      <p:cBhvr>
-                                        <p:cTn id="39" dur="1000" fill="hold"/>
-                                        <p:tgtEl>
-                                          <p:spTgt spid="8">
-                                            <p:txEl>
-                                              <p:pRg st="1" end="1"/>
-                                            </p:txEl>
-                                          </p:spTgt>
+                                      <p:cBhvr additive="base">
+                                        <p:cTn id="14" dur="500" fill="hold"/>
+                                        <p:tgtEl>
+                                          <p:spTgt spid="3"/>
                                         </p:tgtEl>
                                         <p:attrNameLst>
                                           <p:attrName>ppt_x</p:attrName>
@@ -8777,14 +8376,10 @@
                                       </p:tavLst>
                                     </p:anim>
                                     <p:anim calcmode="lin" valueType="num">
-                                      <p:cBhvr>
-                                        <p:cTn id="40" dur="1000" fill="hold"/>
-                                        <p:tgtEl>
-                                          <p:spTgt spid="8">
-                                            <p:txEl>
-                                              <p:pRg st="1" end="1"/>
-                                            </p:txEl>
-                                          </p:spTgt>
+                                      <p:cBhvr additive="base">
+                                        <p:cTn id="15" dur="500" fill="hold"/>
+                                        <p:tgtEl>
+                                          <p:spTgt spid="3"/>
                                         </p:tgtEl>
                                         <p:attrNameLst>
                                           <p:attrName>ppt_y</p:attrName>
@@ -8793,7 +8388,7 @@
                                       <p:tavLst>
                                         <p:tav tm="0">
                                           <p:val>
-                                            <p:strVal val="#ppt_y+.1"/>
+                                            <p:strVal val="1+#ppt_h/2"/>
                                           </p:val>
                                         </p:tav>
                                         <p:tav tm="100000">
@@ -8803,6 +8398,311 @@
                                         </p:tav>
                                       </p:tavLst>
                                     </p:anim>
+                                  </p:childTnLst>
+                                </p:cTn>
+                              </p:par>
+                            </p:childTnLst>
+                          </p:cTn>
+                        </p:par>
+                      </p:childTnLst>
+                    </p:cTn>
+                  </p:par>
+                  <p:par>
+                    <p:cTn id="16" fill="hold">
+                      <p:stCondLst>
+                        <p:cond delay="indefinite"/>
+                      </p:stCondLst>
+                      <p:childTnLst>
+                        <p:par>
+                          <p:cTn id="17" fill="hold">
+                            <p:stCondLst>
+                              <p:cond delay="0"/>
+                            </p:stCondLst>
+                            <p:childTnLst>
+                              <p:par>
+                                <p:cTn id="18" presetID="10" presetClass="entr" presetSubtype="0" fill="hold" grpId="0" nodeType="clickEffect">
+                                  <p:stCondLst>
+                                    <p:cond delay="0"/>
+                                  </p:stCondLst>
+                                  <p:childTnLst>
+                                    <p:set>
+                                      <p:cBhvr>
+                                        <p:cTn id="19" dur="1" fill="hold">
+                                          <p:stCondLst>
+                                            <p:cond delay="0"/>
+                                          </p:stCondLst>
+                                        </p:cTn>
+                                        <p:tgtEl>
+                                          <p:spTgt spid="5">
+                                            <p:txEl>
+                                              <p:pRg st="0" end="0"/>
+                                            </p:txEl>
+                                          </p:spTgt>
+                                        </p:tgtEl>
+                                        <p:attrNameLst>
+                                          <p:attrName>style.visibility</p:attrName>
+                                        </p:attrNameLst>
+                                      </p:cBhvr>
+                                      <p:to>
+                                        <p:strVal val="visible"/>
+                                      </p:to>
+                                    </p:set>
+                                    <p:animEffect transition="in" filter="fade">
+                                      <p:cBhvr>
+                                        <p:cTn id="20" dur="500"/>
+                                        <p:tgtEl>
+                                          <p:spTgt spid="5">
+                                            <p:txEl>
+                                              <p:pRg st="0" end="0"/>
+                                            </p:txEl>
+                                          </p:spTgt>
+                                        </p:tgtEl>
+                                      </p:cBhvr>
+                                    </p:animEffect>
+                                  </p:childTnLst>
+                                </p:cTn>
+                              </p:par>
+                            </p:childTnLst>
+                          </p:cTn>
+                        </p:par>
+                      </p:childTnLst>
+                    </p:cTn>
+                  </p:par>
+                  <p:par>
+                    <p:cTn id="21" fill="hold">
+                      <p:stCondLst>
+                        <p:cond delay="indefinite"/>
+                      </p:stCondLst>
+                      <p:childTnLst>
+                        <p:par>
+                          <p:cTn id="22" fill="hold">
+                            <p:stCondLst>
+                              <p:cond delay="0"/>
+                            </p:stCondLst>
+                            <p:childTnLst>
+                              <p:par>
+                                <p:cTn id="23" presetID="10" presetClass="entr" presetSubtype="0" fill="hold" grpId="0" nodeType="clickEffect">
+                                  <p:stCondLst>
+                                    <p:cond delay="0"/>
+                                  </p:stCondLst>
+                                  <p:childTnLst>
+                                    <p:set>
+                                      <p:cBhvr>
+                                        <p:cTn id="24" dur="1" fill="hold">
+                                          <p:stCondLst>
+                                            <p:cond delay="0"/>
+                                          </p:stCondLst>
+                                        </p:cTn>
+                                        <p:tgtEl>
+                                          <p:spTgt spid="5">
+                                            <p:txEl>
+                                              <p:pRg st="2" end="2"/>
+                                            </p:txEl>
+                                          </p:spTgt>
+                                        </p:tgtEl>
+                                        <p:attrNameLst>
+                                          <p:attrName>style.visibility</p:attrName>
+                                        </p:attrNameLst>
+                                      </p:cBhvr>
+                                      <p:to>
+                                        <p:strVal val="visible"/>
+                                      </p:to>
+                                    </p:set>
+                                    <p:animEffect transition="in" filter="fade">
+                                      <p:cBhvr>
+                                        <p:cTn id="25" dur="500"/>
+                                        <p:tgtEl>
+                                          <p:spTgt spid="5">
+                                            <p:txEl>
+                                              <p:pRg st="2" end="2"/>
+                                            </p:txEl>
+                                          </p:spTgt>
+                                        </p:tgtEl>
+                                      </p:cBhvr>
+                                    </p:animEffect>
+                                  </p:childTnLst>
+                                </p:cTn>
+                              </p:par>
+                            </p:childTnLst>
+                          </p:cTn>
+                        </p:par>
+                      </p:childTnLst>
+                    </p:cTn>
+                  </p:par>
+                  <p:par>
+                    <p:cTn id="26" fill="hold">
+                      <p:stCondLst>
+                        <p:cond delay="indefinite"/>
+                      </p:stCondLst>
+                      <p:childTnLst>
+                        <p:par>
+                          <p:cTn id="27" fill="hold">
+                            <p:stCondLst>
+                              <p:cond delay="0"/>
+                            </p:stCondLst>
+                            <p:childTnLst>
+                              <p:par>
+                                <p:cTn id="28" presetID="10" presetClass="entr" presetSubtype="0" fill="hold" grpId="0" nodeType="clickEffect">
+                                  <p:stCondLst>
+                                    <p:cond delay="0"/>
+                                  </p:stCondLst>
+                                  <p:childTnLst>
+                                    <p:set>
+                                      <p:cBhvr>
+                                        <p:cTn id="29" dur="1" fill="hold">
+                                          <p:stCondLst>
+                                            <p:cond delay="0"/>
+                                          </p:stCondLst>
+                                        </p:cTn>
+                                        <p:tgtEl>
+                                          <p:spTgt spid="5">
+                                            <p:txEl>
+                                              <p:pRg st="3" end="3"/>
+                                            </p:txEl>
+                                          </p:spTgt>
+                                        </p:tgtEl>
+                                        <p:attrNameLst>
+                                          <p:attrName>style.visibility</p:attrName>
+                                        </p:attrNameLst>
+                                      </p:cBhvr>
+                                      <p:to>
+                                        <p:strVal val="visible"/>
+                                      </p:to>
+                                    </p:set>
+                                    <p:animEffect transition="in" filter="fade">
+                                      <p:cBhvr>
+                                        <p:cTn id="30" dur="500"/>
+                                        <p:tgtEl>
+                                          <p:spTgt spid="5">
+                                            <p:txEl>
+                                              <p:pRg st="3" end="3"/>
+                                            </p:txEl>
+                                          </p:spTgt>
+                                        </p:tgtEl>
+                                      </p:cBhvr>
+                                    </p:animEffect>
+                                  </p:childTnLst>
+                                </p:cTn>
+                              </p:par>
+                            </p:childTnLst>
+                          </p:cTn>
+                        </p:par>
+                      </p:childTnLst>
+                    </p:cTn>
+                  </p:par>
+                  <p:par>
+                    <p:cTn id="31" fill="hold">
+                      <p:stCondLst>
+                        <p:cond delay="indefinite"/>
+                      </p:stCondLst>
+                      <p:childTnLst>
+                        <p:par>
+                          <p:cTn id="32" fill="hold">
+                            <p:stCondLst>
+                              <p:cond delay="0"/>
+                            </p:stCondLst>
+                            <p:childTnLst>
+                              <p:par>
+                                <p:cTn id="33" presetID="10" presetClass="entr" presetSubtype="0" fill="hold" grpId="0" nodeType="clickEffect">
+                                  <p:stCondLst>
+                                    <p:cond delay="0"/>
+                                  </p:stCondLst>
+                                  <p:childTnLst>
+                                    <p:set>
+                                      <p:cBhvr>
+                                        <p:cTn id="34" dur="1" fill="hold">
+                                          <p:stCondLst>
+                                            <p:cond delay="0"/>
+                                          </p:stCondLst>
+                                        </p:cTn>
+                                        <p:tgtEl>
+                                          <p:spTgt spid="5">
+                                            <p:txEl>
+                                              <p:pRg st="4" end="4"/>
+                                            </p:txEl>
+                                          </p:spTgt>
+                                        </p:tgtEl>
+                                        <p:attrNameLst>
+                                          <p:attrName>style.visibility</p:attrName>
+                                        </p:attrNameLst>
+                                      </p:cBhvr>
+                                      <p:to>
+                                        <p:strVal val="visible"/>
+                                      </p:to>
+                                    </p:set>
+                                    <p:animEffect transition="in" filter="fade">
+                                      <p:cBhvr>
+                                        <p:cTn id="35" dur="500"/>
+                                        <p:tgtEl>
+                                          <p:spTgt spid="5">
+                                            <p:txEl>
+                                              <p:pRg st="4" end="4"/>
+                                            </p:txEl>
+                                          </p:spTgt>
+                                        </p:tgtEl>
+                                      </p:cBhvr>
+                                    </p:animEffect>
+                                  </p:childTnLst>
+                                </p:cTn>
+                              </p:par>
+                            </p:childTnLst>
+                          </p:cTn>
+                        </p:par>
+                      </p:childTnLst>
+                    </p:cTn>
+                  </p:par>
+                  <p:par>
+                    <p:cTn id="36" fill="hold">
+                      <p:stCondLst>
+                        <p:cond delay="indefinite"/>
+                      </p:stCondLst>
+                      <p:childTnLst>
+                        <p:par>
+                          <p:cTn id="37" fill="hold">
+                            <p:stCondLst>
+                              <p:cond delay="0"/>
+                            </p:stCondLst>
+                            <p:childTnLst>
+                              <p:par>
+                                <p:cTn id="38" presetID="16" presetClass="entr" presetSubtype="21" fill="hold" grpId="0" nodeType="clickEffect">
+                                  <p:stCondLst>
+                                    <p:cond delay="0"/>
+                                  </p:stCondLst>
+                                  <p:childTnLst>
+                                    <p:set>
+                                      <p:cBhvr>
+                                        <p:cTn id="39" dur="1" fill="hold">
+                                          <p:stCondLst>
+                                            <p:cond delay="0"/>
+                                          </p:stCondLst>
+                                        </p:cTn>
+                                        <p:tgtEl>
+                                          <p:spTgt spid="7">
+                                            <p:txEl>
+                                              <p:pRg st="0" end="0"/>
+                                            </p:txEl>
+                                          </p:spTgt>
+                                        </p:tgtEl>
+                                        <p:attrNameLst>
+                                          <p:attrName>style.visibility</p:attrName>
+                                        </p:attrNameLst>
+                                      </p:cBhvr>
+                                      <p:to>
+                                        <p:strVal val="visible"/>
+                                      </p:to>
+                                    </p:set>
+                                    <p:animEffect transition="in" filter="barn(inVertical)">
+                                      <p:cBhvr>
+                                        <p:cTn id="40" dur="500"/>
+                                        <p:tgtEl>
+                                          <p:spTgt spid="7">
+                                            <p:txEl>
+                                              <p:pRg st="0" end="0"/>
+                                            </p:txEl>
+                                          </p:spTgt>
+                                        </p:tgtEl>
+                                      </p:cBhvr>
+                                    </p:animEffect>
                                   </p:childTnLst>
                                 </p:cTn>
                               </p:par>
@@ -8825,7 +8725,7 @@
                             </p:stCondLst>
                             <p:childTnLst>
                               <p:par>
-                                <p:cTn id="43" presetID="42" presetClass="entr" presetSubtype="0" fill="hold" nodeType="clickEffect">
+                                <p:cTn id="43" presetID="16" presetClass="entr" presetSubtype="21" fill="hold" grpId="0" nodeType="clickEffect">
                                   <p:stCondLst>
                                     <p:cond delay="0"/>
                                   </p:stCondLst>
@@ -8838,7 +8738,7 @@
                                           </p:stCondLst>
                                         </p:cTn>
                                         <p:tgtEl>
-                                          <p:spTgt spid="8">
+                                          <p:spTgt spid="7">
                                             <p:txEl>
                                               <p:pRg st="2" end="2"/>
                                             </p:txEl>
@@ -8852,11 +8752,11 @@
                                         <p:strVal val="visible"/>
                                       </p:to>
                                     </p:set>
-                                    <p:animEffect transition="in" filter="fade">
-                                      <p:cBhvr>
-                                        <p:cTn id="45" dur="1000"/>
-                                        <p:tgtEl>
-                                          <p:spTgt spid="8">
+                                    <p:animEffect transition="in" filter="barn(inVertical)">
+                                      <p:cBhvr>
+                                        <p:cTn id="45" dur="500"/>
+                                        <p:tgtEl>
+                                          <p:spTgt spid="7">
                                             <p:txEl>
                                               <p:pRg st="2" end="2"/>
                                             </p:txEl>
@@ -8864,60 +8764,6 @@
                                         </p:tgtEl>
                                       </p:cBhvr>
                                     </p:animEffect>
-                                    <p:anim calcmode="lin" valueType="num">
-                                      <p:cBhvr>
-                                        <p:cTn id="46" dur="1000" fill="hold"/>
-                                        <p:tgtEl>
-                                          <p:spTgt spid="8">
-                                            <p:txEl>
-                                              <p:pRg st="2" end="2"/>
-                                            </p:txEl>
-                                          </p:spTgt>
-                                        </p:tgtEl>
-                                        <p:attrNameLst>
-                                          <p:attrName>ppt_x</p:attrName>
-                                        </p:attrNameLst>
-                                      </p:cBhvr>
-                                      <p:tavLst>
-                                        <p:tav tm="0">
-                                          <p:val>
-                                            <p:strVal val="#ppt_x"/>
-                                          </p:val>
-                                        </p:tav>
-                                        <p:tav tm="100000">
-                                          <p:val>
-                                            <p:strVal val="#ppt_x"/>
-                                          </p:val>
-                                        </p:tav>
-                                      </p:tavLst>
-                                    </p:anim>
-                                    <p:anim calcmode="lin" valueType="num">
-                                      <p:cBhvr>
-                                        <p:cTn id="47" dur="1000" fill="hold"/>
-                                        <p:tgtEl>
-                                          <p:spTgt spid="8">
-                                            <p:txEl>
-                                              <p:pRg st="2" end="2"/>
-                                            </p:txEl>
-                                          </p:spTgt>
-                                        </p:tgtEl>
-                                        <p:attrNameLst>
-                                          <p:attrName>ppt_y</p:attrName>
-                                        </p:attrNameLst>
-                                      </p:cBhvr>
-                                      <p:tavLst>
-                                        <p:tav tm="0">
-                                          <p:val>
-                                            <p:strVal val="#ppt_y+.1"/>
-                                          </p:val>
-                                        </p:tav>
-                                        <p:tav tm="100000">
-                                          <p:val>
-                                            <p:strVal val="#ppt_y"/>
-                                          </p:val>
-                                        </p:tav>
-                                      </p:tavLst>
-                                    </p:anim>
                                   </p:childTnLst>
                                 </p:cTn>
                               </p:par>
@@ -8928,32 +8774,32 @@
                     </p:cTn>
                   </p:par>
                   <p:par>
-                    <p:cTn id="48" fill="hold">
+                    <p:cTn id="46" fill="hold">
                       <p:stCondLst>
                         <p:cond delay="indefinite"/>
                       </p:stCondLst>
                       <p:childTnLst>
                         <p:par>
-                          <p:cTn id="49" fill="hold">
+                          <p:cTn id="47" fill="hold">
                             <p:stCondLst>
                               <p:cond delay="0"/>
                             </p:stCondLst>
                             <p:childTnLst>
                               <p:par>
-                                <p:cTn id="50" presetID="42" presetClass="entr" presetSubtype="0" fill="hold" nodeType="clickEffect">
+                                <p:cTn id="48" presetID="16" presetClass="entr" presetSubtype="21" fill="hold" grpId="0" nodeType="clickEffect">
                                   <p:stCondLst>
                                     <p:cond delay="0"/>
                                   </p:stCondLst>
                                   <p:childTnLst>
                                     <p:set>
                                       <p:cBhvr>
-                                        <p:cTn id="51" dur="1" fill="hold">
+                                        <p:cTn id="49" dur="1" fill="hold">
                                           <p:stCondLst>
                                             <p:cond delay="0"/>
                                           </p:stCondLst>
                                         </p:cTn>
                                         <p:tgtEl>
-                                          <p:spTgt spid="8">
+                                          <p:spTgt spid="7">
                                             <p:txEl>
                                               <p:pRg st="3" end="3"/>
                                             </p:txEl>
@@ -8967,11 +8813,11 @@
                                         <p:strVal val="visible"/>
                                       </p:to>
                                     </p:set>
-                                    <p:animEffect transition="in" filter="fade">
-                                      <p:cBhvr>
-                                        <p:cTn id="52" dur="1000"/>
-                                        <p:tgtEl>
-                                          <p:spTgt spid="8">
+                                    <p:animEffect transition="in" filter="barn(inVertical)">
+                                      <p:cBhvr>
+                                        <p:cTn id="50" dur="500"/>
+                                        <p:tgtEl>
+                                          <p:spTgt spid="7">
                                             <p:txEl>
                                               <p:pRg st="3" end="3"/>
                                             </p:txEl>
@@ -8979,60 +8825,6 @@
                                         </p:tgtEl>
                                       </p:cBhvr>
                                     </p:animEffect>
-                                    <p:anim calcmode="lin" valueType="num">
-                                      <p:cBhvr>
-                                        <p:cTn id="53" dur="1000" fill="hold"/>
-                                        <p:tgtEl>
-                                          <p:spTgt spid="8">
-                                            <p:txEl>
-                                              <p:pRg st="3" end="3"/>
-                                            </p:txEl>
-                                          </p:spTgt>
-                                        </p:tgtEl>
-                                        <p:attrNameLst>
-                                          <p:attrName>ppt_x</p:attrName>
-                                        </p:attrNameLst>
-                                      </p:cBhvr>
-                                      <p:tavLst>
-                                        <p:tav tm="0">
-                                          <p:val>
-                                            <p:strVal val="#ppt_x"/>
-                                          </p:val>
-                                        </p:tav>
-                                        <p:tav tm="100000">
-                                          <p:val>
-                                            <p:strVal val="#ppt_x"/>
-                                          </p:val>
-                                        </p:tav>
-                                      </p:tavLst>
-                                    </p:anim>
-                                    <p:anim calcmode="lin" valueType="num">
-                                      <p:cBhvr>
-                                        <p:cTn id="54" dur="1000" fill="hold"/>
-                                        <p:tgtEl>
-                                          <p:spTgt spid="8">
-                                            <p:txEl>
-                                              <p:pRg st="3" end="3"/>
-                                            </p:txEl>
-                                          </p:spTgt>
-                                        </p:tgtEl>
-                                        <p:attrNameLst>
-                                          <p:attrName>ppt_y</p:attrName>
-                                        </p:attrNameLst>
-                                      </p:cBhvr>
-                                      <p:tavLst>
-                                        <p:tav tm="0">
-                                          <p:val>
-                                            <p:strVal val="#ppt_y+.1"/>
-                                          </p:val>
-                                        </p:tav>
-                                        <p:tav tm="100000">
-                                          <p:val>
-                                            <p:strVal val="#ppt_y"/>
-                                          </p:val>
-                                        </p:tav>
-                                      </p:tavLst>
-                                    </p:anim>
                                   </p:childTnLst>
                                 </p:cTn>
                               </p:par>
@@ -9043,32 +8835,32 @@
                     </p:cTn>
                   </p:par>
                   <p:par>
-                    <p:cTn id="55" fill="hold">
+                    <p:cTn id="51" fill="hold">
                       <p:stCondLst>
                         <p:cond delay="indefinite"/>
                       </p:stCondLst>
                       <p:childTnLst>
                         <p:par>
-                          <p:cTn id="56" fill="hold">
+                          <p:cTn id="52" fill="hold">
                             <p:stCondLst>
                               <p:cond delay="0"/>
                             </p:stCondLst>
                             <p:childTnLst>
                               <p:par>
-                                <p:cTn id="57" presetID="42" presetClass="entr" presetSubtype="0" fill="hold" nodeType="clickEffect">
+                                <p:cTn id="53" presetID="16" presetClass="entr" presetSubtype="21" fill="hold" grpId="0" nodeType="clickEffect">
                                   <p:stCondLst>
                                     <p:cond delay="0"/>
                                   </p:stCondLst>
                                   <p:childTnLst>
                                     <p:set>
                                       <p:cBhvr>
-                                        <p:cTn id="58" dur="1" fill="hold">
+                                        <p:cTn id="54" dur="1" fill="hold">
                                           <p:stCondLst>
                                             <p:cond delay="0"/>
                                           </p:stCondLst>
                                         </p:cTn>
                                         <p:tgtEl>
-                                          <p:spTgt spid="8">
+                                          <p:spTgt spid="7">
                                             <p:txEl>
                                               <p:pRg st="4" end="4"/>
                                             </p:txEl>
@@ -9082,11 +8874,11 @@
                                         <p:strVal val="visible"/>
                                       </p:to>
                                     </p:set>
-                                    <p:animEffect transition="in" filter="fade">
-                                      <p:cBhvr>
-                                        <p:cTn id="59" dur="1000"/>
-                                        <p:tgtEl>
-                                          <p:spTgt spid="8">
+                                    <p:animEffect transition="in" filter="barn(inVertical)">
+                                      <p:cBhvr>
+                                        <p:cTn id="55" dur="500"/>
+                                        <p:tgtEl>
+                                          <p:spTgt spid="7">
                                             <p:txEl>
                                               <p:pRg st="4" end="4"/>
                                             </p:txEl>
@@ -9094,60 +8886,128 @@
                                         </p:tgtEl>
                                       </p:cBhvr>
                                     </p:animEffect>
-                                    <p:anim calcmode="lin" valueType="num">
-                                      <p:cBhvr>
-                                        <p:cTn id="60" dur="1000" fill="hold"/>
-                                        <p:tgtEl>
-                                          <p:spTgt spid="8">
+                                  </p:childTnLst>
+                                </p:cTn>
+                              </p:par>
+                            </p:childTnLst>
+                          </p:cTn>
+                        </p:par>
+                      </p:childTnLst>
+                    </p:cTn>
+                  </p:par>
+                  <p:par>
+                    <p:cTn id="56" fill="hold">
+                      <p:stCondLst>
+                        <p:cond delay="indefinite"/>
+                      </p:stCondLst>
+                      <p:childTnLst>
+                        <p:par>
+                          <p:cTn id="57" fill="hold">
+                            <p:stCondLst>
+                              <p:cond delay="0"/>
+                            </p:stCondLst>
+                            <p:childTnLst>
+                              <p:par>
+                                <p:cTn id="58" presetID="16" presetClass="entr" presetSubtype="21" fill="hold" grpId="0" nodeType="clickEffect">
+                                  <p:stCondLst>
+                                    <p:cond delay="0"/>
+                                  </p:stCondLst>
+                                  <p:childTnLst>
+                                    <p:set>
+                                      <p:cBhvr>
+                                        <p:cTn id="59" dur="1" fill="hold">
+                                          <p:stCondLst>
+                                            <p:cond delay="0"/>
+                                          </p:stCondLst>
+                                        </p:cTn>
+                                        <p:tgtEl>
+                                          <p:spTgt spid="7">
                                             <p:txEl>
-                                              <p:pRg st="4" end="4"/>
+                                              <p:pRg st="5" end="5"/>
                                             </p:txEl>
                                           </p:spTgt>
                                         </p:tgtEl>
                                         <p:attrNameLst>
-                                          <p:attrName>ppt_x</p:attrName>
+                                          <p:attrName>style.visibility</p:attrName>
                                         </p:attrNameLst>
                                       </p:cBhvr>
-                                      <p:tavLst>
-                                        <p:tav tm="0">
-                                          <p:val>
-                                            <p:strVal val="#ppt_x"/>
-                                          </p:val>
-                                        </p:tav>
-                                        <p:tav tm="100000">
-                                          <p:val>
-                                            <p:strVal val="#ppt_x"/>
-                                          </p:val>
-                                        </p:tav>
-                                      </p:tavLst>
-                                    </p:anim>
-                                    <p:anim calcmode="lin" valueType="num">
-                                      <p:cBhvr>
-                                        <p:cTn id="61" dur="1000" fill="hold"/>
-                                        <p:tgtEl>
-                                          <p:spTgt spid="8">
+                                      <p:to>
+                                        <p:strVal val="visible"/>
+                                      </p:to>
+                                    </p:set>
+                                    <p:animEffect transition="in" filter="barn(inVertical)">
+                                      <p:cBhvr>
+                                        <p:cTn id="60" dur="500"/>
+                                        <p:tgtEl>
+                                          <p:spTgt spid="7">
                                             <p:txEl>
-                                              <p:pRg st="4" end="4"/>
+                                              <p:pRg st="5" end="5"/>
                                             </p:txEl>
                                           </p:spTgt>
                                         </p:tgtEl>
+                                      </p:cBhvr>
+                                    </p:animEffect>
+                                  </p:childTnLst>
+                                </p:cTn>
+                              </p:par>
+                            </p:childTnLst>
+                          </p:cTn>
+                        </p:par>
+                      </p:childTnLst>
+                    </p:cTn>
+                  </p:par>
+                  <p:par>
+                    <p:cTn id="61" fill="hold">
+                      <p:stCondLst>
+                        <p:cond delay="indefinite"/>
+                      </p:stCondLst>
+                      <p:childTnLst>
+                        <p:par>
+                          <p:cTn id="62" fill="hold">
+                            <p:stCondLst>
+                              <p:cond delay="0"/>
+                            </p:stCondLst>
+                            <p:childTnLst>
+                              <p:par>
+                                <p:cTn id="63" presetID="16" presetClass="entr" presetSubtype="21" fill="hold" grpId="0" nodeType="clickEffect">
+                                  <p:stCondLst>
+                                    <p:cond delay="0"/>
+                                  </p:stCondLst>
+                                  <p:childTnLst>
+                                    <p:set>
+                                      <p:cBhvr>
+                                        <p:cTn id="64" dur="1" fill="hold">
+                                          <p:stCondLst>
+                                            <p:cond delay="0"/>
+                                          </p:stCondLst>
+                                        </p:cTn>
+                                        <p:tgtEl>
+                                          <p:spTgt spid="7">
+                                            <p:txEl>
+                                              <p:pRg st="6" end="6"/>
+                                            </p:txEl>
+                                          </p:spTgt>
+                                        </p:tgtEl>
                                         <p:attrNameLst>
-                                          <p:attrName>ppt_y</p:attrName>
+                                          <p:attrName>style.visibility</p:attrName>
                                         </p:attrNameLst>
                                       </p:cBhvr>
-                                      <p:tavLst>
-                                        <p:tav tm="0">
-                                          <p:val>
-                                            <p:strVal val="#ppt_y+.1"/>
-                                          </p:val>
-                                        </p:tav>
-                                        <p:tav tm="100000">
-                                          <p:val>
-                                            <p:strVal val="#ppt_y"/>
-                                          </p:val>
-                                        </p:tav>
-                                      </p:tavLst>
-                                    </p:anim>
+                                      <p:to>
+                                        <p:strVal val="visible"/>
+                                      </p:to>
+                                    </p:set>
+                                    <p:animEffect transition="in" filter="barn(inVertical)">
+                                      <p:cBhvr>
+                                        <p:cTn id="65" dur="500"/>
+                                        <p:tgtEl>
+                                          <p:spTgt spid="7">
+                                            <p:txEl>
+                                              <p:pRg st="6" end="6"/>
+                                            </p:txEl>
+                                          </p:spTgt>
+                                        </p:tgtEl>
+                                      </p:cBhvr>
+                                    </p:animEffect>
                                   </p:childTnLst>
                                 </p:cTn>
                               </p:par>
@@ -9179,7 +9039,10 @@
       </p:par>
     </p:tnLst>
     <p:bldLst>
+      <p:bldP spid="2" grpId="0"/>
+      <p:bldP spid="3" grpId="0"/>
       <p:bldP spid="5" grpId="0" build="p"/>
+      <p:bldP spid="7" grpId="0" build="p"/>
     </p:bldLst>
   </p:timing>
 </p:sld>
@@ -9272,21 +9135,21 @@
           <a:p>
             <a:r>
               <a:rPr lang="en-GB" dirty="0"/>
-              <a:t>Using Visual Studio</a:t>
+              <a:t>Using VSCode</a:t>
             </a:r>
           </a:p>
         </p:txBody>
       </p:sp>
       <p:sp>
         <p:nvSpPr>
-          <p:cNvPr id="6" name="TextBox 5"/>
+          <p:cNvPr id="5" name="TextBox 4"/>
           <p:cNvSpPr txBox="1"/>
           <p:nvPr/>
         </p:nvSpPr>
         <p:spPr>
           <a:xfrm>
-            <a:off x="6801632" y="1999764"/>
-            <a:ext cx="4633546" cy="2123658"/>
+            <a:off x="663682" y="1565303"/>
+            <a:ext cx="4985239" cy="5262979"/>
           </a:xfrm>
           <a:prstGeom prst="rect">
             <a:avLst/>
@@ -9310,8 +9173,8 @@
               <a:buChar char="•"/>
             </a:pPr>
             <a:r>
-              <a:rPr lang="en-GB" dirty="0"/>
-              <a:t>Git support Built in – So you have Version control (at least in Community 2015)</a:t>
+              <a:rPr lang="en-GB" sz="2400" dirty="0"/>
+              <a:t>Git support Built in – So you have Version control</a:t>
             </a:r>
           </a:p>
           <a:p>
@@ -9320,32 +9183,8 @@
               <a:buChar char="•"/>
             </a:pPr>
             <a:r>
-              <a:rPr lang="en-GB" dirty="0"/>
-              <a:t>PowerShell Tools </a:t>
-            </a:r>
-            <a:r>
-              <a:rPr lang="en-GB" dirty="0" err="1"/>
-              <a:t>addon</a:t>
-            </a:r>
-            <a:r>
-              <a:rPr lang="en-GB" dirty="0"/>
-              <a:t> by Adam </a:t>
-            </a:r>
-            <a:r>
-              <a:rPr lang="en-GB" dirty="0" err="1"/>
-              <a:t>Discoll</a:t>
-            </a:r>
-            <a:r>
-              <a:rPr lang="en-GB" dirty="0"/>
-              <a:t> gives </a:t>
-            </a:r>
-            <a:r>
-              <a:rPr lang="en-GB" dirty="0" err="1"/>
-              <a:t>Intellisense</a:t>
-            </a:r>
-            <a:r>
-              <a:rPr lang="en-GB" dirty="0"/>
-              <a:t> &amp; PowerShell Project Definitions</a:t>
+              <a:rPr lang="en-GB" sz="2400" dirty="0"/>
+              <a:t>In latest Builds has an integrated Script Panel – configurable to PowerShell</a:t>
             </a:r>
           </a:p>
           <a:p>
@@ -9354,8 +9193,38 @@
               <a:buChar char="•"/>
             </a:pPr>
             <a:r>
-              <a:rPr lang="en-GB" dirty="0"/>
+              <a:rPr lang="en-GB" sz="2400" dirty="0"/>
+              <a:t>ScriptAnalyzer support now built into</a:t>
+            </a:r>
+          </a:p>
+          <a:p>
+            <a:pPr marL="285750" indent="-285750">
+              <a:buFont typeface="Arial" panose="020B0604020202020204" pitchFamily="34" charset="0"/>
+              <a:buChar char="•"/>
+            </a:pPr>
+            <a:r>
+              <a:rPr lang="en-GB" sz="2400" dirty="0"/>
               <a:t>Multi Use editor – PowerShell / C# / JS etc</a:t>
+            </a:r>
+          </a:p>
+          <a:p>
+            <a:pPr marL="285750" indent="-285750">
+              <a:buFont typeface="Arial" panose="020B0604020202020204" pitchFamily="34" charset="0"/>
+              <a:buChar char="•"/>
+            </a:pPr>
+            <a:r>
+              <a:rPr lang="en-GB" sz="2400" dirty="0"/>
+              <a:t>Cross Platform</a:t>
+            </a:r>
+          </a:p>
+          <a:p>
+            <a:pPr marL="285750" indent="-285750">
+              <a:buFont typeface="Arial" panose="020B0604020202020204" pitchFamily="34" charset="0"/>
+              <a:buChar char="•"/>
+            </a:pPr>
+            <a:r>
+              <a:rPr lang="en-GB" sz="2400" dirty="0"/>
+              <a:t>Underlying platform is being actively developed by PowerShell Team</a:t>
             </a:r>
           </a:p>
         </p:txBody>
@@ -9368,8 +9237,8 @@
         </p:nvSpPr>
         <p:spPr>
           <a:xfrm>
-            <a:off x="448408" y="3877408"/>
-            <a:ext cx="5647592" cy="2400657"/>
+            <a:off x="6005810" y="2608101"/>
+            <a:ext cx="5829300" cy="3323987"/>
           </a:xfrm>
           <a:prstGeom prst="rect">
             <a:avLst/>
@@ -9393,8 +9262,8 @@
               <a:buChar char="•"/>
             </a:pPr>
             <a:r>
-              <a:rPr lang="en-GB" dirty="0"/>
-              <a:t>Still requires lots of work to be the go-to PowerShell Editor</a:t>
+              <a:rPr lang="en-GB" sz="2400" dirty="0"/>
+              <a:t>Requires PowerShell Extension</a:t>
             </a:r>
           </a:p>
           <a:p>
@@ -9403,8 +9272,8 @@
               <a:buChar char="•"/>
             </a:pPr>
             <a:r>
-              <a:rPr lang="en-GB" dirty="0"/>
-              <a:t>Additional install that you may not be able to run</a:t>
+              <a:rPr lang="en-GB" sz="2400" dirty="0"/>
+              <a:t>Still requires lots of work to be the go-to PowerShell Editor</a:t>
             </a:r>
           </a:p>
           <a:p>
@@ -9413,16 +9282,16 @@
               <a:buChar char="•"/>
             </a:pPr>
             <a:r>
-              <a:rPr lang="en-GB" dirty="0"/>
-              <a:t>Too </a:t>
-            </a:r>
-            <a:r>
-              <a:rPr lang="en-GB" dirty="0" err="1"/>
-              <a:t>clunkly</a:t>
-            </a:r>
-            <a:r>
-              <a:rPr lang="en-GB" dirty="0"/>
-              <a:t> for most PowerShell tasks</a:t>
+              <a:rPr lang="en-GB" sz="2400" dirty="0"/>
+              <a:t>Additional install that you may not be able to run </a:t>
+            </a:r>
+            <a:r>
+              <a:rPr lang="en-GB" sz="2400" dirty="0" err="1"/>
+              <a:t>i.e</a:t>
+            </a:r>
+            <a:r>
+              <a:rPr lang="en-GB" sz="2400" dirty="0"/>
+              <a:t> on a server</a:t>
             </a:r>
           </a:p>
           <a:p>
@@ -9431,12 +9300,1281 @@
               <a:buChar char="•"/>
             </a:pPr>
             <a:r>
+              <a:rPr lang="en-GB" sz="2400" dirty="0"/>
+              <a:t>Under continuous development – features may change on future builds</a:t>
+            </a:r>
+          </a:p>
+          <a:p>
+            <a:endParaRPr lang="en-GB" dirty="0"/>
+          </a:p>
+        </p:txBody>
+      </p:sp>
+      <p:sp>
+        <p:nvSpPr>
+          <p:cNvPr id="6" name="TextBox 5"/>
+          <p:cNvSpPr txBox="1"/>
+          <p:nvPr/>
+        </p:nvSpPr>
+        <p:spPr>
+          <a:xfrm>
+            <a:off x="9784397" y="6395044"/>
+            <a:ext cx="2238022" cy="369332"/>
+          </a:xfrm>
+          <a:prstGeom prst="rect">
+            <a:avLst/>
+          </a:prstGeom>
+          <a:noFill/>
+        </p:spPr>
+        <p:txBody>
+          <a:bodyPr wrap="square" rtlCol="0">
+            <a:spAutoFit/>
+          </a:bodyPr>
+          <a:lstStyle/>
+          <a:p>
+            <a:r>
               <a:rPr lang="en-GB" dirty="0"/>
-              <a:t>PowerShell Tools bug caused multiple modules to have same GUID in PowerShell Gallery</a:t>
-            </a:r>
-          </a:p>
-          <a:p>
+              <a:t>@ryanyates1990</a:t>
+            </a:r>
+          </a:p>
+        </p:txBody>
+      </p:sp>
+    </p:spTree>
+    <p:extLst>
+      <p:ext uri="{BB962C8B-B14F-4D97-AF65-F5344CB8AC3E}">
+        <p14:creationId xmlns:p14="http://schemas.microsoft.com/office/powerpoint/2010/main" val="944609514"/>
+      </p:ext>
+    </p:extLst>
+  </p:cSld>
+  <p:clrMapOvr>
+    <a:masterClrMapping/>
+  </p:clrMapOvr>
+  <p:timing>
+    <p:tnLst>
+      <p:par>
+        <p:cTn id="1" dur="indefinite" restart="never" nodeType="tmRoot">
+          <p:childTnLst>
+            <p:seq concurrent="1" nextAc="seek">
+              <p:cTn id="2" dur="indefinite" nodeType="mainSeq">
+                <p:childTnLst>
+                  <p:par>
+                    <p:cTn id="3" fill="hold">
+                      <p:stCondLst>
+                        <p:cond delay="indefinite"/>
+                      </p:stCondLst>
+                      <p:childTnLst>
+                        <p:par>
+                          <p:cTn id="4" fill="hold">
+                            <p:stCondLst>
+                              <p:cond delay="0"/>
+                            </p:stCondLst>
+                            <p:childTnLst>
+                              <p:par>
+                                <p:cTn id="5" presetID="1" presetClass="entr" presetSubtype="0" fill="hold" grpId="0" nodeType="clickEffect">
+                                  <p:stCondLst>
+                                    <p:cond delay="0"/>
+                                  </p:stCondLst>
+                                  <p:childTnLst>
+                                    <p:set>
+                                      <p:cBhvr>
+                                        <p:cTn id="6" dur="1" fill="hold">
+                                          <p:stCondLst>
+                                            <p:cond delay="0"/>
+                                          </p:stCondLst>
+                                        </p:cTn>
+                                        <p:tgtEl>
+                                          <p:spTgt spid="5">
+                                            <p:txEl>
+                                              <p:pRg st="0" end="0"/>
+                                            </p:txEl>
+                                          </p:spTgt>
+                                        </p:tgtEl>
+                                        <p:attrNameLst>
+                                          <p:attrName>style.visibility</p:attrName>
+                                        </p:attrNameLst>
+                                      </p:cBhvr>
+                                      <p:to>
+                                        <p:strVal val="visible"/>
+                                      </p:to>
+                                    </p:set>
+                                  </p:childTnLst>
+                                </p:cTn>
+                              </p:par>
+                            </p:childTnLst>
+                          </p:cTn>
+                        </p:par>
+                      </p:childTnLst>
+                    </p:cTn>
+                  </p:par>
+                  <p:par>
+                    <p:cTn id="7" fill="hold">
+                      <p:stCondLst>
+                        <p:cond delay="indefinite"/>
+                      </p:stCondLst>
+                      <p:childTnLst>
+                        <p:par>
+                          <p:cTn id="8" fill="hold">
+                            <p:stCondLst>
+                              <p:cond delay="0"/>
+                            </p:stCondLst>
+                            <p:childTnLst>
+                              <p:par>
+                                <p:cTn id="9" presetID="1" presetClass="entr" presetSubtype="0" fill="hold" grpId="0" nodeType="clickEffect">
+                                  <p:stCondLst>
+                                    <p:cond delay="0"/>
+                                  </p:stCondLst>
+                                  <p:childTnLst>
+                                    <p:set>
+                                      <p:cBhvr>
+                                        <p:cTn id="10" dur="1" fill="hold">
+                                          <p:stCondLst>
+                                            <p:cond delay="0"/>
+                                          </p:stCondLst>
+                                        </p:cTn>
+                                        <p:tgtEl>
+                                          <p:spTgt spid="5">
+                                            <p:txEl>
+                                              <p:pRg st="1" end="1"/>
+                                            </p:txEl>
+                                          </p:spTgt>
+                                        </p:tgtEl>
+                                        <p:attrNameLst>
+                                          <p:attrName>style.visibility</p:attrName>
+                                        </p:attrNameLst>
+                                      </p:cBhvr>
+                                      <p:to>
+                                        <p:strVal val="visible"/>
+                                      </p:to>
+                                    </p:set>
+                                  </p:childTnLst>
+                                </p:cTn>
+                              </p:par>
+                            </p:childTnLst>
+                          </p:cTn>
+                        </p:par>
+                      </p:childTnLst>
+                    </p:cTn>
+                  </p:par>
+                  <p:par>
+                    <p:cTn id="11" fill="hold">
+                      <p:stCondLst>
+                        <p:cond delay="indefinite"/>
+                      </p:stCondLst>
+                      <p:childTnLst>
+                        <p:par>
+                          <p:cTn id="12" fill="hold">
+                            <p:stCondLst>
+                              <p:cond delay="0"/>
+                            </p:stCondLst>
+                            <p:childTnLst>
+                              <p:par>
+                                <p:cTn id="13" presetID="1" presetClass="entr" presetSubtype="0" fill="hold" grpId="0" nodeType="clickEffect">
+                                  <p:stCondLst>
+                                    <p:cond delay="0"/>
+                                  </p:stCondLst>
+                                  <p:childTnLst>
+                                    <p:set>
+                                      <p:cBhvr>
+                                        <p:cTn id="14" dur="1" fill="hold">
+                                          <p:stCondLst>
+                                            <p:cond delay="0"/>
+                                          </p:stCondLst>
+                                        </p:cTn>
+                                        <p:tgtEl>
+                                          <p:spTgt spid="5">
+                                            <p:txEl>
+                                              <p:pRg st="2" end="2"/>
+                                            </p:txEl>
+                                          </p:spTgt>
+                                        </p:tgtEl>
+                                        <p:attrNameLst>
+                                          <p:attrName>style.visibility</p:attrName>
+                                        </p:attrNameLst>
+                                      </p:cBhvr>
+                                      <p:to>
+                                        <p:strVal val="visible"/>
+                                      </p:to>
+                                    </p:set>
+                                  </p:childTnLst>
+                                </p:cTn>
+                              </p:par>
+                            </p:childTnLst>
+                          </p:cTn>
+                        </p:par>
+                      </p:childTnLst>
+                    </p:cTn>
+                  </p:par>
+                  <p:par>
+                    <p:cTn id="15" fill="hold">
+                      <p:stCondLst>
+                        <p:cond delay="indefinite"/>
+                      </p:stCondLst>
+                      <p:childTnLst>
+                        <p:par>
+                          <p:cTn id="16" fill="hold">
+                            <p:stCondLst>
+                              <p:cond delay="0"/>
+                            </p:stCondLst>
+                            <p:childTnLst>
+                              <p:par>
+                                <p:cTn id="17" presetID="1" presetClass="entr" presetSubtype="0" fill="hold" grpId="0" nodeType="clickEffect">
+                                  <p:stCondLst>
+                                    <p:cond delay="0"/>
+                                  </p:stCondLst>
+                                  <p:childTnLst>
+                                    <p:set>
+                                      <p:cBhvr>
+                                        <p:cTn id="18" dur="1" fill="hold">
+                                          <p:stCondLst>
+                                            <p:cond delay="0"/>
+                                          </p:stCondLst>
+                                        </p:cTn>
+                                        <p:tgtEl>
+                                          <p:spTgt spid="5">
+                                            <p:txEl>
+                                              <p:pRg st="3" end="3"/>
+                                            </p:txEl>
+                                          </p:spTgt>
+                                        </p:tgtEl>
+                                        <p:attrNameLst>
+                                          <p:attrName>style.visibility</p:attrName>
+                                        </p:attrNameLst>
+                                      </p:cBhvr>
+                                      <p:to>
+                                        <p:strVal val="visible"/>
+                                      </p:to>
+                                    </p:set>
+                                  </p:childTnLst>
+                                </p:cTn>
+                              </p:par>
+                            </p:childTnLst>
+                          </p:cTn>
+                        </p:par>
+                      </p:childTnLst>
+                    </p:cTn>
+                  </p:par>
+                  <p:par>
+                    <p:cTn id="19" fill="hold">
+                      <p:stCondLst>
+                        <p:cond delay="indefinite"/>
+                      </p:stCondLst>
+                      <p:childTnLst>
+                        <p:par>
+                          <p:cTn id="20" fill="hold">
+                            <p:stCondLst>
+                              <p:cond delay="0"/>
+                            </p:stCondLst>
+                            <p:childTnLst>
+                              <p:par>
+                                <p:cTn id="21" presetID="1" presetClass="entr" presetSubtype="0" fill="hold" grpId="0" nodeType="clickEffect">
+                                  <p:stCondLst>
+                                    <p:cond delay="0"/>
+                                  </p:stCondLst>
+                                  <p:childTnLst>
+                                    <p:set>
+                                      <p:cBhvr>
+                                        <p:cTn id="22" dur="1" fill="hold">
+                                          <p:stCondLst>
+                                            <p:cond delay="0"/>
+                                          </p:stCondLst>
+                                        </p:cTn>
+                                        <p:tgtEl>
+                                          <p:spTgt spid="5">
+                                            <p:txEl>
+                                              <p:pRg st="4" end="4"/>
+                                            </p:txEl>
+                                          </p:spTgt>
+                                        </p:tgtEl>
+                                        <p:attrNameLst>
+                                          <p:attrName>style.visibility</p:attrName>
+                                        </p:attrNameLst>
+                                      </p:cBhvr>
+                                      <p:to>
+                                        <p:strVal val="visible"/>
+                                      </p:to>
+                                    </p:set>
+                                  </p:childTnLst>
+                                </p:cTn>
+                              </p:par>
+                            </p:childTnLst>
+                          </p:cTn>
+                        </p:par>
+                      </p:childTnLst>
+                    </p:cTn>
+                  </p:par>
+                  <p:par>
+                    <p:cTn id="23" fill="hold">
+                      <p:stCondLst>
+                        <p:cond delay="indefinite"/>
+                      </p:stCondLst>
+                      <p:childTnLst>
+                        <p:par>
+                          <p:cTn id="24" fill="hold">
+                            <p:stCondLst>
+                              <p:cond delay="0"/>
+                            </p:stCondLst>
+                            <p:childTnLst>
+                              <p:par>
+                                <p:cTn id="25" presetID="1" presetClass="entr" presetSubtype="0" fill="hold" grpId="0" nodeType="clickEffect">
+                                  <p:stCondLst>
+                                    <p:cond delay="0"/>
+                                  </p:stCondLst>
+                                  <p:childTnLst>
+                                    <p:set>
+                                      <p:cBhvr>
+                                        <p:cTn id="26" dur="1" fill="hold">
+                                          <p:stCondLst>
+                                            <p:cond delay="0"/>
+                                          </p:stCondLst>
+                                        </p:cTn>
+                                        <p:tgtEl>
+                                          <p:spTgt spid="5">
+                                            <p:txEl>
+                                              <p:pRg st="5" end="5"/>
+                                            </p:txEl>
+                                          </p:spTgt>
+                                        </p:tgtEl>
+                                        <p:attrNameLst>
+                                          <p:attrName>style.visibility</p:attrName>
+                                        </p:attrNameLst>
+                                      </p:cBhvr>
+                                      <p:to>
+                                        <p:strVal val="visible"/>
+                                      </p:to>
+                                    </p:set>
+                                  </p:childTnLst>
+                                </p:cTn>
+                              </p:par>
+                            </p:childTnLst>
+                          </p:cTn>
+                        </p:par>
+                      </p:childTnLst>
+                    </p:cTn>
+                  </p:par>
+                  <p:par>
+                    <p:cTn id="27" fill="hold">
+                      <p:stCondLst>
+                        <p:cond delay="indefinite"/>
+                      </p:stCondLst>
+                      <p:childTnLst>
+                        <p:par>
+                          <p:cTn id="28" fill="hold">
+                            <p:stCondLst>
+                              <p:cond delay="0"/>
+                            </p:stCondLst>
+                            <p:childTnLst>
+                              <p:par>
+                                <p:cTn id="29" presetID="1" presetClass="entr" presetSubtype="0" fill="hold" grpId="0" nodeType="clickEffect">
+                                  <p:stCondLst>
+                                    <p:cond delay="0"/>
+                                  </p:stCondLst>
+                                  <p:childTnLst>
+                                    <p:set>
+                                      <p:cBhvr>
+                                        <p:cTn id="30" dur="1" fill="hold">
+                                          <p:stCondLst>
+                                            <p:cond delay="0"/>
+                                          </p:stCondLst>
+                                        </p:cTn>
+                                        <p:tgtEl>
+                                          <p:spTgt spid="5">
+                                            <p:txEl>
+                                              <p:pRg st="6" end="6"/>
+                                            </p:txEl>
+                                          </p:spTgt>
+                                        </p:tgtEl>
+                                        <p:attrNameLst>
+                                          <p:attrName>style.visibility</p:attrName>
+                                        </p:attrNameLst>
+                                      </p:cBhvr>
+                                      <p:to>
+                                        <p:strVal val="visible"/>
+                                      </p:to>
+                                    </p:set>
+                                  </p:childTnLst>
+                                </p:cTn>
+                              </p:par>
+                            </p:childTnLst>
+                          </p:cTn>
+                        </p:par>
+                      </p:childTnLst>
+                    </p:cTn>
+                  </p:par>
+                  <p:par>
+                    <p:cTn id="31" fill="hold">
+                      <p:stCondLst>
+                        <p:cond delay="indefinite"/>
+                      </p:stCondLst>
+                      <p:childTnLst>
+                        <p:par>
+                          <p:cTn id="32" fill="hold">
+                            <p:stCondLst>
+                              <p:cond delay="0"/>
+                            </p:stCondLst>
+                            <p:childTnLst>
+                              <p:par>
+                                <p:cTn id="33" presetID="42" presetClass="entr" presetSubtype="0" fill="hold" nodeType="clickEffect">
+                                  <p:stCondLst>
+                                    <p:cond delay="0"/>
+                                  </p:stCondLst>
+                                  <p:childTnLst>
+                                    <p:set>
+                                      <p:cBhvr>
+                                        <p:cTn id="34" dur="1" fill="hold">
+                                          <p:stCondLst>
+                                            <p:cond delay="0"/>
+                                          </p:stCondLst>
+                                        </p:cTn>
+                                        <p:tgtEl>
+                                          <p:spTgt spid="8">
+                                            <p:txEl>
+                                              <p:pRg st="0" end="0"/>
+                                            </p:txEl>
+                                          </p:spTgt>
+                                        </p:tgtEl>
+                                        <p:attrNameLst>
+                                          <p:attrName>style.visibility</p:attrName>
+                                        </p:attrNameLst>
+                                      </p:cBhvr>
+                                      <p:to>
+                                        <p:strVal val="visible"/>
+                                      </p:to>
+                                    </p:set>
+                                    <p:animEffect transition="in" filter="fade">
+                                      <p:cBhvr>
+                                        <p:cTn id="35" dur="1000"/>
+                                        <p:tgtEl>
+                                          <p:spTgt spid="8">
+                                            <p:txEl>
+                                              <p:pRg st="0" end="0"/>
+                                            </p:txEl>
+                                          </p:spTgt>
+                                        </p:tgtEl>
+                                      </p:cBhvr>
+                                    </p:animEffect>
+                                    <p:anim calcmode="lin" valueType="num">
+                                      <p:cBhvr>
+                                        <p:cTn id="36" dur="1000" fill="hold"/>
+                                        <p:tgtEl>
+                                          <p:spTgt spid="8">
+                                            <p:txEl>
+                                              <p:pRg st="0" end="0"/>
+                                            </p:txEl>
+                                          </p:spTgt>
+                                        </p:tgtEl>
+                                        <p:attrNameLst>
+                                          <p:attrName>ppt_x</p:attrName>
+                                        </p:attrNameLst>
+                                      </p:cBhvr>
+                                      <p:tavLst>
+                                        <p:tav tm="0">
+                                          <p:val>
+                                            <p:strVal val="#ppt_x"/>
+                                          </p:val>
+                                        </p:tav>
+                                        <p:tav tm="100000">
+                                          <p:val>
+                                            <p:strVal val="#ppt_x"/>
+                                          </p:val>
+                                        </p:tav>
+                                      </p:tavLst>
+                                    </p:anim>
+                                    <p:anim calcmode="lin" valueType="num">
+                                      <p:cBhvr>
+                                        <p:cTn id="37" dur="1000" fill="hold"/>
+                                        <p:tgtEl>
+                                          <p:spTgt spid="8">
+                                            <p:txEl>
+                                              <p:pRg st="0" end="0"/>
+                                            </p:txEl>
+                                          </p:spTgt>
+                                        </p:tgtEl>
+                                        <p:attrNameLst>
+                                          <p:attrName>ppt_y</p:attrName>
+                                        </p:attrNameLst>
+                                      </p:cBhvr>
+                                      <p:tavLst>
+                                        <p:tav tm="0">
+                                          <p:val>
+                                            <p:strVal val="#ppt_y+.1"/>
+                                          </p:val>
+                                        </p:tav>
+                                        <p:tav tm="100000">
+                                          <p:val>
+                                            <p:strVal val="#ppt_y"/>
+                                          </p:val>
+                                        </p:tav>
+                                      </p:tavLst>
+                                    </p:anim>
+                                  </p:childTnLst>
+                                </p:cTn>
+                              </p:par>
+                            </p:childTnLst>
+                          </p:cTn>
+                        </p:par>
+                      </p:childTnLst>
+                    </p:cTn>
+                  </p:par>
+                  <p:par>
+                    <p:cTn id="38" fill="hold">
+                      <p:stCondLst>
+                        <p:cond delay="indefinite"/>
+                      </p:stCondLst>
+                      <p:childTnLst>
+                        <p:par>
+                          <p:cTn id="39" fill="hold">
+                            <p:stCondLst>
+                              <p:cond delay="0"/>
+                            </p:stCondLst>
+                            <p:childTnLst>
+                              <p:par>
+                                <p:cTn id="40" presetID="42" presetClass="entr" presetSubtype="0" fill="hold" nodeType="clickEffect">
+                                  <p:stCondLst>
+                                    <p:cond delay="0"/>
+                                  </p:stCondLst>
+                                  <p:childTnLst>
+                                    <p:set>
+                                      <p:cBhvr>
+                                        <p:cTn id="41" dur="1" fill="hold">
+                                          <p:stCondLst>
+                                            <p:cond delay="0"/>
+                                          </p:stCondLst>
+                                        </p:cTn>
+                                        <p:tgtEl>
+                                          <p:spTgt spid="8">
+                                            <p:txEl>
+                                              <p:pRg st="1" end="1"/>
+                                            </p:txEl>
+                                          </p:spTgt>
+                                        </p:tgtEl>
+                                        <p:attrNameLst>
+                                          <p:attrName>style.visibility</p:attrName>
+                                        </p:attrNameLst>
+                                      </p:cBhvr>
+                                      <p:to>
+                                        <p:strVal val="visible"/>
+                                      </p:to>
+                                    </p:set>
+                                    <p:animEffect transition="in" filter="fade">
+                                      <p:cBhvr>
+                                        <p:cTn id="42" dur="1000"/>
+                                        <p:tgtEl>
+                                          <p:spTgt spid="8">
+                                            <p:txEl>
+                                              <p:pRg st="1" end="1"/>
+                                            </p:txEl>
+                                          </p:spTgt>
+                                        </p:tgtEl>
+                                      </p:cBhvr>
+                                    </p:animEffect>
+                                    <p:anim calcmode="lin" valueType="num">
+                                      <p:cBhvr>
+                                        <p:cTn id="43" dur="1000" fill="hold"/>
+                                        <p:tgtEl>
+                                          <p:spTgt spid="8">
+                                            <p:txEl>
+                                              <p:pRg st="1" end="1"/>
+                                            </p:txEl>
+                                          </p:spTgt>
+                                        </p:tgtEl>
+                                        <p:attrNameLst>
+                                          <p:attrName>ppt_x</p:attrName>
+                                        </p:attrNameLst>
+                                      </p:cBhvr>
+                                      <p:tavLst>
+                                        <p:tav tm="0">
+                                          <p:val>
+                                            <p:strVal val="#ppt_x"/>
+                                          </p:val>
+                                        </p:tav>
+                                        <p:tav tm="100000">
+                                          <p:val>
+                                            <p:strVal val="#ppt_x"/>
+                                          </p:val>
+                                        </p:tav>
+                                      </p:tavLst>
+                                    </p:anim>
+                                    <p:anim calcmode="lin" valueType="num">
+                                      <p:cBhvr>
+                                        <p:cTn id="44" dur="1000" fill="hold"/>
+                                        <p:tgtEl>
+                                          <p:spTgt spid="8">
+                                            <p:txEl>
+                                              <p:pRg st="1" end="1"/>
+                                            </p:txEl>
+                                          </p:spTgt>
+                                        </p:tgtEl>
+                                        <p:attrNameLst>
+                                          <p:attrName>ppt_y</p:attrName>
+                                        </p:attrNameLst>
+                                      </p:cBhvr>
+                                      <p:tavLst>
+                                        <p:tav tm="0">
+                                          <p:val>
+                                            <p:strVal val="#ppt_y+.1"/>
+                                          </p:val>
+                                        </p:tav>
+                                        <p:tav tm="100000">
+                                          <p:val>
+                                            <p:strVal val="#ppt_y"/>
+                                          </p:val>
+                                        </p:tav>
+                                      </p:tavLst>
+                                    </p:anim>
+                                  </p:childTnLst>
+                                </p:cTn>
+                              </p:par>
+                            </p:childTnLst>
+                          </p:cTn>
+                        </p:par>
+                      </p:childTnLst>
+                    </p:cTn>
+                  </p:par>
+                  <p:par>
+                    <p:cTn id="45" fill="hold">
+                      <p:stCondLst>
+                        <p:cond delay="indefinite"/>
+                      </p:stCondLst>
+                      <p:childTnLst>
+                        <p:par>
+                          <p:cTn id="46" fill="hold">
+                            <p:stCondLst>
+                              <p:cond delay="0"/>
+                            </p:stCondLst>
+                            <p:childTnLst>
+                              <p:par>
+                                <p:cTn id="47" presetID="42" presetClass="entr" presetSubtype="0" fill="hold" nodeType="clickEffect">
+                                  <p:stCondLst>
+                                    <p:cond delay="0"/>
+                                  </p:stCondLst>
+                                  <p:childTnLst>
+                                    <p:set>
+                                      <p:cBhvr>
+                                        <p:cTn id="48" dur="1" fill="hold">
+                                          <p:stCondLst>
+                                            <p:cond delay="0"/>
+                                          </p:stCondLst>
+                                        </p:cTn>
+                                        <p:tgtEl>
+                                          <p:spTgt spid="8">
+                                            <p:txEl>
+                                              <p:pRg st="2" end="2"/>
+                                            </p:txEl>
+                                          </p:spTgt>
+                                        </p:tgtEl>
+                                        <p:attrNameLst>
+                                          <p:attrName>style.visibility</p:attrName>
+                                        </p:attrNameLst>
+                                      </p:cBhvr>
+                                      <p:to>
+                                        <p:strVal val="visible"/>
+                                      </p:to>
+                                    </p:set>
+                                    <p:animEffect transition="in" filter="fade">
+                                      <p:cBhvr>
+                                        <p:cTn id="49" dur="1000"/>
+                                        <p:tgtEl>
+                                          <p:spTgt spid="8">
+                                            <p:txEl>
+                                              <p:pRg st="2" end="2"/>
+                                            </p:txEl>
+                                          </p:spTgt>
+                                        </p:tgtEl>
+                                      </p:cBhvr>
+                                    </p:animEffect>
+                                    <p:anim calcmode="lin" valueType="num">
+                                      <p:cBhvr>
+                                        <p:cTn id="50" dur="1000" fill="hold"/>
+                                        <p:tgtEl>
+                                          <p:spTgt spid="8">
+                                            <p:txEl>
+                                              <p:pRg st="2" end="2"/>
+                                            </p:txEl>
+                                          </p:spTgt>
+                                        </p:tgtEl>
+                                        <p:attrNameLst>
+                                          <p:attrName>ppt_x</p:attrName>
+                                        </p:attrNameLst>
+                                      </p:cBhvr>
+                                      <p:tavLst>
+                                        <p:tav tm="0">
+                                          <p:val>
+                                            <p:strVal val="#ppt_x"/>
+                                          </p:val>
+                                        </p:tav>
+                                        <p:tav tm="100000">
+                                          <p:val>
+                                            <p:strVal val="#ppt_x"/>
+                                          </p:val>
+                                        </p:tav>
+                                      </p:tavLst>
+                                    </p:anim>
+                                    <p:anim calcmode="lin" valueType="num">
+                                      <p:cBhvr>
+                                        <p:cTn id="51" dur="1000" fill="hold"/>
+                                        <p:tgtEl>
+                                          <p:spTgt spid="8">
+                                            <p:txEl>
+                                              <p:pRg st="2" end="2"/>
+                                            </p:txEl>
+                                          </p:spTgt>
+                                        </p:tgtEl>
+                                        <p:attrNameLst>
+                                          <p:attrName>ppt_y</p:attrName>
+                                        </p:attrNameLst>
+                                      </p:cBhvr>
+                                      <p:tavLst>
+                                        <p:tav tm="0">
+                                          <p:val>
+                                            <p:strVal val="#ppt_y+.1"/>
+                                          </p:val>
+                                        </p:tav>
+                                        <p:tav tm="100000">
+                                          <p:val>
+                                            <p:strVal val="#ppt_y"/>
+                                          </p:val>
+                                        </p:tav>
+                                      </p:tavLst>
+                                    </p:anim>
+                                  </p:childTnLst>
+                                </p:cTn>
+                              </p:par>
+                            </p:childTnLst>
+                          </p:cTn>
+                        </p:par>
+                      </p:childTnLst>
+                    </p:cTn>
+                  </p:par>
+                  <p:par>
+                    <p:cTn id="52" fill="hold">
+                      <p:stCondLst>
+                        <p:cond delay="indefinite"/>
+                      </p:stCondLst>
+                      <p:childTnLst>
+                        <p:par>
+                          <p:cTn id="53" fill="hold">
+                            <p:stCondLst>
+                              <p:cond delay="0"/>
+                            </p:stCondLst>
+                            <p:childTnLst>
+                              <p:par>
+                                <p:cTn id="54" presetID="42" presetClass="entr" presetSubtype="0" fill="hold" nodeType="clickEffect">
+                                  <p:stCondLst>
+                                    <p:cond delay="0"/>
+                                  </p:stCondLst>
+                                  <p:childTnLst>
+                                    <p:set>
+                                      <p:cBhvr>
+                                        <p:cTn id="55" dur="1" fill="hold">
+                                          <p:stCondLst>
+                                            <p:cond delay="0"/>
+                                          </p:stCondLst>
+                                        </p:cTn>
+                                        <p:tgtEl>
+                                          <p:spTgt spid="8">
+                                            <p:txEl>
+                                              <p:pRg st="3" end="3"/>
+                                            </p:txEl>
+                                          </p:spTgt>
+                                        </p:tgtEl>
+                                        <p:attrNameLst>
+                                          <p:attrName>style.visibility</p:attrName>
+                                        </p:attrNameLst>
+                                      </p:cBhvr>
+                                      <p:to>
+                                        <p:strVal val="visible"/>
+                                      </p:to>
+                                    </p:set>
+                                    <p:animEffect transition="in" filter="fade">
+                                      <p:cBhvr>
+                                        <p:cTn id="56" dur="1000"/>
+                                        <p:tgtEl>
+                                          <p:spTgt spid="8">
+                                            <p:txEl>
+                                              <p:pRg st="3" end="3"/>
+                                            </p:txEl>
+                                          </p:spTgt>
+                                        </p:tgtEl>
+                                      </p:cBhvr>
+                                    </p:animEffect>
+                                    <p:anim calcmode="lin" valueType="num">
+                                      <p:cBhvr>
+                                        <p:cTn id="57" dur="1000" fill="hold"/>
+                                        <p:tgtEl>
+                                          <p:spTgt spid="8">
+                                            <p:txEl>
+                                              <p:pRg st="3" end="3"/>
+                                            </p:txEl>
+                                          </p:spTgt>
+                                        </p:tgtEl>
+                                        <p:attrNameLst>
+                                          <p:attrName>ppt_x</p:attrName>
+                                        </p:attrNameLst>
+                                      </p:cBhvr>
+                                      <p:tavLst>
+                                        <p:tav tm="0">
+                                          <p:val>
+                                            <p:strVal val="#ppt_x"/>
+                                          </p:val>
+                                        </p:tav>
+                                        <p:tav tm="100000">
+                                          <p:val>
+                                            <p:strVal val="#ppt_x"/>
+                                          </p:val>
+                                        </p:tav>
+                                      </p:tavLst>
+                                    </p:anim>
+                                    <p:anim calcmode="lin" valueType="num">
+                                      <p:cBhvr>
+                                        <p:cTn id="58" dur="1000" fill="hold"/>
+                                        <p:tgtEl>
+                                          <p:spTgt spid="8">
+                                            <p:txEl>
+                                              <p:pRg st="3" end="3"/>
+                                            </p:txEl>
+                                          </p:spTgt>
+                                        </p:tgtEl>
+                                        <p:attrNameLst>
+                                          <p:attrName>ppt_y</p:attrName>
+                                        </p:attrNameLst>
+                                      </p:cBhvr>
+                                      <p:tavLst>
+                                        <p:tav tm="0">
+                                          <p:val>
+                                            <p:strVal val="#ppt_y+.1"/>
+                                          </p:val>
+                                        </p:tav>
+                                        <p:tav tm="100000">
+                                          <p:val>
+                                            <p:strVal val="#ppt_y"/>
+                                          </p:val>
+                                        </p:tav>
+                                      </p:tavLst>
+                                    </p:anim>
+                                  </p:childTnLst>
+                                </p:cTn>
+                              </p:par>
+                            </p:childTnLst>
+                          </p:cTn>
+                        </p:par>
+                      </p:childTnLst>
+                    </p:cTn>
+                  </p:par>
+                  <p:par>
+                    <p:cTn id="59" fill="hold">
+                      <p:stCondLst>
+                        <p:cond delay="indefinite"/>
+                      </p:stCondLst>
+                      <p:childTnLst>
+                        <p:par>
+                          <p:cTn id="60" fill="hold">
+                            <p:stCondLst>
+                              <p:cond delay="0"/>
+                            </p:stCondLst>
+                            <p:childTnLst>
+                              <p:par>
+                                <p:cTn id="61" presetID="42" presetClass="entr" presetSubtype="0" fill="hold" nodeType="clickEffect">
+                                  <p:stCondLst>
+                                    <p:cond delay="0"/>
+                                  </p:stCondLst>
+                                  <p:childTnLst>
+                                    <p:set>
+                                      <p:cBhvr>
+                                        <p:cTn id="62" dur="1" fill="hold">
+                                          <p:stCondLst>
+                                            <p:cond delay="0"/>
+                                          </p:stCondLst>
+                                        </p:cTn>
+                                        <p:tgtEl>
+                                          <p:spTgt spid="8">
+                                            <p:txEl>
+                                              <p:pRg st="4" end="4"/>
+                                            </p:txEl>
+                                          </p:spTgt>
+                                        </p:tgtEl>
+                                        <p:attrNameLst>
+                                          <p:attrName>style.visibility</p:attrName>
+                                        </p:attrNameLst>
+                                      </p:cBhvr>
+                                      <p:to>
+                                        <p:strVal val="visible"/>
+                                      </p:to>
+                                    </p:set>
+                                    <p:animEffect transition="in" filter="fade">
+                                      <p:cBhvr>
+                                        <p:cTn id="63" dur="1000"/>
+                                        <p:tgtEl>
+                                          <p:spTgt spid="8">
+                                            <p:txEl>
+                                              <p:pRg st="4" end="4"/>
+                                            </p:txEl>
+                                          </p:spTgt>
+                                        </p:tgtEl>
+                                      </p:cBhvr>
+                                    </p:animEffect>
+                                    <p:anim calcmode="lin" valueType="num">
+                                      <p:cBhvr>
+                                        <p:cTn id="64" dur="1000" fill="hold"/>
+                                        <p:tgtEl>
+                                          <p:spTgt spid="8">
+                                            <p:txEl>
+                                              <p:pRg st="4" end="4"/>
+                                            </p:txEl>
+                                          </p:spTgt>
+                                        </p:tgtEl>
+                                        <p:attrNameLst>
+                                          <p:attrName>ppt_x</p:attrName>
+                                        </p:attrNameLst>
+                                      </p:cBhvr>
+                                      <p:tavLst>
+                                        <p:tav tm="0">
+                                          <p:val>
+                                            <p:strVal val="#ppt_x"/>
+                                          </p:val>
+                                        </p:tav>
+                                        <p:tav tm="100000">
+                                          <p:val>
+                                            <p:strVal val="#ppt_x"/>
+                                          </p:val>
+                                        </p:tav>
+                                      </p:tavLst>
+                                    </p:anim>
+                                    <p:anim calcmode="lin" valueType="num">
+                                      <p:cBhvr>
+                                        <p:cTn id="65" dur="1000" fill="hold"/>
+                                        <p:tgtEl>
+                                          <p:spTgt spid="8">
+                                            <p:txEl>
+                                              <p:pRg st="4" end="4"/>
+                                            </p:txEl>
+                                          </p:spTgt>
+                                        </p:tgtEl>
+                                        <p:attrNameLst>
+                                          <p:attrName>ppt_y</p:attrName>
+                                        </p:attrNameLst>
+                                      </p:cBhvr>
+                                      <p:tavLst>
+                                        <p:tav tm="0">
+                                          <p:val>
+                                            <p:strVal val="#ppt_y+.1"/>
+                                          </p:val>
+                                        </p:tav>
+                                        <p:tav tm="100000">
+                                          <p:val>
+                                            <p:strVal val="#ppt_y"/>
+                                          </p:val>
+                                        </p:tav>
+                                      </p:tavLst>
+                                    </p:anim>
+                                  </p:childTnLst>
+                                </p:cTn>
+                              </p:par>
+                            </p:childTnLst>
+                          </p:cTn>
+                        </p:par>
+                      </p:childTnLst>
+                    </p:cTn>
+                  </p:par>
+                </p:childTnLst>
+              </p:cTn>
+              <p:prevCondLst>
+                <p:cond evt="onPrev" delay="0">
+                  <p:tgtEl>
+                    <p:sldTgt/>
+                  </p:tgtEl>
+                </p:cond>
+              </p:prevCondLst>
+              <p:nextCondLst>
+                <p:cond evt="onNext" delay="0">
+                  <p:tgtEl>
+                    <p:sldTgt/>
+                  </p:tgtEl>
+                </p:cond>
+              </p:nextCondLst>
+            </p:seq>
+          </p:childTnLst>
+        </p:cTn>
+      </p:par>
+    </p:tnLst>
+    <p:bldLst>
+      <p:bldP spid="5" grpId="0" build="p"/>
+    </p:bldLst>
+  </p:timing>
+</p:sld>
+</file>
+
+<file path=ppt/slides/slide8.xml><?xml version="1.0" encoding="utf-8"?>
+<p:sld xmlns:a="http://schemas.openxmlformats.org/drawingml/2006/main" xmlns:r="http://schemas.openxmlformats.org/officeDocument/2006/relationships" xmlns:p="http://schemas.openxmlformats.org/presentationml/2006/main">
+  <p:cSld>
+    <p:spTree>
+      <p:nvGrpSpPr>
+        <p:cNvPr id="1" name=""/>
+        <p:cNvGrpSpPr/>
+        <p:nvPr/>
+      </p:nvGrpSpPr>
+      <p:grpSpPr>
+        <a:xfrm>
+          <a:off x="0" y="0"/>
+          <a:ext cx="0" cy="0"/>
+          <a:chOff x="0" y="0"/>
+          <a:chExt cx="0" cy="0"/>
+        </a:xfrm>
+      </p:grpSpPr>
+      <p:sp>
+        <p:nvSpPr>
+          <p:cNvPr id="4" name="Rectangle 3"/>
+          <p:cNvSpPr/>
+          <p:nvPr/>
+        </p:nvSpPr>
+        <p:spPr>
+          <a:xfrm>
+            <a:off x="0" y="0"/>
+            <a:ext cx="12192000" cy="6858000"/>
+          </a:xfrm>
+          <a:prstGeom prst="rect">
+            <a:avLst/>
+          </a:prstGeom>
+          <a:solidFill>
+            <a:schemeClr val="accent1">
+              <a:lumMod val="60000"/>
+              <a:lumOff val="40000"/>
+            </a:schemeClr>
+          </a:solidFill>
+        </p:spPr>
+        <p:style>
+          <a:lnRef idx="2">
+            <a:schemeClr val="accent2">
+              <a:shade val="50000"/>
+            </a:schemeClr>
+          </a:lnRef>
+          <a:fillRef idx="1">
+            <a:schemeClr val="accent2"/>
+          </a:fillRef>
+          <a:effectRef idx="0">
+            <a:schemeClr val="accent2"/>
+          </a:effectRef>
+          <a:fontRef idx="minor">
+            <a:schemeClr val="lt1"/>
+          </a:fontRef>
+        </p:style>
+        <p:txBody>
+          <a:bodyPr rtlCol="0" anchor="ctr"/>
+          <a:lstStyle/>
+          <a:p>
+            <a:pPr algn="ctr"/>
             <a:endParaRPr lang="en-GB" dirty="0"/>
+          </a:p>
+        </p:txBody>
+      </p:sp>
+      <p:sp>
+        <p:nvSpPr>
+          <p:cNvPr id="2" name="Title 1"/>
+          <p:cNvSpPr>
+            <a:spLocks noGrp="1"/>
+          </p:cNvSpPr>
+          <p:nvPr>
+            <p:ph type="ctrTitle"/>
+          </p:nvPr>
+        </p:nvSpPr>
+        <p:spPr>
+          <a:xfrm>
+            <a:off x="103517" y="182084"/>
+            <a:ext cx="11930332" cy="1103252"/>
+          </a:xfrm>
+        </p:spPr>
+        <p:txBody>
+          <a:bodyPr>
+            <a:normAutofit/>
+          </a:bodyPr>
+          <a:lstStyle/>
+          <a:p>
+            <a:r>
+              <a:rPr lang="en-GB" dirty="0"/>
+              <a:t>Using Visual Studio</a:t>
+            </a:r>
+          </a:p>
+        </p:txBody>
+      </p:sp>
+      <p:sp>
+        <p:nvSpPr>
+          <p:cNvPr id="6" name="TextBox 5"/>
+          <p:cNvSpPr txBox="1"/>
+          <p:nvPr/>
+        </p:nvSpPr>
+        <p:spPr>
+          <a:xfrm>
+            <a:off x="6631950" y="1716532"/>
+            <a:ext cx="4633546" cy="3416320"/>
+          </a:xfrm>
+          <a:prstGeom prst="rect">
+            <a:avLst/>
+          </a:prstGeom>
+          <a:noFill/>
+        </p:spPr>
+        <p:txBody>
+          <a:bodyPr wrap="square" rtlCol="0">
+            <a:spAutoFit/>
+          </a:bodyPr>
+          <a:lstStyle/>
+          <a:p>
+            <a:r>
+              <a:rPr lang="en-GB" sz="2400" dirty="0"/>
+              <a:t>Pros</a:t>
+            </a:r>
+          </a:p>
+          <a:p>
+            <a:pPr marL="285750" indent="-285750">
+              <a:buFont typeface="Arial" panose="020B0604020202020204" pitchFamily="34" charset="0"/>
+              <a:buChar char="•"/>
+            </a:pPr>
+            <a:r>
+              <a:rPr lang="en-GB" sz="2400" dirty="0"/>
+              <a:t>Git support Built in – So you have Version control (at least in Community 2015)</a:t>
+            </a:r>
+          </a:p>
+          <a:p>
+            <a:pPr marL="285750" indent="-285750">
+              <a:buFont typeface="Arial" panose="020B0604020202020204" pitchFamily="34" charset="0"/>
+              <a:buChar char="•"/>
+            </a:pPr>
+            <a:r>
+              <a:rPr lang="en-GB" sz="2400" dirty="0"/>
+              <a:t>PowerShell Tools </a:t>
+            </a:r>
+            <a:r>
+              <a:rPr lang="en-GB" sz="2400" dirty="0" err="1"/>
+              <a:t>addon</a:t>
+            </a:r>
+            <a:r>
+              <a:rPr lang="en-GB" sz="2400" dirty="0"/>
+              <a:t> by Adam </a:t>
+            </a:r>
+            <a:r>
+              <a:rPr lang="en-GB" sz="2400" dirty="0" err="1"/>
+              <a:t>Discoll</a:t>
+            </a:r>
+            <a:r>
+              <a:rPr lang="en-GB" sz="2400" dirty="0"/>
+              <a:t> gives </a:t>
+            </a:r>
+            <a:r>
+              <a:rPr lang="en-GB" sz="2400" dirty="0" err="1"/>
+              <a:t>Intellisense</a:t>
+            </a:r>
+            <a:r>
+              <a:rPr lang="en-GB" sz="2400" dirty="0"/>
+              <a:t> &amp; PowerShell Project Definitions</a:t>
+            </a:r>
+          </a:p>
+          <a:p>
+            <a:pPr marL="285750" indent="-285750">
+              <a:buFont typeface="Arial" panose="020B0604020202020204" pitchFamily="34" charset="0"/>
+              <a:buChar char="•"/>
+            </a:pPr>
+            <a:r>
+              <a:rPr lang="en-GB" sz="2400" dirty="0"/>
+              <a:t>Multi Use editor – PowerShell / C# / JS etc</a:t>
+            </a:r>
+          </a:p>
+        </p:txBody>
+      </p:sp>
+      <p:sp>
+        <p:nvSpPr>
+          <p:cNvPr id="8" name="TextBox 7"/>
+          <p:cNvSpPr txBox="1"/>
+          <p:nvPr/>
+        </p:nvSpPr>
+        <p:spPr>
+          <a:xfrm>
+            <a:off x="577020" y="2886391"/>
+            <a:ext cx="5647592" cy="3693319"/>
+          </a:xfrm>
+          <a:prstGeom prst="rect">
+            <a:avLst/>
+          </a:prstGeom>
+          <a:noFill/>
+        </p:spPr>
+        <p:txBody>
+          <a:bodyPr wrap="square" rtlCol="0">
+            <a:spAutoFit/>
+          </a:bodyPr>
+          <a:lstStyle/>
+          <a:p>
+            <a:r>
+              <a:rPr lang="en-GB" sz="2400" dirty="0"/>
+              <a:t>Cons</a:t>
+            </a:r>
+          </a:p>
+          <a:p>
+            <a:pPr marL="285750" indent="-285750">
+              <a:buFont typeface="Arial" panose="020B0604020202020204" pitchFamily="34" charset="0"/>
+              <a:buChar char="•"/>
+            </a:pPr>
+            <a:r>
+              <a:rPr lang="en-GB" sz="2400" dirty="0"/>
+              <a:t>Still requires lots of work to be the go-to PowerShell Editor</a:t>
+            </a:r>
+          </a:p>
+          <a:p>
+            <a:pPr marL="285750" indent="-285750">
+              <a:buFont typeface="Arial" panose="020B0604020202020204" pitchFamily="34" charset="0"/>
+              <a:buChar char="•"/>
+            </a:pPr>
+            <a:r>
+              <a:rPr lang="en-GB" sz="2400" dirty="0"/>
+              <a:t>Additional install that you may not be able to run</a:t>
+            </a:r>
+          </a:p>
+          <a:p>
+            <a:pPr marL="285750" indent="-285750">
+              <a:buFont typeface="Arial" panose="020B0604020202020204" pitchFamily="34" charset="0"/>
+              <a:buChar char="•"/>
+            </a:pPr>
+            <a:r>
+              <a:rPr lang="en-GB" sz="2400" dirty="0"/>
+              <a:t>Too clunky for most PowerShell tasks</a:t>
+            </a:r>
+          </a:p>
+          <a:p>
+            <a:pPr marL="285750" indent="-285750">
+              <a:buFont typeface="Arial" panose="020B0604020202020204" pitchFamily="34" charset="0"/>
+              <a:buChar char="•"/>
+            </a:pPr>
+            <a:r>
+              <a:rPr lang="en-GB" sz="2400" dirty="0"/>
+              <a:t>PowerShell Tools bug caused multiple modules to have same GUID in PowerShell Gallery – (Now fixed)</a:t>
+            </a:r>
+          </a:p>
+          <a:p>
+            <a:endParaRPr lang="en-GB" dirty="0"/>
+          </a:p>
+        </p:txBody>
+      </p:sp>
+      <p:sp>
+        <p:nvSpPr>
+          <p:cNvPr id="7" name="TextBox 6"/>
+          <p:cNvSpPr txBox="1"/>
+          <p:nvPr/>
+        </p:nvSpPr>
+        <p:spPr>
+          <a:xfrm>
+            <a:off x="9784397" y="6395044"/>
+            <a:ext cx="2238022" cy="369332"/>
+          </a:xfrm>
+          <a:prstGeom prst="rect">
+            <a:avLst/>
+          </a:prstGeom>
+          <a:noFill/>
+        </p:spPr>
+        <p:txBody>
+          <a:bodyPr wrap="square" rtlCol="0">
+            <a:spAutoFit/>
+          </a:bodyPr>
+          <a:lstStyle/>
+          <a:p>
+            <a:r>
+              <a:rPr lang="en-GB" dirty="0"/>
+              <a:t>@ryanyates1990</a:t>
+            </a:r>
           </a:p>
         </p:txBody>
       </p:sp>
@@ -10516,925 +11654,6 @@
     </p:tnLst>
     <p:bldLst>
       <p:bldP spid="6" grpId="0" uiExpand="1" build="p"/>
-    </p:bldLst>
-  </p:timing>
-</p:sld>
-</file>
-
-<file path=ppt/slides/slide8.xml><?xml version="1.0" encoding="utf-8"?>
-<p:sld xmlns:a="http://schemas.openxmlformats.org/drawingml/2006/main" xmlns:r="http://schemas.openxmlformats.org/officeDocument/2006/relationships" xmlns:p="http://schemas.openxmlformats.org/presentationml/2006/main">
-  <p:cSld>
-    <p:spTree>
-      <p:nvGrpSpPr>
-        <p:cNvPr id="1" name=""/>
-        <p:cNvGrpSpPr/>
-        <p:nvPr/>
-      </p:nvGrpSpPr>
-      <p:grpSpPr>
-        <a:xfrm>
-          <a:off x="0" y="0"/>
-          <a:ext cx="0" cy="0"/>
-          <a:chOff x="0" y="0"/>
-          <a:chExt cx="0" cy="0"/>
-        </a:xfrm>
-      </p:grpSpPr>
-      <p:sp>
-        <p:nvSpPr>
-          <p:cNvPr id="4" name="Rectangle 3"/>
-          <p:cNvSpPr/>
-          <p:nvPr/>
-        </p:nvSpPr>
-        <p:spPr>
-          <a:xfrm>
-            <a:off x="0" y="-2"/>
-            <a:ext cx="12192000" cy="6858000"/>
-          </a:xfrm>
-          <a:prstGeom prst="rect">
-            <a:avLst/>
-          </a:prstGeom>
-          <a:solidFill>
-            <a:schemeClr val="accent1">
-              <a:lumMod val="60000"/>
-              <a:lumOff val="40000"/>
-            </a:schemeClr>
-          </a:solidFill>
-        </p:spPr>
-        <p:style>
-          <a:lnRef idx="2">
-            <a:schemeClr val="accent2">
-              <a:shade val="50000"/>
-            </a:schemeClr>
-          </a:lnRef>
-          <a:fillRef idx="1">
-            <a:schemeClr val="accent2"/>
-          </a:fillRef>
-          <a:effectRef idx="0">
-            <a:schemeClr val="accent2"/>
-          </a:effectRef>
-          <a:fontRef idx="minor">
-            <a:schemeClr val="lt1"/>
-          </a:fontRef>
-        </p:style>
-        <p:txBody>
-          <a:bodyPr rtlCol="0" anchor="ctr"/>
-          <a:lstStyle/>
-          <a:p>
-            <a:pPr algn="ctr"/>
-            <a:endParaRPr lang="en-GB" dirty="0"/>
-          </a:p>
-        </p:txBody>
-      </p:sp>
-      <p:sp>
-        <p:nvSpPr>
-          <p:cNvPr id="2" name="Title 1"/>
-          <p:cNvSpPr>
-            <a:spLocks noGrp="1"/>
-          </p:cNvSpPr>
-          <p:nvPr>
-            <p:ph type="ctrTitle"/>
-          </p:nvPr>
-        </p:nvSpPr>
-        <p:spPr>
-          <a:xfrm>
-            <a:off x="103517" y="182084"/>
-            <a:ext cx="11930332" cy="1103252"/>
-          </a:xfrm>
-        </p:spPr>
-        <p:txBody>
-          <a:bodyPr>
-            <a:normAutofit/>
-          </a:bodyPr>
-          <a:lstStyle/>
-          <a:p>
-            <a:r>
-              <a:rPr lang="en-GB" dirty="0"/>
-              <a:t>Pester</a:t>
-            </a:r>
-          </a:p>
-        </p:txBody>
-      </p:sp>
-      <p:sp>
-        <p:nvSpPr>
-          <p:cNvPr id="7" name="TextBox 6"/>
-          <p:cNvSpPr txBox="1"/>
-          <p:nvPr/>
-        </p:nvSpPr>
-        <p:spPr>
-          <a:xfrm>
-            <a:off x="626973" y="1532510"/>
-            <a:ext cx="4352193" cy="5078313"/>
-          </a:xfrm>
-          <a:prstGeom prst="rect">
-            <a:avLst/>
-          </a:prstGeom>
-          <a:noFill/>
-        </p:spPr>
-        <p:txBody>
-          <a:bodyPr wrap="square" rtlCol="0">
-            <a:spAutoFit/>
-          </a:bodyPr>
-          <a:lstStyle/>
-          <a:p>
-            <a:pPr marL="285750" indent="-285750">
-              <a:buFont typeface="Arial" panose="020B0604020202020204" pitchFamily="34" charset="0"/>
-              <a:buChar char="•"/>
-            </a:pPr>
-            <a:r>
-              <a:rPr lang="en-GB" dirty="0"/>
-              <a:t>A Unit &amp; Integration testing Foundation Framework</a:t>
-            </a:r>
-          </a:p>
-          <a:p>
-            <a:pPr marL="285750" indent="-285750">
-              <a:buFont typeface="Arial" panose="020B0604020202020204" pitchFamily="34" charset="0"/>
-              <a:buChar char="•"/>
-            </a:pPr>
-            <a:r>
-              <a:rPr lang="en-GB" dirty="0"/>
-              <a:t>Written in PowerShell</a:t>
-            </a:r>
-          </a:p>
-          <a:p>
-            <a:pPr marL="285750" indent="-285750">
-              <a:buFont typeface="Arial" panose="020B0604020202020204" pitchFamily="34" charset="0"/>
-              <a:buChar char="•"/>
-            </a:pPr>
-            <a:r>
-              <a:rPr lang="en-GB" dirty="0"/>
-              <a:t>Tests Written in Human readable syntax</a:t>
-            </a:r>
-          </a:p>
-          <a:p>
-            <a:pPr marL="285750" indent="-285750">
-              <a:buFont typeface="Arial" panose="020B0604020202020204" pitchFamily="34" charset="0"/>
-              <a:buChar char="•"/>
-            </a:pPr>
-            <a:r>
-              <a:rPr lang="en-GB" dirty="0"/>
-              <a:t>Prerequisite to have Pester Tests for DSC Resources – like </a:t>
-            </a:r>
-            <a:r>
-              <a:rPr lang="en-GB" dirty="0" err="1"/>
-              <a:t>SharePointDSC</a:t>
-            </a:r>
-            <a:r>
-              <a:rPr lang="en-GB" dirty="0"/>
-              <a:t> to test that code does what we expect it to</a:t>
-            </a:r>
-          </a:p>
-          <a:p>
-            <a:pPr marL="285750" indent="-285750">
-              <a:buFont typeface="Arial" panose="020B0604020202020204" pitchFamily="34" charset="0"/>
-              <a:buChar char="•"/>
-            </a:pPr>
-            <a:r>
-              <a:rPr lang="en-GB" dirty="0"/>
-              <a:t>Based on </a:t>
-            </a:r>
-            <a:r>
-              <a:rPr lang="en-GB" dirty="0" err="1"/>
-              <a:t>RSpec</a:t>
-            </a:r>
-            <a:r>
-              <a:rPr lang="en-GB" dirty="0"/>
-              <a:t> – the Ruby Testing Framework</a:t>
-            </a:r>
-          </a:p>
-          <a:p>
-            <a:pPr marL="285750" indent="-285750">
-              <a:buFont typeface="Arial" panose="020B0604020202020204" pitchFamily="34" charset="0"/>
-              <a:buChar char="•"/>
-            </a:pPr>
-            <a:r>
-              <a:rPr lang="en-GB" dirty="0"/>
-              <a:t>Additional layers of Frameworks being added – OVF, </a:t>
-            </a:r>
-            <a:r>
-              <a:rPr lang="en-GB" dirty="0" err="1"/>
-              <a:t>PoshSpec</a:t>
-            </a:r>
-            <a:r>
-              <a:rPr lang="en-GB" dirty="0"/>
-              <a:t> – to name a few</a:t>
-            </a:r>
-          </a:p>
-          <a:p>
-            <a:pPr marL="285750" indent="-285750">
-              <a:buFont typeface="Arial" panose="020B0604020202020204" pitchFamily="34" charset="0"/>
-              <a:buChar char="•"/>
-            </a:pPr>
-            <a:endParaRPr lang="en-GB" dirty="0"/>
-          </a:p>
-          <a:p>
-            <a:pPr marL="285750" indent="-285750">
-              <a:buFont typeface="Arial" panose="020B0604020202020204" pitchFamily="34" charset="0"/>
-              <a:buChar char="•"/>
-            </a:pPr>
-            <a:r>
-              <a:rPr lang="en-GB" dirty="0"/>
-              <a:t>A Key component for TDD</a:t>
-            </a:r>
-          </a:p>
-          <a:p>
-            <a:pPr marL="285750" indent="-285750">
-              <a:buFont typeface="Arial" panose="020B0604020202020204" pitchFamily="34" charset="0"/>
-              <a:buChar char="•"/>
-            </a:pPr>
-            <a:endParaRPr lang="en-GB" dirty="0"/>
-          </a:p>
-          <a:p>
-            <a:pPr marL="285750" indent="-285750">
-              <a:buFont typeface="Arial" panose="020B0604020202020204" pitchFamily="34" charset="0"/>
-              <a:buChar char="•"/>
-            </a:pPr>
-            <a:r>
-              <a:rPr lang="en-GB" dirty="0"/>
-              <a:t>Makes you not destroy existing scripts as you look to refactor (when tests are written well)</a:t>
-            </a:r>
-          </a:p>
-          <a:p>
-            <a:pPr marL="285750" indent="-285750">
-              <a:buFont typeface="Arial" panose="020B0604020202020204" pitchFamily="34" charset="0"/>
-              <a:buChar char="•"/>
-            </a:pPr>
-            <a:endParaRPr lang="en-GB" dirty="0"/>
-          </a:p>
-        </p:txBody>
-      </p:sp>
-      <p:pic>
-        <p:nvPicPr>
-          <p:cNvPr id="9" name="Picture 8"/>
-          <p:cNvPicPr>
-            <a:picLocks noChangeAspect="1"/>
-          </p:cNvPicPr>
-          <p:nvPr/>
-        </p:nvPicPr>
-        <p:blipFill>
-          <a:blip r:embed="rId2">
-            <a:extLst>
-              <a:ext uri="{28A0092B-C50C-407E-A947-70E740481C1C}">
-                <a14:useLocalDpi xmlns:a14="http://schemas.microsoft.com/office/drawing/2010/main" val="0"/>
-              </a:ext>
-            </a:extLst>
-          </a:blip>
-          <a:stretch>
-            <a:fillRect/>
-          </a:stretch>
-        </p:blipFill>
-        <p:spPr>
-          <a:xfrm>
-            <a:off x="6198939" y="1408911"/>
-            <a:ext cx="4939788" cy="3344648"/>
-          </a:xfrm>
-          <a:prstGeom prst="rect">
-            <a:avLst/>
-          </a:prstGeom>
-        </p:spPr>
-      </p:pic>
-      <p:pic>
-        <p:nvPicPr>
-          <p:cNvPr id="10" name="Picture 9"/>
-          <p:cNvPicPr>
-            <a:picLocks noChangeAspect="1"/>
-          </p:cNvPicPr>
-          <p:nvPr/>
-        </p:nvPicPr>
-        <p:blipFill rotWithShape="1">
-          <a:blip r:embed="rId3">
-            <a:extLst>
-              <a:ext uri="{28A0092B-C50C-407E-A947-70E740481C1C}">
-                <a14:useLocalDpi xmlns:a14="http://schemas.microsoft.com/office/drawing/2010/main" val="0"/>
-              </a:ext>
-            </a:extLst>
-          </a:blip>
-          <a:srcRect r="45921"/>
-          <a:stretch/>
-        </p:blipFill>
-        <p:spPr>
-          <a:xfrm>
-            <a:off x="6513014" y="4877134"/>
-            <a:ext cx="4413739" cy="1920406"/>
-          </a:xfrm>
-          <a:prstGeom prst="rect">
-            <a:avLst/>
-          </a:prstGeom>
-        </p:spPr>
-      </p:pic>
-    </p:spTree>
-    <p:extLst>
-      <p:ext uri="{BB962C8B-B14F-4D97-AF65-F5344CB8AC3E}">
-        <p14:creationId xmlns:p14="http://schemas.microsoft.com/office/powerpoint/2010/main" val="2923215940"/>
-      </p:ext>
-    </p:extLst>
-  </p:cSld>
-  <p:clrMapOvr>
-    <a:masterClrMapping/>
-  </p:clrMapOvr>
-  <p:timing>
-    <p:tnLst>
-      <p:par>
-        <p:cTn id="1" dur="indefinite" restart="never" nodeType="tmRoot">
-          <p:childTnLst>
-            <p:seq concurrent="1" nextAc="seek">
-              <p:cTn id="2" dur="indefinite" nodeType="mainSeq">
-                <p:childTnLst>
-                  <p:par>
-                    <p:cTn id="3" fill="hold">
-                      <p:stCondLst>
-                        <p:cond delay="indefinite"/>
-                      </p:stCondLst>
-                      <p:childTnLst>
-                        <p:par>
-                          <p:cTn id="4" fill="hold">
-                            <p:stCondLst>
-                              <p:cond delay="0"/>
-                            </p:stCondLst>
-                            <p:childTnLst>
-                              <p:par>
-                                <p:cTn id="5" presetID="1" presetClass="entr" presetSubtype="0" fill="hold" grpId="0" nodeType="clickEffect">
-                                  <p:stCondLst>
-                                    <p:cond delay="0"/>
-                                  </p:stCondLst>
-                                  <p:childTnLst>
-                                    <p:set>
-                                      <p:cBhvr>
-                                        <p:cTn id="6" dur="1" fill="hold">
-                                          <p:stCondLst>
-                                            <p:cond delay="0"/>
-                                          </p:stCondLst>
-                                        </p:cTn>
-                                        <p:tgtEl>
-                                          <p:spTgt spid="7">
-                                            <p:txEl>
-                                              <p:pRg st="0" end="0"/>
-                                            </p:txEl>
-                                          </p:spTgt>
-                                        </p:tgtEl>
-                                        <p:attrNameLst>
-                                          <p:attrName>style.visibility</p:attrName>
-                                        </p:attrNameLst>
-                                      </p:cBhvr>
-                                      <p:to>
-                                        <p:strVal val="visible"/>
-                                      </p:to>
-                                    </p:set>
-                                  </p:childTnLst>
-                                </p:cTn>
-                              </p:par>
-                            </p:childTnLst>
-                          </p:cTn>
-                        </p:par>
-                      </p:childTnLst>
-                    </p:cTn>
-                  </p:par>
-                  <p:par>
-                    <p:cTn id="7" fill="hold">
-                      <p:stCondLst>
-                        <p:cond delay="indefinite"/>
-                      </p:stCondLst>
-                      <p:childTnLst>
-                        <p:par>
-                          <p:cTn id="8" fill="hold">
-                            <p:stCondLst>
-                              <p:cond delay="0"/>
-                            </p:stCondLst>
-                            <p:childTnLst>
-                              <p:par>
-                                <p:cTn id="9" presetID="1" presetClass="entr" presetSubtype="0" fill="hold" grpId="0" nodeType="clickEffect">
-                                  <p:stCondLst>
-                                    <p:cond delay="0"/>
-                                  </p:stCondLst>
-                                  <p:childTnLst>
-                                    <p:set>
-                                      <p:cBhvr>
-                                        <p:cTn id="10" dur="1" fill="hold">
-                                          <p:stCondLst>
-                                            <p:cond delay="0"/>
-                                          </p:stCondLst>
-                                        </p:cTn>
-                                        <p:tgtEl>
-                                          <p:spTgt spid="7">
-                                            <p:txEl>
-                                              <p:pRg st="1" end="1"/>
-                                            </p:txEl>
-                                          </p:spTgt>
-                                        </p:tgtEl>
-                                        <p:attrNameLst>
-                                          <p:attrName>style.visibility</p:attrName>
-                                        </p:attrNameLst>
-                                      </p:cBhvr>
-                                      <p:to>
-                                        <p:strVal val="visible"/>
-                                      </p:to>
-                                    </p:set>
-                                  </p:childTnLst>
-                                </p:cTn>
-                              </p:par>
-                            </p:childTnLst>
-                          </p:cTn>
-                        </p:par>
-                      </p:childTnLst>
-                    </p:cTn>
-                  </p:par>
-                  <p:par>
-                    <p:cTn id="11" fill="hold">
-                      <p:stCondLst>
-                        <p:cond delay="indefinite"/>
-                      </p:stCondLst>
-                      <p:childTnLst>
-                        <p:par>
-                          <p:cTn id="12" fill="hold">
-                            <p:stCondLst>
-                              <p:cond delay="0"/>
-                            </p:stCondLst>
-                            <p:childTnLst>
-                              <p:par>
-                                <p:cTn id="13" presetID="1" presetClass="entr" presetSubtype="0" fill="hold" grpId="0" nodeType="clickEffect">
-                                  <p:stCondLst>
-                                    <p:cond delay="0"/>
-                                  </p:stCondLst>
-                                  <p:childTnLst>
-                                    <p:set>
-                                      <p:cBhvr>
-                                        <p:cTn id="14" dur="1" fill="hold">
-                                          <p:stCondLst>
-                                            <p:cond delay="0"/>
-                                          </p:stCondLst>
-                                        </p:cTn>
-                                        <p:tgtEl>
-                                          <p:spTgt spid="7">
-                                            <p:txEl>
-                                              <p:pRg st="2" end="2"/>
-                                            </p:txEl>
-                                          </p:spTgt>
-                                        </p:tgtEl>
-                                        <p:attrNameLst>
-                                          <p:attrName>style.visibility</p:attrName>
-                                        </p:attrNameLst>
-                                      </p:cBhvr>
-                                      <p:to>
-                                        <p:strVal val="visible"/>
-                                      </p:to>
-                                    </p:set>
-                                  </p:childTnLst>
-                                </p:cTn>
-                              </p:par>
-                            </p:childTnLst>
-                          </p:cTn>
-                        </p:par>
-                      </p:childTnLst>
-                    </p:cTn>
-                  </p:par>
-                  <p:par>
-                    <p:cTn id="15" fill="hold">
-                      <p:stCondLst>
-                        <p:cond delay="indefinite"/>
-                      </p:stCondLst>
-                      <p:childTnLst>
-                        <p:par>
-                          <p:cTn id="16" fill="hold">
-                            <p:stCondLst>
-                              <p:cond delay="0"/>
-                            </p:stCondLst>
-                            <p:childTnLst>
-                              <p:par>
-                                <p:cTn id="17" presetID="1" presetClass="entr" presetSubtype="0" fill="hold" grpId="0" nodeType="clickEffect">
-                                  <p:stCondLst>
-                                    <p:cond delay="0"/>
-                                  </p:stCondLst>
-                                  <p:childTnLst>
-                                    <p:set>
-                                      <p:cBhvr>
-                                        <p:cTn id="18" dur="1" fill="hold">
-                                          <p:stCondLst>
-                                            <p:cond delay="0"/>
-                                          </p:stCondLst>
-                                        </p:cTn>
-                                        <p:tgtEl>
-                                          <p:spTgt spid="7">
-                                            <p:txEl>
-                                              <p:pRg st="3" end="3"/>
-                                            </p:txEl>
-                                          </p:spTgt>
-                                        </p:tgtEl>
-                                        <p:attrNameLst>
-                                          <p:attrName>style.visibility</p:attrName>
-                                        </p:attrNameLst>
-                                      </p:cBhvr>
-                                      <p:to>
-                                        <p:strVal val="visible"/>
-                                      </p:to>
-                                    </p:set>
-                                  </p:childTnLst>
-                                </p:cTn>
-                              </p:par>
-                            </p:childTnLst>
-                          </p:cTn>
-                        </p:par>
-                      </p:childTnLst>
-                    </p:cTn>
-                  </p:par>
-                  <p:par>
-                    <p:cTn id="19" fill="hold">
-                      <p:stCondLst>
-                        <p:cond delay="indefinite"/>
-                      </p:stCondLst>
-                      <p:childTnLst>
-                        <p:par>
-                          <p:cTn id="20" fill="hold">
-                            <p:stCondLst>
-                              <p:cond delay="0"/>
-                            </p:stCondLst>
-                            <p:childTnLst>
-                              <p:par>
-                                <p:cTn id="21" presetID="1" presetClass="entr" presetSubtype="0" fill="hold" grpId="0" nodeType="clickEffect">
-                                  <p:stCondLst>
-                                    <p:cond delay="0"/>
-                                  </p:stCondLst>
-                                  <p:childTnLst>
-                                    <p:set>
-                                      <p:cBhvr>
-                                        <p:cTn id="22" dur="1" fill="hold">
-                                          <p:stCondLst>
-                                            <p:cond delay="0"/>
-                                          </p:stCondLst>
-                                        </p:cTn>
-                                        <p:tgtEl>
-                                          <p:spTgt spid="7">
-                                            <p:txEl>
-                                              <p:pRg st="4" end="4"/>
-                                            </p:txEl>
-                                          </p:spTgt>
-                                        </p:tgtEl>
-                                        <p:attrNameLst>
-                                          <p:attrName>style.visibility</p:attrName>
-                                        </p:attrNameLst>
-                                      </p:cBhvr>
-                                      <p:to>
-                                        <p:strVal val="visible"/>
-                                      </p:to>
-                                    </p:set>
-                                  </p:childTnLst>
-                                </p:cTn>
-                              </p:par>
-                            </p:childTnLst>
-                          </p:cTn>
-                        </p:par>
-                      </p:childTnLst>
-                    </p:cTn>
-                  </p:par>
-                  <p:par>
-                    <p:cTn id="23" fill="hold">
-                      <p:stCondLst>
-                        <p:cond delay="indefinite"/>
-                      </p:stCondLst>
-                      <p:childTnLst>
-                        <p:par>
-                          <p:cTn id="24" fill="hold">
-                            <p:stCondLst>
-                              <p:cond delay="0"/>
-                            </p:stCondLst>
-                            <p:childTnLst>
-                              <p:par>
-                                <p:cTn id="25" presetID="1" presetClass="entr" presetSubtype="0" fill="hold" grpId="0" nodeType="clickEffect">
-                                  <p:stCondLst>
-                                    <p:cond delay="0"/>
-                                  </p:stCondLst>
-                                  <p:childTnLst>
-                                    <p:set>
-                                      <p:cBhvr>
-                                        <p:cTn id="26" dur="1" fill="hold">
-                                          <p:stCondLst>
-                                            <p:cond delay="0"/>
-                                          </p:stCondLst>
-                                        </p:cTn>
-                                        <p:tgtEl>
-                                          <p:spTgt spid="7">
-                                            <p:txEl>
-                                              <p:pRg st="5" end="5"/>
-                                            </p:txEl>
-                                          </p:spTgt>
-                                        </p:tgtEl>
-                                        <p:attrNameLst>
-                                          <p:attrName>style.visibility</p:attrName>
-                                        </p:attrNameLst>
-                                      </p:cBhvr>
-                                      <p:to>
-                                        <p:strVal val="visible"/>
-                                      </p:to>
-                                    </p:set>
-                                  </p:childTnLst>
-                                </p:cTn>
-                              </p:par>
-                            </p:childTnLst>
-                          </p:cTn>
-                        </p:par>
-                      </p:childTnLst>
-                    </p:cTn>
-                  </p:par>
-                  <p:par>
-                    <p:cTn id="27" fill="hold">
-                      <p:stCondLst>
-                        <p:cond delay="indefinite"/>
-                      </p:stCondLst>
-                      <p:childTnLst>
-                        <p:par>
-                          <p:cTn id="28" fill="hold">
-                            <p:stCondLst>
-                              <p:cond delay="0"/>
-                            </p:stCondLst>
-                            <p:childTnLst>
-                              <p:par>
-                                <p:cTn id="29" presetID="1" presetClass="entr" presetSubtype="0" fill="hold" grpId="0" nodeType="clickEffect">
-                                  <p:stCondLst>
-                                    <p:cond delay="0"/>
-                                  </p:stCondLst>
-                                  <p:childTnLst>
-                                    <p:set>
-                                      <p:cBhvr>
-                                        <p:cTn id="30" dur="1" fill="hold">
-                                          <p:stCondLst>
-                                            <p:cond delay="0"/>
-                                          </p:stCondLst>
-                                        </p:cTn>
-                                        <p:tgtEl>
-                                          <p:spTgt spid="7">
-                                            <p:txEl>
-                                              <p:pRg st="7" end="7"/>
-                                            </p:txEl>
-                                          </p:spTgt>
-                                        </p:tgtEl>
-                                        <p:attrNameLst>
-                                          <p:attrName>style.visibility</p:attrName>
-                                        </p:attrNameLst>
-                                      </p:cBhvr>
-                                      <p:to>
-                                        <p:strVal val="visible"/>
-                                      </p:to>
-                                    </p:set>
-                                  </p:childTnLst>
-                                </p:cTn>
-                              </p:par>
-                            </p:childTnLst>
-                          </p:cTn>
-                        </p:par>
-                      </p:childTnLst>
-                    </p:cTn>
-                  </p:par>
-                  <p:par>
-                    <p:cTn id="31" fill="hold">
-                      <p:stCondLst>
-                        <p:cond delay="indefinite"/>
-                      </p:stCondLst>
-                      <p:childTnLst>
-                        <p:par>
-                          <p:cTn id="32" fill="hold">
-                            <p:stCondLst>
-                              <p:cond delay="0"/>
-                            </p:stCondLst>
-                            <p:childTnLst>
-                              <p:par>
-                                <p:cTn id="33" presetID="1" presetClass="entr" presetSubtype="0" fill="hold" grpId="0" nodeType="clickEffect">
-                                  <p:stCondLst>
-                                    <p:cond delay="0"/>
-                                  </p:stCondLst>
-                                  <p:childTnLst>
-                                    <p:set>
-                                      <p:cBhvr>
-                                        <p:cTn id="34" dur="1" fill="hold">
-                                          <p:stCondLst>
-                                            <p:cond delay="0"/>
-                                          </p:stCondLst>
-                                        </p:cTn>
-                                        <p:tgtEl>
-                                          <p:spTgt spid="7">
-                                            <p:txEl>
-                                              <p:pRg st="9" end="9"/>
-                                            </p:txEl>
-                                          </p:spTgt>
-                                        </p:tgtEl>
-                                        <p:attrNameLst>
-                                          <p:attrName>style.visibility</p:attrName>
-                                        </p:attrNameLst>
-                                      </p:cBhvr>
-                                      <p:to>
-                                        <p:strVal val="visible"/>
-                                      </p:to>
-                                    </p:set>
-                                  </p:childTnLst>
-                                </p:cTn>
-                              </p:par>
-                            </p:childTnLst>
-                          </p:cTn>
-                        </p:par>
-                      </p:childTnLst>
-                    </p:cTn>
-                  </p:par>
-                  <p:par>
-                    <p:cTn id="35" fill="hold">
-                      <p:stCondLst>
-                        <p:cond delay="indefinite"/>
-                      </p:stCondLst>
-                      <p:childTnLst>
-                        <p:par>
-                          <p:cTn id="36" fill="hold">
-                            <p:stCondLst>
-                              <p:cond delay="0"/>
-                            </p:stCondLst>
-                            <p:childTnLst>
-                              <p:par>
-                                <p:cTn id="37" presetID="2" presetClass="entr" presetSubtype="4" fill="hold" nodeType="clickEffect">
-                                  <p:stCondLst>
-                                    <p:cond delay="0"/>
-                                  </p:stCondLst>
-                                  <p:childTnLst>
-                                    <p:set>
-                                      <p:cBhvr>
-                                        <p:cTn id="38" dur="1" fill="hold">
-                                          <p:stCondLst>
-                                            <p:cond delay="0"/>
-                                          </p:stCondLst>
-                                        </p:cTn>
-                                        <p:tgtEl>
-                                          <p:spTgt spid="9"/>
-                                        </p:tgtEl>
-                                        <p:attrNameLst>
-                                          <p:attrName>style.visibility</p:attrName>
-                                        </p:attrNameLst>
-                                      </p:cBhvr>
-                                      <p:to>
-                                        <p:strVal val="visible"/>
-                                      </p:to>
-                                    </p:set>
-                                    <p:anim calcmode="lin" valueType="num">
-                                      <p:cBhvr additive="base">
-                                        <p:cTn id="39" dur="500" fill="hold"/>
-                                        <p:tgtEl>
-                                          <p:spTgt spid="9"/>
-                                        </p:tgtEl>
-                                        <p:attrNameLst>
-                                          <p:attrName>ppt_x</p:attrName>
-                                        </p:attrNameLst>
-                                      </p:cBhvr>
-                                      <p:tavLst>
-                                        <p:tav tm="0">
-                                          <p:val>
-                                            <p:strVal val="#ppt_x"/>
-                                          </p:val>
-                                        </p:tav>
-                                        <p:tav tm="100000">
-                                          <p:val>
-                                            <p:strVal val="#ppt_x"/>
-                                          </p:val>
-                                        </p:tav>
-                                      </p:tavLst>
-                                    </p:anim>
-                                    <p:anim calcmode="lin" valueType="num">
-                                      <p:cBhvr additive="base">
-                                        <p:cTn id="40" dur="500" fill="hold"/>
-                                        <p:tgtEl>
-                                          <p:spTgt spid="9"/>
-                                        </p:tgtEl>
-                                        <p:attrNameLst>
-                                          <p:attrName>ppt_y</p:attrName>
-                                        </p:attrNameLst>
-                                      </p:cBhvr>
-                                      <p:tavLst>
-                                        <p:tav tm="0">
-                                          <p:val>
-                                            <p:strVal val="1+#ppt_h/2"/>
-                                          </p:val>
-                                        </p:tav>
-                                        <p:tav tm="100000">
-                                          <p:val>
-                                            <p:strVal val="#ppt_y"/>
-                                          </p:val>
-                                        </p:tav>
-                                      </p:tavLst>
-                                    </p:anim>
-                                  </p:childTnLst>
-                                </p:cTn>
-                              </p:par>
-                            </p:childTnLst>
-                          </p:cTn>
-                        </p:par>
-                      </p:childTnLst>
-                    </p:cTn>
-                  </p:par>
-                  <p:par>
-                    <p:cTn id="41" fill="hold">
-                      <p:stCondLst>
-                        <p:cond delay="indefinite"/>
-                      </p:stCondLst>
-                      <p:childTnLst>
-                        <p:par>
-                          <p:cTn id="42" fill="hold">
-                            <p:stCondLst>
-                              <p:cond delay="0"/>
-                            </p:stCondLst>
-                            <p:childTnLst>
-                              <p:par>
-                                <p:cTn id="43" presetID="2" presetClass="entr" presetSubtype="4" fill="hold" nodeType="clickEffect">
-                                  <p:stCondLst>
-                                    <p:cond delay="0"/>
-                                  </p:stCondLst>
-                                  <p:childTnLst>
-                                    <p:set>
-                                      <p:cBhvr>
-                                        <p:cTn id="44" dur="1" fill="hold">
-                                          <p:stCondLst>
-                                            <p:cond delay="0"/>
-                                          </p:stCondLst>
-                                        </p:cTn>
-                                        <p:tgtEl>
-                                          <p:spTgt spid="10"/>
-                                        </p:tgtEl>
-                                        <p:attrNameLst>
-                                          <p:attrName>style.visibility</p:attrName>
-                                        </p:attrNameLst>
-                                      </p:cBhvr>
-                                      <p:to>
-                                        <p:strVal val="visible"/>
-                                      </p:to>
-                                    </p:set>
-                                    <p:anim calcmode="lin" valueType="num">
-                                      <p:cBhvr additive="base">
-                                        <p:cTn id="45" dur="500" fill="hold"/>
-                                        <p:tgtEl>
-                                          <p:spTgt spid="10"/>
-                                        </p:tgtEl>
-                                        <p:attrNameLst>
-                                          <p:attrName>ppt_x</p:attrName>
-                                        </p:attrNameLst>
-                                      </p:cBhvr>
-                                      <p:tavLst>
-                                        <p:tav tm="0">
-                                          <p:val>
-                                            <p:strVal val="#ppt_x"/>
-                                          </p:val>
-                                        </p:tav>
-                                        <p:tav tm="100000">
-                                          <p:val>
-                                            <p:strVal val="#ppt_x"/>
-                                          </p:val>
-                                        </p:tav>
-                                      </p:tavLst>
-                                    </p:anim>
-                                    <p:anim calcmode="lin" valueType="num">
-                                      <p:cBhvr additive="base">
-                                        <p:cTn id="46" dur="500" fill="hold"/>
-                                        <p:tgtEl>
-                                          <p:spTgt spid="10"/>
-                                        </p:tgtEl>
-                                        <p:attrNameLst>
-                                          <p:attrName>ppt_y</p:attrName>
-                                        </p:attrNameLst>
-                                      </p:cBhvr>
-                                      <p:tavLst>
-                                        <p:tav tm="0">
-                                          <p:val>
-                                            <p:strVal val="1+#ppt_h/2"/>
-                                          </p:val>
-                                        </p:tav>
-                                        <p:tav tm="100000">
-                                          <p:val>
-                                            <p:strVal val="#ppt_y"/>
-                                          </p:val>
-                                        </p:tav>
-                                      </p:tavLst>
-                                    </p:anim>
-                                  </p:childTnLst>
-                                </p:cTn>
-                              </p:par>
-                            </p:childTnLst>
-                          </p:cTn>
-                        </p:par>
-                      </p:childTnLst>
-                    </p:cTn>
-                  </p:par>
-                </p:childTnLst>
-              </p:cTn>
-              <p:prevCondLst>
-                <p:cond evt="onPrev" delay="0">
-                  <p:tgtEl>
-                    <p:sldTgt/>
-                  </p:tgtEl>
-                </p:cond>
-              </p:prevCondLst>
-              <p:nextCondLst>
-                <p:cond evt="onNext" delay="0">
-                  <p:tgtEl>
-                    <p:sldTgt/>
-                  </p:tgtEl>
-                </p:cond>
-              </p:nextCondLst>
-            </p:seq>
-          </p:childTnLst>
-        </p:cTn>
-      </p:par>
-    </p:tnLst>
-    <p:bldLst>
-      <p:bldP spid="7" grpId="0" uiExpand="1" build="p"/>
     </p:bldLst>
   </p:timing>
 </p:sld>
@@ -11527,21 +11746,21 @@
           <a:p>
             <a:r>
               <a:rPr lang="en-GB" dirty="0"/>
-              <a:t>2 Additional Tools to start Using	</a:t>
+              <a:t>Pester</a:t>
             </a:r>
           </a:p>
         </p:txBody>
       </p:sp>
       <p:sp>
         <p:nvSpPr>
-          <p:cNvPr id="6" name="TextBox 5"/>
+          <p:cNvPr id="7" name="TextBox 6"/>
           <p:cNvSpPr txBox="1"/>
           <p:nvPr/>
         </p:nvSpPr>
         <p:spPr>
           <a:xfrm>
-            <a:off x="7025053" y="1258368"/>
-            <a:ext cx="3842825" cy="707886"/>
+            <a:off x="626973" y="1242030"/>
+            <a:ext cx="4743685" cy="5601533"/>
           </a:xfrm>
           <a:prstGeom prst="rect">
             <a:avLst/>
@@ -11554,42 +11773,121 @@
           </a:bodyPr>
           <a:lstStyle/>
           <a:p>
-            <a:r>
-              <a:rPr lang="en-GB" sz="4000" dirty="0"/>
-              <a:t>PSScriptAnalyzer</a:t>
-            </a:r>
-          </a:p>
-        </p:txBody>
-      </p:sp>
-      <p:sp>
-        <p:nvSpPr>
-          <p:cNvPr id="8" name="TextBox 7"/>
-          <p:cNvSpPr txBox="1"/>
-          <p:nvPr/>
-        </p:nvSpPr>
-        <p:spPr>
-          <a:xfrm>
-            <a:off x="6770368" y="1999764"/>
-            <a:ext cx="4352193" cy="4801314"/>
-          </a:xfrm>
-          <a:prstGeom prst="rect">
-            <a:avLst/>
-          </a:prstGeom>
-          <a:noFill/>
-        </p:spPr>
-        <p:txBody>
-          <a:bodyPr wrap="square" rtlCol="0">
-            <a:spAutoFit/>
-          </a:bodyPr>
-          <a:lstStyle/>
-          <a:p>
             <a:pPr marL="285750" indent="-285750">
               <a:buFont typeface="Arial" panose="020B0604020202020204" pitchFamily="34" charset="0"/>
               <a:buChar char="•"/>
             </a:pPr>
             <a:r>
-              <a:rPr lang="en-GB" dirty="0"/>
-              <a:t>Static Code Analysis of your PowerShell scripts – think SPCAF</a:t>
+              <a:rPr lang="en-GB" sz="2000" dirty="0"/>
+              <a:t>A Unit &amp; Integration testing Foundation Framework</a:t>
+            </a:r>
+          </a:p>
+          <a:p>
+            <a:pPr marL="285750" indent="-285750">
+              <a:buFont typeface="Arial" panose="020B0604020202020204" pitchFamily="34" charset="0"/>
+              <a:buChar char="•"/>
+            </a:pPr>
+            <a:r>
+              <a:rPr lang="en-GB" sz="2000" dirty="0"/>
+              <a:t>Written in PowerShell</a:t>
+            </a:r>
+          </a:p>
+          <a:p>
+            <a:pPr marL="285750" indent="-285750">
+              <a:buFont typeface="Arial" panose="020B0604020202020204" pitchFamily="34" charset="0"/>
+              <a:buChar char="•"/>
+            </a:pPr>
+            <a:r>
+              <a:rPr lang="en-GB" sz="2000" dirty="0"/>
+              <a:t>Tests Written in Human readable syntax</a:t>
+            </a:r>
+          </a:p>
+          <a:p>
+            <a:pPr marL="285750" indent="-285750">
+              <a:buFont typeface="Arial" panose="020B0604020202020204" pitchFamily="34" charset="0"/>
+              <a:buChar char="•"/>
+            </a:pPr>
+            <a:r>
+              <a:rPr lang="en-GB" sz="2000" dirty="0"/>
+              <a:t>Prerequisite to have Pester Tests for DSC Resources – like </a:t>
+            </a:r>
+            <a:r>
+              <a:rPr lang="en-GB" sz="2000" dirty="0" err="1"/>
+              <a:t>SharePointDSC</a:t>
+            </a:r>
+            <a:r>
+              <a:rPr lang="en-GB" sz="2000" dirty="0"/>
+              <a:t> to test that code does what we expect it to</a:t>
+            </a:r>
+          </a:p>
+          <a:p>
+            <a:pPr marL="285750" indent="-285750">
+              <a:buFont typeface="Arial" panose="020B0604020202020204" pitchFamily="34" charset="0"/>
+              <a:buChar char="•"/>
+            </a:pPr>
+            <a:r>
+              <a:rPr lang="en-GB" sz="2000" dirty="0"/>
+              <a:t>Based on </a:t>
+            </a:r>
+            <a:r>
+              <a:rPr lang="en-GB" sz="2000" dirty="0" err="1"/>
+              <a:t>RSpec</a:t>
+            </a:r>
+            <a:r>
+              <a:rPr lang="en-GB" sz="2000" dirty="0"/>
+              <a:t> – the Ruby Testing Framework</a:t>
+            </a:r>
+          </a:p>
+          <a:p>
+            <a:pPr marL="285750" indent="-285750">
+              <a:buFont typeface="Arial" panose="020B0604020202020204" pitchFamily="34" charset="0"/>
+              <a:buChar char="•"/>
+            </a:pPr>
+            <a:r>
+              <a:rPr lang="en-GB" sz="2000" dirty="0"/>
+              <a:t>Additional layers of Frameworks being added – OVF, </a:t>
+            </a:r>
+            <a:r>
+              <a:rPr lang="en-GB" sz="2000" dirty="0" err="1"/>
+              <a:t>PoshSpec</a:t>
+            </a:r>
+            <a:r>
+              <a:rPr lang="en-GB" sz="2000" dirty="0"/>
+              <a:t> – to name a few</a:t>
+            </a:r>
+          </a:p>
+          <a:p>
+            <a:pPr marL="285750" indent="-285750">
+              <a:buFont typeface="Arial" panose="020B0604020202020204" pitchFamily="34" charset="0"/>
+              <a:buChar char="•"/>
+            </a:pPr>
+            <a:endParaRPr lang="en-GB" sz="2000" dirty="0"/>
+          </a:p>
+          <a:p>
+            <a:pPr marL="285750" indent="-285750">
+              <a:buFont typeface="Arial" panose="020B0604020202020204" pitchFamily="34" charset="0"/>
+              <a:buChar char="•"/>
+            </a:pPr>
+            <a:r>
+              <a:rPr lang="en-GB" sz="2000" dirty="0"/>
+              <a:t>A Key component for TDD</a:t>
+            </a:r>
+          </a:p>
+          <a:p>
+            <a:pPr marL="285750" indent="-285750">
+              <a:buFont typeface="Arial" panose="020B0604020202020204" pitchFamily="34" charset="0"/>
+              <a:buChar char="•"/>
+            </a:pPr>
+            <a:endParaRPr lang="en-GB" sz="2000" dirty="0"/>
+          </a:p>
+          <a:p>
+            <a:pPr marL="285750" indent="-285750">
+              <a:buFont typeface="Arial" panose="020B0604020202020204" pitchFamily="34" charset="0"/>
+              <a:buChar char="•"/>
+            </a:pPr>
+            <a:r>
+              <a:rPr lang="en-GB" sz="2000" dirty="0"/>
+              <a:t>Makes you not destroy existing scripts as you look to refactor (when tests are written well)</a:t>
             </a:r>
           </a:p>
           <a:p>
@@ -11598,100 +11896,6 @@
               <a:buChar char="•"/>
             </a:pPr>
             <a:endParaRPr lang="en-GB" dirty="0"/>
-          </a:p>
-          <a:p>
-            <a:pPr marL="285750" indent="-285750">
-              <a:buFont typeface="Arial" panose="020B0604020202020204" pitchFamily="34" charset="0"/>
-              <a:buChar char="•"/>
-            </a:pPr>
-            <a:r>
-              <a:rPr lang="en-GB" dirty="0"/>
-              <a:t>Written in C# but can be extended with PowerShell or C# Rules</a:t>
-            </a:r>
-          </a:p>
-          <a:p>
-            <a:pPr marL="285750" indent="-285750">
-              <a:buFont typeface="Arial" panose="020B0604020202020204" pitchFamily="34" charset="0"/>
-              <a:buChar char="•"/>
-            </a:pPr>
-            <a:endParaRPr lang="en-GB" dirty="0"/>
-          </a:p>
-          <a:p>
-            <a:pPr marL="285750" indent="-285750">
-              <a:buFont typeface="Arial" panose="020B0604020202020204" pitchFamily="34" charset="0"/>
-              <a:buChar char="•"/>
-            </a:pPr>
-            <a:r>
-              <a:rPr lang="en-GB" dirty="0"/>
-              <a:t>Continually being worked on</a:t>
-            </a:r>
-          </a:p>
-          <a:p>
-            <a:pPr marL="285750" indent="-285750">
-              <a:buFont typeface="Arial" panose="020B0604020202020204" pitchFamily="34" charset="0"/>
-              <a:buChar char="•"/>
-            </a:pPr>
-            <a:endParaRPr lang="en-GB" dirty="0"/>
-          </a:p>
-          <a:p>
-            <a:pPr marL="285750" indent="-285750">
-              <a:buFont typeface="Arial" panose="020B0604020202020204" pitchFamily="34" charset="0"/>
-              <a:buChar char="•"/>
-            </a:pPr>
-            <a:r>
-              <a:rPr lang="en-GB" dirty="0"/>
-              <a:t>Submits to the PowerShell Gallery get Run through the Script </a:t>
-            </a:r>
-            <a:r>
-              <a:rPr lang="en-GB" dirty="0" err="1"/>
-              <a:t>Analyzer</a:t>
-            </a:r>
-            <a:r>
-              <a:rPr lang="en-GB" dirty="0"/>
-              <a:t> and fails can mean that a submission gets removed</a:t>
-            </a:r>
-          </a:p>
-          <a:p>
-            <a:pPr marL="285750" indent="-285750">
-              <a:buFont typeface="Arial" panose="020B0604020202020204" pitchFamily="34" charset="0"/>
-              <a:buChar char="•"/>
-            </a:pPr>
-            <a:endParaRPr lang="en-GB" dirty="0"/>
-          </a:p>
-          <a:p>
-            <a:pPr marL="285750" indent="-285750">
-              <a:buFont typeface="Arial" panose="020B0604020202020204" pitchFamily="34" charset="0"/>
-              <a:buChar char="•"/>
-            </a:pPr>
-            <a:r>
-              <a:rPr lang="en-GB" dirty="0"/>
-              <a:t>Helps you to write better PowerShell</a:t>
-            </a:r>
-          </a:p>
-          <a:p>
-            <a:pPr marL="285750" indent="-285750">
-              <a:buFont typeface="Arial" panose="020B0604020202020204" pitchFamily="34" charset="0"/>
-              <a:buChar char="•"/>
-            </a:pPr>
-            <a:endParaRPr lang="en-GB" dirty="0"/>
-          </a:p>
-          <a:p>
-            <a:pPr marL="285750" indent="-285750">
-              <a:buFont typeface="Arial" panose="020B0604020202020204" pitchFamily="34" charset="0"/>
-              <a:buChar char="•"/>
-            </a:pPr>
-            <a:r>
-              <a:rPr lang="en-GB" dirty="0"/>
-              <a:t>Based on </a:t>
-            </a:r>
-            <a:r>
-              <a:rPr lang="en-GB" dirty="0" err="1"/>
-              <a:t>StyleCop</a:t>
-            </a:r>
-            <a:r>
-              <a:rPr lang="en-GB" dirty="0"/>
-              <a:t> and other Code Analysis frameworks</a:t>
-            </a:r>
           </a:p>
         </p:txBody>
       </p:sp>
@@ -11717,18 +11921,76 @@
         </p:blipFill>
         <p:spPr>
           <a:xfrm>
-            <a:off x="360485" y="2333203"/>
-            <a:ext cx="6226620" cy="3243503"/>
+            <a:off x="6811683" y="1285336"/>
+            <a:ext cx="4939788" cy="3344648"/>
           </a:xfrm>
           <a:prstGeom prst="rect">
             <a:avLst/>
           </a:prstGeom>
         </p:spPr>
       </p:pic>
+      <p:pic>
+        <p:nvPicPr>
+          <p:cNvPr id="10" name="Picture 9"/>
+          <p:cNvPicPr>
+            <a:picLocks noChangeAspect="1"/>
+          </p:cNvPicPr>
+          <p:nvPr/>
+        </p:nvPicPr>
+        <p:blipFill rotWithShape="1">
+          <a:blip r:embed="rId3">
+            <a:extLst>
+              <a:ext uri="{28A0092B-C50C-407E-A947-70E740481C1C}">
+                <a14:useLocalDpi xmlns:a14="http://schemas.microsoft.com/office/drawing/2010/main" val="0"/>
+              </a:ext>
+            </a:extLst>
+          </a:blip>
+          <a:srcRect r="45921"/>
+          <a:stretch/>
+        </p:blipFill>
+        <p:spPr>
+          <a:xfrm>
+            <a:off x="5370658" y="4843970"/>
+            <a:ext cx="4413739" cy="1920406"/>
+          </a:xfrm>
+          <a:prstGeom prst="rect">
+            <a:avLst/>
+          </a:prstGeom>
+        </p:spPr>
+      </p:pic>
+      <p:sp>
+        <p:nvSpPr>
+          <p:cNvPr id="8" name="TextBox 7"/>
+          <p:cNvSpPr txBox="1"/>
+          <p:nvPr/>
+        </p:nvSpPr>
+        <p:spPr>
+          <a:xfrm>
+            <a:off x="9784397" y="6395044"/>
+            <a:ext cx="2238022" cy="369332"/>
+          </a:xfrm>
+          <a:prstGeom prst="rect">
+            <a:avLst/>
+          </a:prstGeom>
+          <a:noFill/>
+        </p:spPr>
+        <p:txBody>
+          <a:bodyPr wrap="square" rtlCol="0">
+            <a:spAutoFit/>
+          </a:bodyPr>
+          <a:lstStyle/>
+          <a:p>
+            <a:r>
+              <a:rPr lang="en-GB" dirty="0"/>
+              <a:t>@ryanyates1990</a:t>
+            </a:r>
+          </a:p>
+        </p:txBody>
+      </p:sp>
     </p:spTree>
     <p:extLst>
       <p:ext uri="{BB962C8B-B14F-4D97-AF65-F5344CB8AC3E}">
-        <p14:creationId xmlns:p14="http://schemas.microsoft.com/office/powerpoint/2010/main" val="3380733063"/>
+        <p14:creationId xmlns:p14="http://schemas.microsoft.com/office/powerpoint/2010/main" val="2923215940"/>
       </p:ext>
     </p:extLst>
   </p:cSld>
@@ -11769,7 +12031,11 @@
                                           </p:stCondLst>
                                         </p:cTn>
                                         <p:tgtEl>
-                                          <p:spTgt spid="6"/>
+                                          <p:spTgt spid="7">
+                                            <p:txEl>
+                                              <p:pRg st="0" end="0"/>
+                                            </p:txEl>
+                                          </p:spTgt>
                                         </p:tgtEl>
                                         <p:attrNameLst>
                                           <p:attrName>style.visibility</p:attrName>
@@ -11814,9 +12080,9 @@
                                           </p:stCondLst>
                                         </p:cTn>
                                         <p:tgtEl>
-                                          <p:spTgt spid="8">
+                                          <p:spTgt spid="7">
                                             <p:txEl>
-                                              <p:pRg st="0" end="0"/>
+                                              <p:pRg st="1" end="1"/>
                                             </p:txEl>
                                           </p:spTgt>
                                         </p:tgtEl>
@@ -11863,7 +12129,7 @@
                                           </p:stCondLst>
                                         </p:cTn>
                                         <p:tgtEl>
-                                          <p:spTgt spid="8">
+                                          <p:spTgt spid="7">
                                             <p:txEl>
                                               <p:pRg st="2" end="2"/>
                                             </p:txEl>
@@ -11912,9 +12178,9 @@
                                           </p:stCondLst>
                                         </p:cTn>
                                         <p:tgtEl>
-                                          <p:spTgt spid="8">
+                                          <p:spTgt spid="7">
                                             <p:txEl>
-                                              <p:pRg st="4" end="4"/>
+                                              <p:pRg st="3" end="3"/>
                                             </p:txEl>
                                           </p:spTgt>
                                         </p:tgtEl>
@@ -11961,9 +12227,9 @@
                                           </p:stCondLst>
                                         </p:cTn>
                                         <p:tgtEl>
-                                          <p:spTgt spid="8">
+                                          <p:spTgt spid="7">
                                             <p:txEl>
-                                              <p:pRg st="6" end="6"/>
+                                              <p:pRg st="4" end="4"/>
                                             </p:txEl>
                                           </p:spTgt>
                                         </p:tgtEl>
@@ -12010,9 +12276,9 @@
                                           </p:stCondLst>
                                         </p:cTn>
                                         <p:tgtEl>
-                                          <p:spTgt spid="8">
+                                          <p:spTgt spid="7">
                                             <p:txEl>
-                                              <p:pRg st="8" end="8"/>
+                                              <p:pRg st="5" end="5"/>
                                             </p:txEl>
                                           </p:spTgt>
                                         </p:tgtEl>
@@ -12059,9 +12325,9 @@
                                           </p:stCondLst>
                                         </p:cTn>
                                         <p:tgtEl>
-                                          <p:spTgt spid="8">
+                                          <p:spTgt spid="7">
                                             <p:txEl>
-                                              <p:pRg st="10" end="10"/>
+                                              <p:pRg st="7" end="7"/>
                                             </p:txEl>
                                           </p:spTgt>
                                         </p:tgtEl>
@@ -12095,7 +12361,7 @@
                             </p:stCondLst>
                             <p:childTnLst>
                               <p:par>
-                                <p:cTn id="33" presetID="2" presetClass="entr" presetSubtype="4" fill="hold" nodeType="clickEffect">
+                                <p:cTn id="33" presetID="1" presetClass="entr" presetSubtype="0" fill="hold" grpId="0" nodeType="clickEffect">
                                   <p:stCondLst>
                                     <p:cond delay="0"/>
                                   </p:stCondLst>
@@ -12103,6 +12369,55 @@
                                     <p:set>
                                       <p:cBhvr>
                                         <p:cTn id="34" dur="1" fill="hold">
+                                          <p:stCondLst>
+                                            <p:cond delay="0"/>
+                                          </p:stCondLst>
+                                        </p:cTn>
+                                        <p:tgtEl>
+                                          <p:spTgt spid="7">
+                                            <p:txEl>
+                                              <p:pRg st="9" end="9"/>
+                                            </p:txEl>
+                                          </p:spTgt>
+                                        </p:tgtEl>
+                                        <p:attrNameLst>
+                                          <p:attrName>style.visibility</p:attrName>
+                                        </p:attrNameLst>
+                                      </p:cBhvr>
+                                      <p:to>
+                                        <p:strVal val="visible"/>
+                                      </p:to>
+                                    </p:set>
+                                  </p:childTnLst>
+                                </p:cTn>
+                              </p:par>
+                            </p:childTnLst>
+                          </p:cTn>
+                        </p:par>
+                      </p:childTnLst>
+                    </p:cTn>
+                  </p:par>
+                  <p:par>
+                    <p:cTn id="35" fill="hold">
+                      <p:stCondLst>
+                        <p:cond delay="indefinite"/>
+                      </p:stCondLst>
+                      <p:childTnLst>
+                        <p:par>
+                          <p:cTn id="36" fill="hold">
+                            <p:stCondLst>
+                              <p:cond delay="0"/>
+                            </p:stCondLst>
+                            <p:childTnLst>
+                              <p:par>
+                                <p:cTn id="37" presetID="2" presetClass="entr" presetSubtype="4" fill="hold" nodeType="clickEffect">
+                                  <p:stCondLst>
+                                    <p:cond delay="0"/>
+                                  </p:stCondLst>
+                                  <p:childTnLst>
+                                    <p:set>
+                                      <p:cBhvr>
+                                        <p:cTn id="38" dur="1" fill="hold">
                                           <p:stCondLst>
                                             <p:cond delay="0"/>
                                           </p:stCondLst>
@@ -12120,7 +12435,7 @@
                                     </p:set>
                                     <p:anim calcmode="lin" valueType="num">
                                       <p:cBhvr additive="base">
-                                        <p:cTn id="35" dur="500" fill="hold"/>
+                                        <p:cTn id="39" dur="500" fill="hold"/>
                                         <p:tgtEl>
                                           <p:spTgt spid="9"/>
                                         </p:tgtEl>
@@ -12143,9 +12458,100 @@
                                     </p:anim>
                                     <p:anim calcmode="lin" valueType="num">
                                       <p:cBhvr additive="base">
-                                        <p:cTn id="36" dur="500" fill="hold"/>
+                                        <p:cTn id="40" dur="500" fill="hold"/>
                                         <p:tgtEl>
                                           <p:spTgt spid="9"/>
+                                        </p:tgtEl>
+                                        <p:attrNameLst>
+                                          <p:attrName>ppt_y</p:attrName>
+                                        </p:attrNameLst>
+                                      </p:cBhvr>
+                                      <p:tavLst>
+                                        <p:tav tm="0">
+                                          <p:val>
+                                            <p:strVal val="1+#ppt_h/2"/>
+                                          </p:val>
+                                        </p:tav>
+                                        <p:tav tm="100000">
+                                          <p:val>
+                                            <p:strVal val="#ppt_y"/>
+                                          </p:val>
+                                        </p:tav>
+                                      </p:tavLst>
+                                    </p:anim>
+                                  </p:childTnLst>
+                                </p:cTn>
+                              </p:par>
+                            </p:childTnLst>
+                          </p:cTn>
+                        </p:par>
+                      </p:childTnLst>
+                    </p:cTn>
+                  </p:par>
+                  <p:par>
+                    <p:cTn id="41" fill="hold">
+                      <p:stCondLst>
+                        <p:cond delay="indefinite"/>
+                      </p:stCondLst>
+                      <p:childTnLst>
+                        <p:par>
+                          <p:cTn id="42" fill="hold">
+                            <p:stCondLst>
+                              <p:cond delay="0"/>
+                            </p:stCondLst>
+                            <p:childTnLst>
+                              <p:par>
+                                <p:cTn id="43" presetID="2" presetClass="entr" presetSubtype="4" fill="hold" nodeType="clickEffect">
+                                  <p:stCondLst>
+                                    <p:cond delay="0"/>
+                                  </p:stCondLst>
+                                  <p:childTnLst>
+                                    <p:set>
+                                      <p:cBhvr>
+                                        <p:cTn id="44" dur="1" fill="hold">
+                                          <p:stCondLst>
+                                            <p:cond delay="0"/>
+                                          </p:stCondLst>
+                                        </p:cTn>
+                                        <p:tgtEl>
+                                          <p:spTgt spid="10"/>
+                                        </p:tgtEl>
+                                        <p:attrNameLst>
+                                          <p:attrName>style.visibility</p:attrName>
+                                        </p:attrNameLst>
+                                      </p:cBhvr>
+                                      <p:to>
+                                        <p:strVal val="visible"/>
+                                      </p:to>
+                                    </p:set>
+                                    <p:anim calcmode="lin" valueType="num">
+                                      <p:cBhvr additive="base">
+                                        <p:cTn id="45" dur="500" fill="hold"/>
+                                        <p:tgtEl>
+                                          <p:spTgt spid="10"/>
+                                        </p:tgtEl>
+                                        <p:attrNameLst>
+                                          <p:attrName>ppt_x</p:attrName>
+                                        </p:attrNameLst>
+                                      </p:cBhvr>
+                                      <p:tavLst>
+                                        <p:tav tm="0">
+                                          <p:val>
+                                            <p:strVal val="#ppt_x"/>
+                                          </p:val>
+                                        </p:tav>
+                                        <p:tav tm="100000">
+                                          <p:val>
+                                            <p:strVal val="#ppt_x"/>
+                                          </p:val>
+                                        </p:tav>
+                                      </p:tavLst>
+                                    </p:anim>
+                                    <p:anim calcmode="lin" valueType="num">
+                                      <p:cBhvr additive="base">
+                                        <p:cTn id="46" dur="500" fill="hold"/>
+                                        <p:tgtEl>
+                                          <p:spTgt spid="10"/>
                                         </p:tgtEl>
                                         <p:attrNameLst>
                                           <p:attrName>ppt_y</p:attrName>
@@ -12195,8 +12601,7 @@
       </p:par>
     </p:tnLst>
     <p:bldLst>
-      <p:bldP spid="6" grpId="0"/>
-      <p:bldP spid="8" grpId="0" build="p"/>
+      <p:bldP spid="7" grpId="0" uiExpand="1" build="p"/>
     </p:bldLst>
   </p:timing>
 </p:sld>

--- a/Teaching The It Pro How to Dev/Teaching the ITPro how to Dev.pptx
+++ b/Teaching The It Pro How to Dev/Teaching the ITPro how to Dev.pptx
@@ -210,7 +210,7 @@
           <a:p>
             <a:fld id="{3D7368E2-82AA-4A5C-9CBF-886E427DDC40}" type="datetimeFigureOut">
               <a:rPr lang="en-GB" smtClean="0"/>
-              <a:t>24/10/2016</a:t>
+              <a:t>15/07/2017</a:t>
             </a:fld>
             <a:endParaRPr lang="en-GB"/>
           </a:p>
@@ -693,7 +693,7 @@
           <a:p>
             <a:fld id="{D8D374B1-36E8-4293-89C8-B45A6D7B3AE1}" type="datetimeFigureOut">
               <a:rPr lang="en-GB" smtClean="0"/>
-              <a:t>24/10/2016</a:t>
+              <a:t>15/07/2017</a:t>
             </a:fld>
             <a:endParaRPr lang="en-GB" dirty="0"/>
           </a:p>
@@ -863,7 +863,7 @@
           <a:p>
             <a:fld id="{D8D374B1-36E8-4293-89C8-B45A6D7B3AE1}" type="datetimeFigureOut">
               <a:rPr lang="en-GB" smtClean="0"/>
-              <a:t>24/10/2016</a:t>
+              <a:t>15/07/2017</a:t>
             </a:fld>
             <a:endParaRPr lang="en-GB" dirty="0"/>
           </a:p>
@@ -1043,7 +1043,7 @@
           <a:p>
             <a:fld id="{D8D374B1-36E8-4293-89C8-B45A6D7B3AE1}" type="datetimeFigureOut">
               <a:rPr lang="en-GB" smtClean="0"/>
-              <a:t>24/10/2016</a:t>
+              <a:t>15/07/2017</a:t>
             </a:fld>
             <a:endParaRPr lang="en-GB" dirty="0"/>
           </a:p>
@@ -1213,7 +1213,7 @@
           <a:p>
             <a:fld id="{D8D374B1-36E8-4293-89C8-B45A6D7B3AE1}" type="datetimeFigureOut">
               <a:rPr lang="en-GB" smtClean="0"/>
-              <a:t>24/10/2016</a:t>
+              <a:t>15/07/2017</a:t>
             </a:fld>
             <a:endParaRPr lang="en-GB" dirty="0"/>
           </a:p>
@@ -1459,7 +1459,7 @@
           <a:p>
             <a:fld id="{D8D374B1-36E8-4293-89C8-B45A6D7B3AE1}" type="datetimeFigureOut">
               <a:rPr lang="en-GB" smtClean="0"/>
-              <a:t>24/10/2016</a:t>
+              <a:t>15/07/2017</a:t>
             </a:fld>
             <a:endParaRPr lang="en-GB" dirty="0"/>
           </a:p>
@@ -1691,7 +1691,7 @@
           <a:p>
             <a:fld id="{D8D374B1-36E8-4293-89C8-B45A6D7B3AE1}" type="datetimeFigureOut">
               <a:rPr lang="en-GB" smtClean="0"/>
-              <a:t>24/10/2016</a:t>
+              <a:t>15/07/2017</a:t>
             </a:fld>
             <a:endParaRPr lang="en-GB" dirty="0"/>
           </a:p>
@@ -2058,7 +2058,7 @@
           <a:p>
             <a:fld id="{D8D374B1-36E8-4293-89C8-B45A6D7B3AE1}" type="datetimeFigureOut">
               <a:rPr lang="en-GB" smtClean="0"/>
-              <a:t>24/10/2016</a:t>
+              <a:t>15/07/2017</a:t>
             </a:fld>
             <a:endParaRPr lang="en-GB" dirty="0"/>
           </a:p>
@@ -2176,7 +2176,7 @@
           <a:p>
             <a:fld id="{D8D374B1-36E8-4293-89C8-B45A6D7B3AE1}" type="datetimeFigureOut">
               <a:rPr lang="en-GB" smtClean="0"/>
-              <a:t>24/10/2016</a:t>
+              <a:t>15/07/2017</a:t>
             </a:fld>
             <a:endParaRPr lang="en-GB" dirty="0"/>
           </a:p>
@@ -2271,7 +2271,7 @@
           <a:p>
             <a:fld id="{D8D374B1-36E8-4293-89C8-B45A6D7B3AE1}" type="datetimeFigureOut">
               <a:rPr lang="en-GB" smtClean="0"/>
-              <a:t>24/10/2016</a:t>
+              <a:t>15/07/2017</a:t>
             </a:fld>
             <a:endParaRPr lang="en-GB" dirty="0"/>
           </a:p>
@@ -2548,7 +2548,7 @@
           <a:p>
             <a:fld id="{D8D374B1-36E8-4293-89C8-B45A6D7B3AE1}" type="datetimeFigureOut">
               <a:rPr lang="en-GB" smtClean="0"/>
-              <a:t>24/10/2016</a:t>
+              <a:t>15/07/2017</a:t>
             </a:fld>
             <a:endParaRPr lang="en-GB" dirty="0"/>
           </a:p>
@@ -2801,7 +2801,7 @@
           <a:p>
             <a:fld id="{D8D374B1-36E8-4293-89C8-B45A6D7B3AE1}" type="datetimeFigureOut">
               <a:rPr lang="en-GB" smtClean="0"/>
-              <a:t>24/10/2016</a:t>
+              <a:t>15/07/2017</a:t>
             </a:fld>
             <a:endParaRPr lang="en-GB" dirty="0"/>
           </a:p>
@@ -3014,7 +3014,7 @@
           <a:p>
             <a:fld id="{D8D374B1-36E8-4293-89C8-B45A6D7B3AE1}" type="datetimeFigureOut">
               <a:rPr lang="en-GB" smtClean="0"/>
-              <a:t>24/10/2016</a:t>
+              <a:t>15/07/2017</a:t>
             </a:fld>
             <a:endParaRPr lang="en-GB" dirty="0"/>
           </a:p>
@@ -4208,7 +4208,6 @@
               <a:rPr lang="en-GB" dirty="0"/>
               <a:t>PSScriptAnalyzer</a:t>
             </a:r>
-            <a:endParaRPr lang="en-GB" dirty="0"/>
           </a:p>
         </p:txBody>
       </p:sp>
@@ -5618,7 +5617,7 @@
           <a:p>
             <a:r>
               <a:rPr lang="en-GB" sz="2400" dirty="0"/>
-              <a:t>Ryan Yates – 26 &amp; a Microsoft Cloud &amp; </a:t>
+              <a:t>Ryan Yates – 27 &amp; a Microsoft Cloud &amp; </a:t>
             </a:r>
             <a:r>
               <a:rPr lang="en-GB" sz="2400" dirty="0" err="1"/>
